--- a/doc/my/物理学论文网站的设计与实现.pptx
+++ b/doc/my/物理学论文网站的设计与实现.pptx
@@ -5,10 +5,10 @@
     <p:sldMasterId id="2147483660" r:id="rId2"/>
   </p:sldMasterIdLst>
   <p:notesMasterIdLst>
-    <p:notesMasterId r:id="rId12"/>
+    <p:notesMasterId r:id="rId18"/>
   </p:notesMasterIdLst>
   <p:handoutMasterIdLst>
-    <p:handoutMasterId r:id="rId13"/>
+    <p:handoutMasterId r:id="rId19"/>
   </p:handoutMasterIdLst>
   <p:sldIdLst>
     <p:sldId id="264" r:id="rId3"/>
@@ -16,10 +16,16 @@
     <p:sldId id="281" r:id="rId5"/>
     <p:sldId id="277" r:id="rId6"/>
     <p:sldId id="278" r:id="rId7"/>
-    <p:sldId id="282" r:id="rId8"/>
-    <p:sldId id="283" r:id="rId9"/>
-    <p:sldId id="279" r:id="rId10"/>
-    <p:sldId id="266" r:id="rId11"/>
+    <p:sldId id="284" r:id="rId8"/>
+    <p:sldId id="287" r:id="rId9"/>
+    <p:sldId id="282" r:id="rId10"/>
+    <p:sldId id="285" r:id="rId11"/>
+    <p:sldId id="286" r:id="rId12"/>
+    <p:sldId id="289" r:id="rId13"/>
+    <p:sldId id="288" r:id="rId14"/>
+    <p:sldId id="283" r:id="rId15"/>
+    <p:sldId id="279" r:id="rId16"/>
+    <p:sldId id="266" r:id="rId17"/>
   </p:sldIdLst>
   <p:sldSz cx="12188825" cy="6858000"/>
   <p:notesSz cx="6858000" cy="9144000"/>
@@ -2814,6 +2820,13 @@
         </dgm:presLayoutVars>
       </dgm:prSet>
       <dgm:spPr/>
+      <dgm:t>
+        <a:bodyPr/>
+        <a:lstStyle/>
+        <a:p>
+          <a:endParaRPr lang="zh-CN" altLang="en-US"/>
+        </a:p>
+      </dgm:t>
     </dgm:pt>
     <dgm:pt modelId="{968444AA-C793-413E-B9E1-98C84D9EF202}" type="pres">
       <dgm:prSet presAssocID="{614326E8-FA4E-4C24-BEE1-EF6D8BC8073D}" presName="cycle" presStyleCnt="0"/>
@@ -2848,6 +2861,13 @@
     <dgm:pt modelId="{3D6E6D01-662C-4884-8BF6-A4177E466A0A}" type="pres">
       <dgm:prSet presAssocID="{01D11F50-3C14-4D05-8A7A-FEFB7FC96196}" presName="Name25" presStyleLbl="parChTrans1D1" presStyleIdx="0" presStyleCnt="3"/>
       <dgm:spPr/>
+      <dgm:t>
+        <a:bodyPr/>
+        <a:lstStyle/>
+        <a:p>
+          <a:endParaRPr lang="zh-CN" altLang="en-US"/>
+        </a:p>
+      </dgm:t>
     </dgm:pt>
     <dgm:pt modelId="{4DB8E2D4-FBBD-4B8B-B9C5-BAED625AEA0B}" type="pres">
       <dgm:prSet presAssocID="{656B03DC-79D5-46EC-9435-67D3A0E9508D}" presName="node" presStyleCnt="0"/>
@@ -2861,6 +2881,13 @@
         </dgm:presLayoutVars>
       </dgm:prSet>
       <dgm:spPr/>
+      <dgm:t>
+        <a:bodyPr/>
+        <a:lstStyle/>
+        <a:p>
+          <a:endParaRPr lang="zh-CN" altLang="en-US"/>
+        </a:p>
+      </dgm:t>
     </dgm:pt>
     <dgm:pt modelId="{C481871E-6A03-4CA0-B7CB-0DB36CD0BB96}" type="pres">
       <dgm:prSet presAssocID="{656B03DC-79D5-46EC-9435-67D3A0E9508D}" presName="childNode" presStyleLbl="revTx" presStyleIdx="0" presStyleCnt="3">
@@ -2869,10 +2896,24 @@
         </dgm:presLayoutVars>
       </dgm:prSet>
       <dgm:spPr/>
+      <dgm:t>
+        <a:bodyPr/>
+        <a:lstStyle/>
+        <a:p>
+          <a:endParaRPr lang="zh-CN" altLang="en-US"/>
+        </a:p>
+      </dgm:t>
     </dgm:pt>
     <dgm:pt modelId="{1D692372-FFE9-403C-B1BA-5D3E50A7FFBF}" type="pres">
       <dgm:prSet presAssocID="{709E6025-CE4A-4C79-970E-BD0A9C514705}" presName="Name25" presStyleLbl="parChTrans1D1" presStyleIdx="1" presStyleCnt="3"/>
       <dgm:spPr/>
+      <dgm:t>
+        <a:bodyPr/>
+        <a:lstStyle/>
+        <a:p>
+          <a:endParaRPr lang="zh-CN" altLang="en-US"/>
+        </a:p>
+      </dgm:t>
     </dgm:pt>
     <dgm:pt modelId="{E56E4A45-B8A3-4D33-9FCC-764A0A2B967C}" type="pres">
       <dgm:prSet presAssocID="{607B4D8A-1277-4FD4-BCBB-85C2D014B748}" presName="node" presStyleCnt="0"/>
@@ -2886,6 +2927,13 @@
         </dgm:presLayoutVars>
       </dgm:prSet>
       <dgm:spPr/>
+      <dgm:t>
+        <a:bodyPr/>
+        <a:lstStyle/>
+        <a:p>
+          <a:endParaRPr lang="zh-CN" altLang="en-US"/>
+        </a:p>
+      </dgm:t>
     </dgm:pt>
     <dgm:pt modelId="{CE4FA59D-875F-4863-A607-C6A92E6D2DBF}" type="pres">
       <dgm:prSet presAssocID="{607B4D8A-1277-4FD4-BCBB-85C2D014B748}" presName="childNode" presStyleLbl="revTx" presStyleIdx="1" presStyleCnt="3">
@@ -2894,10 +2942,24 @@
         </dgm:presLayoutVars>
       </dgm:prSet>
       <dgm:spPr/>
+      <dgm:t>
+        <a:bodyPr/>
+        <a:lstStyle/>
+        <a:p>
+          <a:endParaRPr lang="zh-CN" altLang="en-US"/>
+        </a:p>
+      </dgm:t>
     </dgm:pt>
     <dgm:pt modelId="{40443650-F154-4B68-AA75-34864A85C3CE}" type="pres">
       <dgm:prSet presAssocID="{89B0CC84-EFC7-4576-AF08-21E00EDE35D8}" presName="Name25" presStyleLbl="parChTrans1D1" presStyleIdx="2" presStyleCnt="3"/>
       <dgm:spPr/>
+      <dgm:t>
+        <a:bodyPr/>
+        <a:lstStyle/>
+        <a:p>
+          <a:endParaRPr lang="zh-CN" altLang="en-US"/>
+        </a:p>
+      </dgm:t>
     </dgm:pt>
     <dgm:pt modelId="{EA753D01-4BCD-44EE-95E0-4C785492B20E}" type="pres">
       <dgm:prSet presAssocID="{2BE53B9A-727E-470B-A75E-958E1C444D12}" presName="node" presStyleCnt="0"/>
@@ -2926,6 +2988,13 @@
         </dgm:presLayoutVars>
       </dgm:prSet>
       <dgm:spPr/>
+      <dgm:t>
+        <a:bodyPr/>
+        <a:lstStyle/>
+        <a:p>
+          <a:endParaRPr lang="zh-CN" altLang="en-US"/>
+        </a:p>
+      </dgm:t>
     </dgm:pt>
   </dgm:ptLst>
   <dgm:cxnLst>
@@ -3139,6 +3208,13 @@
         </dgm:presLayoutVars>
       </dgm:prSet>
       <dgm:spPr/>
+      <dgm:t>
+        <a:bodyPr/>
+        <a:lstStyle/>
+        <a:p>
+          <a:endParaRPr lang="zh-CN" altLang="en-US"/>
+        </a:p>
+      </dgm:t>
     </dgm:pt>
     <dgm:pt modelId="{3E9AC0C5-4681-4909-9852-D1A1DD8C021E}" type="pres">
       <dgm:prSet presAssocID="{468C310B-74B6-4545-8A03-9D1A9E036C78}" presName="sibTrans" presStyleCnt="0"/>
@@ -3151,16 +3227,23 @@
         </dgm:presLayoutVars>
       </dgm:prSet>
       <dgm:spPr/>
+      <dgm:t>
+        <a:bodyPr/>
+        <a:lstStyle/>
+        <a:p>
+          <a:endParaRPr lang="zh-CN" altLang="en-US"/>
+        </a:p>
+      </dgm:t>
     </dgm:pt>
   </dgm:ptLst>
   <dgm:cxnLst>
     <dgm:cxn modelId="{E55292BE-F840-4D76-BBFA-6907DE03522B}" srcId="{3BAFB246-9D2F-4F61-9F6C-9E44A9D6C056}" destId="{441B908F-7567-49D4-B268-91C252F34BD8}" srcOrd="1" destOrd="0" parTransId="{8C52BE4B-6D38-4ECC-B939-72C8B2F659E1}" sibTransId="{468C310B-74B6-4545-8A03-9D1A9E036C78}"/>
+    <dgm:cxn modelId="{470035D6-32B2-4B86-AAA5-F805A700C148}" type="presOf" srcId="{955AE31D-C088-4E3D-B862-033B2FB2EC9C}" destId="{5399EB3C-5DE7-46C5-9DF6-BFCCFE6BC940}" srcOrd="0" destOrd="0" presId="urn:microsoft.com/office/officeart/2005/8/layout/hProcess9"/>
+    <dgm:cxn modelId="{BC7FBCF8-D82E-48D6-9999-EDD49897F7E2}" type="presOf" srcId="{3BAFB246-9D2F-4F61-9F6C-9E44A9D6C056}" destId="{0FFD4675-072A-4188-9E8F-07524F12FFCF}" srcOrd="0" destOrd="0" presId="urn:microsoft.com/office/officeart/2005/8/layout/hProcess9"/>
+    <dgm:cxn modelId="{1B7F8307-B1CF-41D9-ACAD-4E7D319D1409}" type="presOf" srcId="{441B908F-7567-49D4-B268-91C252F34BD8}" destId="{60B0C7BE-83B2-4D44-A940-4B8A12219953}" srcOrd="0" destOrd="0" presId="urn:microsoft.com/office/officeart/2005/8/layout/hProcess9"/>
+    <dgm:cxn modelId="{F44B5013-C508-4C62-862E-DACEA4FC6360}" type="presOf" srcId="{F1B5F516-5449-411D-B8AA-777C4DD65990}" destId="{752C1B3F-1DA3-46C5-ABC7-BCEC3A1B18D4}" srcOrd="0" destOrd="0" presId="urn:microsoft.com/office/officeart/2005/8/layout/hProcess9"/>
+    <dgm:cxn modelId="{69D10350-FF28-471F-98B2-806E6B700886}" srcId="{3BAFB246-9D2F-4F61-9F6C-9E44A9D6C056}" destId="{F1B5F516-5449-411D-B8AA-777C4DD65990}" srcOrd="2" destOrd="0" parTransId="{CE207093-A67B-44FC-83F6-80F062D17A27}" sibTransId="{A790D64F-1C4B-4F68-82AD-A0F9533145E6}"/>
     <dgm:cxn modelId="{ABF7D842-DF05-4EB0-9F76-A249BEA0381C}" srcId="{3BAFB246-9D2F-4F61-9F6C-9E44A9D6C056}" destId="{955AE31D-C088-4E3D-B862-033B2FB2EC9C}" srcOrd="0" destOrd="0" parTransId="{FAF0A403-23BE-43F5-950D-717DEC019F0C}" sibTransId="{EB2F63D3-56DA-452B-A97C-BB37FE1710E5}"/>
-    <dgm:cxn modelId="{1B7F8307-B1CF-41D9-ACAD-4E7D319D1409}" type="presOf" srcId="{441B908F-7567-49D4-B268-91C252F34BD8}" destId="{60B0C7BE-83B2-4D44-A940-4B8A12219953}" srcOrd="0" destOrd="0" presId="urn:microsoft.com/office/officeart/2005/8/layout/hProcess9"/>
-    <dgm:cxn modelId="{BC7FBCF8-D82E-48D6-9999-EDD49897F7E2}" type="presOf" srcId="{3BAFB246-9D2F-4F61-9F6C-9E44A9D6C056}" destId="{0FFD4675-072A-4188-9E8F-07524F12FFCF}" srcOrd="0" destOrd="0" presId="urn:microsoft.com/office/officeart/2005/8/layout/hProcess9"/>
-    <dgm:cxn modelId="{69D10350-FF28-471F-98B2-806E6B700886}" srcId="{3BAFB246-9D2F-4F61-9F6C-9E44A9D6C056}" destId="{F1B5F516-5449-411D-B8AA-777C4DD65990}" srcOrd="2" destOrd="0" parTransId="{CE207093-A67B-44FC-83F6-80F062D17A27}" sibTransId="{A790D64F-1C4B-4F68-82AD-A0F9533145E6}"/>
-    <dgm:cxn modelId="{F44B5013-C508-4C62-862E-DACEA4FC6360}" type="presOf" srcId="{F1B5F516-5449-411D-B8AA-777C4DD65990}" destId="{752C1B3F-1DA3-46C5-ABC7-BCEC3A1B18D4}" srcOrd="0" destOrd="0" presId="urn:microsoft.com/office/officeart/2005/8/layout/hProcess9"/>
-    <dgm:cxn modelId="{470035D6-32B2-4B86-AAA5-F805A700C148}" type="presOf" srcId="{955AE31D-C088-4E3D-B862-033B2FB2EC9C}" destId="{5399EB3C-5DE7-46C5-9DF6-BFCCFE6BC940}" srcOrd="0" destOrd="0" presId="urn:microsoft.com/office/officeart/2005/8/layout/hProcess9"/>
     <dgm:cxn modelId="{F301AD69-18C1-4581-86B0-C8904804EA71}" type="presParOf" srcId="{0FFD4675-072A-4188-9E8F-07524F12FFCF}" destId="{4C0191EF-E338-43E6-9876-97C8D8BB068F}" srcOrd="0" destOrd="0" presId="urn:microsoft.com/office/officeart/2005/8/layout/hProcess9"/>
     <dgm:cxn modelId="{919312A5-8615-4772-A6A8-FF2E8A1B94FC}" type="presParOf" srcId="{0FFD4675-072A-4188-9E8F-07524F12FFCF}" destId="{618627B9-DA34-48EC-A160-8A7A431BCAF8}" srcOrd="1" destOrd="0" presId="urn:microsoft.com/office/officeart/2005/8/layout/hProcess9"/>
     <dgm:cxn modelId="{7AC6103F-190C-4F58-B052-EBED43A46E76}" type="presParOf" srcId="{618627B9-DA34-48EC-A160-8A7A431BCAF8}" destId="{5399EB3C-5DE7-46C5-9DF6-BFCCFE6BC940}" srcOrd="0" destOrd="0" presId="urn:microsoft.com/office/officeart/2005/8/layout/hProcess9"/>
@@ -3382,6 +3465,13 @@
     <dgm:pt modelId="{281407AF-F218-41C3-9A66-392FAACFAA5F}" type="pres">
       <dgm:prSet presAssocID="{E3342C62-B38B-42DD-9FC9-4FEC1F2DF08B}" presName="wedge3" presStyleLbl="node1" presStyleIdx="2" presStyleCnt="3"/>
       <dgm:spPr/>
+      <dgm:t>
+        <a:bodyPr/>
+        <a:lstStyle/>
+        <a:p>
+          <a:endParaRPr lang="zh-CN" altLang="en-US"/>
+        </a:p>
+      </dgm:t>
     </dgm:pt>
     <dgm:pt modelId="{94B735DA-3523-4DE7-9B5C-46CE9BB0E1BB}" type="pres">
       <dgm:prSet presAssocID="{E3342C62-B38B-42DD-9FC9-4FEC1F2DF08B}" presName="dummy3a" presStyleCnt="0"/>
@@ -3400,6 +3490,13 @@
         </dgm:presLayoutVars>
       </dgm:prSet>
       <dgm:spPr/>
+      <dgm:t>
+        <a:bodyPr/>
+        <a:lstStyle/>
+        <a:p>
+          <a:endParaRPr lang="zh-CN" altLang="en-US"/>
+        </a:p>
+      </dgm:t>
     </dgm:pt>
     <dgm:pt modelId="{10C8FC84-40D2-4EDA-AC72-1187DB31B339}" type="pres">
       <dgm:prSet presAssocID="{E03AA7AB-5DCC-4B04-9551-862141103032}" presName="arrowWedge1" presStyleLbl="fgSibTrans2D1" presStyleIdx="0" presStyleCnt="3"/>
@@ -3415,16 +3512,16 @@
     </dgm:pt>
   </dgm:ptLst>
   <dgm:cxnLst>
+    <dgm:cxn modelId="{EC39F4F3-D6B8-4694-B149-C5EE929490B0}" type="presOf" srcId="{2DF275E9-790F-4616-8C49-76DDDDAD7286}" destId="{54E1E94A-FB95-46A1-895B-0E0DF9505F74}" srcOrd="1" destOrd="0" presId="urn:microsoft.com/office/officeart/2005/8/layout/cycle8"/>
+    <dgm:cxn modelId="{89DA920A-C2AA-4925-96AC-FF70B8EA1E6A}" type="presOf" srcId="{2FB8DEFC-BF20-4590-869A-A7A621DC19C8}" destId="{AB66FD6B-C642-49C8-8FC3-D6C66653523C}" srcOrd="1" destOrd="0" presId="urn:microsoft.com/office/officeart/2005/8/layout/cycle8"/>
     <dgm:cxn modelId="{7AE7CC9F-A8DC-48F9-8FB6-701A782B9316}" srcId="{E3342C62-B38B-42DD-9FC9-4FEC1F2DF08B}" destId="{2DF275E9-790F-4616-8C49-76DDDDAD7286}" srcOrd="0" destOrd="0" parTransId="{2FE20876-D4D8-4BB6-90D4-7FA1CD7995B1}" sibTransId="{E03AA7AB-5DCC-4B04-9551-862141103032}"/>
-    <dgm:cxn modelId="{35D80F15-D9B7-47FB-843B-AE8964345332}" type="presOf" srcId="{E3342C62-B38B-42DD-9FC9-4FEC1F2DF08B}" destId="{DBA411F6-2171-4882-93AC-6938D08C3B4B}" srcOrd="0" destOrd="0" presId="urn:microsoft.com/office/officeart/2005/8/layout/cycle8"/>
-    <dgm:cxn modelId="{00D08D8C-1932-4041-9F68-F65B58799B65}" type="presOf" srcId="{0D1EE6F4-9E7D-41D3-B01A-34951565644D}" destId="{DB73FF97-8D66-4079-A39E-05241BE0251A}" srcOrd="0" destOrd="0" presId="urn:microsoft.com/office/officeart/2005/8/layout/cycle8"/>
-    <dgm:cxn modelId="{89DA920A-C2AA-4925-96AC-FF70B8EA1E6A}" type="presOf" srcId="{2FB8DEFC-BF20-4590-869A-A7A621DC19C8}" destId="{AB66FD6B-C642-49C8-8FC3-D6C66653523C}" srcOrd="1" destOrd="0" presId="urn:microsoft.com/office/officeart/2005/8/layout/cycle8"/>
-    <dgm:cxn modelId="{6EB3B00B-EAE2-4F9B-89FE-A96967C0782E}" srcId="{E3342C62-B38B-42DD-9FC9-4FEC1F2DF08B}" destId="{0D1EE6F4-9E7D-41D3-B01A-34951565644D}" srcOrd="1" destOrd="0" parTransId="{45C0FE50-8BB3-4E17-BDDE-347FB808B0CD}" sibTransId="{F68F568D-BF5D-4968-AE2A-9C5C1580DFCE}"/>
     <dgm:cxn modelId="{C095598C-3AD8-4588-B806-4F7A89C8CB5E}" type="presOf" srcId="{2FB8DEFC-BF20-4590-869A-A7A621DC19C8}" destId="{281407AF-F218-41C3-9A66-392FAACFAA5F}" srcOrd="0" destOrd="0" presId="urn:microsoft.com/office/officeart/2005/8/layout/cycle8"/>
-    <dgm:cxn modelId="{7C70BF23-519A-48CB-BB89-D4EE298F50C5}" type="presOf" srcId="{0D1EE6F4-9E7D-41D3-B01A-34951565644D}" destId="{47DADD05-A94B-44D1-9F28-572D23D30DF8}" srcOrd="1" destOrd="0" presId="urn:microsoft.com/office/officeart/2005/8/layout/cycle8"/>
-    <dgm:cxn modelId="{EC39F4F3-D6B8-4694-B149-C5EE929490B0}" type="presOf" srcId="{2DF275E9-790F-4616-8C49-76DDDDAD7286}" destId="{54E1E94A-FB95-46A1-895B-0E0DF9505F74}" srcOrd="1" destOrd="0" presId="urn:microsoft.com/office/officeart/2005/8/layout/cycle8"/>
     <dgm:cxn modelId="{0CFD68E9-4D87-4203-8D03-500B9DCF74DA}" type="presOf" srcId="{2DF275E9-790F-4616-8C49-76DDDDAD7286}" destId="{5D225AD6-4985-48BF-B30C-10BEB9714BE5}" srcOrd="0" destOrd="0" presId="urn:microsoft.com/office/officeart/2005/8/layout/cycle8"/>
     <dgm:cxn modelId="{4D73D9F2-A5D0-4455-8732-A7949AA2DDB5}" srcId="{E3342C62-B38B-42DD-9FC9-4FEC1F2DF08B}" destId="{2FB8DEFC-BF20-4590-869A-A7A621DC19C8}" srcOrd="2" destOrd="0" parTransId="{A0F8CB87-FA40-4C8F-B7FB-39EAF33D0724}" sibTransId="{6FF2C388-F324-4638-BC41-53A1C09DF012}"/>
+    <dgm:cxn modelId="{00D08D8C-1932-4041-9F68-F65B58799B65}" type="presOf" srcId="{0D1EE6F4-9E7D-41D3-B01A-34951565644D}" destId="{DB73FF97-8D66-4079-A39E-05241BE0251A}" srcOrd="0" destOrd="0" presId="urn:microsoft.com/office/officeart/2005/8/layout/cycle8"/>
+    <dgm:cxn modelId="{7C70BF23-519A-48CB-BB89-D4EE298F50C5}" type="presOf" srcId="{0D1EE6F4-9E7D-41D3-B01A-34951565644D}" destId="{47DADD05-A94B-44D1-9F28-572D23D30DF8}" srcOrd="1" destOrd="0" presId="urn:microsoft.com/office/officeart/2005/8/layout/cycle8"/>
+    <dgm:cxn modelId="{6EB3B00B-EAE2-4F9B-89FE-A96967C0782E}" srcId="{E3342C62-B38B-42DD-9FC9-4FEC1F2DF08B}" destId="{0D1EE6F4-9E7D-41D3-B01A-34951565644D}" srcOrd="1" destOrd="0" parTransId="{45C0FE50-8BB3-4E17-BDDE-347FB808B0CD}" sibTransId="{F68F568D-BF5D-4968-AE2A-9C5C1580DFCE}"/>
+    <dgm:cxn modelId="{35D80F15-D9B7-47FB-843B-AE8964345332}" type="presOf" srcId="{E3342C62-B38B-42DD-9FC9-4FEC1F2DF08B}" destId="{DBA411F6-2171-4882-93AC-6938D08C3B4B}" srcOrd="0" destOrd="0" presId="urn:microsoft.com/office/officeart/2005/8/layout/cycle8"/>
     <dgm:cxn modelId="{9F864DA9-1E07-4B6E-A55F-DA55E552E658}" type="presParOf" srcId="{DBA411F6-2171-4882-93AC-6938D08C3B4B}" destId="{5D225AD6-4985-48BF-B30C-10BEB9714BE5}" srcOrd="0" destOrd="0" presId="urn:microsoft.com/office/officeart/2005/8/layout/cycle8"/>
     <dgm:cxn modelId="{3636373C-72F4-4D43-96DF-A69F2E5DF1E7}" type="presParOf" srcId="{DBA411F6-2171-4882-93AC-6938D08C3B4B}" destId="{0743FB24-793D-4B23-B0C9-10E4EF15D112}" srcOrd="1" destOrd="0" presId="urn:microsoft.com/office/officeart/2005/8/layout/cycle8"/>
     <dgm:cxn modelId="{1DA90803-56A2-4AEA-9B54-EA3D2C4D8E08}" type="presParOf" srcId="{DBA411F6-2171-4882-93AC-6938D08C3B4B}" destId="{5D6F01DB-FF8C-4FD7-BF13-0A37510886B0}" srcOrd="2" destOrd="0" presId="urn:microsoft.com/office/officeart/2005/8/layout/cycle8"/>
@@ -10356,7 +10453,7 @@
                   <a:schemeClr val="tx2"/>
                 </a:solidFill>
               </a:rPr>
-              <a:t>5/21/2016</a:t>
+              <a:t>5/24/2016</a:t>
             </a:fld>
             <a:endParaRPr lang="zh-CN">
               <a:solidFill>
@@ -10545,7 +10642,7 @@
           <a:p>
             <a:fld id="{F95CF31C-F757-429C-A789-86504F04C3BE}" type="datetimeFigureOut">
               <a:pPr/>
-              <a:t>2016/5/21</a:t>
+              <a:t>2016/5/24</a:t>
             </a:fld>
             <a:endParaRPr lang="zh-CN"/>
           </a:p>
@@ -11150,7 +11247,7 @@
           <a:lstStyle/>
           <a:p>
             <a:fld id="{7AECB6C2-1084-4AED-A74A-DF028B0094EA}" type="datetimeFigureOut">
-              <a:t>2016/5/21</a:t>
+              <a:t>2016/5/24</a:t>
             </a:fld>
             <a:endParaRPr lang="zh-CN"/>
           </a:p>
@@ -11347,7 +11444,7 @@
           <a:lstStyle/>
           <a:p>
             <a:fld id="{7AECB6C2-1084-4AED-A74A-DF028B0094EA}" type="datetimeFigureOut">
-              <a:t>2016/5/21</a:t>
+              <a:t>2016/5/24</a:t>
             </a:fld>
             <a:endParaRPr lang="zh-CN"/>
           </a:p>
@@ -11550,7 +11647,7 @@
           <a:lstStyle/>
           <a:p>
             <a:fld id="{8B5A30F4-0B4E-4E4B-BC36-C30CD13F4E17}" type="datetimeFigureOut">
-              <a:t>2016/5/21</a:t>
+              <a:t>2016/5/24</a:t>
             </a:fld>
             <a:endParaRPr lang="zh-CN"/>
           </a:p>
@@ -12078,7 +12175,7 @@
           <a:lstStyle/>
           <a:p>
             <a:fld id="{2DD204D1-F9BD-4643-8480-6EA41EB484F1}" type="datetimeFigureOut">
-              <a:t>2016/5/21</a:t>
+              <a:t>2016/5/24</a:t>
             </a:fld>
             <a:endParaRPr lang="zh-CN"/>
           </a:p>
@@ -12531,7 +12628,7 @@
           <a:lstStyle/>
           <a:p>
             <a:fld id="{2DD204D1-F9BD-4643-8480-6EA41EB484F1}" type="datetimeFigureOut">
-              <a:t>2016/5/21</a:t>
+              <a:t>2016/5/24</a:t>
             </a:fld>
             <a:endParaRPr lang="zh-CN"/>
           </a:p>
@@ -12666,7 +12763,7 @@
           <a:lstStyle/>
           <a:p>
             <a:fld id="{2DD204D1-F9BD-4643-8480-6EA41EB484F1}" type="datetimeFigureOut">
-              <a:t>2016/5/21</a:t>
+              <a:t>2016/5/24</a:t>
             </a:fld>
             <a:endParaRPr lang="zh-CN"/>
           </a:p>
@@ -12778,7 +12875,7 @@
           <a:lstStyle/>
           <a:p>
             <a:fld id="{2DD204D1-F9BD-4643-8480-6EA41EB484F1}" type="datetimeFigureOut">
-              <a:t>2016/5/21</a:t>
+              <a:t>2016/5/24</a:t>
             </a:fld>
             <a:endParaRPr lang="zh-CN"/>
           </a:p>
@@ -13140,7 +13237,7 @@
           <a:lstStyle/>
           <a:p>
             <a:fld id="{126BF754-515F-40B9-8D24-D54D5825B3D0}" type="datetimeFigureOut">
-              <a:t>2016/5/21</a:t>
+              <a:t>2016/5/24</a:t>
             </a:fld>
             <a:endParaRPr lang="zh-CN"/>
           </a:p>
@@ -13482,7 +13579,7 @@
           <a:lstStyle/>
           <a:p>
             <a:fld id="{126BF754-515F-40B9-8D24-D54D5825B3D0}" type="datetimeFigureOut">
-              <a:t>2016/5/21</a:t>
+              <a:t>2016/5/24</a:t>
             </a:fld>
             <a:endParaRPr lang="zh-CN"/>
           </a:p>
@@ -13786,7 +13883,7 @@
             <a:fld id="{2DD204D1-F9BD-4643-8480-6EA41EB484F1}" type="datetimeFigureOut">
               <a:rPr lang="en-US" altLang="zh-CN" smtClean="0"/>
               <a:pPr/>
-              <a:t>5/21/2016</a:t>
+              <a:t>5/24/2016</a:t>
             </a:fld>
             <a:endParaRPr lang="zh-CN" altLang="en-US"/>
           </a:p>
@@ -14390,6 +14487,3188 @@
 </p:sld>
 </file>
 
+<file path=ppt/slides/slide10.xml><?xml version="1.0" encoding="utf-8"?>
+<p:sld xmlns:a="http://schemas.openxmlformats.org/drawingml/2006/main" xmlns:r="http://schemas.openxmlformats.org/officeDocument/2006/relationships" xmlns:p="http://schemas.openxmlformats.org/presentationml/2006/main">
+  <p:cSld>
+    <p:spTree>
+      <p:nvGrpSpPr>
+        <p:cNvPr id="1" name=""/>
+        <p:cNvGrpSpPr/>
+        <p:nvPr/>
+      </p:nvGrpSpPr>
+      <p:grpSpPr>
+        <a:xfrm>
+          <a:off x="0" y="0"/>
+          <a:ext cx="0" cy="0"/>
+          <a:chOff x="0" y="0"/>
+          <a:chExt cx="0" cy="0"/>
+        </a:xfrm>
+      </p:grpSpPr>
+      <p:pic>
+        <p:nvPicPr>
+          <p:cNvPr id="6" name="图片 5"/>
+          <p:cNvPicPr>
+            <a:picLocks noChangeAspect="1"/>
+          </p:cNvPicPr>
+          <p:nvPr/>
+        </p:nvPicPr>
+        <p:blipFill>
+          <a:blip r:embed="rId2"/>
+          <a:stretch>
+            <a:fillRect/>
+          </a:stretch>
+        </p:blipFill>
+        <p:spPr>
+          <a:xfrm>
+            <a:off x="2907796" y="0"/>
+            <a:ext cx="7579104" cy="6858000"/>
+          </a:xfrm>
+          <a:prstGeom prst="rect">
+            <a:avLst/>
+          </a:prstGeom>
+        </p:spPr>
+      </p:pic>
+      <p:sp>
+        <p:nvSpPr>
+          <p:cNvPr id="11" name="矩形 10"/>
+          <p:cNvSpPr/>
+          <p:nvPr/>
+        </p:nvSpPr>
+        <p:spPr>
+          <a:xfrm>
+            <a:off x="981844" y="1700808"/>
+            <a:ext cx="576064" cy="3312368"/>
+          </a:xfrm>
+          <a:prstGeom prst="rect">
+            <a:avLst/>
+          </a:prstGeom>
+          <a:solidFill>
+            <a:schemeClr val="bg1">
+              <a:lumMod val="85000"/>
+            </a:schemeClr>
+          </a:solidFill>
+          <a:ln>
+            <a:noFill/>
+          </a:ln>
+        </p:spPr>
+        <p:style>
+          <a:lnRef idx="2">
+            <a:schemeClr val="accent1">
+              <a:shade val="50000"/>
+            </a:schemeClr>
+          </a:lnRef>
+          <a:fillRef idx="1">
+            <a:schemeClr val="accent1"/>
+          </a:fillRef>
+          <a:effectRef idx="0">
+            <a:schemeClr val="accent1"/>
+          </a:effectRef>
+          <a:fontRef idx="minor">
+            <a:schemeClr val="lt1"/>
+          </a:fontRef>
+        </p:style>
+        <p:txBody>
+          <a:bodyPr rtlCol="0" anchor="ctr"/>
+          <a:lstStyle/>
+          <a:p>
+            <a:pPr algn="ctr"/>
+            <a:endParaRPr lang="zh-CN" altLang="en-US"/>
+          </a:p>
+        </p:txBody>
+      </p:sp>
+      <p:sp>
+        <p:nvSpPr>
+          <p:cNvPr id="12" name="矩形 11"/>
+          <p:cNvSpPr/>
+          <p:nvPr/>
+        </p:nvSpPr>
+        <p:spPr>
+          <a:xfrm>
+            <a:off x="909836" y="1628800"/>
+            <a:ext cx="576063" cy="3312367"/>
+          </a:xfrm>
+          <a:prstGeom prst="rect">
+            <a:avLst/>
+          </a:prstGeom>
+          <a:solidFill>
+            <a:srgbClr val="16A287"/>
+          </a:solidFill>
+          <a:ln>
+            <a:noFill/>
+          </a:ln>
+        </p:spPr>
+        <p:style>
+          <a:lnRef idx="2">
+            <a:schemeClr val="accent1">
+              <a:shade val="50000"/>
+            </a:schemeClr>
+          </a:lnRef>
+          <a:fillRef idx="1">
+            <a:schemeClr val="accent1"/>
+          </a:fillRef>
+          <a:effectRef idx="0">
+            <a:schemeClr val="accent1"/>
+          </a:effectRef>
+          <a:fontRef idx="minor">
+            <a:schemeClr val="lt1"/>
+          </a:fontRef>
+        </p:style>
+        <p:txBody>
+          <a:bodyPr rtlCol="0" anchor="ctr"/>
+          <a:lstStyle/>
+          <a:p>
+            <a:r>
+              <a:rPr lang="zh-CN" altLang="en-US" b="1" dirty="0" smtClean="0">
+                <a:solidFill>
+                  <a:schemeClr val="bg1"/>
+                </a:solidFill>
+                <a:latin typeface="微软雅黑" panose="020B0503020204020204" pitchFamily="34" charset="-122"/>
+                <a:ea typeface="微软雅黑" panose="020B0503020204020204" pitchFamily="34" charset="-122"/>
+              </a:rPr>
+              <a:t>论文在线预览</a:t>
+            </a:r>
+            <a:endParaRPr lang="zh-CN" altLang="en-US" b="1" dirty="0">
+              <a:solidFill>
+                <a:schemeClr val="bg1"/>
+              </a:solidFill>
+              <a:latin typeface="微软雅黑" panose="020B0503020204020204" pitchFamily="34" charset="-122"/>
+              <a:ea typeface="微软雅黑" panose="020B0503020204020204" pitchFamily="34" charset="-122"/>
+            </a:endParaRPr>
+          </a:p>
+        </p:txBody>
+      </p:sp>
+    </p:spTree>
+    <p:extLst>
+      <p:ext uri="{BB962C8B-B14F-4D97-AF65-F5344CB8AC3E}">
+        <p14:creationId xmlns:p14="http://schemas.microsoft.com/office/powerpoint/2010/main" val="48261654"/>
+      </p:ext>
+    </p:extLst>
+  </p:cSld>
+  <p:clrMapOvr>
+    <a:masterClrMapping/>
+  </p:clrMapOvr>
+  <mc:AlternateContent xmlns:mc="http://schemas.openxmlformats.org/markup-compatibility/2006">
+    <mc:Choice xmlns:p14="http://schemas.microsoft.com/office/powerpoint/2010/main" Requires="p14">
+      <p:transition spd="med" p14:dur="700">
+        <p:fade/>
+      </p:transition>
+    </mc:Choice>
+    <mc:Fallback>
+      <p:transition spd="med">
+        <p:fade/>
+      </p:transition>
+    </mc:Fallback>
+  </mc:AlternateContent>
+  <p:timing>
+    <p:tnLst>
+      <p:par>
+        <p:cTn id="1" dur="indefinite" restart="never" nodeType="tmRoot"/>
+      </p:par>
+    </p:tnLst>
+  </p:timing>
+</p:sld>
+</file>
+
+<file path=ppt/slides/slide11.xml><?xml version="1.0" encoding="utf-8"?>
+<p:sld xmlns:a="http://schemas.openxmlformats.org/drawingml/2006/main" xmlns:r="http://schemas.openxmlformats.org/officeDocument/2006/relationships" xmlns:p="http://schemas.openxmlformats.org/presentationml/2006/main">
+  <p:cSld>
+    <p:spTree>
+      <p:nvGrpSpPr>
+        <p:cNvPr id="1" name=""/>
+        <p:cNvGrpSpPr/>
+        <p:nvPr/>
+      </p:nvGrpSpPr>
+      <p:grpSpPr>
+        <a:xfrm>
+          <a:off x="0" y="0"/>
+          <a:ext cx="0" cy="0"/>
+          <a:chOff x="0" y="0"/>
+          <a:chExt cx="0" cy="0"/>
+        </a:xfrm>
+      </p:grpSpPr>
+      <p:pic>
+        <p:nvPicPr>
+          <p:cNvPr id="5" name="图片 4"/>
+          <p:cNvPicPr>
+            <a:picLocks noChangeAspect="1"/>
+          </p:cNvPicPr>
+          <p:nvPr/>
+        </p:nvPicPr>
+        <p:blipFill>
+          <a:blip r:embed="rId2"/>
+          <a:stretch>
+            <a:fillRect/>
+          </a:stretch>
+        </p:blipFill>
+        <p:spPr>
+          <a:xfrm>
+            <a:off x="1413892" y="1445968"/>
+            <a:ext cx="9582150" cy="3581400"/>
+          </a:xfrm>
+          <a:prstGeom prst="rect">
+            <a:avLst/>
+          </a:prstGeom>
+        </p:spPr>
+      </p:pic>
+      <p:grpSp>
+        <p:nvGrpSpPr>
+          <p:cNvPr id="6" name="组合 5"/>
+          <p:cNvGrpSpPr/>
+          <p:nvPr/>
+        </p:nvGrpSpPr>
+        <p:grpSpPr>
+          <a:xfrm>
+            <a:off x="693812" y="1331268"/>
+            <a:ext cx="648072" cy="3384376"/>
+            <a:chOff x="335360" y="1541026"/>
+            <a:chExt cx="12778331" cy="2324927"/>
+          </a:xfrm>
+        </p:grpSpPr>
+        <p:sp>
+          <p:nvSpPr>
+            <p:cNvPr id="7" name="矩形 6"/>
+            <p:cNvSpPr/>
+            <p:nvPr/>
+          </p:nvSpPr>
+          <p:spPr>
+            <a:xfrm>
+              <a:off x="1755175" y="1619820"/>
+              <a:ext cx="11358516" cy="2246133"/>
+            </a:xfrm>
+            <a:prstGeom prst="rect">
+              <a:avLst/>
+            </a:prstGeom>
+            <a:solidFill>
+              <a:schemeClr val="bg1">
+                <a:lumMod val="85000"/>
+              </a:schemeClr>
+            </a:solidFill>
+            <a:ln>
+              <a:noFill/>
+            </a:ln>
+          </p:spPr>
+          <p:style>
+            <a:lnRef idx="2">
+              <a:schemeClr val="accent1">
+                <a:shade val="50000"/>
+              </a:schemeClr>
+            </a:lnRef>
+            <a:fillRef idx="1">
+              <a:schemeClr val="accent1"/>
+            </a:fillRef>
+            <a:effectRef idx="0">
+              <a:schemeClr val="accent1"/>
+            </a:effectRef>
+            <a:fontRef idx="minor">
+              <a:schemeClr val="lt1"/>
+            </a:fontRef>
+          </p:style>
+          <p:txBody>
+            <a:bodyPr rtlCol="0" anchor="ctr"/>
+            <a:lstStyle/>
+            <a:p>
+              <a:pPr algn="ctr"/>
+              <a:endParaRPr lang="zh-CN" altLang="en-US"/>
+            </a:p>
+          </p:txBody>
+        </p:sp>
+        <p:sp>
+          <p:nvSpPr>
+            <p:cNvPr id="8" name="矩形 7"/>
+            <p:cNvSpPr/>
+            <p:nvPr/>
+          </p:nvSpPr>
+          <p:spPr>
+            <a:xfrm>
+              <a:off x="335360" y="1541026"/>
+              <a:ext cx="11358516" cy="2275460"/>
+            </a:xfrm>
+            <a:prstGeom prst="rect">
+              <a:avLst/>
+            </a:prstGeom>
+            <a:solidFill>
+              <a:srgbClr val="16A287"/>
+            </a:solidFill>
+            <a:ln>
+              <a:noFill/>
+            </a:ln>
+          </p:spPr>
+          <p:style>
+            <a:lnRef idx="2">
+              <a:schemeClr val="accent1">
+                <a:shade val="50000"/>
+              </a:schemeClr>
+            </a:lnRef>
+            <a:fillRef idx="1">
+              <a:schemeClr val="accent1"/>
+            </a:fillRef>
+            <a:effectRef idx="0">
+              <a:schemeClr val="accent1"/>
+            </a:effectRef>
+            <a:fontRef idx="minor">
+              <a:schemeClr val="lt1"/>
+            </a:fontRef>
+          </p:style>
+          <p:txBody>
+            <a:bodyPr rtlCol="0" anchor="ctr"/>
+            <a:lstStyle/>
+            <a:p>
+              <a:r>
+                <a:rPr lang="zh-CN" altLang="en-US" b="1" dirty="0" smtClean="0">
+                  <a:solidFill>
+                    <a:schemeClr val="bg1"/>
+                  </a:solidFill>
+                  <a:latin typeface="微软雅黑" panose="020B0503020204020204" pitchFamily="34" charset="-122"/>
+                  <a:ea typeface="微软雅黑" panose="020B0503020204020204" pitchFamily="34" charset="-122"/>
+                </a:rPr>
+                <a:t>论文预览详细信息</a:t>
+              </a:r>
+              <a:endParaRPr lang="zh-CN" altLang="en-US" b="1" dirty="0">
+                <a:solidFill>
+                  <a:schemeClr val="bg1"/>
+                </a:solidFill>
+                <a:latin typeface="微软雅黑" panose="020B0503020204020204" pitchFamily="34" charset="-122"/>
+                <a:ea typeface="微软雅黑" panose="020B0503020204020204" pitchFamily="34" charset="-122"/>
+              </a:endParaRPr>
+            </a:p>
+          </p:txBody>
+        </p:sp>
+      </p:grpSp>
+    </p:spTree>
+    <p:extLst>
+      <p:ext uri="{BB962C8B-B14F-4D97-AF65-F5344CB8AC3E}">
+        <p14:creationId xmlns:p14="http://schemas.microsoft.com/office/powerpoint/2010/main" val="188904979"/>
+      </p:ext>
+    </p:extLst>
+  </p:cSld>
+  <p:clrMapOvr>
+    <a:masterClrMapping/>
+  </p:clrMapOvr>
+  <mc:AlternateContent xmlns:mc="http://schemas.openxmlformats.org/markup-compatibility/2006">
+    <mc:Choice xmlns:p14="http://schemas.microsoft.com/office/powerpoint/2010/main" Requires="p14">
+      <p:transition spd="med" p14:dur="700">
+        <p:fade/>
+      </p:transition>
+    </mc:Choice>
+    <mc:Fallback>
+      <p:transition spd="med">
+        <p:fade/>
+      </p:transition>
+    </mc:Fallback>
+  </mc:AlternateContent>
+  <p:timing>
+    <p:tnLst>
+      <p:par>
+        <p:cTn id="1" dur="indefinite" restart="never" nodeType="tmRoot"/>
+      </p:par>
+    </p:tnLst>
+  </p:timing>
+</p:sld>
+</file>
+
+<file path=ppt/slides/slide12.xml><?xml version="1.0" encoding="utf-8"?>
+<p:sld xmlns:a="http://schemas.openxmlformats.org/drawingml/2006/main" xmlns:r="http://schemas.openxmlformats.org/officeDocument/2006/relationships" xmlns:p="http://schemas.openxmlformats.org/presentationml/2006/main">
+  <p:cSld>
+    <p:spTree>
+      <p:nvGrpSpPr>
+        <p:cNvPr id="1" name=""/>
+        <p:cNvGrpSpPr/>
+        <p:nvPr/>
+      </p:nvGrpSpPr>
+      <p:grpSpPr>
+        <a:xfrm>
+          <a:off x="0" y="0"/>
+          <a:ext cx="0" cy="0"/>
+          <a:chOff x="0" y="0"/>
+          <a:chExt cx="0" cy="0"/>
+        </a:xfrm>
+      </p:grpSpPr>
+      <p:pic>
+        <p:nvPicPr>
+          <p:cNvPr id="5" name="图片 4"/>
+          <p:cNvPicPr>
+            <a:picLocks noChangeAspect="1"/>
+          </p:cNvPicPr>
+          <p:nvPr/>
+        </p:nvPicPr>
+        <p:blipFill>
+          <a:blip r:embed="rId2"/>
+          <a:stretch>
+            <a:fillRect/>
+          </a:stretch>
+        </p:blipFill>
+        <p:spPr>
+          <a:xfrm>
+            <a:off x="1701924" y="737790"/>
+            <a:ext cx="9563100" cy="5172075"/>
+          </a:xfrm>
+          <a:prstGeom prst="rect">
+            <a:avLst/>
+          </a:prstGeom>
+        </p:spPr>
+      </p:pic>
+      <p:grpSp>
+        <p:nvGrpSpPr>
+          <p:cNvPr id="6" name="组合 5"/>
+          <p:cNvGrpSpPr/>
+          <p:nvPr/>
+        </p:nvGrpSpPr>
+        <p:grpSpPr>
+          <a:xfrm>
+            <a:off x="837828" y="2085851"/>
+            <a:ext cx="576064" cy="2529780"/>
+            <a:chOff x="335360" y="1541026"/>
+            <a:chExt cx="12778331" cy="2324927"/>
+          </a:xfrm>
+        </p:grpSpPr>
+        <p:sp>
+          <p:nvSpPr>
+            <p:cNvPr id="7" name="矩形 6"/>
+            <p:cNvSpPr/>
+            <p:nvPr/>
+          </p:nvSpPr>
+          <p:spPr>
+            <a:xfrm>
+              <a:off x="1755175" y="1584225"/>
+              <a:ext cx="11358516" cy="2281728"/>
+            </a:xfrm>
+            <a:prstGeom prst="rect">
+              <a:avLst/>
+            </a:prstGeom>
+            <a:solidFill>
+              <a:schemeClr val="bg1">
+                <a:lumMod val="85000"/>
+              </a:schemeClr>
+            </a:solidFill>
+            <a:ln>
+              <a:noFill/>
+            </a:ln>
+          </p:spPr>
+          <p:style>
+            <a:lnRef idx="2">
+              <a:schemeClr val="accent1">
+                <a:shade val="50000"/>
+              </a:schemeClr>
+            </a:lnRef>
+            <a:fillRef idx="1">
+              <a:schemeClr val="accent1"/>
+            </a:fillRef>
+            <a:effectRef idx="0">
+              <a:schemeClr val="accent1"/>
+            </a:effectRef>
+            <a:fontRef idx="minor">
+              <a:schemeClr val="lt1"/>
+            </a:fontRef>
+          </p:style>
+          <p:txBody>
+            <a:bodyPr rtlCol="0" anchor="ctr"/>
+            <a:lstStyle/>
+            <a:p>
+              <a:pPr algn="ctr"/>
+              <a:endParaRPr lang="zh-CN" altLang="en-US"/>
+            </a:p>
+          </p:txBody>
+        </p:sp>
+        <p:sp>
+          <p:nvSpPr>
+            <p:cNvPr id="8" name="矩形 7"/>
+            <p:cNvSpPr/>
+            <p:nvPr/>
+          </p:nvSpPr>
+          <p:spPr>
+            <a:xfrm>
+              <a:off x="335360" y="1541026"/>
+              <a:ext cx="11233251" cy="2275460"/>
+            </a:xfrm>
+            <a:prstGeom prst="rect">
+              <a:avLst/>
+            </a:prstGeom>
+            <a:solidFill>
+              <a:srgbClr val="16A287"/>
+            </a:solidFill>
+            <a:ln>
+              <a:noFill/>
+            </a:ln>
+          </p:spPr>
+          <p:style>
+            <a:lnRef idx="2">
+              <a:schemeClr val="accent1">
+                <a:shade val="50000"/>
+              </a:schemeClr>
+            </a:lnRef>
+            <a:fillRef idx="1">
+              <a:schemeClr val="accent1"/>
+            </a:fillRef>
+            <a:effectRef idx="0">
+              <a:schemeClr val="accent1"/>
+            </a:effectRef>
+            <a:fontRef idx="minor">
+              <a:schemeClr val="lt1"/>
+            </a:fontRef>
+          </p:style>
+          <p:txBody>
+            <a:bodyPr rtlCol="0" anchor="ctr"/>
+            <a:lstStyle/>
+            <a:p>
+              <a:r>
+                <a:rPr lang="zh-CN" altLang="en-US" b="1" dirty="0" smtClean="0">
+                  <a:solidFill>
+                    <a:schemeClr val="bg1"/>
+                  </a:solidFill>
+                  <a:latin typeface="微软雅黑" panose="020B0503020204020204" pitchFamily="34" charset="-122"/>
+                  <a:ea typeface="微软雅黑" panose="020B0503020204020204" pitchFamily="34" charset="-122"/>
+                </a:rPr>
+                <a:t>论题列表</a:t>
+              </a:r>
+              <a:endParaRPr lang="zh-CN" altLang="en-US" b="1" dirty="0">
+                <a:solidFill>
+                  <a:schemeClr val="bg1"/>
+                </a:solidFill>
+                <a:latin typeface="微软雅黑" panose="020B0503020204020204" pitchFamily="34" charset="-122"/>
+                <a:ea typeface="微软雅黑" panose="020B0503020204020204" pitchFamily="34" charset="-122"/>
+              </a:endParaRPr>
+            </a:p>
+          </p:txBody>
+        </p:sp>
+      </p:grpSp>
+    </p:spTree>
+    <p:extLst>
+      <p:ext uri="{BB962C8B-B14F-4D97-AF65-F5344CB8AC3E}">
+        <p14:creationId xmlns:p14="http://schemas.microsoft.com/office/powerpoint/2010/main" val="3898862174"/>
+      </p:ext>
+    </p:extLst>
+  </p:cSld>
+  <p:clrMapOvr>
+    <a:masterClrMapping/>
+  </p:clrMapOvr>
+  <mc:AlternateContent xmlns:mc="http://schemas.openxmlformats.org/markup-compatibility/2006">
+    <mc:Choice xmlns:p14="http://schemas.microsoft.com/office/powerpoint/2010/main" Requires="p14">
+      <p:transition spd="med" p14:dur="700">
+        <p:fade/>
+      </p:transition>
+    </mc:Choice>
+    <mc:Fallback>
+      <p:transition spd="med">
+        <p:fade/>
+      </p:transition>
+    </mc:Fallback>
+  </mc:AlternateContent>
+  <p:timing>
+    <p:tnLst>
+      <p:par>
+        <p:cTn id="1" dur="indefinite" restart="never" nodeType="tmRoot"/>
+      </p:par>
+    </p:tnLst>
+  </p:timing>
+</p:sld>
+</file>
+
+<file path=ppt/slides/slide13.xml><?xml version="1.0" encoding="utf-8"?>
+<p:sld xmlns:a="http://schemas.openxmlformats.org/drawingml/2006/main" xmlns:r="http://schemas.openxmlformats.org/officeDocument/2006/relationships" xmlns:p="http://schemas.openxmlformats.org/presentationml/2006/main">
+  <p:cSld>
+    <p:spTree>
+      <p:nvGrpSpPr>
+        <p:cNvPr id="1" name=""/>
+        <p:cNvGrpSpPr/>
+        <p:nvPr/>
+      </p:nvGrpSpPr>
+      <p:grpSpPr>
+        <a:xfrm>
+          <a:off x="0" y="0"/>
+          <a:ext cx="0" cy="0"/>
+          <a:chOff x="0" y="0"/>
+          <a:chExt cx="0" cy="0"/>
+        </a:xfrm>
+      </p:grpSpPr>
+      <p:sp>
+        <p:nvSpPr>
+          <p:cNvPr id="2" name="标题 1"/>
+          <p:cNvSpPr>
+            <a:spLocks noGrp="1"/>
+          </p:cNvSpPr>
+          <p:nvPr>
+            <p:ph type="title"/>
+          </p:nvPr>
+        </p:nvSpPr>
+        <p:spPr>
+          <a:xfrm>
+            <a:off x="1117309" y="76200"/>
+            <a:ext cx="10157354" cy="852486"/>
+          </a:xfrm>
+        </p:spPr>
+        <p:txBody>
+          <a:bodyPr>
+            <a:normAutofit/>
+          </a:bodyPr>
+          <a:lstStyle/>
+          <a:p>
+            <a:r>
+              <a:rPr lang="zh-CN" altLang="en-US" b="1" dirty="0"/>
+              <a:t>研究不足与</a:t>
+            </a:r>
+            <a:r>
+              <a:rPr lang="zh-CN" altLang="en-US" b="1" dirty="0" smtClean="0"/>
+              <a:t>展望</a:t>
+            </a:r>
+            <a:endParaRPr lang="zh-CN" altLang="en-US" dirty="0"/>
+          </a:p>
+        </p:txBody>
+      </p:sp>
+      <p:sp>
+        <p:nvSpPr>
+          <p:cNvPr id="5" name="对角圆角矩形 4"/>
+          <p:cNvSpPr/>
+          <p:nvPr/>
+        </p:nvSpPr>
+        <p:spPr>
+          <a:xfrm>
+            <a:off x="1435951" y="1789888"/>
+            <a:ext cx="9556592" cy="3871359"/>
+          </a:xfrm>
+          <a:prstGeom prst="round2DiagRect">
+            <a:avLst>
+              <a:gd name="adj1" fmla="val 0"/>
+              <a:gd name="adj2" fmla="val 16670"/>
+            </a:avLst>
+          </a:prstGeom>
+          <a:solidFill>
+            <a:schemeClr val="bg1">
+              <a:lumMod val="85000"/>
+            </a:schemeClr>
+          </a:solidFill>
+          <a:ln>
+            <a:noFill/>
+          </a:ln>
+        </p:spPr>
+        <p:style>
+          <a:lnRef idx="2">
+            <a:schemeClr val="lt1">
+              <a:hueOff val="0"/>
+              <a:satOff val="0"/>
+              <a:lumOff val="0"/>
+              <a:alphaOff val="0"/>
+            </a:schemeClr>
+          </a:lnRef>
+          <a:fillRef idx="1">
+            <a:schemeClr val="accent1">
+              <a:hueOff val="0"/>
+              <a:satOff val="0"/>
+              <a:lumOff val="0"/>
+              <a:alphaOff val="0"/>
+            </a:schemeClr>
+          </a:fillRef>
+          <a:effectRef idx="0">
+            <a:schemeClr val="accent1">
+              <a:hueOff val="0"/>
+              <a:satOff val="0"/>
+              <a:lumOff val="0"/>
+              <a:alphaOff val="0"/>
+            </a:schemeClr>
+          </a:effectRef>
+          <a:fontRef idx="minor">
+            <a:schemeClr val="lt1"/>
+          </a:fontRef>
+        </p:style>
+        <p:txBody>
+          <a:bodyPr/>
+          <a:lstStyle/>
+          <a:p>
+            <a:endParaRPr lang="zh-CN" altLang="en-US"/>
+          </a:p>
+        </p:txBody>
+      </p:sp>
+      <p:sp>
+        <p:nvSpPr>
+          <p:cNvPr id="6" name="直接连接符 5"/>
+          <p:cNvSpPr/>
+          <p:nvPr/>
+        </p:nvSpPr>
+        <p:spPr>
+          <a:xfrm>
+            <a:off x="6095999" y="2137578"/>
+            <a:ext cx="0" cy="3163629"/>
+          </a:xfrm>
+          <a:prstGeom prst="line">
+            <a:avLst/>
+          </a:prstGeom>
+          <a:ln>
+            <a:solidFill>
+              <a:schemeClr val="tx1"/>
+            </a:solidFill>
+          </a:ln>
+        </p:spPr>
+        <p:style>
+          <a:lnRef idx="2">
+            <a:schemeClr val="accent1">
+              <a:tint val="50000"/>
+              <a:hueOff val="0"/>
+              <a:satOff val="0"/>
+              <a:lumOff val="0"/>
+              <a:alphaOff val="0"/>
+            </a:schemeClr>
+          </a:lnRef>
+          <a:fillRef idx="1">
+            <a:schemeClr val="accent1">
+              <a:hueOff val="0"/>
+              <a:satOff val="0"/>
+              <a:lumOff val="0"/>
+              <a:alphaOff val="0"/>
+            </a:schemeClr>
+          </a:fillRef>
+          <a:effectRef idx="0">
+            <a:schemeClr val="accent1">
+              <a:hueOff val="0"/>
+              <a:satOff val="0"/>
+              <a:lumOff val="0"/>
+              <a:alphaOff val="0"/>
+            </a:schemeClr>
+          </a:effectRef>
+          <a:fontRef idx="minor">
+            <a:schemeClr val="tx1">
+              <a:hueOff val="0"/>
+              <a:satOff val="0"/>
+              <a:lumOff val="0"/>
+              <a:alphaOff val="0"/>
+            </a:schemeClr>
+          </a:fontRef>
+        </p:style>
+        <p:txBody>
+          <a:bodyPr/>
+          <a:lstStyle/>
+          <a:p>
+            <a:endParaRPr lang="zh-CN" altLang="en-US" sz="1600"/>
+          </a:p>
+        </p:txBody>
+      </p:sp>
+      <p:sp>
+        <p:nvSpPr>
+          <p:cNvPr id="7" name="任意多边形 6"/>
+          <p:cNvSpPr/>
+          <p:nvPr/>
+        </p:nvSpPr>
+        <p:spPr>
+          <a:xfrm>
+            <a:off x="1638339" y="2334807"/>
+            <a:ext cx="4254460" cy="2781520"/>
+          </a:xfrm>
+          <a:custGeom>
+            <a:avLst/>
+            <a:gdLst>
+              <a:gd name="connsiteX0" fmla="*/ 0 w 2641600"/>
+              <a:gd name="connsiteY0" fmla="*/ 0 h 2781520"/>
+              <a:gd name="connsiteX1" fmla="*/ 2641600 w 2641600"/>
+              <a:gd name="connsiteY1" fmla="*/ 0 h 2781520"/>
+              <a:gd name="connsiteX2" fmla="*/ 2641600 w 2641600"/>
+              <a:gd name="connsiteY2" fmla="*/ 2781520 h 2781520"/>
+              <a:gd name="connsiteX3" fmla="*/ 0 w 2641600"/>
+              <a:gd name="connsiteY3" fmla="*/ 2781520 h 2781520"/>
+              <a:gd name="connsiteX4" fmla="*/ 0 w 2641600"/>
+              <a:gd name="connsiteY4" fmla="*/ 0 h 2781520"/>
+            </a:gdLst>
+            <a:ahLst/>
+            <a:cxnLst>
+              <a:cxn ang="0">
+                <a:pos x="connsiteX0" y="connsiteY0"/>
+              </a:cxn>
+              <a:cxn ang="0">
+                <a:pos x="connsiteX1" y="connsiteY1"/>
+              </a:cxn>
+              <a:cxn ang="0">
+                <a:pos x="connsiteX2" y="connsiteY2"/>
+              </a:cxn>
+              <a:cxn ang="0">
+                <a:pos x="connsiteX3" y="connsiteY3"/>
+              </a:cxn>
+              <a:cxn ang="0">
+                <a:pos x="connsiteX4" y="connsiteY4"/>
+              </a:cxn>
+            </a:cxnLst>
+            <a:rect l="l" t="t" r="r" b="b"/>
+            <a:pathLst>
+              <a:path w="2641600" h="2781520">
+                <a:moveTo>
+                  <a:pt x="0" y="0"/>
+                </a:moveTo>
+                <a:lnTo>
+                  <a:pt x="2641600" y="0"/>
+                </a:lnTo>
+                <a:lnTo>
+                  <a:pt x="2641600" y="2781520"/>
+                </a:lnTo>
+                <a:lnTo>
+                  <a:pt x="0" y="2781520"/>
+                </a:lnTo>
+                <a:lnTo>
+                  <a:pt x="0" y="0"/>
+                </a:lnTo>
+                <a:close/>
+              </a:path>
+            </a:pathLst>
+          </a:custGeom>
+          <a:noFill/>
+          <a:ln>
+            <a:noFill/>
+          </a:ln>
+          <a:sp3d/>
+        </p:spPr>
+        <p:style>
+          <a:lnRef idx="0">
+            <a:scrgbClr r="0" g="0" b="0"/>
+          </a:lnRef>
+          <a:fillRef idx="0">
+            <a:scrgbClr r="0" g="0" b="0"/>
+          </a:fillRef>
+          <a:effectRef idx="0">
+            <a:schemeClr val="lt1">
+              <a:alpha val="0"/>
+              <a:hueOff val="0"/>
+              <a:satOff val="0"/>
+              <a:lumOff val="0"/>
+              <a:alphaOff val="0"/>
+            </a:schemeClr>
+          </a:effectRef>
+          <a:fontRef idx="minor">
+            <a:schemeClr val="tx1">
+              <a:hueOff val="0"/>
+              <a:satOff val="0"/>
+              <a:lumOff val="0"/>
+              <a:alphaOff val="0"/>
+            </a:schemeClr>
+          </a:fontRef>
+        </p:style>
+        <p:txBody>
+          <a:bodyPr spcFirstLastPara="0" vert="horz" wrap="square" lIns="38100" tIns="38100" rIns="38100" bIns="38100" numCol="1" spcCol="1270" anchor="ctr" anchorCtr="0">
+            <a:noAutofit/>
+          </a:bodyPr>
+          <a:lstStyle/>
+          <a:p>
+            <a:pPr lvl="0" defTabSz="444500">
+              <a:lnSpc>
+                <a:spcPct val="150000"/>
+              </a:lnSpc>
+              <a:spcBef>
+                <a:spcPct val="0"/>
+              </a:spcBef>
+              <a:spcAft>
+                <a:spcPct val="35000"/>
+              </a:spcAft>
+            </a:pPr>
+            <a:r>
+              <a:rPr lang="zh-CN" altLang="en-US" sz="1600" dirty="0" smtClean="0">
+                <a:latin typeface="微软雅黑" panose="020B0503020204020204" pitchFamily="34" charset="-122"/>
+                <a:ea typeface="微软雅黑" panose="020B0503020204020204" pitchFamily="34" charset="-122"/>
+                <a:cs typeface="Times New Roman" panose="02020603050405020304" pitchFamily="18" charset="0"/>
+              </a:rPr>
+              <a:t>该系统包含论文管理的基本功能，实现了用户分角色登录系统，不同角色权限控制，学生根据指导老师和论题上传论文资料，仅</a:t>
+            </a:r>
+            <a:r>
+              <a:rPr lang="zh-CN" altLang="en-US" sz="1600" dirty="0">
+                <a:latin typeface="微软雅黑" panose="020B0503020204020204" pitchFamily="34" charset="-122"/>
+                <a:ea typeface="微软雅黑" panose="020B0503020204020204" pitchFamily="34" charset="-122"/>
+                <a:cs typeface="Times New Roman" panose="02020603050405020304" pitchFamily="18" charset="0"/>
+              </a:rPr>
+              <a:t>限一次</a:t>
+            </a:r>
+            <a:r>
+              <a:rPr lang="zh-CN" altLang="en-US" sz="1600" dirty="0" smtClean="0">
+                <a:latin typeface="微软雅黑" panose="020B0503020204020204" pitchFamily="34" charset="-122"/>
+                <a:ea typeface="微软雅黑" panose="020B0503020204020204" pitchFamily="34" charset="-122"/>
+                <a:cs typeface="Times New Roman" panose="02020603050405020304" pitchFamily="18" charset="0"/>
+              </a:rPr>
+              <a:t>，在线预览自己的论文，老师发布论文课题，每个课题限制一次选择，管理员对论文和论题进行管理。</a:t>
+            </a:r>
+            <a:endParaRPr lang="zh-CN" altLang="en-US" sz="1600" dirty="0">
+              <a:latin typeface="微软雅黑" panose="020B0503020204020204" pitchFamily="34" charset="-122"/>
+              <a:ea typeface="微软雅黑" panose="020B0503020204020204" pitchFamily="34" charset="-122"/>
+              <a:cs typeface="Times New Roman" panose="02020603050405020304" pitchFamily="18" charset="0"/>
+            </a:endParaRPr>
+          </a:p>
+        </p:txBody>
+      </p:sp>
+      <p:sp>
+        <p:nvSpPr>
+          <p:cNvPr id="8" name="任意多边形 7"/>
+          <p:cNvSpPr/>
+          <p:nvPr/>
+        </p:nvSpPr>
+        <p:spPr>
+          <a:xfrm>
+            <a:off x="6299198" y="2022075"/>
+            <a:ext cx="4549329" cy="3406985"/>
+          </a:xfrm>
+          <a:custGeom>
+            <a:avLst/>
+            <a:gdLst>
+              <a:gd name="connsiteX0" fmla="*/ 0 w 2641600"/>
+              <a:gd name="connsiteY0" fmla="*/ 0 h 2781520"/>
+              <a:gd name="connsiteX1" fmla="*/ 2641600 w 2641600"/>
+              <a:gd name="connsiteY1" fmla="*/ 0 h 2781520"/>
+              <a:gd name="connsiteX2" fmla="*/ 2641600 w 2641600"/>
+              <a:gd name="connsiteY2" fmla="*/ 2781520 h 2781520"/>
+              <a:gd name="connsiteX3" fmla="*/ 0 w 2641600"/>
+              <a:gd name="connsiteY3" fmla="*/ 2781520 h 2781520"/>
+              <a:gd name="connsiteX4" fmla="*/ 0 w 2641600"/>
+              <a:gd name="connsiteY4" fmla="*/ 0 h 2781520"/>
+            </a:gdLst>
+            <a:ahLst/>
+            <a:cxnLst>
+              <a:cxn ang="0">
+                <a:pos x="connsiteX0" y="connsiteY0"/>
+              </a:cxn>
+              <a:cxn ang="0">
+                <a:pos x="connsiteX1" y="connsiteY1"/>
+              </a:cxn>
+              <a:cxn ang="0">
+                <a:pos x="connsiteX2" y="connsiteY2"/>
+              </a:cxn>
+              <a:cxn ang="0">
+                <a:pos x="connsiteX3" y="connsiteY3"/>
+              </a:cxn>
+              <a:cxn ang="0">
+                <a:pos x="connsiteX4" y="connsiteY4"/>
+              </a:cxn>
+            </a:cxnLst>
+            <a:rect l="l" t="t" r="r" b="b"/>
+            <a:pathLst>
+              <a:path w="2641600" h="2781520">
+                <a:moveTo>
+                  <a:pt x="0" y="0"/>
+                </a:moveTo>
+                <a:lnTo>
+                  <a:pt x="2641600" y="0"/>
+                </a:lnTo>
+                <a:lnTo>
+                  <a:pt x="2641600" y="2781520"/>
+                </a:lnTo>
+                <a:lnTo>
+                  <a:pt x="0" y="2781520"/>
+                </a:lnTo>
+                <a:lnTo>
+                  <a:pt x="0" y="0"/>
+                </a:lnTo>
+                <a:close/>
+              </a:path>
+            </a:pathLst>
+          </a:custGeom>
+          <a:noFill/>
+          <a:ln>
+            <a:noFill/>
+          </a:ln>
+          <a:sp3d/>
+        </p:spPr>
+        <p:style>
+          <a:lnRef idx="0">
+            <a:scrgbClr r="0" g="0" b="0"/>
+          </a:lnRef>
+          <a:fillRef idx="0">
+            <a:scrgbClr r="0" g="0" b="0"/>
+          </a:fillRef>
+          <a:effectRef idx="0">
+            <a:schemeClr val="lt1">
+              <a:alpha val="0"/>
+              <a:hueOff val="0"/>
+              <a:satOff val="0"/>
+              <a:lumOff val="0"/>
+              <a:alphaOff val="0"/>
+            </a:schemeClr>
+          </a:effectRef>
+          <a:fontRef idx="minor">
+            <a:schemeClr val="tx1">
+              <a:hueOff val="0"/>
+              <a:satOff val="0"/>
+              <a:lumOff val="0"/>
+              <a:alphaOff val="0"/>
+            </a:schemeClr>
+          </a:fontRef>
+        </p:style>
+        <p:txBody>
+          <a:bodyPr spcFirstLastPara="0" vert="horz" wrap="square" lIns="38100" tIns="38100" rIns="38100" bIns="38100" numCol="1" spcCol="1270" anchor="ctr" anchorCtr="0">
+            <a:noAutofit/>
+          </a:bodyPr>
+          <a:lstStyle/>
+          <a:p>
+            <a:pPr defTabSz="444500">
+              <a:lnSpc>
+                <a:spcPct val="120000"/>
+              </a:lnSpc>
+              <a:spcBef>
+                <a:spcPct val="0"/>
+              </a:spcBef>
+              <a:spcAft>
+                <a:spcPct val="35000"/>
+              </a:spcAft>
+            </a:pPr>
+            <a:r>
+              <a:rPr lang="zh-CN" altLang="en-US" sz="1600" dirty="0" smtClean="0">
+                <a:latin typeface="微软雅黑" panose="020B0503020204020204" pitchFamily="34" charset="-122"/>
+                <a:ea typeface="微软雅黑" panose="020B0503020204020204" pitchFamily="34" charset="-122"/>
+                <a:cs typeface="Times New Roman" panose="02020603050405020304" pitchFamily="18" charset="0"/>
+              </a:rPr>
+              <a:t>再页面显示方面效果不佳，没有进行全面的设计，比较注重功能方面的开发，对于权限的控制也是仅限于页面按钮显示与不显示的控制，没有在后台对用户的访问路径</a:t>
+            </a:r>
+            <a:r>
+              <a:rPr lang="zh-CN" altLang="en-US" sz="1600" smtClean="0">
+                <a:latin typeface="微软雅黑" panose="020B0503020204020204" pitchFamily="34" charset="-122"/>
+                <a:ea typeface="微软雅黑" panose="020B0503020204020204" pitchFamily="34" charset="-122"/>
+                <a:cs typeface="Times New Roman" panose="02020603050405020304" pitchFamily="18" charset="0"/>
+              </a:rPr>
+              <a:t>进行控制</a:t>
+            </a:r>
+            <a:endParaRPr lang="en-US" altLang="zh-CN" sz="1600" dirty="0">
+              <a:latin typeface="微软雅黑" panose="020B0503020204020204" pitchFamily="34" charset="-122"/>
+              <a:ea typeface="微软雅黑" panose="020B0503020204020204" pitchFamily="34" charset="-122"/>
+              <a:cs typeface="Times New Roman" panose="02020603050405020304" pitchFamily="18" charset="0"/>
+            </a:endParaRPr>
+          </a:p>
+        </p:txBody>
+      </p:sp>
+      <p:sp>
+        <p:nvSpPr>
+          <p:cNvPr id="9" name="任意多边形 8"/>
+          <p:cNvSpPr/>
+          <p:nvPr/>
+        </p:nvSpPr>
+        <p:spPr>
+          <a:xfrm rot="16200000">
+            <a:off x="-267799" y="2275097"/>
+            <a:ext cx="2628000" cy="792000"/>
+          </a:xfrm>
+          <a:custGeom>
+            <a:avLst/>
+            <a:gdLst>
+              <a:gd name="connsiteX0" fmla="*/ 0 w 3576240"/>
+              <a:gd name="connsiteY0" fmla="*/ 254864 h 1016000"/>
+              <a:gd name="connsiteX1" fmla="*/ 2959934 w 3576240"/>
+              <a:gd name="connsiteY1" fmla="*/ 254864 h 1016000"/>
+              <a:gd name="connsiteX2" fmla="*/ 2959934 w 3576240"/>
+              <a:gd name="connsiteY2" fmla="*/ 0 h 1016000"/>
+              <a:gd name="connsiteX3" fmla="*/ 3576240 w 3576240"/>
+              <a:gd name="connsiteY3" fmla="*/ 508000 h 1016000"/>
+              <a:gd name="connsiteX4" fmla="*/ 2959934 w 3576240"/>
+              <a:gd name="connsiteY4" fmla="*/ 1016000 h 1016000"/>
+              <a:gd name="connsiteX5" fmla="*/ 2959934 w 3576240"/>
+              <a:gd name="connsiteY5" fmla="*/ 761136 h 1016000"/>
+              <a:gd name="connsiteX6" fmla="*/ 0 w 3576240"/>
+              <a:gd name="connsiteY6" fmla="*/ 761136 h 1016000"/>
+              <a:gd name="connsiteX7" fmla="*/ 0 w 3576240"/>
+              <a:gd name="connsiteY7" fmla="*/ 254864 h 1016000"/>
+            </a:gdLst>
+            <a:ahLst/>
+            <a:cxnLst>
+              <a:cxn ang="0">
+                <a:pos x="connsiteX0" y="connsiteY0"/>
+              </a:cxn>
+              <a:cxn ang="0">
+                <a:pos x="connsiteX1" y="connsiteY1"/>
+              </a:cxn>
+              <a:cxn ang="0">
+                <a:pos x="connsiteX2" y="connsiteY2"/>
+              </a:cxn>
+              <a:cxn ang="0">
+                <a:pos x="connsiteX3" y="connsiteY3"/>
+              </a:cxn>
+              <a:cxn ang="0">
+                <a:pos x="connsiteX4" y="connsiteY4"/>
+              </a:cxn>
+              <a:cxn ang="0">
+                <a:pos x="connsiteX5" y="connsiteY5"/>
+              </a:cxn>
+              <a:cxn ang="0">
+                <a:pos x="connsiteX6" y="connsiteY6"/>
+              </a:cxn>
+              <a:cxn ang="0">
+                <a:pos x="connsiteX7" y="connsiteY7"/>
+              </a:cxn>
+            </a:cxnLst>
+            <a:rect l="l" t="t" r="r" b="b"/>
+            <a:pathLst>
+              <a:path w="3576240" h="1016000">
+                <a:moveTo>
+                  <a:pt x="0" y="254864"/>
+                </a:moveTo>
+                <a:lnTo>
+                  <a:pt x="2959934" y="254864"/>
+                </a:lnTo>
+                <a:lnTo>
+                  <a:pt x="2959934" y="0"/>
+                </a:lnTo>
+                <a:lnTo>
+                  <a:pt x="3576240" y="508000"/>
+                </a:lnTo>
+                <a:lnTo>
+                  <a:pt x="2959934" y="1016000"/>
+                </a:lnTo>
+                <a:lnTo>
+                  <a:pt x="2959934" y="761136"/>
+                </a:lnTo>
+                <a:lnTo>
+                  <a:pt x="0" y="761136"/>
+                </a:lnTo>
+                <a:lnTo>
+                  <a:pt x="0" y="254864"/>
+                </a:lnTo>
+                <a:close/>
+              </a:path>
+            </a:pathLst>
+          </a:custGeom>
+          <a:solidFill>
+            <a:srgbClr val="16A287"/>
+          </a:solidFill>
+          <a:ln>
+            <a:noFill/>
+          </a:ln>
+        </p:spPr>
+        <p:style>
+          <a:lnRef idx="2">
+            <a:schemeClr val="lt1">
+              <a:hueOff val="0"/>
+              <a:satOff val="0"/>
+              <a:lumOff val="0"/>
+              <a:alphaOff val="0"/>
+            </a:schemeClr>
+          </a:lnRef>
+          <a:fillRef idx="1">
+            <a:schemeClr val="accent1">
+              <a:tint val="50000"/>
+              <a:hueOff val="0"/>
+              <a:satOff val="0"/>
+              <a:lumOff val="0"/>
+              <a:alphaOff val="0"/>
+            </a:schemeClr>
+          </a:fillRef>
+          <a:effectRef idx="0">
+            <a:schemeClr val="accent1">
+              <a:tint val="50000"/>
+              <a:hueOff val="0"/>
+              <a:satOff val="0"/>
+              <a:lumOff val="0"/>
+              <a:alphaOff val="0"/>
+            </a:schemeClr>
+          </a:effectRef>
+          <a:fontRef idx="minor">
+            <a:schemeClr val="lt1">
+              <a:hueOff val="0"/>
+              <a:satOff val="0"/>
+              <a:lumOff val="0"/>
+              <a:alphaOff val="0"/>
+            </a:schemeClr>
+          </a:fontRef>
+        </p:style>
+        <p:txBody>
+          <a:bodyPr spcFirstLastPara="0" vert="horz" wrap="square" lIns="83819" tIns="338684" rIns="390925" bIns="338683" numCol="1" spcCol="1270" anchor="ctr" anchorCtr="0">
+            <a:noAutofit/>
+          </a:bodyPr>
+          <a:lstStyle/>
+          <a:p>
+            <a:pPr lvl="0" algn="r" defTabSz="977900">
+              <a:lnSpc>
+                <a:spcPct val="90000"/>
+              </a:lnSpc>
+              <a:spcBef>
+                <a:spcPct val="0"/>
+              </a:spcBef>
+              <a:spcAft>
+                <a:spcPct val="35000"/>
+              </a:spcAft>
+            </a:pPr>
+            <a:r>
+              <a:rPr lang="zh-CN" altLang="en-US" sz="2000" kern="1200" dirty="0">
+                <a:latin typeface="微软雅黑" panose="020B0503020204020204" pitchFamily="34" charset="-122"/>
+                <a:ea typeface="微软雅黑" panose="020B0503020204020204" pitchFamily="34" charset="-122"/>
+              </a:rPr>
+              <a:t>已有成果</a:t>
+            </a:r>
+          </a:p>
+        </p:txBody>
+      </p:sp>
+      <p:sp>
+        <p:nvSpPr>
+          <p:cNvPr id="10" name="任意多边形 9"/>
+          <p:cNvSpPr/>
+          <p:nvPr/>
+        </p:nvSpPr>
+        <p:spPr>
+          <a:xfrm rot="5400000">
+            <a:off x="10074543" y="4379658"/>
+            <a:ext cx="2628000" cy="792000"/>
+          </a:xfrm>
+          <a:custGeom>
+            <a:avLst/>
+            <a:gdLst>
+              <a:gd name="connsiteX0" fmla="*/ 0 w 3576240"/>
+              <a:gd name="connsiteY0" fmla="*/ 254864 h 1016000"/>
+              <a:gd name="connsiteX1" fmla="*/ 2959934 w 3576240"/>
+              <a:gd name="connsiteY1" fmla="*/ 254864 h 1016000"/>
+              <a:gd name="connsiteX2" fmla="*/ 2959934 w 3576240"/>
+              <a:gd name="connsiteY2" fmla="*/ 0 h 1016000"/>
+              <a:gd name="connsiteX3" fmla="*/ 3576240 w 3576240"/>
+              <a:gd name="connsiteY3" fmla="*/ 508000 h 1016000"/>
+              <a:gd name="connsiteX4" fmla="*/ 2959934 w 3576240"/>
+              <a:gd name="connsiteY4" fmla="*/ 1016000 h 1016000"/>
+              <a:gd name="connsiteX5" fmla="*/ 2959934 w 3576240"/>
+              <a:gd name="connsiteY5" fmla="*/ 761136 h 1016000"/>
+              <a:gd name="connsiteX6" fmla="*/ 0 w 3576240"/>
+              <a:gd name="connsiteY6" fmla="*/ 761136 h 1016000"/>
+              <a:gd name="connsiteX7" fmla="*/ 0 w 3576240"/>
+              <a:gd name="connsiteY7" fmla="*/ 254864 h 1016000"/>
+            </a:gdLst>
+            <a:ahLst/>
+            <a:cxnLst>
+              <a:cxn ang="0">
+                <a:pos x="connsiteX0" y="connsiteY0"/>
+              </a:cxn>
+              <a:cxn ang="0">
+                <a:pos x="connsiteX1" y="connsiteY1"/>
+              </a:cxn>
+              <a:cxn ang="0">
+                <a:pos x="connsiteX2" y="connsiteY2"/>
+              </a:cxn>
+              <a:cxn ang="0">
+                <a:pos x="connsiteX3" y="connsiteY3"/>
+              </a:cxn>
+              <a:cxn ang="0">
+                <a:pos x="connsiteX4" y="connsiteY4"/>
+              </a:cxn>
+              <a:cxn ang="0">
+                <a:pos x="connsiteX5" y="connsiteY5"/>
+              </a:cxn>
+              <a:cxn ang="0">
+                <a:pos x="connsiteX6" y="connsiteY6"/>
+              </a:cxn>
+              <a:cxn ang="0">
+                <a:pos x="connsiteX7" y="connsiteY7"/>
+              </a:cxn>
+            </a:cxnLst>
+            <a:rect l="l" t="t" r="r" b="b"/>
+            <a:pathLst>
+              <a:path w="3576240" h="1016000">
+                <a:moveTo>
+                  <a:pt x="0" y="254864"/>
+                </a:moveTo>
+                <a:lnTo>
+                  <a:pt x="2959934" y="254864"/>
+                </a:lnTo>
+                <a:lnTo>
+                  <a:pt x="2959934" y="0"/>
+                </a:lnTo>
+                <a:lnTo>
+                  <a:pt x="3576240" y="508000"/>
+                </a:lnTo>
+                <a:lnTo>
+                  <a:pt x="2959934" y="1016000"/>
+                </a:lnTo>
+                <a:lnTo>
+                  <a:pt x="2959934" y="761136"/>
+                </a:lnTo>
+                <a:lnTo>
+                  <a:pt x="0" y="761136"/>
+                </a:lnTo>
+                <a:lnTo>
+                  <a:pt x="0" y="254864"/>
+                </a:lnTo>
+                <a:close/>
+              </a:path>
+            </a:pathLst>
+          </a:custGeom>
+          <a:solidFill>
+            <a:srgbClr val="16A287"/>
+          </a:solidFill>
+          <a:ln>
+            <a:noFill/>
+          </a:ln>
+        </p:spPr>
+        <p:style>
+          <a:lnRef idx="2">
+            <a:schemeClr val="lt1">
+              <a:hueOff val="0"/>
+              <a:satOff val="0"/>
+              <a:lumOff val="0"/>
+              <a:alphaOff val="0"/>
+            </a:schemeClr>
+          </a:lnRef>
+          <a:fillRef idx="1">
+            <a:schemeClr val="accent1">
+              <a:tint val="50000"/>
+              <a:hueOff val="0"/>
+              <a:satOff val="0"/>
+              <a:lumOff val="0"/>
+              <a:alphaOff val="0"/>
+            </a:schemeClr>
+          </a:fillRef>
+          <a:effectRef idx="0">
+            <a:schemeClr val="accent1">
+              <a:tint val="50000"/>
+              <a:hueOff val="0"/>
+              <a:satOff val="0"/>
+              <a:lumOff val="0"/>
+              <a:alphaOff val="0"/>
+            </a:schemeClr>
+          </a:effectRef>
+          <a:fontRef idx="minor">
+            <a:schemeClr val="lt1">
+              <a:hueOff val="0"/>
+              <a:satOff val="0"/>
+              <a:lumOff val="0"/>
+              <a:alphaOff val="0"/>
+            </a:schemeClr>
+          </a:fontRef>
+        </p:style>
+        <p:txBody>
+          <a:bodyPr spcFirstLastPara="0" vert="horz" wrap="square" lIns="83819" tIns="338684" rIns="390925" bIns="338683" numCol="1" spcCol="1270" anchor="ctr" anchorCtr="0">
+            <a:noAutofit/>
+          </a:bodyPr>
+          <a:lstStyle/>
+          <a:p>
+            <a:pPr algn="r" defTabSz="977900">
+              <a:lnSpc>
+                <a:spcPct val="90000"/>
+              </a:lnSpc>
+              <a:spcBef>
+                <a:spcPct val="0"/>
+              </a:spcBef>
+              <a:spcAft>
+                <a:spcPct val="35000"/>
+              </a:spcAft>
+            </a:pPr>
+            <a:r>
+              <a:rPr lang="zh-CN" altLang="en-US" sz="2000" dirty="0">
+                <a:latin typeface="微软雅黑" panose="020B0503020204020204" pitchFamily="34" charset="-122"/>
+                <a:ea typeface="微软雅黑" panose="020B0503020204020204" pitchFamily="34" charset="-122"/>
+              </a:rPr>
+              <a:t>不足之处</a:t>
+            </a:r>
+          </a:p>
+        </p:txBody>
+      </p:sp>
+    </p:spTree>
+    <p:extLst>
+      <p:ext uri="{BB962C8B-B14F-4D97-AF65-F5344CB8AC3E}">
+        <p14:creationId xmlns:p14="http://schemas.microsoft.com/office/powerpoint/2010/main" val="401404241"/>
+      </p:ext>
+    </p:extLst>
+  </p:cSld>
+  <p:clrMapOvr>
+    <a:masterClrMapping/>
+  </p:clrMapOvr>
+  <mc:AlternateContent xmlns:mc="http://schemas.openxmlformats.org/markup-compatibility/2006" xmlns:p14="http://schemas.microsoft.com/office/powerpoint/2010/main">
+    <mc:Choice Requires="p14">
+      <p:transition spd="med" p14:dur="700">
+        <p:fade/>
+      </p:transition>
+    </mc:Choice>
+    <mc:Fallback xmlns="">
+      <p:transition spd="med">
+        <p:fade/>
+      </p:transition>
+    </mc:Fallback>
+  </mc:AlternateContent>
+  <p:timing>
+    <p:tnLst>
+      <p:par>
+        <p:cTn id="1" dur="indefinite" restart="never" nodeType="tmRoot"/>
+      </p:par>
+    </p:tnLst>
+  </p:timing>
+</p:sld>
+</file>
+
+<file path=ppt/slides/slide14.xml><?xml version="1.0" encoding="utf-8"?>
+<p:sld xmlns:a="http://schemas.openxmlformats.org/drawingml/2006/main" xmlns:r="http://schemas.openxmlformats.org/officeDocument/2006/relationships" xmlns:p="http://schemas.openxmlformats.org/presentationml/2006/main">
+  <p:cSld>
+    <p:spTree>
+      <p:nvGrpSpPr>
+        <p:cNvPr id="1" name=""/>
+        <p:cNvGrpSpPr/>
+        <p:nvPr/>
+      </p:nvGrpSpPr>
+      <p:grpSpPr>
+        <a:xfrm>
+          <a:off x="0" y="0"/>
+          <a:ext cx="0" cy="0"/>
+          <a:chOff x="0" y="0"/>
+          <a:chExt cx="0" cy="0"/>
+        </a:xfrm>
+      </p:grpSpPr>
+      <p:sp>
+        <p:nvSpPr>
+          <p:cNvPr id="2" name="标题 1"/>
+          <p:cNvSpPr>
+            <a:spLocks noGrp="1"/>
+          </p:cNvSpPr>
+          <p:nvPr>
+            <p:ph type="title"/>
+          </p:nvPr>
+        </p:nvSpPr>
+        <p:spPr>
+          <a:xfrm>
+            <a:off x="1117309" y="76200"/>
+            <a:ext cx="10157354" cy="832520"/>
+          </a:xfrm>
+        </p:spPr>
+        <p:txBody>
+          <a:bodyPr/>
+          <a:lstStyle/>
+          <a:p>
+            <a:r>
+              <a:rPr lang="zh-CN" altLang="en-US" b="1" dirty="0"/>
+              <a:t>总结</a:t>
+            </a:r>
+          </a:p>
+        </p:txBody>
+      </p:sp>
+      <p:sp>
+        <p:nvSpPr>
+          <p:cNvPr id="7" name="矩形 6"/>
+          <p:cNvSpPr/>
+          <p:nvPr/>
+        </p:nvSpPr>
+        <p:spPr>
+          <a:xfrm>
+            <a:off x="1117309" y="2079174"/>
+            <a:ext cx="8361479" cy="1938992"/>
+          </a:xfrm>
+          <a:prstGeom prst="rect">
+            <a:avLst/>
+          </a:prstGeom>
+        </p:spPr>
+        <p:txBody>
+          <a:bodyPr wrap="square">
+            <a:spAutoFit/>
+          </a:bodyPr>
+          <a:lstStyle/>
+          <a:p>
+            <a:pPr>
+              <a:lnSpc>
+                <a:spcPct val="150000"/>
+              </a:lnSpc>
+            </a:pPr>
+            <a:r>
+              <a:rPr lang="zh-CN" altLang="en-US" sz="2000" dirty="0" smtClean="0">
+                <a:latin typeface="微软雅黑" panose="020B0503020204020204" pitchFamily="34" charset="-122"/>
+                <a:ea typeface="微软雅黑" panose="020B0503020204020204" pitchFamily="34" charset="-122"/>
+                <a:cs typeface="Times New Roman" panose="02020603050405020304" pitchFamily="18" charset="0"/>
+              </a:rPr>
+              <a:t>本次研究是一次完整的项目开发经验，当然也借助了框架技术和互联网的帮助，才使得研究顺利进行，培养了我独立思考解决问题的能力。虽然系统的主要功能已经实现，但是对于真正投入使用的应用还是有一定差距，</a:t>
+            </a:r>
+            <a:endParaRPr lang="en-US" altLang="zh-CN" sz="2000" dirty="0" smtClean="0">
+              <a:latin typeface="微软雅黑" panose="020B0503020204020204" pitchFamily="34" charset="-122"/>
+              <a:ea typeface="微软雅黑" panose="020B0503020204020204" pitchFamily="34" charset="-122"/>
+              <a:cs typeface="Times New Roman" panose="02020603050405020304" pitchFamily="18" charset="0"/>
+            </a:endParaRPr>
+          </a:p>
+          <a:p>
+            <a:pPr>
+              <a:lnSpc>
+                <a:spcPct val="150000"/>
+              </a:lnSpc>
+            </a:pPr>
+            <a:r>
+              <a:rPr lang="zh-CN" altLang="en-US" sz="2000" dirty="0" smtClean="0">
+                <a:latin typeface="微软雅黑" panose="020B0503020204020204" pitchFamily="34" charset="-122"/>
+                <a:ea typeface="微软雅黑" panose="020B0503020204020204" pitchFamily="34" charset="-122"/>
+                <a:cs typeface="Times New Roman" panose="02020603050405020304" pitchFamily="18" charset="0"/>
+              </a:rPr>
+              <a:t>还有很多地方需要进行改进和优化，我也会继续将此工作进行下去</a:t>
+            </a:r>
+            <a:endParaRPr lang="zh-CN" altLang="zh-CN" sz="2000" dirty="0">
+              <a:latin typeface="微软雅黑" panose="020B0503020204020204" pitchFamily="34" charset="-122"/>
+              <a:ea typeface="微软雅黑" panose="020B0503020204020204" pitchFamily="34" charset="-122"/>
+              <a:cs typeface="Times New Roman" panose="02020603050405020304" pitchFamily="18" charset="0"/>
+            </a:endParaRPr>
+          </a:p>
+        </p:txBody>
+      </p:sp>
+      <p:sp>
+        <p:nvSpPr>
+          <p:cNvPr id="8" name="任意多边形 7"/>
+          <p:cNvSpPr/>
+          <p:nvPr/>
+        </p:nvSpPr>
+        <p:spPr>
+          <a:xfrm>
+            <a:off x="711596" y="5083827"/>
+            <a:ext cx="8839200" cy="441184"/>
+          </a:xfrm>
+          <a:custGeom>
+            <a:avLst/>
+            <a:gdLst>
+              <a:gd name="connsiteX0" fmla="*/ 0 w 8839200"/>
+              <a:gd name="connsiteY0" fmla="*/ 204031 h 441184"/>
+              <a:gd name="connsiteX1" fmla="*/ 1083733 w 8839200"/>
+              <a:gd name="connsiteY1" fmla="*/ 136298 h 441184"/>
+              <a:gd name="connsiteX2" fmla="*/ 1778000 w 8839200"/>
+              <a:gd name="connsiteY2" fmla="*/ 441098 h 441184"/>
+              <a:gd name="connsiteX3" fmla="*/ 2929467 w 8839200"/>
+              <a:gd name="connsiteY3" fmla="*/ 102431 h 441184"/>
+              <a:gd name="connsiteX4" fmla="*/ 4064000 w 8839200"/>
+              <a:gd name="connsiteY4" fmla="*/ 339498 h 441184"/>
+              <a:gd name="connsiteX5" fmla="*/ 5164667 w 8839200"/>
+              <a:gd name="connsiteY5" fmla="*/ 17765 h 441184"/>
+              <a:gd name="connsiteX6" fmla="*/ 6299200 w 8839200"/>
+              <a:gd name="connsiteY6" fmla="*/ 407231 h 441184"/>
+              <a:gd name="connsiteX7" fmla="*/ 7501467 w 8839200"/>
+              <a:gd name="connsiteY7" fmla="*/ 831 h 441184"/>
+              <a:gd name="connsiteX8" fmla="*/ 8839200 w 8839200"/>
+              <a:gd name="connsiteY8" fmla="*/ 322565 h 441184"/>
+            </a:gdLst>
+            <a:ahLst/>
+            <a:cxnLst>
+              <a:cxn ang="0">
+                <a:pos x="connsiteX0" y="connsiteY0"/>
+              </a:cxn>
+              <a:cxn ang="0">
+                <a:pos x="connsiteX1" y="connsiteY1"/>
+              </a:cxn>
+              <a:cxn ang="0">
+                <a:pos x="connsiteX2" y="connsiteY2"/>
+              </a:cxn>
+              <a:cxn ang="0">
+                <a:pos x="connsiteX3" y="connsiteY3"/>
+              </a:cxn>
+              <a:cxn ang="0">
+                <a:pos x="connsiteX4" y="connsiteY4"/>
+              </a:cxn>
+              <a:cxn ang="0">
+                <a:pos x="connsiteX5" y="connsiteY5"/>
+              </a:cxn>
+              <a:cxn ang="0">
+                <a:pos x="connsiteX6" y="connsiteY6"/>
+              </a:cxn>
+              <a:cxn ang="0">
+                <a:pos x="connsiteX7" y="connsiteY7"/>
+              </a:cxn>
+              <a:cxn ang="0">
+                <a:pos x="connsiteX8" y="connsiteY8"/>
+              </a:cxn>
+            </a:cxnLst>
+            <a:rect l="l" t="t" r="r" b="b"/>
+            <a:pathLst>
+              <a:path w="8839200" h="441184">
+                <a:moveTo>
+                  <a:pt x="0" y="204031"/>
+                </a:moveTo>
+                <a:cubicBezTo>
+                  <a:pt x="393700" y="150409"/>
+                  <a:pt x="787400" y="96787"/>
+                  <a:pt x="1083733" y="136298"/>
+                </a:cubicBezTo>
+                <a:cubicBezTo>
+                  <a:pt x="1380066" y="175809"/>
+                  <a:pt x="1470378" y="446743"/>
+                  <a:pt x="1778000" y="441098"/>
+                </a:cubicBezTo>
+                <a:cubicBezTo>
+                  <a:pt x="2085622" y="435454"/>
+                  <a:pt x="2548467" y="119364"/>
+                  <a:pt x="2929467" y="102431"/>
+                </a:cubicBezTo>
+                <a:cubicBezTo>
+                  <a:pt x="3310467" y="85498"/>
+                  <a:pt x="3691467" y="353609"/>
+                  <a:pt x="4064000" y="339498"/>
+                </a:cubicBezTo>
+                <a:cubicBezTo>
+                  <a:pt x="4436533" y="325387"/>
+                  <a:pt x="4792134" y="6476"/>
+                  <a:pt x="5164667" y="17765"/>
+                </a:cubicBezTo>
+                <a:cubicBezTo>
+                  <a:pt x="5537200" y="29054"/>
+                  <a:pt x="5909733" y="410053"/>
+                  <a:pt x="6299200" y="407231"/>
+                </a:cubicBezTo>
+                <a:cubicBezTo>
+                  <a:pt x="6688667" y="404409"/>
+                  <a:pt x="7078134" y="14942"/>
+                  <a:pt x="7501467" y="831"/>
+                </a:cubicBezTo>
+                <a:cubicBezTo>
+                  <a:pt x="7924800" y="-13280"/>
+                  <a:pt x="8382000" y="154642"/>
+                  <a:pt x="8839200" y="322565"/>
+                </a:cubicBezTo>
+              </a:path>
+            </a:pathLst>
+          </a:custGeom>
+          <a:noFill/>
+          <a:ln w="25400">
+            <a:solidFill>
+              <a:srgbClr val="16A287"/>
+            </a:solidFill>
+          </a:ln>
+        </p:spPr>
+        <p:style>
+          <a:lnRef idx="2">
+            <a:schemeClr val="accent1">
+              <a:shade val="50000"/>
+            </a:schemeClr>
+          </a:lnRef>
+          <a:fillRef idx="1">
+            <a:schemeClr val="accent1"/>
+          </a:fillRef>
+          <a:effectRef idx="0">
+            <a:schemeClr val="accent1"/>
+          </a:effectRef>
+          <a:fontRef idx="minor">
+            <a:schemeClr val="lt1"/>
+          </a:fontRef>
+        </p:style>
+        <p:txBody>
+          <a:bodyPr rtlCol="0" anchor="ctr"/>
+          <a:lstStyle/>
+          <a:p>
+            <a:pPr algn="ctr"/>
+            <a:endParaRPr lang="zh-CN" altLang="en-US"/>
+          </a:p>
+        </p:txBody>
+      </p:sp>
+      <p:sp>
+        <p:nvSpPr>
+          <p:cNvPr id="9" name="KSO_Shape"/>
+          <p:cNvSpPr>
+            <a:spLocks/>
+          </p:cNvSpPr>
+          <p:nvPr/>
+        </p:nvSpPr>
+        <p:spPr bwMode="auto">
+          <a:xfrm>
+            <a:off x="9550796" y="1752177"/>
+            <a:ext cx="1880129" cy="3772834"/>
+          </a:xfrm>
+          <a:custGeom>
+            <a:avLst/>
+            <a:gdLst>
+              <a:gd name="T0" fmla="*/ 169462 w 1111250"/>
+              <a:gd name="T1" fmla="*/ 1980701 h 2228850"/>
+              <a:gd name="T2" fmla="*/ 166532 w 1111250"/>
+              <a:gd name="T3" fmla="*/ 2013561 h 2228850"/>
+              <a:gd name="T4" fmla="*/ 175096 w 1111250"/>
+              <a:gd name="T5" fmla="*/ 2039395 h 2228850"/>
+              <a:gd name="T6" fmla="*/ 148504 w 1111250"/>
+              <a:gd name="T7" fmla="*/ 2057072 h 2228850"/>
+              <a:gd name="T8" fmla="*/ 125294 w 1111250"/>
+              <a:gd name="T9" fmla="*/ 2075201 h 2228850"/>
+              <a:gd name="T10" fmla="*/ 99829 w 1111250"/>
+              <a:gd name="T11" fmla="*/ 2106475 h 2228850"/>
+              <a:gd name="T12" fmla="*/ 75266 w 1111250"/>
+              <a:gd name="T13" fmla="*/ 2158145 h 2228850"/>
+              <a:gd name="T14" fmla="*/ 129350 w 1111250"/>
+              <a:gd name="T15" fmla="*/ 2012881 h 2228850"/>
+              <a:gd name="T16" fmla="*/ 145124 w 1111250"/>
+              <a:gd name="T17" fmla="*/ 1999283 h 2228850"/>
+              <a:gd name="T18" fmla="*/ 148504 w 1111250"/>
+              <a:gd name="T19" fmla="*/ 1983873 h 2228850"/>
+              <a:gd name="T20" fmla="*/ 144448 w 1111250"/>
+              <a:gd name="T21" fmla="*/ 1969823 h 2228850"/>
+              <a:gd name="T22" fmla="*/ 134082 w 1111250"/>
+              <a:gd name="T23" fmla="*/ 1960758 h 2228850"/>
+              <a:gd name="T24" fmla="*/ 121237 w 1111250"/>
+              <a:gd name="T25" fmla="*/ 1960758 h 2228850"/>
+              <a:gd name="T26" fmla="*/ 110195 w 1111250"/>
+              <a:gd name="T27" fmla="*/ 1969370 h 2228850"/>
+              <a:gd name="T28" fmla="*/ 104336 w 1111250"/>
+              <a:gd name="T29" fmla="*/ 1989312 h 2228850"/>
+              <a:gd name="T30" fmla="*/ 0 w 1111250"/>
+              <a:gd name="T31" fmla="*/ 2213213 h 2228850"/>
+              <a:gd name="T32" fmla="*/ 32901 w 1111250"/>
+              <a:gd name="T33" fmla="*/ 2123472 h 2228850"/>
+              <a:gd name="T34" fmla="*/ 48450 w 1111250"/>
+              <a:gd name="T35" fmla="*/ 2095144 h 2228850"/>
+              <a:gd name="T36" fmla="*/ 60844 w 1111250"/>
+              <a:gd name="T37" fmla="*/ 2058885 h 2228850"/>
+              <a:gd name="T38" fmla="*/ 67604 w 1111250"/>
+              <a:gd name="T39" fmla="*/ 2018093 h 2228850"/>
+              <a:gd name="T40" fmla="*/ 65125 w 1111250"/>
+              <a:gd name="T41" fmla="*/ 1985913 h 2228850"/>
+              <a:gd name="T42" fmla="*/ 70985 w 1111250"/>
+              <a:gd name="T43" fmla="*/ 1961211 h 2228850"/>
+              <a:gd name="T44" fmla="*/ 93069 w 1111250"/>
+              <a:gd name="T45" fmla="*/ 1950787 h 2228850"/>
+              <a:gd name="T46" fmla="*/ 113125 w 1111250"/>
+              <a:gd name="T47" fmla="*/ 1927445 h 2228850"/>
+              <a:gd name="T48" fmla="*/ 437775 w 1111250"/>
+              <a:gd name="T49" fmla="*/ 1567695 h 2228850"/>
+              <a:gd name="T50" fmla="*/ 321879 w 1111250"/>
+              <a:gd name="T51" fmla="*/ 1764920 h 2228850"/>
+              <a:gd name="T52" fmla="*/ 224998 w 1111250"/>
+              <a:gd name="T53" fmla="*/ 1912499 h 2228850"/>
+              <a:gd name="T54" fmla="*/ 140566 w 1111250"/>
+              <a:gd name="T55" fmla="*/ 1824768 h 2228850"/>
+              <a:gd name="T56" fmla="*/ 205531 w 1111250"/>
+              <a:gd name="T57" fmla="*/ 1644092 h 2228850"/>
+              <a:gd name="T58" fmla="*/ 297432 w 1111250"/>
+              <a:gd name="T59" fmla="*/ 1421704 h 2228850"/>
+              <a:gd name="T60" fmla="*/ 788760 w 1111250"/>
+              <a:gd name="T61" fmla="*/ 882908 h 2228850"/>
+              <a:gd name="T62" fmla="*/ 672872 w 1111250"/>
+              <a:gd name="T63" fmla="*/ 1122413 h 2228850"/>
+              <a:gd name="T64" fmla="*/ 530224 w 1111250"/>
+              <a:gd name="T65" fmla="*/ 1398852 h 2228850"/>
+              <a:gd name="T66" fmla="*/ 422274 w 1111250"/>
+              <a:gd name="T67" fmla="*/ 1144165 h 2228850"/>
+              <a:gd name="T68" fmla="*/ 553583 w 1111250"/>
+              <a:gd name="T69" fmla="*/ 873844 h 2228850"/>
+              <a:gd name="T70" fmla="*/ 666296 w 1111250"/>
+              <a:gd name="T71" fmla="*/ 655638 h 2228850"/>
+              <a:gd name="T72" fmla="*/ 1050245 w 1111250"/>
+              <a:gd name="T73" fmla="*/ 147864 h 2228850"/>
+              <a:gd name="T74" fmla="*/ 805996 w 1111250"/>
+              <a:gd name="T75" fmla="*/ 641577 h 2228850"/>
+              <a:gd name="T76" fmla="*/ 805996 w 1111250"/>
+              <a:gd name="T77" fmla="*/ 656998 h 2228850"/>
+              <a:gd name="T78" fmla="*/ 814614 w 1111250"/>
+              <a:gd name="T79" fmla="*/ 663575 h 2228850"/>
+              <a:gd name="T80" fmla="*/ 824366 w 1111250"/>
+              <a:gd name="T81" fmla="*/ 658813 h 2228850"/>
+              <a:gd name="T82" fmla="*/ 1068615 w 1111250"/>
+              <a:gd name="T83" fmla="*/ 165100 h 2228850"/>
+              <a:gd name="T84" fmla="*/ 1068841 w 1111250"/>
+              <a:gd name="T85" fmla="*/ 149452 h 2228850"/>
+              <a:gd name="T86" fmla="*/ 1060450 w 1111250"/>
+              <a:gd name="T87" fmla="*/ 143102 h 2228850"/>
+              <a:gd name="T88" fmla="*/ 1104691 w 1111250"/>
+              <a:gd name="T89" fmla="*/ 3178 h 2228850"/>
+              <a:gd name="T90" fmla="*/ 1110572 w 1111250"/>
+              <a:gd name="T91" fmla="*/ 20203 h 2228850"/>
+              <a:gd name="T92" fmla="*/ 1108989 w 1111250"/>
+              <a:gd name="T93" fmla="*/ 56296 h 2228850"/>
+              <a:gd name="T94" fmla="*/ 1085240 w 1111250"/>
+              <a:gd name="T95" fmla="*/ 156857 h 2228850"/>
+              <a:gd name="T96" fmla="*/ 1037518 w 1111250"/>
+              <a:gd name="T97" fmla="*/ 299413 h 2228850"/>
+              <a:gd name="T98" fmla="*/ 968084 w 1111250"/>
+              <a:gd name="T99" fmla="*/ 477381 h 2228850"/>
+              <a:gd name="T100" fmla="*/ 879877 w 1111250"/>
+              <a:gd name="T101" fmla="*/ 683951 h 2228850"/>
+              <a:gd name="T102" fmla="*/ 767695 w 1111250"/>
+              <a:gd name="T103" fmla="*/ 469890 h 2228850"/>
+              <a:gd name="T104" fmla="*/ 870377 w 1111250"/>
+              <a:gd name="T105" fmla="*/ 292830 h 2228850"/>
+              <a:gd name="T106" fmla="*/ 959489 w 1111250"/>
+              <a:gd name="T107" fmla="*/ 152090 h 2228850"/>
+              <a:gd name="T108" fmla="*/ 1031412 w 1111250"/>
+              <a:gd name="T109" fmla="*/ 54026 h 2228850"/>
+              <a:gd name="T110" fmla="*/ 1071896 w 1111250"/>
+              <a:gd name="T111" fmla="*/ 12031 h 2228850"/>
+              <a:gd name="T112" fmla="*/ 1091573 w 1111250"/>
+              <a:gd name="T113" fmla="*/ 681 h 2228850"/>
+            </a:gdLst>
+            <a:ahLst/>
+            <a:cxnLst>
+              <a:cxn ang="0">
+                <a:pos x="T0" y="T1"/>
+              </a:cxn>
+              <a:cxn ang="0">
+                <a:pos x="T2" y="T3"/>
+              </a:cxn>
+              <a:cxn ang="0">
+                <a:pos x="T4" y="T5"/>
+              </a:cxn>
+              <a:cxn ang="0">
+                <a:pos x="T6" y="T7"/>
+              </a:cxn>
+              <a:cxn ang="0">
+                <a:pos x="T8" y="T9"/>
+              </a:cxn>
+              <a:cxn ang="0">
+                <a:pos x="T10" y="T11"/>
+              </a:cxn>
+              <a:cxn ang="0">
+                <a:pos x="T12" y="T13"/>
+              </a:cxn>
+              <a:cxn ang="0">
+                <a:pos x="T14" y="T15"/>
+              </a:cxn>
+              <a:cxn ang="0">
+                <a:pos x="T16" y="T17"/>
+              </a:cxn>
+              <a:cxn ang="0">
+                <a:pos x="T18" y="T19"/>
+              </a:cxn>
+              <a:cxn ang="0">
+                <a:pos x="T20" y="T21"/>
+              </a:cxn>
+              <a:cxn ang="0">
+                <a:pos x="T22" y="T23"/>
+              </a:cxn>
+              <a:cxn ang="0">
+                <a:pos x="T24" y="T25"/>
+              </a:cxn>
+              <a:cxn ang="0">
+                <a:pos x="T26" y="T27"/>
+              </a:cxn>
+              <a:cxn ang="0">
+                <a:pos x="T28" y="T29"/>
+              </a:cxn>
+              <a:cxn ang="0">
+                <a:pos x="T30" y="T31"/>
+              </a:cxn>
+              <a:cxn ang="0">
+                <a:pos x="T32" y="T33"/>
+              </a:cxn>
+              <a:cxn ang="0">
+                <a:pos x="T34" y="T35"/>
+              </a:cxn>
+              <a:cxn ang="0">
+                <a:pos x="T36" y="T37"/>
+              </a:cxn>
+              <a:cxn ang="0">
+                <a:pos x="T38" y="T39"/>
+              </a:cxn>
+              <a:cxn ang="0">
+                <a:pos x="T40" y="T41"/>
+              </a:cxn>
+              <a:cxn ang="0">
+                <a:pos x="T42" y="T43"/>
+              </a:cxn>
+              <a:cxn ang="0">
+                <a:pos x="T44" y="T45"/>
+              </a:cxn>
+              <a:cxn ang="0">
+                <a:pos x="T46" y="T47"/>
+              </a:cxn>
+              <a:cxn ang="0">
+                <a:pos x="T48" y="T49"/>
+              </a:cxn>
+              <a:cxn ang="0">
+                <a:pos x="T50" y="T51"/>
+              </a:cxn>
+              <a:cxn ang="0">
+                <a:pos x="T52" y="T53"/>
+              </a:cxn>
+              <a:cxn ang="0">
+                <a:pos x="T54" y="T55"/>
+              </a:cxn>
+              <a:cxn ang="0">
+                <a:pos x="T56" y="T57"/>
+              </a:cxn>
+              <a:cxn ang="0">
+                <a:pos x="T58" y="T59"/>
+              </a:cxn>
+              <a:cxn ang="0">
+                <a:pos x="T60" y="T61"/>
+              </a:cxn>
+              <a:cxn ang="0">
+                <a:pos x="T62" y="T63"/>
+              </a:cxn>
+              <a:cxn ang="0">
+                <a:pos x="T64" y="T65"/>
+              </a:cxn>
+              <a:cxn ang="0">
+                <a:pos x="T66" y="T67"/>
+              </a:cxn>
+              <a:cxn ang="0">
+                <a:pos x="T68" y="T69"/>
+              </a:cxn>
+              <a:cxn ang="0">
+                <a:pos x="T70" y="T71"/>
+              </a:cxn>
+              <a:cxn ang="0">
+                <a:pos x="T72" y="T73"/>
+              </a:cxn>
+              <a:cxn ang="0">
+                <a:pos x="T74" y="T75"/>
+              </a:cxn>
+              <a:cxn ang="0">
+                <a:pos x="T76" y="T77"/>
+              </a:cxn>
+              <a:cxn ang="0">
+                <a:pos x="T78" y="T79"/>
+              </a:cxn>
+              <a:cxn ang="0">
+                <a:pos x="T80" y="T81"/>
+              </a:cxn>
+              <a:cxn ang="0">
+                <a:pos x="T82" y="T83"/>
+              </a:cxn>
+              <a:cxn ang="0">
+                <a:pos x="T84" y="T85"/>
+              </a:cxn>
+              <a:cxn ang="0">
+                <a:pos x="T86" y="T87"/>
+              </a:cxn>
+              <a:cxn ang="0">
+                <a:pos x="T88" y="T89"/>
+              </a:cxn>
+              <a:cxn ang="0">
+                <a:pos x="T90" y="T91"/>
+              </a:cxn>
+              <a:cxn ang="0">
+                <a:pos x="T92" y="T93"/>
+              </a:cxn>
+              <a:cxn ang="0">
+                <a:pos x="T94" y="T95"/>
+              </a:cxn>
+              <a:cxn ang="0">
+                <a:pos x="T96" y="T97"/>
+              </a:cxn>
+              <a:cxn ang="0">
+                <a:pos x="T98" y="T99"/>
+              </a:cxn>
+              <a:cxn ang="0">
+                <a:pos x="T100" y="T101"/>
+              </a:cxn>
+              <a:cxn ang="0">
+                <a:pos x="T102" y="T103"/>
+              </a:cxn>
+              <a:cxn ang="0">
+                <a:pos x="T104" y="T105"/>
+              </a:cxn>
+              <a:cxn ang="0">
+                <a:pos x="T106" y="T107"/>
+              </a:cxn>
+              <a:cxn ang="0">
+                <a:pos x="T108" y="T109"/>
+              </a:cxn>
+              <a:cxn ang="0">
+                <a:pos x="T110" y="T111"/>
+              </a:cxn>
+              <a:cxn ang="0">
+                <a:pos x="T112" y="T113"/>
+              </a:cxn>
+            </a:cxnLst>
+            <a:rect l="0" t="0" r="r" b="b"/>
+            <a:pathLst>
+              <a:path w="1111250" h="2228850">
+                <a:moveTo>
+                  <a:pt x="118533" y="1917700"/>
+                </a:moveTo>
+                <a:lnTo>
+                  <a:pt x="177800" y="1958039"/>
+                </a:lnTo>
+                <a:lnTo>
+                  <a:pt x="175321" y="1963477"/>
+                </a:lnTo>
+                <a:lnTo>
+                  <a:pt x="173067" y="1969370"/>
+                </a:lnTo>
+                <a:lnTo>
+                  <a:pt x="171039" y="1975262"/>
+                </a:lnTo>
+                <a:lnTo>
+                  <a:pt x="169462" y="1980701"/>
+                </a:lnTo>
+                <a:lnTo>
+                  <a:pt x="168335" y="1986593"/>
+                </a:lnTo>
+                <a:lnTo>
+                  <a:pt x="167208" y="1992032"/>
+                </a:lnTo>
+                <a:lnTo>
+                  <a:pt x="166532" y="1997697"/>
+                </a:lnTo>
+                <a:lnTo>
+                  <a:pt x="166307" y="2003136"/>
+                </a:lnTo>
+                <a:lnTo>
+                  <a:pt x="166307" y="2008348"/>
+                </a:lnTo>
+                <a:lnTo>
+                  <a:pt x="166532" y="2013561"/>
+                </a:lnTo>
+                <a:lnTo>
+                  <a:pt x="167208" y="2018546"/>
+                </a:lnTo>
+                <a:lnTo>
+                  <a:pt x="167884" y="2023305"/>
+                </a:lnTo>
+                <a:lnTo>
+                  <a:pt x="169237" y="2027611"/>
+                </a:lnTo>
+                <a:lnTo>
+                  <a:pt x="171039" y="2031917"/>
+                </a:lnTo>
+                <a:lnTo>
+                  <a:pt x="172842" y="2035769"/>
+                </a:lnTo>
+                <a:lnTo>
+                  <a:pt x="175096" y="2039395"/>
+                </a:lnTo>
+                <a:lnTo>
+                  <a:pt x="165631" y="2051180"/>
+                </a:lnTo>
+                <a:lnTo>
+                  <a:pt x="162476" y="2051633"/>
+                </a:lnTo>
+                <a:lnTo>
+                  <a:pt x="159096" y="2052313"/>
+                </a:lnTo>
+                <a:lnTo>
+                  <a:pt x="155716" y="2053672"/>
+                </a:lnTo>
+                <a:lnTo>
+                  <a:pt x="152110" y="2055259"/>
+                </a:lnTo>
+                <a:lnTo>
+                  <a:pt x="148504" y="2057072"/>
+                </a:lnTo>
+                <a:lnTo>
+                  <a:pt x="144674" y="2059338"/>
+                </a:lnTo>
+                <a:lnTo>
+                  <a:pt x="140843" y="2061831"/>
+                </a:lnTo>
+                <a:lnTo>
+                  <a:pt x="137237" y="2065003"/>
+                </a:lnTo>
+                <a:lnTo>
+                  <a:pt x="133181" y="2067949"/>
+                </a:lnTo>
+                <a:lnTo>
+                  <a:pt x="129350" y="2071575"/>
+                </a:lnTo>
+                <a:lnTo>
+                  <a:pt x="125294" y="2075201"/>
+                </a:lnTo>
+                <a:lnTo>
+                  <a:pt x="121237" y="2079281"/>
+                </a:lnTo>
+                <a:lnTo>
+                  <a:pt x="117406" y="2083586"/>
+                </a:lnTo>
+                <a:lnTo>
+                  <a:pt x="113575" y="2088119"/>
+                </a:lnTo>
+                <a:lnTo>
+                  <a:pt x="109519" y="2092878"/>
+                </a:lnTo>
+                <a:lnTo>
+                  <a:pt x="105688" y="2098090"/>
+                </a:lnTo>
+                <a:lnTo>
+                  <a:pt x="99829" y="2106475"/>
+                </a:lnTo>
+                <a:lnTo>
+                  <a:pt x="94195" y="2115313"/>
+                </a:lnTo>
+                <a:lnTo>
+                  <a:pt x="89238" y="2124151"/>
+                </a:lnTo>
+                <a:lnTo>
+                  <a:pt x="84731" y="2132990"/>
+                </a:lnTo>
+                <a:lnTo>
+                  <a:pt x="80900" y="2141601"/>
+                </a:lnTo>
+                <a:lnTo>
+                  <a:pt x="77970" y="2150213"/>
+                </a:lnTo>
+                <a:lnTo>
+                  <a:pt x="75266" y="2158145"/>
+                </a:lnTo>
+                <a:lnTo>
+                  <a:pt x="73463" y="2166076"/>
+                </a:lnTo>
+                <a:lnTo>
+                  <a:pt x="23211" y="2228850"/>
+                </a:lnTo>
+                <a:lnTo>
+                  <a:pt x="18704" y="2225904"/>
+                </a:lnTo>
+                <a:lnTo>
+                  <a:pt x="123040" y="2013334"/>
+                </a:lnTo>
+                <a:lnTo>
+                  <a:pt x="126195" y="2013561"/>
+                </a:lnTo>
+                <a:lnTo>
+                  <a:pt x="129350" y="2012881"/>
+                </a:lnTo>
+                <a:lnTo>
+                  <a:pt x="132279" y="2011974"/>
+                </a:lnTo>
+                <a:lnTo>
+                  <a:pt x="135434" y="2010388"/>
+                </a:lnTo>
+                <a:lnTo>
+                  <a:pt x="138364" y="2008348"/>
+                </a:lnTo>
+                <a:lnTo>
+                  <a:pt x="140843" y="2005855"/>
+                </a:lnTo>
+                <a:lnTo>
+                  <a:pt x="143096" y="2002909"/>
+                </a:lnTo>
+                <a:lnTo>
+                  <a:pt x="145124" y="1999283"/>
+                </a:lnTo>
+                <a:lnTo>
+                  <a:pt x="146251" y="1996791"/>
+                </a:lnTo>
+                <a:lnTo>
+                  <a:pt x="147152" y="1994298"/>
+                </a:lnTo>
+                <a:lnTo>
+                  <a:pt x="147603" y="1991805"/>
+                </a:lnTo>
+                <a:lnTo>
+                  <a:pt x="148054" y="1989312"/>
+                </a:lnTo>
+                <a:lnTo>
+                  <a:pt x="148504" y="1986593"/>
+                </a:lnTo>
+                <a:lnTo>
+                  <a:pt x="148504" y="1983873"/>
+                </a:lnTo>
+                <a:lnTo>
+                  <a:pt x="148054" y="1981380"/>
+                </a:lnTo>
+                <a:lnTo>
+                  <a:pt x="147828" y="1978888"/>
+                </a:lnTo>
+                <a:lnTo>
+                  <a:pt x="147378" y="1976395"/>
+                </a:lnTo>
+                <a:lnTo>
+                  <a:pt x="146476" y="1974129"/>
+                </a:lnTo>
+                <a:lnTo>
+                  <a:pt x="145575" y="1971862"/>
+                </a:lnTo>
+                <a:lnTo>
+                  <a:pt x="144448" y="1969823"/>
+                </a:lnTo>
+                <a:lnTo>
+                  <a:pt x="143096" y="1967783"/>
+                </a:lnTo>
+                <a:lnTo>
+                  <a:pt x="141744" y="1965970"/>
+                </a:lnTo>
+                <a:lnTo>
+                  <a:pt x="139941" y="1964384"/>
+                </a:lnTo>
+                <a:lnTo>
+                  <a:pt x="138138" y="1963024"/>
+                </a:lnTo>
+                <a:lnTo>
+                  <a:pt x="136110" y="1961891"/>
+                </a:lnTo>
+                <a:lnTo>
+                  <a:pt x="134082" y="1960758"/>
+                </a:lnTo>
+                <a:lnTo>
+                  <a:pt x="131829" y="1960305"/>
+                </a:lnTo>
+                <a:lnTo>
+                  <a:pt x="129801" y="1959851"/>
+                </a:lnTo>
+                <a:lnTo>
+                  <a:pt x="127547" y="1959851"/>
+                </a:lnTo>
+                <a:lnTo>
+                  <a:pt x="125519" y="1959851"/>
+                </a:lnTo>
+                <a:lnTo>
+                  <a:pt x="123265" y="1960305"/>
+                </a:lnTo>
+                <a:lnTo>
+                  <a:pt x="121237" y="1960758"/>
+                </a:lnTo>
+                <a:lnTo>
+                  <a:pt x="119434" y="1961891"/>
+                </a:lnTo>
+                <a:lnTo>
+                  <a:pt x="117406" y="1962798"/>
+                </a:lnTo>
+                <a:lnTo>
+                  <a:pt x="115604" y="1964157"/>
+                </a:lnTo>
+                <a:lnTo>
+                  <a:pt x="113575" y="1965517"/>
+                </a:lnTo>
+                <a:lnTo>
+                  <a:pt x="111998" y="1967330"/>
+                </a:lnTo>
+                <a:lnTo>
+                  <a:pt x="110195" y="1969370"/>
+                </a:lnTo>
+                <a:lnTo>
+                  <a:pt x="109068" y="1971409"/>
+                </a:lnTo>
+                <a:lnTo>
+                  <a:pt x="107716" y="1973902"/>
+                </a:lnTo>
+                <a:lnTo>
+                  <a:pt x="106139" y="1977755"/>
+                </a:lnTo>
+                <a:lnTo>
+                  <a:pt x="105012" y="1981380"/>
+                </a:lnTo>
+                <a:lnTo>
+                  <a:pt x="104561" y="1985460"/>
+                </a:lnTo>
+                <a:lnTo>
+                  <a:pt x="104336" y="1989312"/>
+                </a:lnTo>
+                <a:lnTo>
+                  <a:pt x="104787" y="1993165"/>
+                </a:lnTo>
+                <a:lnTo>
+                  <a:pt x="105463" y="1996791"/>
+                </a:lnTo>
+                <a:lnTo>
+                  <a:pt x="106815" y="2000417"/>
+                </a:lnTo>
+                <a:lnTo>
+                  <a:pt x="108618" y="2003363"/>
+                </a:lnTo>
+                <a:lnTo>
+                  <a:pt x="4507" y="2215933"/>
+                </a:lnTo>
+                <a:lnTo>
+                  <a:pt x="0" y="2213213"/>
+                </a:lnTo>
+                <a:lnTo>
+                  <a:pt x="18704" y="2139562"/>
+                </a:lnTo>
+                <a:lnTo>
+                  <a:pt x="21633" y="2136842"/>
+                </a:lnTo>
+                <a:lnTo>
+                  <a:pt x="24337" y="2134123"/>
+                </a:lnTo>
+                <a:lnTo>
+                  <a:pt x="27267" y="2130723"/>
+                </a:lnTo>
+                <a:lnTo>
+                  <a:pt x="29971" y="2127324"/>
+                </a:lnTo>
+                <a:lnTo>
+                  <a:pt x="32901" y="2123472"/>
+                </a:lnTo>
+                <a:lnTo>
+                  <a:pt x="35605" y="2119392"/>
+                </a:lnTo>
+                <a:lnTo>
+                  <a:pt x="38084" y="2115087"/>
+                </a:lnTo>
+                <a:lnTo>
+                  <a:pt x="40788" y="2110328"/>
+                </a:lnTo>
+                <a:lnTo>
+                  <a:pt x="43267" y="2105569"/>
+                </a:lnTo>
+                <a:lnTo>
+                  <a:pt x="45971" y="2100583"/>
+                </a:lnTo>
+                <a:lnTo>
+                  <a:pt x="48450" y="2095144"/>
+                </a:lnTo>
+                <a:lnTo>
+                  <a:pt x="50703" y="2089932"/>
+                </a:lnTo>
+                <a:lnTo>
+                  <a:pt x="52957" y="2084040"/>
+                </a:lnTo>
+                <a:lnTo>
+                  <a:pt x="55210" y="2078374"/>
+                </a:lnTo>
+                <a:lnTo>
+                  <a:pt x="57238" y="2072255"/>
+                </a:lnTo>
+                <a:lnTo>
+                  <a:pt x="58816" y="2066137"/>
+                </a:lnTo>
+                <a:lnTo>
+                  <a:pt x="60844" y="2058885"/>
+                </a:lnTo>
+                <a:lnTo>
+                  <a:pt x="62647" y="2051633"/>
+                </a:lnTo>
+                <a:lnTo>
+                  <a:pt x="64224" y="2044608"/>
+                </a:lnTo>
+                <a:lnTo>
+                  <a:pt x="65351" y="2037809"/>
+                </a:lnTo>
+                <a:lnTo>
+                  <a:pt x="66478" y="2030784"/>
+                </a:lnTo>
+                <a:lnTo>
+                  <a:pt x="67154" y="2024438"/>
+                </a:lnTo>
+                <a:lnTo>
+                  <a:pt x="67604" y="2018093"/>
+                </a:lnTo>
+                <a:lnTo>
+                  <a:pt x="67830" y="2011974"/>
+                </a:lnTo>
+                <a:lnTo>
+                  <a:pt x="67604" y="2006082"/>
+                </a:lnTo>
+                <a:lnTo>
+                  <a:pt x="67379" y="2000643"/>
+                </a:lnTo>
+                <a:lnTo>
+                  <a:pt x="66928" y="1995431"/>
+                </a:lnTo>
+                <a:lnTo>
+                  <a:pt x="66252" y="1990445"/>
+                </a:lnTo>
+                <a:lnTo>
+                  <a:pt x="65125" y="1985913"/>
+                </a:lnTo>
+                <a:lnTo>
+                  <a:pt x="63773" y="1982060"/>
+                </a:lnTo>
+                <a:lnTo>
+                  <a:pt x="62196" y="1978434"/>
+                </a:lnTo>
+                <a:lnTo>
+                  <a:pt x="60393" y="1975262"/>
+                </a:lnTo>
+                <a:lnTo>
+                  <a:pt x="63999" y="1961891"/>
+                </a:lnTo>
+                <a:lnTo>
+                  <a:pt x="67379" y="1961891"/>
+                </a:lnTo>
+                <a:lnTo>
+                  <a:pt x="70985" y="1961211"/>
+                </a:lnTo>
+                <a:lnTo>
+                  <a:pt x="74590" y="1960531"/>
+                </a:lnTo>
+                <a:lnTo>
+                  <a:pt x="78421" y="1959172"/>
+                </a:lnTo>
+                <a:lnTo>
+                  <a:pt x="82252" y="1957585"/>
+                </a:lnTo>
+                <a:lnTo>
+                  <a:pt x="85632" y="1955772"/>
+                </a:lnTo>
+                <a:lnTo>
+                  <a:pt x="89463" y="1953279"/>
+                </a:lnTo>
+                <a:lnTo>
+                  <a:pt x="93069" y="1950787"/>
+                </a:lnTo>
+                <a:lnTo>
+                  <a:pt x="96674" y="1947614"/>
+                </a:lnTo>
+                <a:lnTo>
+                  <a:pt x="100055" y="1944215"/>
+                </a:lnTo>
+                <a:lnTo>
+                  <a:pt x="103435" y="1940589"/>
+                </a:lnTo>
+                <a:lnTo>
+                  <a:pt x="106815" y="1936510"/>
+                </a:lnTo>
+                <a:lnTo>
+                  <a:pt x="109970" y="1932204"/>
+                </a:lnTo>
+                <a:lnTo>
+                  <a:pt x="113125" y="1927445"/>
+                </a:lnTo>
+                <a:lnTo>
+                  <a:pt x="115829" y="1922686"/>
+                </a:lnTo>
+                <a:lnTo>
+                  <a:pt x="118533" y="1917700"/>
+                </a:lnTo>
+                <a:close/>
+                <a:moveTo>
+                  <a:pt x="315088" y="1381125"/>
+                </a:moveTo>
+                <a:lnTo>
+                  <a:pt x="479425" y="1492886"/>
+                </a:lnTo>
+                <a:lnTo>
+                  <a:pt x="458373" y="1530971"/>
+                </a:lnTo>
+                <a:lnTo>
+                  <a:pt x="437775" y="1567695"/>
+                </a:lnTo>
+                <a:lnTo>
+                  <a:pt x="417402" y="1603740"/>
+                </a:lnTo>
+                <a:lnTo>
+                  <a:pt x="397483" y="1638651"/>
+                </a:lnTo>
+                <a:lnTo>
+                  <a:pt x="377790" y="1672202"/>
+                </a:lnTo>
+                <a:lnTo>
+                  <a:pt x="358549" y="1704393"/>
+                </a:lnTo>
+                <a:lnTo>
+                  <a:pt x="339988" y="1735450"/>
+                </a:lnTo>
+                <a:lnTo>
+                  <a:pt x="321879" y="1764920"/>
+                </a:lnTo>
+                <a:lnTo>
+                  <a:pt x="304223" y="1793257"/>
+                </a:lnTo>
+                <a:lnTo>
+                  <a:pt x="287020" y="1820234"/>
+                </a:lnTo>
+                <a:lnTo>
+                  <a:pt x="270722" y="1845624"/>
+                </a:lnTo>
+                <a:lnTo>
+                  <a:pt x="254877" y="1869653"/>
+                </a:lnTo>
+                <a:lnTo>
+                  <a:pt x="239485" y="1891869"/>
+                </a:lnTo>
+                <a:lnTo>
+                  <a:pt x="224998" y="1912499"/>
+                </a:lnTo>
+                <a:lnTo>
+                  <a:pt x="210737" y="1931768"/>
+                </a:lnTo>
+                <a:lnTo>
+                  <a:pt x="197608" y="1949450"/>
+                </a:lnTo>
+                <a:lnTo>
+                  <a:pt x="119062" y="1895950"/>
+                </a:lnTo>
+                <a:lnTo>
+                  <a:pt x="125400" y="1873734"/>
+                </a:lnTo>
+                <a:lnTo>
+                  <a:pt x="132417" y="1849931"/>
+                </a:lnTo>
+                <a:lnTo>
+                  <a:pt x="140566" y="1824768"/>
+                </a:lnTo>
+                <a:lnTo>
+                  <a:pt x="149394" y="1798018"/>
+                </a:lnTo>
+                <a:lnTo>
+                  <a:pt x="158901" y="1770134"/>
+                </a:lnTo>
+                <a:lnTo>
+                  <a:pt x="169540" y="1740437"/>
+                </a:lnTo>
+                <a:lnTo>
+                  <a:pt x="180858" y="1709607"/>
+                </a:lnTo>
+                <a:lnTo>
+                  <a:pt x="192855" y="1677416"/>
+                </a:lnTo>
+                <a:lnTo>
+                  <a:pt x="205531" y="1644092"/>
+                </a:lnTo>
+                <a:lnTo>
+                  <a:pt x="219112" y="1609861"/>
+                </a:lnTo>
+                <a:lnTo>
+                  <a:pt x="233373" y="1574269"/>
+                </a:lnTo>
+                <a:lnTo>
+                  <a:pt x="248313" y="1537545"/>
+                </a:lnTo>
+                <a:lnTo>
+                  <a:pt x="264158" y="1499913"/>
+                </a:lnTo>
+                <a:lnTo>
+                  <a:pt x="280229" y="1461148"/>
+                </a:lnTo>
+                <a:lnTo>
+                  <a:pt x="297432" y="1421704"/>
+                </a:lnTo>
+                <a:lnTo>
+                  <a:pt x="315088" y="1381125"/>
+                </a:lnTo>
+                <a:close/>
+                <a:moveTo>
+                  <a:pt x="666296" y="655638"/>
+                </a:moveTo>
+                <a:lnTo>
+                  <a:pt x="839787" y="773011"/>
+                </a:lnTo>
+                <a:lnTo>
+                  <a:pt x="823232" y="809266"/>
+                </a:lnTo>
+                <a:lnTo>
+                  <a:pt x="806223" y="845747"/>
+                </a:lnTo>
+                <a:lnTo>
+                  <a:pt x="788760" y="882908"/>
+                </a:lnTo>
+                <a:lnTo>
+                  <a:pt x="771298" y="920295"/>
+                </a:lnTo>
+                <a:lnTo>
+                  <a:pt x="752928" y="957909"/>
+                </a:lnTo>
+                <a:lnTo>
+                  <a:pt x="734785" y="996429"/>
+                </a:lnTo>
+                <a:lnTo>
+                  <a:pt x="715962" y="1034723"/>
+                </a:lnTo>
+                <a:lnTo>
+                  <a:pt x="696912" y="1073469"/>
+                </a:lnTo>
+                <a:lnTo>
+                  <a:pt x="672872" y="1122413"/>
+                </a:lnTo>
+                <a:lnTo>
+                  <a:pt x="648606" y="1170676"/>
+                </a:lnTo>
+                <a:lnTo>
+                  <a:pt x="624567" y="1218034"/>
+                </a:lnTo>
+                <a:lnTo>
+                  <a:pt x="600528" y="1264711"/>
+                </a:lnTo>
+                <a:lnTo>
+                  <a:pt x="576942" y="1310256"/>
+                </a:lnTo>
+                <a:lnTo>
+                  <a:pt x="553356" y="1355120"/>
+                </a:lnTo>
+                <a:lnTo>
+                  <a:pt x="530224" y="1398852"/>
+                </a:lnTo>
+                <a:lnTo>
+                  <a:pt x="507092" y="1441451"/>
+                </a:lnTo>
+                <a:lnTo>
+                  <a:pt x="338137" y="1327476"/>
+                </a:lnTo>
+                <a:lnTo>
+                  <a:pt x="358321" y="1282612"/>
+                </a:lnTo>
+                <a:lnTo>
+                  <a:pt x="378958" y="1237067"/>
+                </a:lnTo>
+                <a:lnTo>
+                  <a:pt x="400276" y="1191070"/>
+                </a:lnTo>
+                <a:lnTo>
+                  <a:pt x="422274" y="1144165"/>
+                </a:lnTo>
+                <a:lnTo>
+                  <a:pt x="444726" y="1096355"/>
+                </a:lnTo>
+                <a:lnTo>
+                  <a:pt x="467858" y="1048318"/>
+                </a:lnTo>
+                <a:lnTo>
+                  <a:pt x="491444" y="999601"/>
+                </a:lnTo>
+                <a:lnTo>
+                  <a:pt x="515256" y="950658"/>
+                </a:lnTo>
+                <a:lnTo>
+                  <a:pt x="534533" y="911911"/>
+                </a:lnTo>
+                <a:lnTo>
+                  <a:pt x="553583" y="873844"/>
+                </a:lnTo>
+                <a:lnTo>
+                  <a:pt x="572633" y="836003"/>
+                </a:lnTo>
+                <a:lnTo>
+                  <a:pt x="591456" y="798843"/>
+                </a:lnTo>
+                <a:lnTo>
+                  <a:pt x="610506" y="762135"/>
+                </a:lnTo>
+                <a:lnTo>
+                  <a:pt x="629103" y="726107"/>
+                </a:lnTo>
+                <a:lnTo>
+                  <a:pt x="647699" y="690533"/>
+                </a:lnTo>
+                <a:lnTo>
+                  <a:pt x="666296" y="655638"/>
+                </a:lnTo>
+                <a:close/>
+                <a:moveTo>
+                  <a:pt x="1059090" y="142875"/>
+                </a:moveTo>
+                <a:lnTo>
+                  <a:pt x="1057956" y="143102"/>
+                </a:lnTo>
+                <a:lnTo>
+                  <a:pt x="1056595" y="143329"/>
+                </a:lnTo>
+                <a:lnTo>
+                  <a:pt x="1055234" y="143782"/>
+                </a:lnTo>
+                <a:lnTo>
+                  <a:pt x="1052739" y="145370"/>
+                </a:lnTo>
+                <a:lnTo>
+                  <a:pt x="1050245" y="147864"/>
+                </a:lnTo>
+                <a:lnTo>
+                  <a:pt x="1047750" y="150586"/>
+                </a:lnTo>
+                <a:lnTo>
+                  <a:pt x="1045256" y="154214"/>
+                </a:lnTo>
+                <a:lnTo>
+                  <a:pt x="1042988" y="158296"/>
+                </a:lnTo>
+                <a:lnTo>
+                  <a:pt x="809398" y="632959"/>
+                </a:lnTo>
+                <a:lnTo>
+                  <a:pt x="807357" y="637268"/>
+                </a:lnTo>
+                <a:lnTo>
+                  <a:pt x="805996" y="641577"/>
+                </a:lnTo>
+                <a:lnTo>
+                  <a:pt x="805089" y="645659"/>
+                </a:lnTo>
+                <a:lnTo>
+                  <a:pt x="804862" y="649288"/>
+                </a:lnTo>
+                <a:lnTo>
+                  <a:pt x="804862" y="652689"/>
+                </a:lnTo>
+                <a:lnTo>
+                  <a:pt x="805089" y="654504"/>
+                </a:lnTo>
+                <a:lnTo>
+                  <a:pt x="805543" y="655638"/>
+                </a:lnTo>
+                <a:lnTo>
+                  <a:pt x="805996" y="656998"/>
+                </a:lnTo>
+                <a:lnTo>
+                  <a:pt x="806450" y="658132"/>
+                </a:lnTo>
+                <a:lnTo>
+                  <a:pt x="807357" y="659039"/>
+                </a:lnTo>
+                <a:lnTo>
+                  <a:pt x="808264" y="659720"/>
+                </a:lnTo>
+                <a:lnTo>
+                  <a:pt x="812573" y="662668"/>
+                </a:lnTo>
+                <a:lnTo>
+                  <a:pt x="813480" y="663348"/>
+                </a:lnTo>
+                <a:lnTo>
+                  <a:pt x="814614" y="663575"/>
+                </a:lnTo>
+                <a:lnTo>
+                  <a:pt x="815521" y="663575"/>
+                </a:lnTo>
+                <a:lnTo>
+                  <a:pt x="816882" y="663575"/>
+                </a:lnTo>
+                <a:lnTo>
+                  <a:pt x="818016" y="663121"/>
+                </a:lnTo>
+                <a:lnTo>
+                  <a:pt x="819377" y="662441"/>
+                </a:lnTo>
+                <a:lnTo>
+                  <a:pt x="821871" y="661080"/>
+                </a:lnTo>
+                <a:lnTo>
+                  <a:pt x="824366" y="658813"/>
+                </a:lnTo>
+                <a:lnTo>
+                  <a:pt x="827314" y="655638"/>
+                </a:lnTo>
+                <a:lnTo>
+                  <a:pt x="829582" y="652236"/>
+                </a:lnTo>
+                <a:lnTo>
+                  <a:pt x="831850" y="648154"/>
+                </a:lnTo>
+                <a:lnTo>
+                  <a:pt x="1065666" y="173718"/>
+                </a:lnTo>
+                <a:lnTo>
+                  <a:pt x="1067481" y="169409"/>
+                </a:lnTo>
+                <a:lnTo>
+                  <a:pt x="1068615" y="165100"/>
+                </a:lnTo>
+                <a:lnTo>
+                  <a:pt x="1069748" y="161018"/>
+                </a:lnTo>
+                <a:lnTo>
+                  <a:pt x="1069975" y="157163"/>
+                </a:lnTo>
+                <a:lnTo>
+                  <a:pt x="1069975" y="153761"/>
+                </a:lnTo>
+                <a:lnTo>
+                  <a:pt x="1069748" y="152173"/>
+                </a:lnTo>
+                <a:lnTo>
+                  <a:pt x="1069295" y="150586"/>
+                </a:lnTo>
+                <a:lnTo>
+                  <a:pt x="1068841" y="149452"/>
+                </a:lnTo>
+                <a:lnTo>
+                  <a:pt x="1068161" y="148318"/>
+                </a:lnTo>
+                <a:lnTo>
+                  <a:pt x="1067481" y="147411"/>
+                </a:lnTo>
+                <a:lnTo>
+                  <a:pt x="1066573" y="146504"/>
+                </a:lnTo>
+                <a:lnTo>
+                  <a:pt x="1062491" y="143782"/>
+                </a:lnTo>
+                <a:lnTo>
+                  <a:pt x="1061357" y="143329"/>
+                </a:lnTo>
+                <a:lnTo>
+                  <a:pt x="1060450" y="143102"/>
+                </a:lnTo>
+                <a:lnTo>
+                  <a:pt x="1059090" y="142875"/>
+                </a:lnTo>
+                <a:close/>
+                <a:moveTo>
+                  <a:pt x="1096549" y="0"/>
+                </a:moveTo>
+                <a:lnTo>
+                  <a:pt x="1098811" y="227"/>
+                </a:lnTo>
+                <a:lnTo>
+                  <a:pt x="1101073" y="908"/>
+                </a:lnTo>
+                <a:lnTo>
+                  <a:pt x="1102882" y="2043"/>
+                </a:lnTo>
+                <a:lnTo>
+                  <a:pt x="1104691" y="3178"/>
+                </a:lnTo>
+                <a:lnTo>
+                  <a:pt x="1106048" y="5221"/>
+                </a:lnTo>
+                <a:lnTo>
+                  <a:pt x="1107405" y="7264"/>
+                </a:lnTo>
+                <a:lnTo>
+                  <a:pt x="1108762" y="10215"/>
+                </a:lnTo>
+                <a:lnTo>
+                  <a:pt x="1109441" y="13166"/>
+                </a:lnTo>
+                <a:lnTo>
+                  <a:pt x="1110119" y="16344"/>
+                </a:lnTo>
+                <a:lnTo>
+                  <a:pt x="1110572" y="20203"/>
+                </a:lnTo>
+                <a:lnTo>
+                  <a:pt x="1111250" y="24289"/>
+                </a:lnTo>
+                <a:lnTo>
+                  <a:pt x="1111250" y="28829"/>
+                </a:lnTo>
+                <a:lnTo>
+                  <a:pt x="1111250" y="33596"/>
+                </a:lnTo>
+                <a:lnTo>
+                  <a:pt x="1111024" y="38590"/>
+                </a:lnTo>
+                <a:lnTo>
+                  <a:pt x="1110346" y="44265"/>
+                </a:lnTo>
+                <a:lnTo>
+                  <a:pt x="1108989" y="56296"/>
+                </a:lnTo>
+                <a:lnTo>
+                  <a:pt x="1106953" y="69916"/>
+                </a:lnTo>
+                <a:lnTo>
+                  <a:pt x="1103787" y="84898"/>
+                </a:lnTo>
+                <a:lnTo>
+                  <a:pt x="1100394" y="100788"/>
+                </a:lnTo>
+                <a:lnTo>
+                  <a:pt x="1095871" y="118267"/>
+                </a:lnTo>
+                <a:lnTo>
+                  <a:pt x="1090895" y="136881"/>
+                </a:lnTo>
+                <a:lnTo>
+                  <a:pt x="1085240" y="156857"/>
+                </a:lnTo>
+                <a:lnTo>
+                  <a:pt x="1078682" y="177741"/>
+                </a:lnTo>
+                <a:lnTo>
+                  <a:pt x="1071670" y="199987"/>
+                </a:lnTo>
+                <a:lnTo>
+                  <a:pt x="1064207" y="223368"/>
+                </a:lnTo>
+                <a:lnTo>
+                  <a:pt x="1055838" y="247657"/>
+                </a:lnTo>
+                <a:lnTo>
+                  <a:pt x="1046791" y="273081"/>
+                </a:lnTo>
+                <a:lnTo>
+                  <a:pt x="1037518" y="299413"/>
+                </a:lnTo>
+                <a:lnTo>
+                  <a:pt x="1027114" y="326880"/>
+                </a:lnTo>
+                <a:lnTo>
+                  <a:pt x="1016484" y="355255"/>
+                </a:lnTo>
+                <a:lnTo>
+                  <a:pt x="1005176" y="384538"/>
+                </a:lnTo>
+                <a:lnTo>
+                  <a:pt x="993415" y="414502"/>
+                </a:lnTo>
+                <a:lnTo>
+                  <a:pt x="980975" y="445601"/>
+                </a:lnTo>
+                <a:lnTo>
+                  <a:pt x="968084" y="477381"/>
+                </a:lnTo>
+                <a:lnTo>
+                  <a:pt x="954739" y="510069"/>
+                </a:lnTo>
+                <a:lnTo>
+                  <a:pt x="940491" y="543438"/>
+                </a:lnTo>
+                <a:lnTo>
+                  <a:pt x="926242" y="577488"/>
+                </a:lnTo>
+                <a:lnTo>
+                  <a:pt x="911314" y="612446"/>
+                </a:lnTo>
+                <a:lnTo>
+                  <a:pt x="895709" y="647858"/>
+                </a:lnTo>
+                <a:lnTo>
+                  <a:pt x="879877" y="683951"/>
+                </a:lnTo>
+                <a:lnTo>
+                  <a:pt x="863592" y="720725"/>
+                </a:lnTo>
+                <a:lnTo>
+                  <a:pt x="693737" y="604955"/>
+                </a:lnTo>
+                <a:lnTo>
+                  <a:pt x="712510" y="570224"/>
+                </a:lnTo>
+                <a:lnTo>
+                  <a:pt x="731282" y="535720"/>
+                </a:lnTo>
+                <a:lnTo>
+                  <a:pt x="749602" y="502578"/>
+                </a:lnTo>
+                <a:lnTo>
+                  <a:pt x="767695" y="469890"/>
+                </a:lnTo>
+                <a:lnTo>
+                  <a:pt x="785563" y="438110"/>
+                </a:lnTo>
+                <a:lnTo>
+                  <a:pt x="803204" y="407238"/>
+                </a:lnTo>
+                <a:lnTo>
+                  <a:pt x="820167" y="377274"/>
+                </a:lnTo>
+                <a:lnTo>
+                  <a:pt x="837356" y="348218"/>
+                </a:lnTo>
+                <a:lnTo>
+                  <a:pt x="853867" y="319843"/>
+                </a:lnTo>
+                <a:lnTo>
+                  <a:pt x="870377" y="292830"/>
+                </a:lnTo>
+                <a:lnTo>
+                  <a:pt x="886209" y="266498"/>
+                </a:lnTo>
+                <a:lnTo>
+                  <a:pt x="901589" y="241528"/>
+                </a:lnTo>
+                <a:lnTo>
+                  <a:pt x="916743" y="217466"/>
+                </a:lnTo>
+                <a:lnTo>
+                  <a:pt x="931444" y="194539"/>
+                </a:lnTo>
+                <a:lnTo>
+                  <a:pt x="945693" y="172747"/>
+                </a:lnTo>
+                <a:lnTo>
+                  <a:pt x="959489" y="152090"/>
+                </a:lnTo>
+                <a:lnTo>
+                  <a:pt x="972833" y="132568"/>
+                </a:lnTo>
+                <a:lnTo>
+                  <a:pt x="985499" y="114408"/>
+                </a:lnTo>
+                <a:lnTo>
+                  <a:pt x="997712" y="97610"/>
+                </a:lnTo>
+                <a:lnTo>
+                  <a:pt x="1009473" y="81493"/>
+                </a:lnTo>
+                <a:lnTo>
+                  <a:pt x="1020782" y="67192"/>
+                </a:lnTo>
+                <a:lnTo>
+                  <a:pt x="1031412" y="54026"/>
+                </a:lnTo>
+                <a:lnTo>
+                  <a:pt x="1041363" y="42449"/>
+                </a:lnTo>
+                <a:lnTo>
+                  <a:pt x="1051089" y="32007"/>
+                </a:lnTo>
+                <a:lnTo>
+                  <a:pt x="1059909" y="22927"/>
+                </a:lnTo>
+                <a:lnTo>
+                  <a:pt x="1063754" y="18841"/>
+                </a:lnTo>
+                <a:lnTo>
+                  <a:pt x="1067825" y="15436"/>
+                </a:lnTo>
+                <a:lnTo>
+                  <a:pt x="1071896" y="12031"/>
+                </a:lnTo>
+                <a:lnTo>
+                  <a:pt x="1075515" y="9307"/>
+                </a:lnTo>
+                <a:lnTo>
+                  <a:pt x="1078908" y="6810"/>
+                </a:lnTo>
+                <a:lnTo>
+                  <a:pt x="1082526" y="4767"/>
+                </a:lnTo>
+                <a:lnTo>
+                  <a:pt x="1085467" y="2951"/>
+                </a:lnTo>
+                <a:lnTo>
+                  <a:pt x="1088407" y="1816"/>
+                </a:lnTo>
+                <a:lnTo>
+                  <a:pt x="1091573" y="681"/>
+                </a:lnTo>
+                <a:lnTo>
+                  <a:pt x="1094061" y="227"/>
+                </a:lnTo>
+                <a:lnTo>
+                  <a:pt x="1096549" y="0"/>
+                </a:lnTo>
+                <a:close/>
+              </a:path>
+            </a:pathLst>
+          </a:custGeom>
+          <a:solidFill>
+            <a:srgbClr val="16A287"/>
+          </a:solidFill>
+          <a:ln>
+            <a:noFill/>
+          </a:ln>
+          <a:extLst/>
+        </p:spPr>
+        <p:txBody>
+          <a:bodyPr anchor="ctr">
+            <a:scene3d>
+              <a:camera prst="orthographicFront"/>
+              <a:lightRig rig="threePt" dir="t"/>
+            </a:scene3d>
+            <a:sp3d contourW="12700">
+              <a:contourClr>
+                <a:srgbClr val="FFFFFF"/>
+              </a:contourClr>
+            </a:sp3d>
+          </a:bodyPr>
+          <a:lstStyle/>
+          <a:p>
+            <a:pPr algn="ctr">
+              <a:defRPr/>
+            </a:pPr>
+            <a:endParaRPr lang="zh-CN" altLang="en-US">
+              <a:solidFill>
+                <a:srgbClr val="FFFFFF"/>
+              </a:solidFill>
+            </a:endParaRPr>
+          </a:p>
+        </p:txBody>
+      </p:sp>
+    </p:spTree>
+    <p:extLst>
+      <p:ext uri="{BB962C8B-B14F-4D97-AF65-F5344CB8AC3E}">
+        <p14:creationId xmlns:p14="http://schemas.microsoft.com/office/powerpoint/2010/main" val="13403576"/>
+      </p:ext>
+    </p:extLst>
+  </p:cSld>
+  <p:clrMapOvr>
+    <a:masterClrMapping/>
+  </p:clrMapOvr>
+  <mc:AlternateContent xmlns:mc="http://schemas.openxmlformats.org/markup-compatibility/2006" xmlns:p14="http://schemas.microsoft.com/office/powerpoint/2010/main">
+    <mc:Choice Requires="p14">
+      <p:transition spd="med" p14:dur="700">
+        <p:fade/>
+      </p:transition>
+    </mc:Choice>
+    <mc:Fallback xmlns="">
+      <p:transition spd="med">
+        <p:fade/>
+      </p:transition>
+    </mc:Fallback>
+  </mc:AlternateContent>
+  <p:timing>
+    <p:tnLst>
+      <p:par>
+        <p:cTn id="1" dur="indefinite" restart="never" nodeType="tmRoot"/>
+      </p:par>
+    </p:tnLst>
+  </p:timing>
+</p:sld>
+</file>
+
+<file path=ppt/slides/slide15.xml><?xml version="1.0" encoding="utf-8"?>
+<p:sld xmlns:a="http://schemas.openxmlformats.org/drawingml/2006/main" xmlns:r="http://schemas.openxmlformats.org/officeDocument/2006/relationships" xmlns:p="http://schemas.openxmlformats.org/presentationml/2006/main">
+  <p:cSld>
+    <p:spTree>
+      <p:nvGrpSpPr>
+        <p:cNvPr id="1" name=""/>
+        <p:cNvGrpSpPr/>
+        <p:nvPr/>
+      </p:nvGrpSpPr>
+      <p:grpSpPr>
+        <a:xfrm>
+          <a:off x="0" y="0"/>
+          <a:ext cx="0" cy="0"/>
+          <a:chOff x="0" y="0"/>
+          <a:chExt cx="0" cy="0"/>
+        </a:xfrm>
+      </p:grpSpPr>
+      <p:sp>
+        <p:nvSpPr>
+          <p:cNvPr id="2" name="标题 1"/>
+          <p:cNvSpPr>
+            <a:spLocks noGrp="1"/>
+          </p:cNvSpPr>
+          <p:nvPr>
+            <p:ph type="title"/>
+          </p:nvPr>
+        </p:nvSpPr>
+        <p:spPr>
+          <a:xfrm>
+            <a:off x="812589" y="5301208"/>
+            <a:ext cx="7008574" cy="1074192"/>
+          </a:xfrm>
+        </p:spPr>
+        <p:txBody>
+          <a:bodyPr>
+            <a:normAutofit/>
+          </a:bodyPr>
+          <a:lstStyle/>
+          <a:p>
+            <a:pPr algn="ctr"/>
+            <a:r>
+              <a:rPr lang="zh-CN" altLang="en-US" sz="2800" dirty="0" smtClean="0"/>
+              <a:t>答辩人：刘松林</a:t>
+            </a:r>
+            <a:r>
+              <a:rPr lang="en-US" altLang="zh-CN" sz="2800" dirty="0" smtClean="0"/>
+              <a:t/>
+            </a:r>
+            <a:br>
+              <a:rPr lang="en-US" altLang="zh-CN" sz="2800" dirty="0" smtClean="0"/>
+            </a:br>
+            <a:r>
+              <a:rPr lang="zh-CN" altLang="en-US" sz="2800" dirty="0" smtClean="0"/>
+              <a:t>指导老师：</a:t>
+            </a:r>
+            <a:r>
+              <a:rPr lang="zh-CN" altLang="en-US" sz="2800" dirty="0" smtClean="0"/>
+              <a:t>柯璇 副教授</a:t>
+            </a:r>
+            <a:endParaRPr lang="zh-CN" sz="2800" dirty="0"/>
+          </a:p>
+        </p:txBody>
+      </p:sp>
+      <p:sp>
+        <p:nvSpPr>
+          <p:cNvPr id="3" name="文本占位符 2"/>
+          <p:cNvSpPr>
+            <a:spLocks noGrp="1"/>
+          </p:cNvSpPr>
+          <p:nvPr>
+            <p:ph type="body" idx="1"/>
+          </p:nvPr>
+        </p:nvSpPr>
+        <p:spPr>
+          <a:xfrm>
+            <a:off x="812589" y="2564904"/>
+            <a:ext cx="7008574" cy="1856283"/>
+          </a:xfrm>
+        </p:spPr>
+        <p:txBody>
+          <a:bodyPr>
+            <a:noAutofit/>
+          </a:bodyPr>
+          <a:lstStyle/>
+          <a:p>
+            <a:pPr algn="ctr"/>
+            <a:r>
+              <a:rPr lang="zh-CN" altLang="en-US" sz="5400" dirty="0" smtClean="0"/>
+              <a:t>谢谢观看，</a:t>
+            </a:r>
+            <a:endParaRPr lang="en-US" altLang="zh-CN" sz="5400" dirty="0" smtClean="0"/>
+          </a:p>
+          <a:p>
+            <a:pPr algn="ctr"/>
+            <a:r>
+              <a:rPr lang="zh-CN" altLang="en-US" sz="5400" dirty="0" smtClean="0"/>
+              <a:t>恳请各位老师指正</a:t>
+            </a:r>
+            <a:endParaRPr lang="zh-CN" sz="5400" dirty="0"/>
+          </a:p>
+        </p:txBody>
+      </p:sp>
+    </p:spTree>
+    <p:extLst>
+      <p:ext uri="{BB962C8B-B14F-4D97-AF65-F5344CB8AC3E}">
+        <p14:creationId xmlns:p14="http://schemas.microsoft.com/office/powerpoint/2010/main" val="1997697987"/>
+      </p:ext>
+    </p:extLst>
+  </p:cSld>
+  <p:clrMapOvr>
+    <a:masterClrMapping/>
+  </p:clrMapOvr>
+  <mc:AlternateContent xmlns:mc="http://schemas.openxmlformats.org/markup-compatibility/2006" xmlns:p14="http://schemas.microsoft.com/office/powerpoint/2010/main">
+    <mc:Choice Requires="p14">
+      <p:transition spd="med" p14:dur="700">
+        <p:fade/>
+      </p:transition>
+    </mc:Choice>
+    <mc:Fallback xmlns="">
+      <p:transition spd="med">
+        <p:fade/>
+      </p:transition>
+    </mc:Fallback>
+  </mc:AlternateContent>
+  <p:timing>
+    <p:tnLst>
+      <p:par>
+        <p:cTn id="1" dur="indefinite" restart="never" nodeType="tmRoot"/>
+      </p:par>
+    </p:tnLst>
+  </p:timing>
+</p:sld>
+</file>
+
 <file path=ppt/slides/slide2.xml><?xml version="1.0" encoding="utf-8"?>
 <p:sld xmlns:a="http://schemas.openxmlformats.org/drawingml/2006/main" xmlns:r="http://schemas.openxmlformats.org/officeDocument/2006/relationships" xmlns:p="http://schemas.openxmlformats.org/presentationml/2006/main">
   <p:cSld>
@@ -14916,10 +18195,6 @@
               </a:rPr>
               <a:t>研究不足与展望</a:t>
             </a:r>
-            <a:endParaRPr lang="zh-CN" altLang="en-US" sz="2800" b="1" dirty="0">
-              <a:latin typeface="微软雅黑" panose="020B0503020204020204" pitchFamily="34" charset="-122"/>
-              <a:ea typeface="微软雅黑" panose="020B0503020204020204" pitchFamily="34" charset="-122"/>
-            </a:endParaRPr>
           </a:p>
         </p:txBody>
       </p:sp>
@@ -17157,14 +20432,7 @@
                 <a:latin typeface="微软雅黑" panose="020B0503020204020204" pitchFamily="34" charset="-122"/>
                 <a:ea typeface="微软雅黑" panose="020B0503020204020204" pitchFamily="34" charset="-122"/>
               </a:rPr>
-              <a:t>是具有</a:t>
-            </a:r>
-            <a:r>
-              <a:rPr lang="zh-CN" altLang="en-US" sz="1400" kern="100" dirty="0" smtClean="0">
-                <a:latin typeface="微软雅黑" panose="020B0503020204020204" pitchFamily="34" charset="-122"/>
-                <a:ea typeface="微软雅黑" panose="020B0503020204020204" pitchFamily="34" charset="-122"/>
-              </a:rPr>
-              <a:t>面对对象特性的高级语言，运用在编写服务端上，可以轻松处理用户的请求并做出响应</a:t>
+              <a:t>是具有面对对象特性的高级语言，运用在编写服务端上，可以轻松处理用户的请求并做出响应</a:t>
             </a:r>
             <a:endParaRPr lang="zh-CN" altLang="zh-CN" sz="1100" kern="100" dirty="0">
               <a:latin typeface="微软雅黑" panose="020B0503020204020204" pitchFamily="34" charset="-122"/>
@@ -17324,13 +20592,13 @@
   <p:clrMapOvr>
     <a:masterClrMapping/>
   </p:clrMapOvr>
-  <mc:AlternateContent xmlns:mc="http://schemas.openxmlformats.org/markup-compatibility/2006">
-    <mc:Choice xmlns:p14="http://schemas.microsoft.com/office/powerpoint/2010/main" Requires="p14">
+  <mc:AlternateContent xmlns:mc="http://schemas.openxmlformats.org/markup-compatibility/2006" xmlns:p14="http://schemas.microsoft.com/office/powerpoint/2010/main">
+    <mc:Choice Requires="p14">
       <p:transition spd="med" p14:dur="700">
         <p:fade/>
       </p:transition>
     </mc:Choice>
-    <mc:Fallback>
+    <mc:Fallback xmlns="">
       <p:transition spd="med">
         <p:fade/>
       </p:transition>
@@ -17687,9 +20955,9 @@
         <p:grpSpPr>
           <a:xfrm>
             <a:off x="909836" y="1628800"/>
-            <a:ext cx="2736304" cy="1008112"/>
+            <a:ext cx="2736304" cy="648072"/>
             <a:chOff x="335360" y="1541026"/>
-            <a:chExt cx="11358516" cy="2324927"/>
+            <a:chExt cx="11657424" cy="2131183"/>
           </a:xfrm>
         </p:grpSpPr>
         <p:sp>
@@ -17700,8 +20968,8 @@
           </p:nvSpPr>
           <p:spPr>
             <a:xfrm>
-              <a:off x="460629" y="1833962"/>
-              <a:ext cx="11233247" cy="2031991"/>
+              <a:off x="460630" y="1833961"/>
+              <a:ext cx="11532154" cy="1838248"/>
             </a:xfrm>
             <a:prstGeom prst="rect">
               <a:avLst/>
@@ -17749,7 +21017,7 @@
           <p:spPr>
             <a:xfrm>
               <a:off x="335360" y="1541026"/>
-              <a:ext cx="11233247" cy="2031989"/>
+              <a:ext cx="11358516" cy="1937436"/>
             </a:xfrm>
             <a:prstGeom prst="rect">
               <a:avLst/>
@@ -17851,6 +21119,400 @@
           <a:chExt cx="0" cy="0"/>
         </a:xfrm>
       </p:grpSpPr>
+      <p:pic>
+        <p:nvPicPr>
+          <p:cNvPr id="5" name="图片 4"/>
+          <p:cNvPicPr>
+            <a:picLocks noChangeAspect="1"/>
+          </p:cNvPicPr>
+          <p:nvPr/>
+        </p:nvPicPr>
+        <p:blipFill>
+          <a:blip r:embed="rId2"/>
+          <a:stretch>
+            <a:fillRect/>
+          </a:stretch>
+        </p:blipFill>
+        <p:spPr>
+          <a:xfrm>
+            <a:off x="1663947" y="-14288"/>
+            <a:ext cx="9687049" cy="6859683"/>
+          </a:xfrm>
+          <a:prstGeom prst="rect">
+            <a:avLst/>
+          </a:prstGeom>
+        </p:spPr>
+      </p:pic>
+      <p:grpSp>
+        <p:nvGrpSpPr>
+          <p:cNvPr id="6" name="组合 5"/>
+          <p:cNvGrpSpPr/>
+          <p:nvPr/>
+        </p:nvGrpSpPr>
+        <p:grpSpPr>
+          <a:xfrm>
+            <a:off x="909836" y="1628800"/>
+            <a:ext cx="648072" cy="3384376"/>
+            <a:chOff x="335360" y="1541026"/>
+            <a:chExt cx="12778331" cy="2324927"/>
+          </a:xfrm>
+        </p:grpSpPr>
+        <p:sp>
+          <p:nvSpPr>
+            <p:cNvPr id="7" name="矩形 6"/>
+            <p:cNvSpPr/>
+            <p:nvPr/>
+          </p:nvSpPr>
+          <p:spPr>
+            <a:xfrm>
+              <a:off x="1755175" y="1590493"/>
+              <a:ext cx="11358516" cy="2275460"/>
+            </a:xfrm>
+            <a:prstGeom prst="rect">
+              <a:avLst/>
+            </a:prstGeom>
+            <a:solidFill>
+              <a:schemeClr val="bg1">
+                <a:lumMod val="85000"/>
+              </a:schemeClr>
+            </a:solidFill>
+            <a:ln>
+              <a:noFill/>
+            </a:ln>
+          </p:spPr>
+          <p:style>
+            <a:lnRef idx="2">
+              <a:schemeClr val="accent1">
+                <a:shade val="50000"/>
+              </a:schemeClr>
+            </a:lnRef>
+            <a:fillRef idx="1">
+              <a:schemeClr val="accent1"/>
+            </a:fillRef>
+            <a:effectRef idx="0">
+              <a:schemeClr val="accent1"/>
+            </a:effectRef>
+            <a:fontRef idx="minor">
+              <a:schemeClr val="lt1"/>
+            </a:fontRef>
+          </p:style>
+          <p:txBody>
+            <a:bodyPr rtlCol="0" anchor="ctr"/>
+            <a:lstStyle/>
+            <a:p>
+              <a:pPr algn="ctr"/>
+              <a:endParaRPr lang="zh-CN" altLang="en-US"/>
+            </a:p>
+          </p:txBody>
+        </p:sp>
+        <p:sp>
+          <p:nvSpPr>
+            <p:cNvPr id="8" name="矩形 7"/>
+            <p:cNvSpPr/>
+            <p:nvPr/>
+          </p:nvSpPr>
+          <p:spPr>
+            <a:xfrm>
+              <a:off x="335360" y="1541026"/>
+              <a:ext cx="11233251" cy="2275460"/>
+            </a:xfrm>
+            <a:prstGeom prst="rect">
+              <a:avLst/>
+            </a:prstGeom>
+            <a:solidFill>
+              <a:srgbClr val="16A287"/>
+            </a:solidFill>
+            <a:ln>
+              <a:noFill/>
+            </a:ln>
+          </p:spPr>
+          <p:style>
+            <a:lnRef idx="2">
+              <a:schemeClr val="accent1">
+                <a:shade val="50000"/>
+              </a:schemeClr>
+            </a:lnRef>
+            <a:fillRef idx="1">
+              <a:schemeClr val="accent1"/>
+            </a:fillRef>
+            <a:effectRef idx="0">
+              <a:schemeClr val="accent1"/>
+            </a:effectRef>
+            <a:fontRef idx="minor">
+              <a:schemeClr val="lt1"/>
+            </a:fontRef>
+          </p:style>
+          <p:txBody>
+            <a:bodyPr rtlCol="0" anchor="ctr"/>
+            <a:lstStyle/>
+            <a:p>
+              <a:r>
+                <a:rPr lang="zh-CN" altLang="en-US" b="1" dirty="0" smtClean="0">
+                  <a:solidFill>
+                    <a:schemeClr val="bg1"/>
+                  </a:solidFill>
+                  <a:latin typeface="微软雅黑" panose="020B0503020204020204" pitchFamily="34" charset="-122"/>
+                  <a:ea typeface="微软雅黑" panose="020B0503020204020204" pitchFamily="34" charset="-122"/>
+                </a:rPr>
+                <a:t>系统登录主界面</a:t>
+              </a:r>
+              <a:endParaRPr lang="zh-CN" altLang="en-US" b="1" dirty="0">
+                <a:solidFill>
+                  <a:schemeClr val="bg1"/>
+                </a:solidFill>
+                <a:latin typeface="微软雅黑" panose="020B0503020204020204" pitchFamily="34" charset="-122"/>
+                <a:ea typeface="微软雅黑" panose="020B0503020204020204" pitchFamily="34" charset="-122"/>
+              </a:endParaRPr>
+            </a:p>
+          </p:txBody>
+        </p:sp>
+      </p:grpSp>
+    </p:spTree>
+    <p:extLst>
+      <p:ext uri="{BB962C8B-B14F-4D97-AF65-F5344CB8AC3E}">
+        <p14:creationId xmlns:p14="http://schemas.microsoft.com/office/powerpoint/2010/main" val="1061830865"/>
+      </p:ext>
+    </p:extLst>
+  </p:cSld>
+  <p:clrMapOvr>
+    <a:masterClrMapping/>
+  </p:clrMapOvr>
+  <mc:AlternateContent xmlns:mc="http://schemas.openxmlformats.org/markup-compatibility/2006">
+    <mc:Choice xmlns:p14="http://schemas.microsoft.com/office/powerpoint/2010/main" Requires="p14">
+      <p:transition spd="med" p14:dur="700">
+        <p:fade/>
+      </p:transition>
+    </mc:Choice>
+    <mc:Fallback>
+      <p:transition spd="med">
+        <p:fade/>
+      </p:transition>
+    </mc:Fallback>
+  </mc:AlternateContent>
+  <p:timing>
+    <p:tnLst>
+      <p:par>
+        <p:cTn id="1" dur="indefinite" restart="never" nodeType="tmRoot"/>
+      </p:par>
+    </p:tnLst>
+  </p:timing>
+</p:sld>
+</file>
+
+<file path=ppt/slides/slide7.xml><?xml version="1.0" encoding="utf-8"?>
+<p:sld xmlns:a="http://schemas.openxmlformats.org/drawingml/2006/main" xmlns:r="http://schemas.openxmlformats.org/officeDocument/2006/relationships" xmlns:p="http://schemas.openxmlformats.org/presentationml/2006/main">
+  <p:cSld>
+    <p:spTree>
+      <p:nvGrpSpPr>
+        <p:cNvPr id="1" name=""/>
+        <p:cNvGrpSpPr/>
+        <p:nvPr/>
+      </p:nvGrpSpPr>
+      <p:grpSpPr>
+        <a:xfrm>
+          <a:off x="0" y="0"/>
+          <a:ext cx="0" cy="0"/>
+          <a:chOff x="0" y="0"/>
+          <a:chExt cx="0" cy="0"/>
+        </a:xfrm>
+      </p:grpSpPr>
+      <p:pic>
+        <p:nvPicPr>
+          <p:cNvPr id="6" name="图片 5"/>
+          <p:cNvPicPr>
+            <a:picLocks noChangeAspect="1"/>
+          </p:cNvPicPr>
+          <p:nvPr/>
+        </p:nvPicPr>
+        <p:blipFill>
+          <a:blip r:embed="rId2"/>
+          <a:stretch>
+            <a:fillRect/>
+          </a:stretch>
+        </p:blipFill>
+        <p:spPr>
+          <a:xfrm>
+            <a:off x="1701924" y="1588274"/>
+            <a:ext cx="9544050" cy="2733675"/>
+          </a:xfrm>
+          <a:prstGeom prst="rect">
+            <a:avLst/>
+          </a:prstGeom>
+        </p:spPr>
+      </p:pic>
+      <p:grpSp>
+        <p:nvGrpSpPr>
+          <p:cNvPr id="10" name="组合 9"/>
+          <p:cNvGrpSpPr/>
+          <p:nvPr/>
+        </p:nvGrpSpPr>
+        <p:grpSpPr>
+          <a:xfrm>
+            <a:off x="909836" y="1628797"/>
+            <a:ext cx="648072" cy="2592291"/>
+            <a:chOff x="335360" y="1541025"/>
+            <a:chExt cx="12823166" cy="2131184"/>
+          </a:xfrm>
+        </p:grpSpPr>
+        <p:sp>
+          <p:nvSpPr>
+            <p:cNvPr id="11" name="矩形 10"/>
+            <p:cNvSpPr/>
+            <p:nvPr/>
+          </p:nvSpPr>
+          <p:spPr>
+            <a:xfrm>
+              <a:off x="1501102" y="1590632"/>
+              <a:ext cx="11657424" cy="2081577"/>
+            </a:xfrm>
+            <a:prstGeom prst="rect">
+              <a:avLst/>
+            </a:prstGeom>
+            <a:solidFill>
+              <a:schemeClr val="bg1">
+                <a:lumMod val="85000"/>
+              </a:schemeClr>
+            </a:solidFill>
+            <a:ln>
+              <a:noFill/>
+            </a:ln>
+          </p:spPr>
+          <p:style>
+            <a:lnRef idx="2">
+              <a:schemeClr val="accent1">
+                <a:shade val="50000"/>
+              </a:schemeClr>
+            </a:lnRef>
+            <a:fillRef idx="1">
+              <a:schemeClr val="accent1"/>
+            </a:fillRef>
+            <a:effectRef idx="0">
+              <a:schemeClr val="accent1"/>
+            </a:effectRef>
+            <a:fontRef idx="minor">
+              <a:schemeClr val="lt1"/>
+            </a:fontRef>
+          </p:style>
+          <p:txBody>
+            <a:bodyPr rtlCol="0" anchor="ctr"/>
+            <a:lstStyle/>
+            <a:p>
+              <a:pPr algn="ctr"/>
+              <a:endParaRPr lang="zh-CN" altLang="en-US"/>
+            </a:p>
+          </p:txBody>
+        </p:sp>
+        <p:sp>
+          <p:nvSpPr>
+            <p:cNvPr id="12" name="矩形 11"/>
+            <p:cNvSpPr/>
+            <p:nvPr/>
+          </p:nvSpPr>
+          <p:spPr>
+            <a:xfrm>
+              <a:off x="335360" y="1541025"/>
+              <a:ext cx="11358509" cy="2083390"/>
+            </a:xfrm>
+            <a:prstGeom prst="rect">
+              <a:avLst/>
+            </a:prstGeom>
+            <a:solidFill>
+              <a:srgbClr val="16A287"/>
+            </a:solidFill>
+            <a:ln>
+              <a:noFill/>
+            </a:ln>
+          </p:spPr>
+          <p:style>
+            <a:lnRef idx="2">
+              <a:schemeClr val="accent1">
+                <a:shade val="50000"/>
+              </a:schemeClr>
+            </a:lnRef>
+            <a:fillRef idx="1">
+              <a:schemeClr val="accent1"/>
+            </a:fillRef>
+            <a:effectRef idx="0">
+              <a:schemeClr val="accent1"/>
+            </a:effectRef>
+            <a:fontRef idx="minor">
+              <a:schemeClr val="lt1"/>
+            </a:fontRef>
+          </p:style>
+          <p:txBody>
+            <a:bodyPr rtlCol="0" anchor="ctr"/>
+            <a:lstStyle/>
+            <a:p>
+              <a:r>
+                <a:rPr lang="zh-CN" altLang="en-US" b="1" dirty="0" smtClean="0">
+                  <a:solidFill>
+                    <a:schemeClr val="bg1"/>
+                  </a:solidFill>
+                  <a:latin typeface="微软雅黑" panose="020B0503020204020204" pitchFamily="34" charset="-122"/>
+                  <a:ea typeface="微软雅黑" panose="020B0503020204020204" pitchFamily="34" charset="-122"/>
+                </a:rPr>
+                <a:t>论文上传页面</a:t>
+              </a:r>
+              <a:endParaRPr lang="zh-CN" altLang="en-US" b="1" dirty="0">
+                <a:solidFill>
+                  <a:schemeClr val="bg1"/>
+                </a:solidFill>
+                <a:latin typeface="微软雅黑" panose="020B0503020204020204" pitchFamily="34" charset="-122"/>
+                <a:ea typeface="微软雅黑" panose="020B0503020204020204" pitchFamily="34" charset="-122"/>
+              </a:endParaRPr>
+            </a:p>
+          </p:txBody>
+        </p:sp>
+      </p:grpSp>
+    </p:spTree>
+    <p:extLst>
+      <p:ext uri="{BB962C8B-B14F-4D97-AF65-F5344CB8AC3E}">
+        <p14:creationId xmlns:p14="http://schemas.microsoft.com/office/powerpoint/2010/main" val="529428396"/>
+      </p:ext>
+    </p:extLst>
+  </p:cSld>
+  <p:clrMapOvr>
+    <a:masterClrMapping/>
+  </p:clrMapOvr>
+  <mc:AlternateContent xmlns:mc="http://schemas.openxmlformats.org/markup-compatibility/2006">
+    <mc:Choice xmlns:p14="http://schemas.microsoft.com/office/powerpoint/2010/main" Requires="p14">
+      <p:transition spd="med" p14:dur="700">
+        <p:fade/>
+      </p:transition>
+    </mc:Choice>
+    <mc:Fallback>
+      <p:transition spd="med">
+        <p:fade/>
+      </p:transition>
+    </mc:Fallback>
+  </mc:AlternateContent>
+  <p:timing>
+    <p:tnLst>
+      <p:par>
+        <p:cTn id="1" dur="indefinite" restart="never" nodeType="tmRoot"/>
+      </p:par>
+    </p:tnLst>
+  </p:timing>
+</p:sld>
+</file>
+
+<file path=ppt/slides/slide8.xml><?xml version="1.0" encoding="utf-8"?>
+<p:sld xmlns:a="http://schemas.openxmlformats.org/drawingml/2006/main" xmlns:r="http://schemas.openxmlformats.org/officeDocument/2006/relationships" xmlns:p="http://schemas.openxmlformats.org/presentationml/2006/main">
+  <p:cSld>
+    <p:spTree>
+      <p:nvGrpSpPr>
+        <p:cNvPr id="1" name=""/>
+        <p:cNvGrpSpPr/>
+        <p:nvPr/>
+      </p:nvGrpSpPr>
+      <p:grpSpPr>
+        <a:xfrm>
+          <a:off x="0" y="0"/>
+          <a:ext cx="0" cy="0"/>
+          <a:chOff x="0" y="0"/>
+          <a:chExt cx="0" cy="0"/>
+        </a:xfrm>
+      </p:grpSpPr>
       <p:sp>
         <p:nvSpPr>
           <p:cNvPr id="2" name="标题 1"/>
@@ -17887,10 +21549,10 @@
         </p:nvGrpSpPr>
         <p:grpSpPr>
           <a:xfrm>
-            <a:off x="909836" y="1628800"/>
-            <a:ext cx="1584176" cy="1008112"/>
-            <a:chOff x="335360" y="1541026"/>
-            <a:chExt cx="11358516" cy="2324927"/>
+            <a:off x="909836" y="1628801"/>
+            <a:ext cx="1656184" cy="792087"/>
+            <a:chOff x="335360" y="1541028"/>
+            <a:chExt cx="11874812" cy="2158859"/>
           </a:xfrm>
         </p:grpSpPr>
         <p:sp>
@@ -17901,8 +21563,8 @@
           </p:nvSpPr>
           <p:spPr>
             <a:xfrm>
-              <a:off x="460629" y="1833962"/>
-              <a:ext cx="11233247" cy="2031991"/>
+              <a:off x="460627" y="1833962"/>
+              <a:ext cx="11749545" cy="1865925"/>
             </a:xfrm>
             <a:prstGeom prst="rect">
               <a:avLst/>
@@ -17949,8 +21611,8 @@
           </p:nvSpPr>
           <p:spPr>
             <a:xfrm>
-              <a:off x="335360" y="1541026"/>
-              <a:ext cx="11233247" cy="2031989"/>
+              <a:off x="335360" y="1541028"/>
+              <a:ext cx="11233249" cy="1992795"/>
             </a:xfrm>
             <a:prstGeom prst="rect">
               <a:avLst/>
@@ -18035,2479 +21697,6 @@
   <p:clrMapOvr>
     <a:masterClrMapping/>
   </p:clrMapOvr>
-  <mc:AlternateContent xmlns:mc="http://schemas.openxmlformats.org/markup-compatibility/2006">
-    <mc:Choice xmlns:p14="http://schemas.microsoft.com/office/powerpoint/2010/main" Requires="p14">
-      <p:transition spd="med" p14:dur="700">
-        <p:fade/>
-      </p:transition>
-    </mc:Choice>
-    <mc:Fallback>
-      <p:transition spd="med">
-        <p:fade/>
-      </p:transition>
-    </mc:Fallback>
-  </mc:AlternateContent>
-  <p:timing>
-    <p:tnLst>
-      <p:par>
-        <p:cTn id="1" dur="indefinite" restart="never" nodeType="tmRoot"/>
-      </p:par>
-    </p:tnLst>
-  </p:timing>
-</p:sld>
-</file>
-
-<file path=ppt/slides/slide7.xml><?xml version="1.0" encoding="utf-8"?>
-<p:sld xmlns:a="http://schemas.openxmlformats.org/drawingml/2006/main" xmlns:r="http://schemas.openxmlformats.org/officeDocument/2006/relationships" xmlns:p="http://schemas.openxmlformats.org/presentationml/2006/main">
-  <p:cSld>
-    <p:spTree>
-      <p:nvGrpSpPr>
-        <p:cNvPr id="1" name=""/>
-        <p:cNvGrpSpPr/>
-        <p:nvPr/>
-      </p:nvGrpSpPr>
-      <p:grpSpPr>
-        <a:xfrm>
-          <a:off x="0" y="0"/>
-          <a:ext cx="0" cy="0"/>
-          <a:chOff x="0" y="0"/>
-          <a:chExt cx="0" cy="0"/>
-        </a:xfrm>
-      </p:grpSpPr>
-      <p:sp>
-        <p:nvSpPr>
-          <p:cNvPr id="2" name="标题 1"/>
-          <p:cNvSpPr>
-            <a:spLocks noGrp="1"/>
-          </p:cNvSpPr>
-          <p:nvPr>
-            <p:ph type="title"/>
-          </p:nvPr>
-        </p:nvSpPr>
-        <p:spPr>
-          <a:xfrm>
-            <a:off x="1117309" y="76200"/>
-            <a:ext cx="10157354" cy="852486"/>
-          </a:xfrm>
-        </p:spPr>
-        <p:txBody>
-          <a:bodyPr>
-            <a:normAutofit/>
-          </a:bodyPr>
-          <a:lstStyle/>
-          <a:p>
-            <a:r>
-              <a:rPr lang="zh-CN" altLang="en-US" b="1" dirty="0"/>
-              <a:t>研究不足与</a:t>
-            </a:r>
-            <a:r>
-              <a:rPr lang="zh-CN" altLang="en-US" b="1" dirty="0" smtClean="0"/>
-              <a:t>展望</a:t>
-            </a:r>
-            <a:endParaRPr lang="zh-CN" altLang="en-US" dirty="0"/>
-          </a:p>
-        </p:txBody>
-      </p:sp>
-      <p:sp>
-        <p:nvSpPr>
-          <p:cNvPr id="5" name="对角圆角矩形 4"/>
-          <p:cNvSpPr/>
-          <p:nvPr/>
-        </p:nvSpPr>
-        <p:spPr>
-          <a:xfrm>
-            <a:off x="1435951" y="1789888"/>
-            <a:ext cx="9556592" cy="3871359"/>
-          </a:xfrm>
-          <a:prstGeom prst="round2DiagRect">
-            <a:avLst>
-              <a:gd name="adj1" fmla="val 0"/>
-              <a:gd name="adj2" fmla="val 16670"/>
-            </a:avLst>
-          </a:prstGeom>
-          <a:solidFill>
-            <a:schemeClr val="bg1">
-              <a:lumMod val="85000"/>
-            </a:schemeClr>
-          </a:solidFill>
-          <a:ln>
-            <a:noFill/>
-          </a:ln>
-        </p:spPr>
-        <p:style>
-          <a:lnRef idx="2">
-            <a:schemeClr val="lt1">
-              <a:hueOff val="0"/>
-              <a:satOff val="0"/>
-              <a:lumOff val="0"/>
-              <a:alphaOff val="0"/>
-            </a:schemeClr>
-          </a:lnRef>
-          <a:fillRef idx="1">
-            <a:schemeClr val="accent1">
-              <a:hueOff val="0"/>
-              <a:satOff val="0"/>
-              <a:lumOff val="0"/>
-              <a:alphaOff val="0"/>
-            </a:schemeClr>
-          </a:fillRef>
-          <a:effectRef idx="0">
-            <a:schemeClr val="accent1">
-              <a:hueOff val="0"/>
-              <a:satOff val="0"/>
-              <a:lumOff val="0"/>
-              <a:alphaOff val="0"/>
-            </a:schemeClr>
-          </a:effectRef>
-          <a:fontRef idx="minor">
-            <a:schemeClr val="lt1"/>
-          </a:fontRef>
-        </p:style>
-        <p:txBody>
-          <a:bodyPr/>
-          <a:lstStyle/>
-          <a:p>
-            <a:endParaRPr lang="zh-CN" altLang="en-US"/>
-          </a:p>
-        </p:txBody>
-      </p:sp>
-      <p:sp>
-        <p:nvSpPr>
-          <p:cNvPr id="6" name="直接连接符 5"/>
-          <p:cNvSpPr/>
-          <p:nvPr/>
-        </p:nvSpPr>
-        <p:spPr>
-          <a:xfrm>
-            <a:off x="6095999" y="2137578"/>
-            <a:ext cx="0" cy="3163629"/>
-          </a:xfrm>
-          <a:prstGeom prst="line">
-            <a:avLst/>
-          </a:prstGeom>
-          <a:ln>
-            <a:solidFill>
-              <a:schemeClr val="tx1"/>
-            </a:solidFill>
-          </a:ln>
-        </p:spPr>
-        <p:style>
-          <a:lnRef idx="2">
-            <a:schemeClr val="accent1">
-              <a:tint val="50000"/>
-              <a:hueOff val="0"/>
-              <a:satOff val="0"/>
-              <a:lumOff val="0"/>
-              <a:alphaOff val="0"/>
-            </a:schemeClr>
-          </a:lnRef>
-          <a:fillRef idx="1">
-            <a:schemeClr val="accent1">
-              <a:hueOff val="0"/>
-              <a:satOff val="0"/>
-              <a:lumOff val="0"/>
-              <a:alphaOff val="0"/>
-            </a:schemeClr>
-          </a:fillRef>
-          <a:effectRef idx="0">
-            <a:schemeClr val="accent1">
-              <a:hueOff val="0"/>
-              <a:satOff val="0"/>
-              <a:lumOff val="0"/>
-              <a:alphaOff val="0"/>
-            </a:schemeClr>
-          </a:effectRef>
-          <a:fontRef idx="minor">
-            <a:schemeClr val="tx1">
-              <a:hueOff val="0"/>
-              <a:satOff val="0"/>
-              <a:lumOff val="0"/>
-              <a:alphaOff val="0"/>
-            </a:schemeClr>
-          </a:fontRef>
-        </p:style>
-        <p:txBody>
-          <a:bodyPr/>
-          <a:lstStyle/>
-          <a:p>
-            <a:endParaRPr lang="zh-CN" altLang="en-US" sz="1600"/>
-          </a:p>
-        </p:txBody>
-      </p:sp>
-      <p:sp>
-        <p:nvSpPr>
-          <p:cNvPr id="7" name="任意多边形 6"/>
-          <p:cNvSpPr/>
-          <p:nvPr/>
-        </p:nvSpPr>
-        <p:spPr>
-          <a:xfrm>
-            <a:off x="1638339" y="2334807"/>
-            <a:ext cx="4254460" cy="2781520"/>
-          </a:xfrm>
-          <a:custGeom>
-            <a:avLst/>
-            <a:gdLst>
-              <a:gd name="connsiteX0" fmla="*/ 0 w 2641600"/>
-              <a:gd name="connsiteY0" fmla="*/ 0 h 2781520"/>
-              <a:gd name="connsiteX1" fmla="*/ 2641600 w 2641600"/>
-              <a:gd name="connsiteY1" fmla="*/ 0 h 2781520"/>
-              <a:gd name="connsiteX2" fmla="*/ 2641600 w 2641600"/>
-              <a:gd name="connsiteY2" fmla="*/ 2781520 h 2781520"/>
-              <a:gd name="connsiteX3" fmla="*/ 0 w 2641600"/>
-              <a:gd name="connsiteY3" fmla="*/ 2781520 h 2781520"/>
-              <a:gd name="connsiteX4" fmla="*/ 0 w 2641600"/>
-              <a:gd name="connsiteY4" fmla="*/ 0 h 2781520"/>
-            </a:gdLst>
-            <a:ahLst/>
-            <a:cxnLst>
-              <a:cxn ang="0">
-                <a:pos x="connsiteX0" y="connsiteY0"/>
-              </a:cxn>
-              <a:cxn ang="0">
-                <a:pos x="connsiteX1" y="connsiteY1"/>
-              </a:cxn>
-              <a:cxn ang="0">
-                <a:pos x="connsiteX2" y="connsiteY2"/>
-              </a:cxn>
-              <a:cxn ang="0">
-                <a:pos x="connsiteX3" y="connsiteY3"/>
-              </a:cxn>
-              <a:cxn ang="0">
-                <a:pos x="connsiteX4" y="connsiteY4"/>
-              </a:cxn>
-            </a:cxnLst>
-            <a:rect l="l" t="t" r="r" b="b"/>
-            <a:pathLst>
-              <a:path w="2641600" h="2781520">
-                <a:moveTo>
-                  <a:pt x="0" y="0"/>
-                </a:moveTo>
-                <a:lnTo>
-                  <a:pt x="2641600" y="0"/>
-                </a:lnTo>
-                <a:lnTo>
-                  <a:pt x="2641600" y="2781520"/>
-                </a:lnTo>
-                <a:lnTo>
-                  <a:pt x="0" y="2781520"/>
-                </a:lnTo>
-                <a:lnTo>
-                  <a:pt x="0" y="0"/>
-                </a:lnTo>
-                <a:close/>
-              </a:path>
-            </a:pathLst>
-          </a:custGeom>
-          <a:noFill/>
-          <a:ln>
-            <a:noFill/>
-          </a:ln>
-          <a:sp3d/>
-        </p:spPr>
-        <p:style>
-          <a:lnRef idx="0">
-            <a:scrgbClr r="0" g="0" b="0"/>
-          </a:lnRef>
-          <a:fillRef idx="0">
-            <a:scrgbClr r="0" g="0" b="0"/>
-          </a:fillRef>
-          <a:effectRef idx="0">
-            <a:schemeClr val="lt1">
-              <a:alpha val="0"/>
-              <a:hueOff val="0"/>
-              <a:satOff val="0"/>
-              <a:lumOff val="0"/>
-              <a:alphaOff val="0"/>
-            </a:schemeClr>
-          </a:effectRef>
-          <a:fontRef idx="minor">
-            <a:schemeClr val="tx1">
-              <a:hueOff val="0"/>
-              <a:satOff val="0"/>
-              <a:lumOff val="0"/>
-              <a:alphaOff val="0"/>
-            </a:schemeClr>
-          </a:fontRef>
-        </p:style>
-        <p:txBody>
-          <a:bodyPr spcFirstLastPara="0" vert="horz" wrap="square" lIns="38100" tIns="38100" rIns="38100" bIns="38100" numCol="1" spcCol="1270" anchor="ctr" anchorCtr="0">
-            <a:noAutofit/>
-          </a:bodyPr>
-          <a:lstStyle/>
-          <a:p>
-            <a:pPr lvl="0" defTabSz="444500">
-              <a:lnSpc>
-                <a:spcPct val="150000"/>
-              </a:lnSpc>
-              <a:spcBef>
-                <a:spcPct val="0"/>
-              </a:spcBef>
-              <a:spcAft>
-                <a:spcPct val="35000"/>
-              </a:spcAft>
-            </a:pPr>
-            <a:r>
-              <a:rPr lang="zh-CN" altLang="en-US" sz="1600" dirty="0" smtClean="0">
-                <a:latin typeface="微软雅黑" panose="020B0503020204020204" pitchFamily="34" charset="-122"/>
-                <a:ea typeface="微软雅黑" panose="020B0503020204020204" pitchFamily="34" charset="-122"/>
-                <a:cs typeface="Times New Roman" panose="02020603050405020304" pitchFamily="18" charset="0"/>
-              </a:rPr>
-              <a:t>该系统包含论文管理的基本功能，实现了用户分角色登录系统，不同角色权限控制，学生根据指导老师和论题上传论文资料，仅</a:t>
-            </a:r>
-            <a:r>
-              <a:rPr lang="zh-CN" altLang="en-US" sz="1600" dirty="0">
-                <a:latin typeface="微软雅黑" panose="020B0503020204020204" pitchFamily="34" charset="-122"/>
-                <a:ea typeface="微软雅黑" panose="020B0503020204020204" pitchFamily="34" charset="-122"/>
-                <a:cs typeface="Times New Roman" panose="02020603050405020304" pitchFamily="18" charset="0"/>
-              </a:rPr>
-              <a:t>限一次</a:t>
-            </a:r>
-            <a:r>
-              <a:rPr lang="zh-CN" altLang="en-US" sz="1600" dirty="0" smtClean="0">
-                <a:latin typeface="微软雅黑" panose="020B0503020204020204" pitchFamily="34" charset="-122"/>
-                <a:ea typeface="微软雅黑" panose="020B0503020204020204" pitchFamily="34" charset="-122"/>
-                <a:cs typeface="Times New Roman" panose="02020603050405020304" pitchFamily="18" charset="0"/>
-              </a:rPr>
-              <a:t>，在线预览自己的论文，老师发布论文课题，每个课题限制一次选择，管理员对论文和论题进行管理。</a:t>
-            </a:r>
-            <a:endParaRPr lang="zh-CN" altLang="en-US" sz="1600" dirty="0">
-              <a:latin typeface="微软雅黑" panose="020B0503020204020204" pitchFamily="34" charset="-122"/>
-              <a:ea typeface="微软雅黑" panose="020B0503020204020204" pitchFamily="34" charset="-122"/>
-              <a:cs typeface="Times New Roman" panose="02020603050405020304" pitchFamily="18" charset="0"/>
-            </a:endParaRPr>
-          </a:p>
-        </p:txBody>
-      </p:sp>
-      <p:sp>
-        <p:nvSpPr>
-          <p:cNvPr id="8" name="任意多边形 7"/>
-          <p:cNvSpPr/>
-          <p:nvPr/>
-        </p:nvSpPr>
-        <p:spPr>
-          <a:xfrm>
-            <a:off x="6299198" y="2022075"/>
-            <a:ext cx="4549329" cy="3406985"/>
-          </a:xfrm>
-          <a:custGeom>
-            <a:avLst/>
-            <a:gdLst>
-              <a:gd name="connsiteX0" fmla="*/ 0 w 2641600"/>
-              <a:gd name="connsiteY0" fmla="*/ 0 h 2781520"/>
-              <a:gd name="connsiteX1" fmla="*/ 2641600 w 2641600"/>
-              <a:gd name="connsiteY1" fmla="*/ 0 h 2781520"/>
-              <a:gd name="connsiteX2" fmla="*/ 2641600 w 2641600"/>
-              <a:gd name="connsiteY2" fmla="*/ 2781520 h 2781520"/>
-              <a:gd name="connsiteX3" fmla="*/ 0 w 2641600"/>
-              <a:gd name="connsiteY3" fmla="*/ 2781520 h 2781520"/>
-              <a:gd name="connsiteX4" fmla="*/ 0 w 2641600"/>
-              <a:gd name="connsiteY4" fmla="*/ 0 h 2781520"/>
-            </a:gdLst>
-            <a:ahLst/>
-            <a:cxnLst>
-              <a:cxn ang="0">
-                <a:pos x="connsiteX0" y="connsiteY0"/>
-              </a:cxn>
-              <a:cxn ang="0">
-                <a:pos x="connsiteX1" y="connsiteY1"/>
-              </a:cxn>
-              <a:cxn ang="0">
-                <a:pos x="connsiteX2" y="connsiteY2"/>
-              </a:cxn>
-              <a:cxn ang="0">
-                <a:pos x="connsiteX3" y="connsiteY3"/>
-              </a:cxn>
-              <a:cxn ang="0">
-                <a:pos x="connsiteX4" y="connsiteY4"/>
-              </a:cxn>
-            </a:cxnLst>
-            <a:rect l="l" t="t" r="r" b="b"/>
-            <a:pathLst>
-              <a:path w="2641600" h="2781520">
-                <a:moveTo>
-                  <a:pt x="0" y="0"/>
-                </a:moveTo>
-                <a:lnTo>
-                  <a:pt x="2641600" y="0"/>
-                </a:lnTo>
-                <a:lnTo>
-                  <a:pt x="2641600" y="2781520"/>
-                </a:lnTo>
-                <a:lnTo>
-                  <a:pt x="0" y="2781520"/>
-                </a:lnTo>
-                <a:lnTo>
-                  <a:pt x="0" y="0"/>
-                </a:lnTo>
-                <a:close/>
-              </a:path>
-            </a:pathLst>
-          </a:custGeom>
-          <a:noFill/>
-          <a:ln>
-            <a:noFill/>
-          </a:ln>
-          <a:sp3d/>
-        </p:spPr>
-        <p:style>
-          <a:lnRef idx="0">
-            <a:scrgbClr r="0" g="0" b="0"/>
-          </a:lnRef>
-          <a:fillRef idx="0">
-            <a:scrgbClr r="0" g="0" b="0"/>
-          </a:fillRef>
-          <a:effectRef idx="0">
-            <a:schemeClr val="lt1">
-              <a:alpha val="0"/>
-              <a:hueOff val="0"/>
-              <a:satOff val="0"/>
-              <a:lumOff val="0"/>
-              <a:alphaOff val="0"/>
-            </a:schemeClr>
-          </a:effectRef>
-          <a:fontRef idx="minor">
-            <a:schemeClr val="tx1">
-              <a:hueOff val="0"/>
-              <a:satOff val="0"/>
-              <a:lumOff val="0"/>
-              <a:alphaOff val="0"/>
-            </a:schemeClr>
-          </a:fontRef>
-        </p:style>
-        <p:txBody>
-          <a:bodyPr spcFirstLastPara="0" vert="horz" wrap="square" lIns="38100" tIns="38100" rIns="38100" bIns="38100" numCol="1" spcCol="1270" anchor="ctr" anchorCtr="0">
-            <a:noAutofit/>
-          </a:bodyPr>
-          <a:lstStyle/>
-          <a:p>
-            <a:pPr defTabSz="444500">
-              <a:lnSpc>
-                <a:spcPct val="120000"/>
-              </a:lnSpc>
-              <a:spcBef>
-                <a:spcPct val="0"/>
-              </a:spcBef>
-              <a:spcAft>
-                <a:spcPct val="35000"/>
-              </a:spcAft>
-            </a:pPr>
-            <a:r>
-              <a:rPr lang="zh-CN" altLang="en-US" sz="1600" dirty="0" smtClean="0">
-                <a:latin typeface="微软雅黑" panose="020B0503020204020204" pitchFamily="34" charset="-122"/>
-                <a:ea typeface="微软雅黑" panose="020B0503020204020204" pitchFamily="34" charset="-122"/>
-                <a:cs typeface="Times New Roman" panose="02020603050405020304" pitchFamily="18" charset="0"/>
-              </a:rPr>
-              <a:t>再页面显示方面效果不佳，没有进行全面的设计，比较注重功能方面的开发，对于权限的控制也是仅限于页面按钮显示与不显示的控制，没有在后台对用户的访问路径</a:t>
-            </a:r>
-            <a:r>
-              <a:rPr lang="zh-CN" altLang="en-US" sz="1600" smtClean="0">
-                <a:latin typeface="微软雅黑" panose="020B0503020204020204" pitchFamily="34" charset="-122"/>
-                <a:ea typeface="微软雅黑" panose="020B0503020204020204" pitchFamily="34" charset="-122"/>
-                <a:cs typeface="Times New Roman" panose="02020603050405020304" pitchFamily="18" charset="0"/>
-              </a:rPr>
-              <a:t>进行控制</a:t>
-            </a:r>
-            <a:endParaRPr lang="en-US" altLang="zh-CN" sz="1600" dirty="0">
-              <a:latin typeface="微软雅黑" panose="020B0503020204020204" pitchFamily="34" charset="-122"/>
-              <a:ea typeface="微软雅黑" panose="020B0503020204020204" pitchFamily="34" charset="-122"/>
-              <a:cs typeface="Times New Roman" panose="02020603050405020304" pitchFamily="18" charset="0"/>
-            </a:endParaRPr>
-          </a:p>
-        </p:txBody>
-      </p:sp>
-      <p:sp>
-        <p:nvSpPr>
-          <p:cNvPr id="9" name="任意多边形 8"/>
-          <p:cNvSpPr/>
-          <p:nvPr/>
-        </p:nvSpPr>
-        <p:spPr>
-          <a:xfrm rot="16200000">
-            <a:off x="-267799" y="2275097"/>
-            <a:ext cx="2628000" cy="792000"/>
-          </a:xfrm>
-          <a:custGeom>
-            <a:avLst/>
-            <a:gdLst>
-              <a:gd name="connsiteX0" fmla="*/ 0 w 3576240"/>
-              <a:gd name="connsiteY0" fmla="*/ 254864 h 1016000"/>
-              <a:gd name="connsiteX1" fmla="*/ 2959934 w 3576240"/>
-              <a:gd name="connsiteY1" fmla="*/ 254864 h 1016000"/>
-              <a:gd name="connsiteX2" fmla="*/ 2959934 w 3576240"/>
-              <a:gd name="connsiteY2" fmla="*/ 0 h 1016000"/>
-              <a:gd name="connsiteX3" fmla="*/ 3576240 w 3576240"/>
-              <a:gd name="connsiteY3" fmla="*/ 508000 h 1016000"/>
-              <a:gd name="connsiteX4" fmla="*/ 2959934 w 3576240"/>
-              <a:gd name="connsiteY4" fmla="*/ 1016000 h 1016000"/>
-              <a:gd name="connsiteX5" fmla="*/ 2959934 w 3576240"/>
-              <a:gd name="connsiteY5" fmla="*/ 761136 h 1016000"/>
-              <a:gd name="connsiteX6" fmla="*/ 0 w 3576240"/>
-              <a:gd name="connsiteY6" fmla="*/ 761136 h 1016000"/>
-              <a:gd name="connsiteX7" fmla="*/ 0 w 3576240"/>
-              <a:gd name="connsiteY7" fmla="*/ 254864 h 1016000"/>
-            </a:gdLst>
-            <a:ahLst/>
-            <a:cxnLst>
-              <a:cxn ang="0">
-                <a:pos x="connsiteX0" y="connsiteY0"/>
-              </a:cxn>
-              <a:cxn ang="0">
-                <a:pos x="connsiteX1" y="connsiteY1"/>
-              </a:cxn>
-              <a:cxn ang="0">
-                <a:pos x="connsiteX2" y="connsiteY2"/>
-              </a:cxn>
-              <a:cxn ang="0">
-                <a:pos x="connsiteX3" y="connsiteY3"/>
-              </a:cxn>
-              <a:cxn ang="0">
-                <a:pos x="connsiteX4" y="connsiteY4"/>
-              </a:cxn>
-              <a:cxn ang="0">
-                <a:pos x="connsiteX5" y="connsiteY5"/>
-              </a:cxn>
-              <a:cxn ang="0">
-                <a:pos x="connsiteX6" y="connsiteY6"/>
-              </a:cxn>
-              <a:cxn ang="0">
-                <a:pos x="connsiteX7" y="connsiteY7"/>
-              </a:cxn>
-            </a:cxnLst>
-            <a:rect l="l" t="t" r="r" b="b"/>
-            <a:pathLst>
-              <a:path w="3576240" h="1016000">
-                <a:moveTo>
-                  <a:pt x="0" y="254864"/>
-                </a:moveTo>
-                <a:lnTo>
-                  <a:pt x="2959934" y="254864"/>
-                </a:lnTo>
-                <a:lnTo>
-                  <a:pt x="2959934" y="0"/>
-                </a:lnTo>
-                <a:lnTo>
-                  <a:pt x="3576240" y="508000"/>
-                </a:lnTo>
-                <a:lnTo>
-                  <a:pt x="2959934" y="1016000"/>
-                </a:lnTo>
-                <a:lnTo>
-                  <a:pt x="2959934" y="761136"/>
-                </a:lnTo>
-                <a:lnTo>
-                  <a:pt x="0" y="761136"/>
-                </a:lnTo>
-                <a:lnTo>
-                  <a:pt x="0" y="254864"/>
-                </a:lnTo>
-                <a:close/>
-              </a:path>
-            </a:pathLst>
-          </a:custGeom>
-          <a:solidFill>
-            <a:srgbClr val="16A287"/>
-          </a:solidFill>
-          <a:ln>
-            <a:noFill/>
-          </a:ln>
-        </p:spPr>
-        <p:style>
-          <a:lnRef idx="2">
-            <a:schemeClr val="lt1">
-              <a:hueOff val="0"/>
-              <a:satOff val="0"/>
-              <a:lumOff val="0"/>
-              <a:alphaOff val="0"/>
-            </a:schemeClr>
-          </a:lnRef>
-          <a:fillRef idx="1">
-            <a:schemeClr val="accent1">
-              <a:tint val="50000"/>
-              <a:hueOff val="0"/>
-              <a:satOff val="0"/>
-              <a:lumOff val="0"/>
-              <a:alphaOff val="0"/>
-            </a:schemeClr>
-          </a:fillRef>
-          <a:effectRef idx="0">
-            <a:schemeClr val="accent1">
-              <a:tint val="50000"/>
-              <a:hueOff val="0"/>
-              <a:satOff val="0"/>
-              <a:lumOff val="0"/>
-              <a:alphaOff val="0"/>
-            </a:schemeClr>
-          </a:effectRef>
-          <a:fontRef idx="minor">
-            <a:schemeClr val="lt1">
-              <a:hueOff val="0"/>
-              <a:satOff val="0"/>
-              <a:lumOff val="0"/>
-              <a:alphaOff val="0"/>
-            </a:schemeClr>
-          </a:fontRef>
-        </p:style>
-        <p:txBody>
-          <a:bodyPr spcFirstLastPara="0" vert="horz" wrap="square" lIns="83819" tIns="338684" rIns="390925" bIns="338683" numCol="1" spcCol="1270" anchor="ctr" anchorCtr="0">
-            <a:noAutofit/>
-          </a:bodyPr>
-          <a:lstStyle/>
-          <a:p>
-            <a:pPr lvl="0" algn="r" defTabSz="977900">
-              <a:lnSpc>
-                <a:spcPct val="90000"/>
-              </a:lnSpc>
-              <a:spcBef>
-                <a:spcPct val="0"/>
-              </a:spcBef>
-              <a:spcAft>
-                <a:spcPct val="35000"/>
-              </a:spcAft>
-            </a:pPr>
-            <a:r>
-              <a:rPr lang="zh-CN" altLang="en-US" sz="2000" kern="1200" dirty="0">
-                <a:latin typeface="微软雅黑" panose="020B0503020204020204" pitchFamily="34" charset="-122"/>
-                <a:ea typeface="微软雅黑" panose="020B0503020204020204" pitchFamily="34" charset="-122"/>
-              </a:rPr>
-              <a:t>已有成果</a:t>
-            </a:r>
-          </a:p>
-        </p:txBody>
-      </p:sp>
-      <p:sp>
-        <p:nvSpPr>
-          <p:cNvPr id="10" name="任意多边形 9"/>
-          <p:cNvSpPr/>
-          <p:nvPr/>
-        </p:nvSpPr>
-        <p:spPr>
-          <a:xfrm rot="5400000">
-            <a:off x="10074543" y="4379658"/>
-            <a:ext cx="2628000" cy="792000"/>
-          </a:xfrm>
-          <a:custGeom>
-            <a:avLst/>
-            <a:gdLst>
-              <a:gd name="connsiteX0" fmla="*/ 0 w 3576240"/>
-              <a:gd name="connsiteY0" fmla="*/ 254864 h 1016000"/>
-              <a:gd name="connsiteX1" fmla="*/ 2959934 w 3576240"/>
-              <a:gd name="connsiteY1" fmla="*/ 254864 h 1016000"/>
-              <a:gd name="connsiteX2" fmla="*/ 2959934 w 3576240"/>
-              <a:gd name="connsiteY2" fmla="*/ 0 h 1016000"/>
-              <a:gd name="connsiteX3" fmla="*/ 3576240 w 3576240"/>
-              <a:gd name="connsiteY3" fmla="*/ 508000 h 1016000"/>
-              <a:gd name="connsiteX4" fmla="*/ 2959934 w 3576240"/>
-              <a:gd name="connsiteY4" fmla="*/ 1016000 h 1016000"/>
-              <a:gd name="connsiteX5" fmla="*/ 2959934 w 3576240"/>
-              <a:gd name="connsiteY5" fmla="*/ 761136 h 1016000"/>
-              <a:gd name="connsiteX6" fmla="*/ 0 w 3576240"/>
-              <a:gd name="connsiteY6" fmla="*/ 761136 h 1016000"/>
-              <a:gd name="connsiteX7" fmla="*/ 0 w 3576240"/>
-              <a:gd name="connsiteY7" fmla="*/ 254864 h 1016000"/>
-            </a:gdLst>
-            <a:ahLst/>
-            <a:cxnLst>
-              <a:cxn ang="0">
-                <a:pos x="connsiteX0" y="connsiteY0"/>
-              </a:cxn>
-              <a:cxn ang="0">
-                <a:pos x="connsiteX1" y="connsiteY1"/>
-              </a:cxn>
-              <a:cxn ang="0">
-                <a:pos x="connsiteX2" y="connsiteY2"/>
-              </a:cxn>
-              <a:cxn ang="0">
-                <a:pos x="connsiteX3" y="connsiteY3"/>
-              </a:cxn>
-              <a:cxn ang="0">
-                <a:pos x="connsiteX4" y="connsiteY4"/>
-              </a:cxn>
-              <a:cxn ang="0">
-                <a:pos x="connsiteX5" y="connsiteY5"/>
-              </a:cxn>
-              <a:cxn ang="0">
-                <a:pos x="connsiteX6" y="connsiteY6"/>
-              </a:cxn>
-              <a:cxn ang="0">
-                <a:pos x="connsiteX7" y="connsiteY7"/>
-              </a:cxn>
-            </a:cxnLst>
-            <a:rect l="l" t="t" r="r" b="b"/>
-            <a:pathLst>
-              <a:path w="3576240" h="1016000">
-                <a:moveTo>
-                  <a:pt x="0" y="254864"/>
-                </a:moveTo>
-                <a:lnTo>
-                  <a:pt x="2959934" y="254864"/>
-                </a:lnTo>
-                <a:lnTo>
-                  <a:pt x="2959934" y="0"/>
-                </a:lnTo>
-                <a:lnTo>
-                  <a:pt x="3576240" y="508000"/>
-                </a:lnTo>
-                <a:lnTo>
-                  <a:pt x="2959934" y="1016000"/>
-                </a:lnTo>
-                <a:lnTo>
-                  <a:pt x="2959934" y="761136"/>
-                </a:lnTo>
-                <a:lnTo>
-                  <a:pt x="0" y="761136"/>
-                </a:lnTo>
-                <a:lnTo>
-                  <a:pt x="0" y="254864"/>
-                </a:lnTo>
-                <a:close/>
-              </a:path>
-            </a:pathLst>
-          </a:custGeom>
-          <a:solidFill>
-            <a:srgbClr val="16A287"/>
-          </a:solidFill>
-          <a:ln>
-            <a:noFill/>
-          </a:ln>
-        </p:spPr>
-        <p:style>
-          <a:lnRef idx="2">
-            <a:schemeClr val="lt1">
-              <a:hueOff val="0"/>
-              <a:satOff val="0"/>
-              <a:lumOff val="0"/>
-              <a:alphaOff val="0"/>
-            </a:schemeClr>
-          </a:lnRef>
-          <a:fillRef idx="1">
-            <a:schemeClr val="accent1">
-              <a:tint val="50000"/>
-              <a:hueOff val="0"/>
-              <a:satOff val="0"/>
-              <a:lumOff val="0"/>
-              <a:alphaOff val="0"/>
-            </a:schemeClr>
-          </a:fillRef>
-          <a:effectRef idx="0">
-            <a:schemeClr val="accent1">
-              <a:tint val="50000"/>
-              <a:hueOff val="0"/>
-              <a:satOff val="0"/>
-              <a:lumOff val="0"/>
-              <a:alphaOff val="0"/>
-            </a:schemeClr>
-          </a:effectRef>
-          <a:fontRef idx="minor">
-            <a:schemeClr val="lt1">
-              <a:hueOff val="0"/>
-              <a:satOff val="0"/>
-              <a:lumOff val="0"/>
-              <a:alphaOff val="0"/>
-            </a:schemeClr>
-          </a:fontRef>
-        </p:style>
-        <p:txBody>
-          <a:bodyPr spcFirstLastPara="0" vert="horz" wrap="square" lIns="83819" tIns="338684" rIns="390925" bIns="338683" numCol="1" spcCol="1270" anchor="ctr" anchorCtr="0">
-            <a:noAutofit/>
-          </a:bodyPr>
-          <a:lstStyle/>
-          <a:p>
-            <a:pPr algn="r" defTabSz="977900">
-              <a:lnSpc>
-                <a:spcPct val="90000"/>
-              </a:lnSpc>
-              <a:spcBef>
-                <a:spcPct val="0"/>
-              </a:spcBef>
-              <a:spcAft>
-                <a:spcPct val="35000"/>
-              </a:spcAft>
-            </a:pPr>
-            <a:r>
-              <a:rPr lang="zh-CN" altLang="en-US" sz="2000" dirty="0">
-                <a:latin typeface="微软雅黑" panose="020B0503020204020204" pitchFamily="34" charset="-122"/>
-                <a:ea typeface="微软雅黑" panose="020B0503020204020204" pitchFamily="34" charset="-122"/>
-              </a:rPr>
-              <a:t>不足之处</a:t>
-            </a:r>
-          </a:p>
-        </p:txBody>
-      </p:sp>
-    </p:spTree>
-    <p:extLst>
-      <p:ext uri="{BB962C8B-B14F-4D97-AF65-F5344CB8AC3E}">
-        <p14:creationId xmlns:p14="http://schemas.microsoft.com/office/powerpoint/2010/main" val="401404241"/>
-      </p:ext>
-    </p:extLst>
-  </p:cSld>
-  <p:clrMapOvr>
-    <a:masterClrMapping/>
-  </p:clrMapOvr>
-  <mc:AlternateContent xmlns:mc="http://schemas.openxmlformats.org/markup-compatibility/2006">
-    <mc:Choice xmlns:p14="http://schemas.microsoft.com/office/powerpoint/2010/main" Requires="p14">
-      <p:transition spd="med" p14:dur="700">
-        <p:fade/>
-      </p:transition>
-    </mc:Choice>
-    <mc:Fallback>
-      <p:transition spd="med">
-        <p:fade/>
-      </p:transition>
-    </mc:Fallback>
-  </mc:AlternateContent>
-  <p:timing>
-    <p:tnLst>
-      <p:par>
-        <p:cTn id="1" dur="indefinite" restart="never" nodeType="tmRoot"/>
-      </p:par>
-    </p:tnLst>
-  </p:timing>
-</p:sld>
-</file>
-
-<file path=ppt/slides/slide8.xml><?xml version="1.0" encoding="utf-8"?>
-<p:sld xmlns:a="http://schemas.openxmlformats.org/drawingml/2006/main" xmlns:r="http://schemas.openxmlformats.org/officeDocument/2006/relationships" xmlns:p="http://schemas.openxmlformats.org/presentationml/2006/main">
-  <p:cSld>
-    <p:spTree>
-      <p:nvGrpSpPr>
-        <p:cNvPr id="1" name=""/>
-        <p:cNvGrpSpPr/>
-        <p:nvPr/>
-      </p:nvGrpSpPr>
-      <p:grpSpPr>
-        <a:xfrm>
-          <a:off x="0" y="0"/>
-          <a:ext cx="0" cy="0"/>
-          <a:chOff x="0" y="0"/>
-          <a:chExt cx="0" cy="0"/>
-        </a:xfrm>
-      </p:grpSpPr>
-      <p:sp>
-        <p:nvSpPr>
-          <p:cNvPr id="2" name="标题 1"/>
-          <p:cNvSpPr>
-            <a:spLocks noGrp="1"/>
-          </p:cNvSpPr>
-          <p:nvPr>
-            <p:ph type="title"/>
-          </p:nvPr>
-        </p:nvSpPr>
-        <p:spPr>
-          <a:xfrm>
-            <a:off x="1117309" y="76200"/>
-            <a:ext cx="10157354" cy="832520"/>
-          </a:xfrm>
-        </p:spPr>
-        <p:txBody>
-          <a:bodyPr/>
-          <a:lstStyle/>
-          <a:p>
-            <a:r>
-              <a:rPr lang="zh-CN" altLang="en-US" b="1" dirty="0"/>
-              <a:t>总结</a:t>
-            </a:r>
-            <a:endParaRPr lang="zh-CN" altLang="en-US" b="1" dirty="0"/>
-          </a:p>
-        </p:txBody>
-      </p:sp>
-      <p:sp>
-        <p:nvSpPr>
-          <p:cNvPr id="7" name="矩形 6"/>
-          <p:cNvSpPr/>
-          <p:nvPr/>
-        </p:nvSpPr>
-        <p:spPr>
-          <a:xfrm>
-            <a:off x="1117309" y="2079174"/>
-            <a:ext cx="8361479" cy="1938992"/>
-          </a:xfrm>
-          <a:prstGeom prst="rect">
-            <a:avLst/>
-          </a:prstGeom>
-        </p:spPr>
-        <p:txBody>
-          <a:bodyPr wrap="square">
-            <a:spAutoFit/>
-          </a:bodyPr>
-          <a:lstStyle/>
-          <a:p>
-            <a:pPr>
-              <a:lnSpc>
-                <a:spcPct val="150000"/>
-              </a:lnSpc>
-            </a:pPr>
-            <a:r>
-              <a:rPr lang="zh-CN" altLang="en-US" sz="2000" dirty="0" smtClean="0">
-                <a:latin typeface="微软雅黑" panose="020B0503020204020204" pitchFamily="34" charset="-122"/>
-                <a:ea typeface="微软雅黑" panose="020B0503020204020204" pitchFamily="34" charset="-122"/>
-                <a:cs typeface="Times New Roman" panose="02020603050405020304" pitchFamily="18" charset="0"/>
-              </a:rPr>
-              <a:t>本次研究是一次完整的项目开发经验，当然也借助了框架技术和互联网的帮助，才使得研究顺利进行，培养了我独立思考解决问题的能力。虽然系统的主要功能已经实现，但是对于真正投入使用的应用还是有一定差距，</a:t>
-            </a:r>
-            <a:endParaRPr lang="en-US" altLang="zh-CN" sz="2000" dirty="0" smtClean="0">
-              <a:latin typeface="微软雅黑" panose="020B0503020204020204" pitchFamily="34" charset="-122"/>
-              <a:ea typeface="微软雅黑" panose="020B0503020204020204" pitchFamily="34" charset="-122"/>
-              <a:cs typeface="Times New Roman" panose="02020603050405020304" pitchFamily="18" charset="0"/>
-            </a:endParaRPr>
-          </a:p>
-          <a:p>
-            <a:pPr>
-              <a:lnSpc>
-                <a:spcPct val="150000"/>
-              </a:lnSpc>
-            </a:pPr>
-            <a:r>
-              <a:rPr lang="zh-CN" altLang="en-US" sz="2000" dirty="0" smtClean="0">
-                <a:latin typeface="微软雅黑" panose="020B0503020204020204" pitchFamily="34" charset="-122"/>
-                <a:ea typeface="微软雅黑" panose="020B0503020204020204" pitchFamily="34" charset="-122"/>
-                <a:cs typeface="Times New Roman" panose="02020603050405020304" pitchFamily="18" charset="0"/>
-              </a:rPr>
-              <a:t>还有很多地方需要进行改进和优化，我也会继续将此工作进行下去</a:t>
-            </a:r>
-            <a:endParaRPr lang="zh-CN" altLang="zh-CN" sz="2000" dirty="0">
-              <a:latin typeface="微软雅黑" panose="020B0503020204020204" pitchFamily="34" charset="-122"/>
-              <a:ea typeface="微软雅黑" panose="020B0503020204020204" pitchFamily="34" charset="-122"/>
-              <a:cs typeface="Times New Roman" panose="02020603050405020304" pitchFamily="18" charset="0"/>
-            </a:endParaRPr>
-          </a:p>
-        </p:txBody>
-      </p:sp>
-      <p:sp>
-        <p:nvSpPr>
-          <p:cNvPr id="8" name="任意多边形 7"/>
-          <p:cNvSpPr/>
-          <p:nvPr/>
-        </p:nvSpPr>
-        <p:spPr>
-          <a:xfrm>
-            <a:off x="711596" y="5083827"/>
-            <a:ext cx="8839200" cy="441184"/>
-          </a:xfrm>
-          <a:custGeom>
-            <a:avLst/>
-            <a:gdLst>
-              <a:gd name="connsiteX0" fmla="*/ 0 w 8839200"/>
-              <a:gd name="connsiteY0" fmla="*/ 204031 h 441184"/>
-              <a:gd name="connsiteX1" fmla="*/ 1083733 w 8839200"/>
-              <a:gd name="connsiteY1" fmla="*/ 136298 h 441184"/>
-              <a:gd name="connsiteX2" fmla="*/ 1778000 w 8839200"/>
-              <a:gd name="connsiteY2" fmla="*/ 441098 h 441184"/>
-              <a:gd name="connsiteX3" fmla="*/ 2929467 w 8839200"/>
-              <a:gd name="connsiteY3" fmla="*/ 102431 h 441184"/>
-              <a:gd name="connsiteX4" fmla="*/ 4064000 w 8839200"/>
-              <a:gd name="connsiteY4" fmla="*/ 339498 h 441184"/>
-              <a:gd name="connsiteX5" fmla="*/ 5164667 w 8839200"/>
-              <a:gd name="connsiteY5" fmla="*/ 17765 h 441184"/>
-              <a:gd name="connsiteX6" fmla="*/ 6299200 w 8839200"/>
-              <a:gd name="connsiteY6" fmla="*/ 407231 h 441184"/>
-              <a:gd name="connsiteX7" fmla="*/ 7501467 w 8839200"/>
-              <a:gd name="connsiteY7" fmla="*/ 831 h 441184"/>
-              <a:gd name="connsiteX8" fmla="*/ 8839200 w 8839200"/>
-              <a:gd name="connsiteY8" fmla="*/ 322565 h 441184"/>
-            </a:gdLst>
-            <a:ahLst/>
-            <a:cxnLst>
-              <a:cxn ang="0">
-                <a:pos x="connsiteX0" y="connsiteY0"/>
-              </a:cxn>
-              <a:cxn ang="0">
-                <a:pos x="connsiteX1" y="connsiteY1"/>
-              </a:cxn>
-              <a:cxn ang="0">
-                <a:pos x="connsiteX2" y="connsiteY2"/>
-              </a:cxn>
-              <a:cxn ang="0">
-                <a:pos x="connsiteX3" y="connsiteY3"/>
-              </a:cxn>
-              <a:cxn ang="0">
-                <a:pos x="connsiteX4" y="connsiteY4"/>
-              </a:cxn>
-              <a:cxn ang="0">
-                <a:pos x="connsiteX5" y="connsiteY5"/>
-              </a:cxn>
-              <a:cxn ang="0">
-                <a:pos x="connsiteX6" y="connsiteY6"/>
-              </a:cxn>
-              <a:cxn ang="0">
-                <a:pos x="connsiteX7" y="connsiteY7"/>
-              </a:cxn>
-              <a:cxn ang="0">
-                <a:pos x="connsiteX8" y="connsiteY8"/>
-              </a:cxn>
-            </a:cxnLst>
-            <a:rect l="l" t="t" r="r" b="b"/>
-            <a:pathLst>
-              <a:path w="8839200" h="441184">
-                <a:moveTo>
-                  <a:pt x="0" y="204031"/>
-                </a:moveTo>
-                <a:cubicBezTo>
-                  <a:pt x="393700" y="150409"/>
-                  <a:pt x="787400" y="96787"/>
-                  <a:pt x="1083733" y="136298"/>
-                </a:cubicBezTo>
-                <a:cubicBezTo>
-                  <a:pt x="1380066" y="175809"/>
-                  <a:pt x="1470378" y="446743"/>
-                  <a:pt x="1778000" y="441098"/>
-                </a:cubicBezTo>
-                <a:cubicBezTo>
-                  <a:pt x="2085622" y="435454"/>
-                  <a:pt x="2548467" y="119364"/>
-                  <a:pt x="2929467" y="102431"/>
-                </a:cubicBezTo>
-                <a:cubicBezTo>
-                  <a:pt x="3310467" y="85498"/>
-                  <a:pt x="3691467" y="353609"/>
-                  <a:pt x="4064000" y="339498"/>
-                </a:cubicBezTo>
-                <a:cubicBezTo>
-                  <a:pt x="4436533" y="325387"/>
-                  <a:pt x="4792134" y="6476"/>
-                  <a:pt x="5164667" y="17765"/>
-                </a:cubicBezTo>
-                <a:cubicBezTo>
-                  <a:pt x="5537200" y="29054"/>
-                  <a:pt x="5909733" y="410053"/>
-                  <a:pt x="6299200" y="407231"/>
-                </a:cubicBezTo>
-                <a:cubicBezTo>
-                  <a:pt x="6688667" y="404409"/>
-                  <a:pt x="7078134" y="14942"/>
-                  <a:pt x="7501467" y="831"/>
-                </a:cubicBezTo>
-                <a:cubicBezTo>
-                  <a:pt x="7924800" y="-13280"/>
-                  <a:pt x="8382000" y="154642"/>
-                  <a:pt x="8839200" y="322565"/>
-                </a:cubicBezTo>
-              </a:path>
-            </a:pathLst>
-          </a:custGeom>
-          <a:noFill/>
-          <a:ln w="25400">
-            <a:solidFill>
-              <a:srgbClr val="16A287"/>
-            </a:solidFill>
-          </a:ln>
-        </p:spPr>
-        <p:style>
-          <a:lnRef idx="2">
-            <a:schemeClr val="accent1">
-              <a:shade val="50000"/>
-            </a:schemeClr>
-          </a:lnRef>
-          <a:fillRef idx="1">
-            <a:schemeClr val="accent1"/>
-          </a:fillRef>
-          <a:effectRef idx="0">
-            <a:schemeClr val="accent1"/>
-          </a:effectRef>
-          <a:fontRef idx="minor">
-            <a:schemeClr val="lt1"/>
-          </a:fontRef>
-        </p:style>
-        <p:txBody>
-          <a:bodyPr rtlCol="0" anchor="ctr"/>
-          <a:lstStyle/>
-          <a:p>
-            <a:pPr algn="ctr"/>
-            <a:endParaRPr lang="zh-CN" altLang="en-US"/>
-          </a:p>
-        </p:txBody>
-      </p:sp>
-      <p:sp>
-        <p:nvSpPr>
-          <p:cNvPr id="9" name="KSO_Shape"/>
-          <p:cNvSpPr>
-            <a:spLocks/>
-          </p:cNvSpPr>
-          <p:nvPr/>
-        </p:nvSpPr>
-        <p:spPr bwMode="auto">
-          <a:xfrm>
-            <a:off x="9550796" y="1752177"/>
-            <a:ext cx="1880129" cy="3772834"/>
-          </a:xfrm>
-          <a:custGeom>
-            <a:avLst/>
-            <a:gdLst>
-              <a:gd name="T0" fmla="*/ 169462 w 1111250"/>
-              <a:gd name="T1" fmla="*/ 1980701 h 2228850"/>
-              <a:gd name="T2" fmla="*/ 166532 w 1111250"/>
-              <a:gd name="T3" fmla="*/ 2013561 h 2228850"/>
-              <a:gd name="T4" fmla="*/ 175096 w 1111250"/>
-              <a:gd name="T5" fmla="*/ 2039395 h 2228850"/>
-              <a:gd name="T6" fmla="*/ 148504 w 1111250"/>
-              <a:gd name="T7" fmla="*/ 2057072 h 2228850"/>
-              <a:gd name="T8" fmla="*/ 125294 w 1111250"/>
-              <a:gd name="T9" fmla="*/ 2075201 h 2228850"/>
-              <a:gd name="T10" fmla="*/ 99829 w 1111250"/>
-              <a:gd name="T11" fmla="*/ 2106475 h 2228850"/>
-              <a:gd name="T12" fmla="*/ 75266 w 1111250"/>
-              <a:gd name="T13" fmla="*/ 2158145 h 2228850"/>
-              <a:gd name="T14" fmla="*/ 129350 w 1111250"/>
-              <a:gd name="T15" fmla="*/ 2012881 h 2228850"/>
-              <a:gd name="T16" fmla="*/ 145124 w 1111250"/>
-              <a:gd name="T17" fmla="*/ 1999283 h 2228850"/>
-              <a:gd name="T18" fmla="*/ 148504 w 1111250"/>
-              <a:gd name="T19" fmla="*/ 1983873 h 2228850"/>
-              <a:gd name="T20" fmla="*/ 144448 w 1111250"/>
-              <a:gd name="T21" fmla="*/ 1969823 h 2228850"/>
-              <a:gd name="T22" fmla="*/ 134082 w 1111250"/>
-              <a:gd name="T23" fmla="*/ 1960758 h 2228850"/>
-              <a:gd name="T24" fmla="*/ 121237 w 1111250"/>
-              <a:gd name="T25" fmla="*/ 1960758 h 2228850"/>
-              <a:gd name="T26" fmla="*/ 110195 w 1111250"/>
-              <a:gd name="T27" fmla="*/ 1969370 h 2228850"/>
-              <a:gd name="T28" fmla="*/ 104336 w 1111250"/>
-              <a:gd name="T29" fmla="*/ 1989312 h 2228850"/>
-              <a:gd name="T30" fmla="*/ 0 w 1111250"/>
-              <a:gd name="T31" fmla="*/ 2213213 h 2228850"/>
-              <a:gd name="T32" fmla="*/ 32901 w 1111250"/>
-              <a:gd name="T33" fmla="*/ 2123472 h 2228850"/>
-              <a:gd name="T34" fmla="*/ 48450 w 1111250"/>
-              <a:gd name="T35" fmla="*/ 2095144 h 2228850"/>
-              <a:gd name="T36" fmla="*/ 60844 w 1111250"/>
-              <a:gd name="T37" fmla="*/ 2058885 h 2228850"/>
-              <a:gd name="T38" fmla="*/ 67604 w 1111250"/>
-              <a:gd name="T39" fmla="*/ 2018093 h 2228850"/>
-              <a:gd name="T40" fmla="*/ 65125 w 1111250"/>
-              <a:gd name="T41" fmla="*/ 1985913 h 2228850"/>
-              <a:gd name="T42" fmla="*/ 70985 w 1111250"/>
-              <a:gd name="T43" fmla="*/ 1961211 h 2228850"/>
-              <a:gd name="T44" fmla="*/ 93069 w 1111250"/>
-              <a:gd name="T45" fmla="*/ 1950787 h 2228850"/>
-              <a:gd name="T46" fmla="*/ 113125 w 1111250"/>
-              <a:gd name="T47" fmla="*/ 1927445 h 2228850"/>
-              <a:gd name="T48" fmla="*/ 437775 w 1111250"/>
-              <a:gd name="T49" fmla="*/ 1567695 h 2228850"/>
-              <a:gd name="T50" fmla="*/ 321879 w 1111250"/>
-              <a:gd name="T51" fmla="*/ 1764920 h 2228850"/>
-              <a:gd name="T52" fmla="*/ 224998 w 1111250"/>
-              <a:gd name="T53" fmla="*/ 1912499 h 2228850"/>
-              <a:gd name="T54" fmla="*/ 140566 w 1111250"/>
-              <a:gd name="T55" fmla="*/ 1824768 h 2228850"/>
-              <a:gd name="T56" fmla="*/ 205531 w 1111250"/>
-              <a:gd name="T57" fmla="*/ 1644092 h 2228850"/>
-              <a:gd name="T58" fmla="*/ 297432 w 1111250"/>
-              <a:gd name="T59" fmla="*/ 1421704 h 2228850"/>
-              <a:gd name="T60" fmla="*/ 788760 w 1111250"/>
-              <a:gd name="T61" fmla="*/ 882908 h 2228850"/>
-              <a:gd name="T62" fmla="*/ 672872 w 1111250"/>
-              <a:gd name="T63" fmla="*/ 1122413 h 2228850"/>
-              <a:gd name="T64" fmla="*/ 530224 w 1111250"/>
-              <a:gd name="T65" fmla="*/ 1398852 h 2228850"/>
-              <a:gd name="T66" fmla="*/ 422274 w 1111250"/>
-              <a:gd name="T67" fmla="*/ 1144165 h 2228850"/>
-              <a:gd name="T68" fmla="*/ 553583 w 1111250"/>
-              <a:gd name="T69" fmla="*/ 873844 h 2228850"/>
-              <a:gd name="T70" fmla="*/ 666296 w 1111250"/>
-              <a:gd name="T71" fmla="*/ 655638 h 2228850"/>
-              <a:gd name="T72" fmla="*/ 1050245 w 1111250"/>
-              <a:gd name="T73" fmla="*/ 147864 h 2228850"/>
-              <a:gd name="T74" fmla="*/ 805996 w 1111250"/>
-              <a:gd name="T75" fmla="*/ 641577 h 2228850"/>
-              <a:gd name="T76" fmla="*/ 805996 w 1111250"/>
-              <a:gd name="T77" fmla="*/ 656998 h 2228850"/>
-              <a:gd name="T78" fmla="*/ 814614 w 1111250"/>
-              <a:gd name="T79" fmla="*/ 663575 h 2228850"/>
-              <a:gd name="T80" fmla="*/ 824366 w 1111250"/>
-              <a:gd name="T81" fmla="*/ 658813 h 2228850"/>
-              <a:gd name="T82" fmla="*/ 1068615 w 1111250"/>
-              <a:gd name="T83" fmla="*/ 165100 h 2228850"/>
-              <a:gd name="T84" fmla="*/ 1068841 w 1111250"/>
-              <a:gd name="T85" fmla="*/ 149452 h 2228850"/>
-              <a:gd name="T86" fmla="*/ 1060450 w 1111250"/>
-              <a:gd name="T87" fmla="*/ 143102 h 2228850"/>
-              <a:gd name="T88" fmla="*/ 1104691 w 1111250"/>
-              <a:gd name="T89" fmla="*/ 3178 h 2228850"/>
-              <a:gd name="T90" fmla="*/ 1110572 w 1111250"/>
-              <a:gd name="T91" fmla="*/ 20203 h 2228850"/>
-              <a:gd name="T92" fmla="*/ 1108989 w 1111250"/>
-              <a:gd name="T93" fmla="*/ 56296 h 2228850"/>
-              <a:gd name="T94" fmla="*/ 1085240 w 1111250"/>
-              <a:gd name="T95" fmla="*/ 156857 h 2228850"/>
-              <a:gd name="T96" fmla="*/ 1037518 w 1111250"/>
-              <a:gd name="T97" fmla="*/ 299413 h 2228850"/>
-              <a:gd name="T98" fmla="*/ 968084 w 1111250"/>
-              <a:gd name="T99" fmla="*/ 477381 h 2228850"/>
-              <a:gd name="T100" fmla="*/ 879877 w 1111250"/>
-              <a:gd name="T101" fmla="*/ 683951 h 2228850"/>
-              <a:gd name="T102" fmla="*/ 767695 w 1111250"/>
-              <a:gd name="T103" fmla="*/ 469890 h 2228850"/>
-              <a:gd name="T104" fmla="*/ 870377 w 1111250"/>
-              <a:gd name="T105" fmla="*/ 292830 h 2228850"/>
-              <a:gd name="T106" fmla="*/ 959489 w 1111250"/>
-              <a:gd name="T107" fmla="*/ 152090 h 2228850"/>
-              <a:gd name="T108" fmla="*/ 1031412 w 1111250"/>
-              <a:gd name="T109" fmla="*/ 54026 h 2228850"/>
-              <a:gd name="T110" fmla="*/ 1071896 w 1111250"/>
-              <a:gd name="T111" fmla="*/ 12031 h 2228850"/>
-              <a:gd name="T112" fmla="*/ 1091573 w 1111250"/>
-              <a:gd name="T113" fmla="*/ 681 h 2228850"/>
-            </a:gdLst>
-            <a:ahLst/>
-            <a:cxnLst>
-              <a:cxn ang="0">
-                <a:pos x="T0" y="T1"/>
-              </a:cxn>
-              <a:cxn ang="0">
-                <a:pos x="T2" y="T3"/>
-              </a:cxn>
-              <a:cxn ang="0">
-                <a:pos x="T4" y="T5"/>
-              </a:cxn>
-              <a:cxn ang="0">
-                <a:pos x="T6" y="T7"/>
-              </a:cxn>
-              <a:cxn ang="0">
-                <a:pos x="T8" y="T9"/>
-              </a:cxn>
-              <a:cxn ang="0">
-                <a:pos x="T10" y="T11"/>
-              </a:cxn>
-              <a:cxn ang="0">
-                <a:pos x="T12" y="T13"/>
-              </a:cxn>
-              <a:cxn ang="0">
-                <a:pos x="T14" y="T15"/>
-              </a:cxn>
-              <a:cxn ang="0">
-                <a:pos x="T16" y="T17"/>
-              </a:cxn>
-              <a:cxn ang="0">
-                <a:pos x="T18" y="T19"/>
-              </a:cxn>
-              <a:cxn ang="0">
-                <a:pos x="T20" y="T21"/>
-              </a:cxn>
-              <a:cxn ang="0">
-                <a:pos x="T22" y="T23"/>
-              </a:cxn>
-              <a:cxn ang="0">
-                <a:pos x="T24" y="T25"/>
-              </a:cxn>
-              <a:cxn ang="0">
-                <a:pos x="T26" y="T27"/>
-              </a:cxn>
-              <a:cxn ang="0">
-                <a:pos x="T28" y="T29"/>
-              </a:cxn>
-              <a:cxn ang="0">
-                <a:pos x="T30" y="T31"/>
-              </a:cxn>
-              <a:cxn ang="0">
-                <a:pos x="T32" y="T33"/>
-              </a:cxn>
-              <a:cxn ang="0">
-                <a:pos x="T34" y="T35"/>
-              </a:cxn>
-              <a:cxn ang="0">
-                <a:pos x="T36" y="T37"/>
-              </a:cxn>
-              <a:cxn ang="0">
-                <a:pos x="T38" y="T39"/>
-              </a:cxn>
-              <a:cxn ang="0">
-                <a:pos x="T40" y="T41"/>
-              </a:cxn>
-              <a:cxn ang="0">
-                <a:pos x="T42" y="T43"/>
-              </a:cxn>
-              <a:cxn ang="0">
-                <a:pos x="T44" y="T45"/>
-              </a:cxn>
-              <a:cxn ang="0">
-                <a:pos x="T46" y="T47"/>
-              </a:cxn>
-              <a:cxn ang="0">
-                <a:pos x="T48" y="T49"/>
-              </a:cxn>
-              <a:cxn ang="0">
-                <a:pos x="T50" y="T51"/>
-              </a:cxn>
-              <a:cxn ang="0">
-                <a:pos x="T52" y="T53"/>
-              </a:cxn>
-              <a:cxn ang="0">
-                <a:pos x="T54" y="T55"/>
-              </a:cxn>
-              <a:cxn ang="0">
-                <a:pos x="T56" y="T57"/>
-              </a:cxn>
-              <a:cxn ang="0">
-                <a:pos x="T58" y="T59"/>
-              </a:cxn>
-              <a:cxn ang="0">
-                <a:pos x="T60" y="T61"/>
-              </a:cxn>
-              <a:cxn ang="0">
-                <a:pos x="T62" y="T63"/>
-              </a:cxn>
-              <a:cxn ang="0">
-                <a:pos x="T64" y="T65"/>
-              </a:cxn>
-              <a:cxn ang="0">
-                <a:pos x="T66" y="T67"/>
-              </a:cxn>
-              <a:cxn ang="0">
-                <a:pos x="T68" y="T69"/>
-              </a:cxn>
-              <a:cxn ang="0">
-                <a:pos x="T70" y="T71"/>
-              </a:cxn>
-              <a:cxn ang="0">
-                <a:pos x="T72" y="T73"/>
-              </a:cxn>
-              <a:cxn ang="0">
-                <a:pos x="T74" y="T75"/>
-              </a:cxn>
-              <a:cxn ang="0">
-                <a:pos x="T76" y="T77"/>
-              </a:cxn>
-              <a:cxn ang="0">
-                <a:pos x="T78" y="T79"/>
-              </a:cxn>
-              <a:cxn ang="0">
-                <a:pos x="T80" y="T81"/>
-              </a:cxn>
-              <a:cxn ang="0">
-                <a:pos x="T82" y="T83"/>
-              </a:cxn>
-              <a:cxn ang="0">
-                <a:pos x="T84" y="T85"/>
-              </a:cxn>
-              <a:cxn ang="0">
-                <a:pos x="T86" y="T87"/>
-              </a:cxn>
-              <a:cxn ang="0">
-                <a:pos x="T88" y="T89"/>
-              </a:cxn>
-              <a:cxn ang="0">
-                <a:pos x="T90" y="T91"/>
-              </a:cxn>
-              <a:cxn ang="0">
-                <a:pos x="T92" y="T93"/>
-              </a:cxn>
-              <a:cxn ang="0">
-                <a:pos x="T94" y="T95"/>
-              </a:cxn>
-              <a:cxn ang="0">
-                <a:pos x="T96" y="T97"/>
-              </a:cxn>
-              <a:cxn ang="0">
-                <a:pos x="T98" y="T99"/>
-              </a:cxn>
-              <a:cxn ang="0">
-                <a:pos x="T100" y="T101"/>
-              </a:cxn>
-              <a:cxn ang="0">
-                <a:pos x="T102" y="T103"/>
-              </a:cxn>
-              <a:cxn ang="0">
-                <a:pos x="T104" y="T105"/>
-              </a:cxn>
-              <a:cxn ang="0">
-                <a:pos x="T106" y="T107"/>
-              </a:cxn>
-              <a:cxn ang="0">
-                <a:pos x="T108" y="T109"/>
-              </a:cxn>
-              <a:cxn ang="0">
-                <a:pos x="T110" y="T111"/>
-              </a:cxn>
-              <a:cxn ang="0">
-                <a:pos x="T112" y="T113"/>
-              </a:cxn>
-            </a:cxnLst>
-            <a:rect l="0" t="0" r="r" b="b"/>
-            <a:pathLst>
-              <a:path w="1111250" h="2228850">
-                <a:moveTo>
-                  <a:pt x="118533" y="1917700"/>
-                </a:moveTo>
-                <a:lnTo>
-                  <a:pt x="177800" y="1958039"/>
-                </a:lnTo>
-                <a:lnTo>
-                  <a:pt x="175321" y="1963477"/>
-                </a:lnTo>
-                <a:lnTo>
-                  <a:pt x="173067" y="1969370"/>
-                </a:lnTo>
-                <a:lnTo>
-                  <a:pt x="171039" y="1975262"/>
-                </a:lnTo>
-                <a:lnTo>
-                  <a:pt x="169462" y="1980701"/>
-                </a:lnTo>
-                <a:lnTo>
-                  <a:pt x="168335" y="1986593"/>
-                </a:lnTo>
-                <a:lnTo>
-                  <a:pt x="167208" y="1992032"/>
-                </a:lnTo>
-                <a:lnTo>
-                  <a:pt x="166532" y="1997697"/>
-                </a:lnTo>
-                <a:lnTo>
-                  <a:pt x="166307" y="2003136"/>
-                </a:lnTo>
-                <a:lnTo>
-                  <a:pt x="166307" y="2008348"/>
-                </a:lnTo>
-                <a:lnTo>
-                  <a:pt x="166532" y="2013561"/>
-                </a:lnTo>
-                <a:lnTo>
-                  <a:pt x="167208" y="2018546"/>
-                </a:lnTo>
-                <a:lnTo>
-                  <a:pt x="167884" y="2023305"/>
-                </a:lnTo>
-                <a:lnTo>
-                  <a:pt x="169237" y="2027611"/>
-                </a:lnTo>
-                <a:lnTo>
-                  <a:pt x="171039" y="2031917"/>
-                </a:lnTo>
-                <a:lnTo>
-                  <a:pt x="172842" y="2035769"/>
-                </a:lnTo>
-                <a:lnTo>
-                  <a:pt x="175096" y="2039395"/>
-                </a:lnTo>
-                <a:lnTo>
-                  <a:pt x="165631" y="2051180"/>
-                </a:lnTo>
-                <a:lnTo>
-                  <a:pt x="162476" y="2051633"/>
-                </a:lnTo>
-                <a:lnTo>
-                  <a:pt x="159096" y="2052313"/>
-                </a:lnTo>
-                <a:lnTo>
-                  <a:pt x="155716" y="2053672"/>
-                </a:lnTo>
-                <a:lnTo>
-                  <a:pt x="152110" y="2055259"/>
-                </a:lnTo>
-                <a:lnTo>
-                  <a:pt x="148504" y="2057072"/>
-                </a:lnTo>
-                <a:lnTo>
-                  <a:pt x="144674" y="2059338"/>
-                </a:lnTo>
-                <a:lnTo>
-                  <a:pt x="140843" y="2061831"/>
-                </a:lnTo>
-                <a:lnTo>
-                  <a:pt x="137237" y="2065003"/>
-                </a:lnTo>
-                <a:lnTo>
-                  <a:pt x="133181" y="2067949"/>
-                </a:lnTo>
-                <a:lnTo>
-                  <a:pt x="129350" y="2071575"/>
-                </a:lnTo>
-                <a:lnTo>
-                  <a:pt x="125294" y="2075201"/>
-                </a:lnTo>
-                <a:lnTo>
-                  <a:pt x="121237" y="2079281"/>
-                </a:lnTo>
-                <a:lnTo>
-                  <a:pt x="117406" y="2083586"/>
-                </a:lnTo>
-                <a:lnTo>
-                  <a:pt x="113575" y="2088119"/>
-                </a:lnTo>
-                <a:lnTo>
-                  <a:pt x="109519" y="2092878"/>
-                </a:lnTo>
-                <a:lnTo>
-                  <a:pt x="105688" y="2098090"/>
-                </a:lnTo>
-                <a:lnTo>
-                  <a:pt x="99829" y="2106475"/>
-                </a:lnTo>
-                <a:lnTo>
-                  <a:pt x="94195" y="2115313"/>
-                </a:lnTo>
-                <a:lnTo>
-                  <a:pt x="89238" y="2124151"/>
-                </a:lnTo>
-                <a:lnTo>
-                  <a:pt x="84731" y="2132990"/>
-                </a:lnTo>
-                <a:lnTo>
-                  <a:pt x="80900" y="2141601"/>
-                </a:lnTo>
-                <a:lnTo>
-                  <a:pt x="77970" y="2150213"/>
-                </a:lnTo>
-                <a:lnTo>
-                  <a:pt x="75266" y="2158145"/>
-                </a:lnTo>
-                <a:lnTo>
-                  <a:pt x="73463" y="2166076"/>
-                </a:lnTo>
-                <a:lnTo>
-                  <a:pt x="23211" y="2228850"/>
-                </a:lnTo>
-                <a:lnTo>
-                  <a:pt x="18704" y="2225904"/>
-                </a:lnTo>
-                <a:lnTo>
-                  <a:pt x="123040" y="2013334"/>
-                </a:lnTo>
-                <a:lnTo>
-                  <a:pt x="126195" y="2013561"/>
-                </a:lnTo>
-                <a:lnTo>
-                  <a:pt x="129350" y="2012881"/>
-                </a:lnTo>
-                <a:lnTo>
-                  <a:pt x="132279" y="2011974"/>
-                </a:lnTo>
-                <a:lnTo>
-                  <a:pt x="135434" y="2010388"/>
-                </a:lnTo>
-                <a:lnTo>
-                  <a:pt x="138364" y="2008348"/>
-                </a:lnTo>
-                <a:lnTo>
-                  <a:pt x="140843" y="2005855"/>
-                </a:lnTo>
-                <a:lnTo>
-                  <a:pt x="143096" y="2002909"/>
-                </a:lnTo>
-                <a:lnTo>
-                  <a:pt x="145124" y="1999283"/>
-                </a:lnTo>
-                <a:lnTo>
-                  <a:pt x="146251" y="1996791"/>
-                </a:lnTo>
-                <a:lnTo>
-                  <a:pt x="147152" y="1994298"/>
-                </a:lnTo>
-                <a:lnTo>
-                  <a:pt x="147603" y="1991805"/>
-                </a:lnTo>
-                <a:lnTo>
-                  <a:pt x="148054" y="1989312"/>
-                </a:lnTo>
-                <a:lnTo>
-                  <a:pt x="148504" y="1986593"/>
-                </a:lnTo>
-                <a:lnTo>
-                  <a:pt x="148504" y="1983873"/>
-                </a:lnTo>
-                <a:lnTo>
-                  <a:pt x="148054" y="1981380"/>
-                </a:lnTo>
-                <a:lnTo>
-                  <a:pt x="147828" y="1978888"/>
-                </a:lnTo>
-                <a:lnTo>
-                  <a:pt x="147378" y="1976395"/>
-                </a:lnTo>
-                <a:lnTo>
-                  <a:pt x="146476" y="1974129"/>
-                </a:lnTo>
-                <a:lnTo>
-                  <a:pt x="145575" y="1971862"/>
-                </a:lnTo>
-                <a:lnTo>
-                  <a:pt x="144448" y="1969823"/>
-                </a:lnTo>
-                <a:lnTo>
-                  <a:pt x="143096" y="1967783"/>
-                </a:lnTo>
-                <a:lnTo>
-                  <a:pt x="141744" y="1965970"/>
-                </a:lnTo>
-                <a:lnTo>
-                  <a:pt x="139941" y="1964384"/>
-                </a:lnTo>
-                <a:lnTo>
-                  <a:pt x="138138" y="1963024"/>
-                </a:lnTo>
-                <a:lnTo>
-                  <a:pt x="136110" y="1961891"/>
-                </a:lnTo>
-                <a:lnTo>
-                  <a:pt x="134082" y="1960758"/>
-                </a:lnTo>
-                <a:lnTo>
-                  <a:pt x="131829" y="1960305"/>
-                </a:lnTo>
-                <a:lnTo>
-                  <a:pt x="129801" y="1959851"/>
-                </a:lnTo>
-                <a:lnTo>
-                  <a:pt x="127547" y="1959851"/>
-                </a:lnTo>
-                <a:lnTo>
-                  <a:pt x="125519" y="1959851"/>
-                </a:lnTo>
-                <a:lnTo>
-                  <a:pt x="123265" y="1960305"/>
-                </a:lnTo>
-                <a:lnTo>
-                  <a:pt x="121237" y="1960758"/>
-                </a:lnTo>
-                <a:lnTo>
-                  <a:pt x="119434" y="1961891"/>
-                </a:lnTo>
-                <a:lnTo>
-                  <a:pt x="117406" y="1962798"/>
-                </a:lnTo>
-                <a:lnTo>
-                  <a:pt x="115604" y="1964157"/>
-                </a:lnTo>
-                <a:lnTo>
-                  <a:pt x="113575" y="1965517"/>
-                </a:lnTo>
-                <a:lnTo>
-                  <a:pt x="111998" y="1967330"/>
-                </a:lnTo>
-                <a:lnTo>
-                  <a:pt x="110195" y="1969370"/>
-                </a:lnTo>
-                <a:lnTo>
-                  <a:pt x="109068" y="1971409"/>
-                </a:lnTo>
-                <a:lnTo>
-                  <a:pt x="107716" y="1973902"/>
-                </a:lnTo>
-                <a:lnTo>
-                  <a:pt x="106139" y="1977755"/>
-                </a:lnTo>
-                <a:lnTo>
-                  <a:pt x="105012" y="1981380"/>
-                </a:lnTo>
-                <a:lnTo>
-                  <a:pt x="104561" y="1985460"/>
-                </a:lnTo>
-                <a:lnTo>
-                  <a:pt x="104336" y="1989312"/>
-                </a:lnTo>
-                <a:lnTo>
-                  <a:pt x="104787" y="1993165"/>
-                </a:lnTo>
-                <a:lnTo>
-                  <a:pt x="105463" y="1996791"/>
-                </a:lnTo>
-                <a:lnTo>
-                  <a:pt x="106815" y="2000417"/>
-                </a:lnTo>
-                <a:lnTo>
-                  <a:pt x="108618" y="2003363"/>
-                </a:lnTo>
-                <a:lnTo>
-                  <a:pt x="4507" y="2215933"/>
-                </a:lnTo>
-                <a:lnTo>
-                  <a:pt x="0" y="2213213"/>
-                </a:lnTo>
-                <a:lnTo>
-                  <a:pt x="18704" y="2139562"/>
-                </a:lnTo>
-                <a:lnTo>
-                  <a:pt x="21633" y="2136842"/>
-                </a:lnTo>
-                <a:lnTo>
-                  <a:pt x="24337" y="2134123"/>
-                </a:lnTo>
-                <a:lnTo>
-                  <a:pt x="27267" y="2130723"/>
-                </a:lnTo>
-                <a:lnTo>
-                  <a:pt x="29971" y="2127324"/>
-                </a:lnTo>
-                <a:lnTo>
-                  <a:pt x="32901" y="2123472"/>
-                </a:lnTo>
-                <a:lnTo>
-                  <a:pt x="35605" y="2119392"/>
-                </a:lnTo>
-                <a:lnTo>
-                  <a:pt x="38084" y="2115087"/>
-                </a:lnTo>
-                <a:lnTo>
-                  <a:pt x="40788" y="2110328"/>
-                </a:lnTo>
-                <a:lnTo>
-                  <a:pt x="43267" y="2105569"/>
-                </a:lnTo>
-                <a:lnTo>
-                  <a:pt x="45971" y="2100583"/>
-                </a:lnTo>
-                <a:lnTo>
-                  <a:pt x="48450" y="2095144"/>
-                </a:lnTo>
-                <a:lnTo>
-                  <a:pt x="50703" y="2089932"/>
-                </a:lnTo>
-                <a:lnTo>
-                  <a:pt x="52957" y="2084040"/>
-                </a:lnTo>
-                <a:lnTo>
-                  <a:pt x="55210" y="2078374"/>
-                </a:lnTo>
-                <a:lnTo>
-                  <a:pt x="57238" y="2072255"/>
-                </a:lnTo>
-                <a:lnTo>
-                  <a:pt x="58816" y="2066137"/>
-                </a:lnTo>
-                <a:lnTo>
-                  <a:pt x="60844" y="2058885"/>
-                </a:lnTo>
-                <a:lnTo>
-                  <a:pt x="62647" y="2051633"/>
-                </a:lnTo>
-                <a:lnTo>
-                  <a:pt x="64224" y="2044608"/>
-                </a:lnTo>
-                <a:lnTo>
-                  <a:pt x="65351" y="2037809"/>
-                </a:lnTo>
-                <a:lnTo>
-                  <a:pt x="66478" y="2030784"/>
-                </a:lnTo>
-                <a:lnTo>
-                  <a:pt x="67154" y="2024438"/>
-                </a:lnTo>
-                <a:lnTo>
-                  <a:pt x="67604" y="2018093"/>
-                </a:lnTo>
-                <a:lnTo>
-                  <a:pt x="67830" y="2011974"/>
-                </a:lnTo>
-                <a:lnTo>
-                  <a:pt x="67604" y="2006082"/>
-                </a:lnTo>
-                <a:lnTo>
-                  <a:pt x="67379" y="2000643"/>
-                </a:lnTo>
-                <a:lnTo>
-                  <a:pt x="66928" y="1995431"/>
-                </a:lnTo>
-                <a:lnTo>
-                  <a:pt x="66252" y="1990445"/>
-                </a:lnTo>
-                <a:lnTo>
-                  <a:pt x="65125" y="1985913"/>
-                </a:lnTo>
-                <a:lnTo>
-                  <a:pt x="63773" y="1982060"/>
-                </a:lnTo>
-                <a:lnTo>
-                  <a:pt x="62196" y="1978434"/>
-                </a:lnTo>
-                <a:lnTo>
-                  <a:pt x="60393" y="1975262"/>
-                </a:lnTo>
-                <a:lnTo>
-                  <a:pt x="63999" y="1961891"/>
-                </a:lnTo>
-                <a:lnTo>
-                  <a:pt x="67379" y="1961891"/>
-                </a:lnTo>
-                <a:lnTo>
-                  <a:pt x="70985" y="1961211"/>
-                </a:lnTo>
-                <a:lnTo>
-                  <a:pt x="74590" y="1960531"/>
-                </a:lnTo>
-                <a:lnTo>
-                  <a:pt x="78421" y="1959172"/>
-                </a:lnTo>
-                <a:lnTo>
-                  <a:pt x="82252" y="1957585"/>
-                </a:lnTo>
-                <a:lnTo>
-                  <a:pt x="85632" y="1955772"/>
-                </a:lnTo>
-                <a:lnTo>
-                  <a:pt x="89463" y="1953279"/>
-                </a:lnTo>
-                <a:lnTo>
-                  <a:pt x="93069" y="1950787"/>
-                </a:lnTo>
-                <a:lnTo>
-                  <a:pt x="96674" y="1947614"/>
-                </a:lnTo>
-                <a:lnTo>
-                  <a:pt x="100055" y="1944215"/>
-                </a:lnTo>
-                <a:lnTo>
-                  <a:pt x="103435" y="1940589"/>
-                </a:lnTo>
-                <a:lnTo>
-                  <a:pt x="106815" y="1936510"/>
-                </a:lnTo>
-                <a:lnTo>
-                  <a:pt x="109970" y="1932204"/>
-                </a:lnTo>
-                <a:lnTo>
-                  <a:pt x="113125" y="1927445"/>
-                </a:lnTo>
-                <a:lnTo>
-                  <a:pt x="115829" y="1922686"/>
-                </a:lnTo>
-                <a:lnTo>
-                  <a:pt x="118533" y="1917700"/>
-                </a:lnTo>
-                <a:close/>
-                <a:moveTo>
-                  <a:pt x="315088" y="1381125"/>
-                </a:moveTo>
-                <a:lnTo>
-                  <a:pt x="479425" y="1492886"/>
-                </a:lnTo>
-                <a:lnTo>
-                  <a:pt x="458373" y="1530971"/>
-                </a:lnTo>
-                <a:lnTo>
-                  <a:pt x="437775" y="1567695"/>
-                </a:lnTo>
-                <a:lnTo>
-                  <a:pt x="417402" y="1603740"/>
-                </a:lnTo>
-                <a:lnTo>
-                  <a:pt x="397483" y="1638651"/>
-                </a:lnTo>
-                <a:lnTo>
-                  <a:pt x="377790" y="1672202"/>
-                </a:lnTo>
-                <a:lnTo>
-                  <a:pt x="358549" y="1704393"/>
-                </a:lnTo>
-                <a:lnTo>
-                  <a:pt x="339988" y="1735450"/>
-                </a:lnTo>
-                <a:lnTo>
-                  <a:pt x="321879" y="1764920"/>
-                </a:lnTo>
-                <a:lnTo>
-                  <a:pt x="304223" y="1793257"/>
-                </a:lnTo>
-                <a:lnTo>
-                  <a:pt x="287020" y="1820234"/>
-                </a:lnTo>
-                <a:lnTo>
-                  <a:pt x="270722" y="1845624"/>
-                </a:lnTo>
-                <a:lnTo>
-                  <a:pt x="254877" y="1869653"/>
-                </a:lnTo>
-                <a:lnTo>
-                  <a:pt x="239485" y="1891869"/>
-                </a:lnTo>
-                <a:lnTo>
-                  <a:pt x="224998" y="1912499"/>
-                </a:lnTo>
-                <a:lnTo>
-                  <a:pt x="210737" y="1931768"/>
-                </a:lnTo>
-                <a:lnTo>
-                  <a:pt x="197608" y="1949450"/>
-                </a:lnTo>
-                <a:lnTo>
-                  <a:pt x="119062" y="1895950"/>
-                </a:lnTo>
-                <a:lnTo>
-                  <a:pt x="125400" y="1873734"/>
-                </a:lnTo>
-                <a:lnTo>
-                  <a:pt x="132417" y="1849931"/>
-                </a:lnTo>
-                <a:lnTo>
-                  <a:pt x="140566" y="1824768"/>
-                </a:lnTo>
-                <a:lnTo>
-                  <a:pt x="149394" y="1798018"/>
-                </a:lnTo>
-                <a:lnTo>
-                  <a:pt x="158901" y="1770134"/>
-                </a:lnTo>
-                <a:lnTo>
-                  <a:pt x="169540" y="1740437"/>
-                </a:lnTo>
-                <a:lnTo>
-                  <a:pt x="180858" y="1709607"/>
-                </a:lnTo>
-                <a:lnTo>
-                  <a:pt x="192855" y="1677416"/>
-                </a:lnTo>
-                <a:lnTo>
-                  <a:pt x="205531" y="1644092"/>
-                </a:lnTo>
-                <a:lnTo>
-                  <a:pt x="219112" y="1609861"/>
-                </a:lnTo>
-                <a:lnTo>
-                  <a:pt x="233373" y="1574269"/>
-                </a:lnTo>
-                <a:lnTo>
-                  <a:pt x="248313" y="1537545"/>
-                </a:lnTo>
-                <a:lnTo>
-                  <a:pt x="264158" y="1499913"/>
-                </a:lnTo>
-                <a:lnTo>
-                  <a:pt x="280229" y="1461148"/>
-                </a:lnTo>
-                <a:lnTo>
-                  <a:pt x="297432" y="1421704"/>
-                </a:lnTo>
-                <a:lnTo>
-                  <a:pt x="315088" y="1381125"/>
-                </a:lnTo>
-                <a:close/>
-                <a:moveTo>
-                  <a:pt x="666296" y="655638"/>
-                </a:moveTo>
-                <a:lnTo>
-                  <a:pt x="839787" y="773011"/>
-                </a:lnTo>
-                <a:lnTo>
-                  <a:pt x="823232" y="809266"/>
-                </a:lnTo>
-                <a:lnTo>
-                  <a:pt x="806223" y="845747"/>
-                </a:lnTo>
-                <a:lnTo>
-                  <a:pt x="788760" y="882908"/>
-                </a:lnTo>
-                <a:lnTo>
-                  <a:pt x="771298" y="920295"/>
-                </a:lnTo>
-                <a:lnTo>
-                  <a:pt x="752928" y="957909"/>
-                </a:lnTo>
-                <a:lnTo>
-                  <a:pt x="734785" y="996429"/>
-                </a:lnTo>
-                <a:lnTo>
-                  <a:pt x="715962" y="1034723"/>
-                </a:lnTo>
-                <a:lnTo>
-                  <a:pt x="696912" y="1073469"/>
-                </a:lnTo>
-                <a:lnTo>
-                  <a:pt x="672872" y="1122413"/>
-                </a:lnTo>
-                <a:lnTo>
-                  <a:pt x="648606" y="1170676"/>
-                </a:lnTo>
-                <a:lnTo>
-                  <a:pt x="624567" y="1218034"/>
-                </a:lnTo>
-                <a:lnTo>
-                  <a:pt x="600528" y="1264711"/>
-                </a:lnTo>
-                <a:lnTo>
-                  <a:pt x="576942" y="1310256"/>
-                </a:lnTo>
-                <a:lnTo>
-                  <a:pt x="553356" y="1355120"/>
-                </a:lnTo>
-                <a:lnTo>
-                  <a:pt x="530224" y="1398852"/>
-                </a:lnTo>
-                <a:lnTo>
-                  <a:pt x="507092" y="1441451"/>
-                </a:lnTo>
-                <a:lnTo>
-                  <a:pt x="338137" y="1327476"/>
-                </a:lnTo>
-                <a:lnTo>
-                  <a:pt x="358321" y="1282612"/>
-                </a:lnTo>
-                <a:lnTo>
-                  <a:pt x="378958" y="1237067"/>
-                </a:lnTo>
-                <a:lnTo>
-                  <a:pt x="400276" y="1191070"/>
-                </a:lnTo>
-                <a:lnTo>
-                  <a:pt x="422274" y="1144165"/>
-                </a:lnTo>
-                <a:lnTo>
-                  <a:pt x="444726" y="1096355"/>
-                </a:lnTo>
-                <a:lnTo>
-                  <a:pt x="467858" y="1048318"/>
-                </a:lnTo>
-                <a:lnTo>
-                  <a:pt x="491444" y="999601"/>
-                </a:lnTo>
-                <a:lnTo>
-                  <a:pt x="515256" y="950658"/>
-                </a:lnTo>
-                <a:lnTo>
-                  <a:pt x="534533" y="911911"/>
-                </a:lnTo>
-                <a:lnTo>
-                  <a:pt x="553583" y="873844"/>
-                </a:lnTo>
-                <a:lnTo>
-                  <a:pt x="572633" y="836003"/>
-                </a:lnTo>
-                <a:lnTo>
-                  <a:pt x="591456" y="798843"/>
-                </a:lnTo>
-                <a:lnTo>
-                  <a:pt x="610506" y="762135"/>
-                </a:lnTo>
-                <a:lnTo>
-                  <a:pt x="629103" y="726107"/>
-                </a:lnTo>
-                <a:lnTo>
-                  <a:pt x="647699" y="690533"/>
-                </a:lnTo>
-                <a:lnTo>
-                  <a:pt x="666296" y="655638"/>
-                </a:lnTo>
-                <a:close/>
-                <a:moveTo>
-                  <a:pt x="1059090" y="142875"/>
-                </a:moveTo>
-                <a:lnTo>
-                  <a:pt x="1057956" y="143102"/>
-                </a:lnTo>
-                <a:lnTo>
-                  <a:pt x="1056595" y="143329"/>
-                </a:lnTo>
-                <a:lnTo>
-                  <a:pt x="1055234" y="143782"/>
-                </a:lnTo>
-                <a:lnTo>
-                  <a:pt x="1052739" y="145370"/>
-                </a:lnTo>
-                <a:lnTo>
-                  <a:pt x="1050245" y="147864"/>
-                </a:lnTo>
-                <a:lnTo>
-                  <a:pt x="1047750" y="150586"/>
-                </a:lnTo>
-                <a:lnTo>
-                  <a:pt x="1045256" y="154214"/>
-                </a:lnTo>
-                <a:lnTo>
-                  <a:pt x="1042988" y="158296"/>
-                </a:lnTo>
-                <a:lnTo>
-                  <a:pt x="809398" y="632959"/>
-                </a:lnTo>
-                <a:lnTo>
-                  <a:pt x="807357" y="637268"/>
-                </a:lnTo>
-                <a:lnTo>
-                  <a:pt x="805996" y="641577"/>
-                </a:lnTo>
-                <a:lnTo>
-                  <a:pt x="805089" y="645659"/>
-                </a:lnTo>
-                <a:lnTo>
-                  <a:pt x="804862" y="649288"/>
-                </a:lnTo>
-                <a:lnTo>
-                  <a:pt x="804862" y="652689"/>
-                </a:lnTo>
-                <a:lnTo>
-                  <a:pt x="805089" y="654504"/>
-                </a:lnTo>
-                <a:lnTo>
-                  <a:pt x="805543" y="655638"/>
-                </a:lnTo>
-                <a:lnTo>
-                  <a:pt x="805996" y="656998"/>
-                </a:lnTo>
-                <a:lnTo>
-                  <a:pt x="806450" y="658132"/>
-                </a:lnTo>
-                <a:lnTo>
-                  <a:pt x="807357" y="659039"/>
-                </a:lnTo>
-                <a:lnTo>
-                  <a:pt x="808264" y="659720"/>
-                </a:lnTo>
-                <a:lnTo>
-                  <a:pt x="812573" y="662668"/>
-                </a:lnTo>
-                <a:lnTo>
-                  <a:pt x="813480" y="663348"/>
-                </a:lnTo>
-                <a:lnTo>
-                  <a:pt x="814614" y="663575"/>
-                </a:lnTo>
-                <a:lnTo>
-                  <a:pt x="815521" y="663575"/>
-                </a:lnTo>
-                <a:lnTo>
-                  <a:pt x="816882" y="663575"/>
-                </a:lnTo>
-                <a:lnTo>
-                  <a:pt x="818016" y="663121"/>
-                </a:lnTo>
-                <a:lnTo>
-                  <a:pt x="819377" y="662441"/>
-                </a:lnTo>
-                <a:lnTo>
-                  <a:pt x="821871" y="661080"/>
-                </a:lnTo>
-                <a:lnTo>
-                  <a:pt x="824366" y="658813"/>
-                </a:lnTo>
-                <a:lnTo>
-                  <a:pt x="827314" y="655638"/>
-                </a:lnTo>
-                <a:lnTo>
-                  <a:pt x="829582" y="652236"/>
-                </a:lnTo>
-                <a:lnTo>
-                  <a:pt x="831850" y="648154"/>
-                </a:lnTo>
-                <a:lnTo>
-                  <a:pt x="1065666" y="173718"/>
-                </a:lnTo>
-                <a:lnTo>
-                  <a:pt x="1067481" y="169409"/>
-                </a:lnTo>
-                <a:lnTo>
-                  <a:pt x="1068615" y="165100"/>
-                </a:lnTo>
-                <a:lnTo>
-                  <a:pt x="1069748" y="161018"/>
-                </a:lnTo>
-                <a:lnTo>
-                  <a:pt x="1069975" y="157163"/>
-                </a:lnTo>
-                <a:lnTo>
-                  <a:pt x="1069975" y="153761"/>
-                </a:lnTo>
-                <a:lnTo>
-                  <a:pt x="1069748" y="152173"/>
-                </a:lnTo>
-                <a:lnTo>
-                  <a:pt x="1069295" y="150586"/>
-                </a:lnTo>
-                <a:lnTo>
-                  <a:pt x="1068841" y="149452"/>
-                </a:lnTo>
-                <a:lnTo>
-                  <a:pt x="1068161" y="148318"/>
-                </a:lnTo>
-                <a:lnTo>
-                  <a:pt x="1067481" y="147411"/>
-                </a:lnTo>
-                <a:lnTo>
-                  <a:pt x="1066573" y="146504"/>
-                </a:lnTo>
-                <a:lnTo>
-                  <a:pt x="1062491" y="143782"/>
-                </a:lnTo>
-                <a:lnTo>
-                  <a:pt x="1061357" y="143329"/>
-                </a:lnTo>
-                <a:lnTo>
-                  <a:pt x="1060450" y="143102"/>
-                </a:lnTo>
-                <a:lnTo>
-                  <a:pt x="1059090" y="142875"/>
-                </a:lnTo>
-                <a:close/>
-                <a:moveTo>
-                  <a:pt x="1096549" y="0"/>
-                </a:moveTo>
-                <a:lnTo>
-                  <a:pt x="1098811" y="227"/>
-                </a:lnTo>
-                <a:lnTo>
-                  <a:pt x="1101073" y="908"/>
-                </a:lnTo>
-                <a:lnTo>
-                  <a:pt x="1102882" y="2043"/>
-                </a:lnTo>
-                <a:lnTo>
-                  <a:pt x="1104691" y="3178"/>
-                </a:lnTo>
-                <a:lnTo>
-                  <a:pt x="1106048" y="5221"/>
-                </a:lnTo>
-                <a:lnTo>
-                  <a:pt x="1107405" y="7264"/>
-                </a:lnTo>
-                <a:lnTo>
-                  <a:pt x="1108762" y="10215"/>
-                </a:lnTo>
-                <a:lnTo>
-                  <a:pt x="1109441" y="13166"/>
-                </a:lnTo>
-                <a:lnTo>
-                  <a:pt x="1110119" y="16344"/>
-                </a:lnTo>
-                <a:lnTo>
-                  <a:pt x="1110572" y="20203"/>
-                </a:lnTo>
-                <a:lnTo>
-                  <a:pt x="1111250" y="24289"/>
-                </a:lnTo>
-                <a:lnTo>
-                  <a:pt x="1111250" y="28829"/>
-                </a:lnTo>
-                <a:lnTo>
-                  <a:pt x="1111250" y="33596"/>
-                </a:lnTo>
-                <a:lnTo>
-                  <a:pt x="1111024" y="38590"/>
-                </a:lnTo>
-                <a:lnTo>
-                  <a:pt x="1110346" y="44265"/>
-                </a:lnTo>
-                <a:lnTo>
-                  <a:pt x="1108989" y="56296"/>
-                </a:lnTo>
-                <a:lnTo>
-                  <a:pt x="1106953" y="69916"/>
-                </a:lnTo>
-                <a:lnTo>
-                  <a:pt x="1103787" y="84898"/>
-                </a:lnTo>
-                <a:lnTo>
-                  <a:pt x="1100394" y="100788"/>
-                </a:lnTo>
-                <a:lnTo>
-                  <a:pt x="1095871" y="118267"/>
-                </a:lnTo>
-                <a:lnTo>
-                  <a:pt x="1090895" y="136881"/>
-                </a:lnTo>
-                <a:lnTo>
-                  <a:pt x="1085240" y="156857"/>
-                </a:lnTo>
-                <a:lnTo>
-                  <a:pt x="1078682" y="177741"/>
-                </a:lnTo>
-                <a:lnTo>
-                  <a:pt x="1071670" y="199987"/>
-                </a:lnTo>
-                <a:lnTo>
-                  <a:pt x="1064207" y="223368"/>
-                </a:lnTo>
-                <a:lnTo>
-                  <a:pt x="1055838" y="247657"/>
-                </a:lnTo>
-                <a:lnTo>
-                  <a:pt x="1046791" y="273081"/>
-                </a:lnTo>
-                <a:lnTo>
-                  <a:pt x="1037518" y="299413"/>
-                </a:lnTo>
-                <a:lnTo>
-                  <a:pt x="1027114" y="326880"/>
-                </a:lnTo>
-                <a:lnTo>
-                  <a:pt x="1016484" y="355255"/>
-                </a:lnTo>
-                <a:lnTo>
-                  <a:pt x="1005176" y="384538"/>
-                </a:lnTo>
-                <a:lnTo>
-                  <a:pt x="993415" y="414502"/>
-                </a:lnTo>
-                <a:lnTo>
-                  <a:pt x="980975" y="445601"/>
-                </a:lnTo>
-                <a:lnTo>
-                  <a:pt x="968084" y="477381"/>
-                </a:lnTo>
-                <a:lnTo>
-                  <a:pt x="954739" y="510069"/>
-                </a:lnTo>
-                <a:lnTo>
-                  <a:pt x="940491" y="543438"/>
-                </a:lnTo>
-                <a:lnTo>
-                  <a:pt x="926242" y="577488"/>
-                </a:lnTo>
-                <a:lnTo>
-                  <a:pt x="911314" y="612446"/>
-                </a:lnTo>
-                <a:lnTo>
-                  <a:pt x="895709" y="647858"/>
-                </a:lnTo>
-                <a:lnTo>
-                  <a:pt x="879877" y="683951"/>
-                </a:lnTo>
-                <a:lnTo>
-                  <a:pt x="863592" y="720725"/>
-                </a:lnTo>
-                <a:lnTo>
-                  <a:pt x="693737" y="604955"/>
-                </a:lnTo>
-                <a:lnTo>
-                  <a:pt x="712510" y="570224"/>
-                </a:lnTo>
-                <a:lnTo>
-                  <a:pt x="731282" y="535720"/>
-                </a:lnTo>
-                <a:lnTo>
-                  <a:pt x="749602" y="502578"/>
-                </a:lnTo>
-                <a:lnTo>
-                  <a:pt x="767695" y="469890"/>
-                </a:lnTo>
-                <a:lnTo>
-                  <a:pt x="785563" y="438110"/>
-                </a:lnTo>
-                <a:lnTo>
-                  <a:pt x="803204" y="407238"/>
-                </a:lnTo>
-                <a:lnTo>
-                  <a:pt x="820167" y="377274"/>
-                </a:lnTo>
-                <a:lnTo>
-                  <a:pt x="837356" y="348218"/>
-                </a:lnTo>
-                <a:lnTo>
-                  <a:pt x="853867" y="319843"/>
-                </a:lnTo>
-                <a:lnTo>
-                  <a:pt x="870377" y="292830"/>
-                </a:lnTo>
-                <a:lnTo>
-                  <a:pt x="886209" y="266498"/>
-                </a:lnTo>
-                <a:lnTo>
-                  <a:pt x="901589" y="241528"/>
-                </a:lnTo>
-                <a:lnTo>
-                  <a:pt x="916743" y="217466"/>
-                </a:lnTo>
-                <a:lnTo>
-                  <a:pt x="931444" y="194539"/>
-                </a:lnTo>
-                <a:lnTo>
-                  <a:pt x="945693" y="172747"/>
-                </a:lnTo>
-                <a:lnTo>
-                  <a:pt x="959489" y="152090"/>
-                </a:lnTo>
-                <a:lnTo>
-                  <a:pt x="972833" y="132568"/>
-                </a:lnTo>
-                <a:lnTo>
-                  <a:pt x="985499" y="114408"/>
-                </a:lnTo>
-                <a:lnTo>
-                  <a:pt x="997712" y="97610"/>
-                </a:lnTo>
-                <a:lnTo>
-                  <a:pt x="1009473" y="81493"/>
-                </a:lnTo>
-                <a:lnTo>
-                  <a:pt x="1020782" y="67192"/>
-                </a:lnTo>
-                <a:lnTo>
-                  <a:pt x="1031412" y="54026"/>
-                </a:lnTo>
-                <a:lnTo>
-                  <a:pt x="1041363" y="42449"/>
-                </a:lnTo>
-                <a:lnTo>
-                  <a:pt x="1051089" y="32007"/>
-                </a:lnTo>
-                <a:lnTo>
-                  <a:pt x="1059909" y="22927"/>
-                </a:lnTo>
-                <a:lnTo>
-                  <a:pt x="1063754" y="18841"/>
-                </a:lnTo>
-                <a:lnTo>
-                  <a:pt x="1067825" y="15436"/>
-                </a:lnTo>
-                <a:lnTo>
-                  <a:pt x="1071896" y="12031"/>
-                </a:lnTo>
-                <a:lnTo>
-                  <a:pt x="1075515" y="9307"/>
-                </a:lnTo>
-                <a:lnTo>
-                  <a:pt x="1078908" y="6810"/>
-                </a:lnTo>
-                <a:lnTo>
-                  <a:pt x="1082526" y="4767"/>
-                </a:lnTo>
-                <a:lnTo>
-                  <a:pt x="1085467" y="2951"/>
-                </a:lnTo>
-                <a:lnTo>
-                  <a:pt x="1088407" y="1816"/>
-                </a:lnTo>
-                <a:lnTo>
-                  <a:pt x="1091573" y="681"/>
-                </a:lnTo>
-                <a:lnTo>
-                  <a:pt x="1094061" y="227"/>
-                </a:lnTo>
-                <a:lnTo>
-                  <a:pt x="1096549" y="0"/>
-                </a:lnTo>
-                <a:close/>
-              </a:path>
-            </a:pathLst>
-          </a:custGeom>
-          <a:solidFill>
-            <a:srgbClr val="16A287"/>
-          </a:solidFill>
-          <a:ln>
-            <a:noFill/>
-          </a:ln>
-          <a:extLst/>
-        </p:spPr>
-        <p:txBody>
-          <a:bodyPr anchor="ctr">
-            <a:scene3d>
-              <a:camera prst="orthographicFront"/>
-              <a:lightRig rig="threePt" dir="t"/>
-            </a:scene3d>
-            <a:sp3d contourW="12700">
-              <a:contourClr>
-                <a:srgbClr val="FFFFFF"/>
-              </a:contourClr>
-            </a:sp3d>
-          </a:bodyPr>
-          <a:lstStyle/>
-          <a:p>
-            <a:pPr algn="ctr">
-              <a:defRPr/>
-            </a:pPr>
-            <a:endParaRPr lang="zh-CN" altLang="en-US">
-              <a:solidFill>
-                <a:srgbClr val="FFFFFF"/>
-              </a:solidFill>
-            </a:endParaRPr>
-          </a:p>
-        </p:txBody>
-      </p:sp>
-    </p:spTree>
-    <p:extLst>
-      <p:ext uri="{BB962C8B-B14F-4D97-AF65-F5344CB8AC3E}">
-        <p14:creationId xmlns:p14="http://schemas.microsoft.com/office/powerpoint/2010/main" val="13403576"/>
-      </p:ext>
-    </p:extLst>
-  </p:cSld>
-  <p:clrMapOvr>
-    <a:masterClrMapping/>
-  </p:clrMapOvr>
   <mc:AlternateContent xmlns:mc="http://schemas.openxmlformats.org/markup-compatibility/2006" xmlns:p14="http://schemas.microsoft.com/office/powerpoint/2010/main">
     <mc:Choice Requires="p14">
       <p:transition spd="med" p14:dur="700">
@@ -20547,104 +21736,171 @@
           <a:chExt cx="0" cy="0"/>
         </a:xfrm>
       </p:grpSpPr>
-      <p:sp>
-        <p:nvSpPr>
-          <p:cNvPr id="2" name="标题 1"/>
-          <p:cNvSpPr>
-            <a:spLocks noGrp="1"/>
-          </p:cNvSpPr>
-          <p:nvPr>
-            <p:ph type="title"/>
-          </p:nvPr>
-        </p:nvSpPr>
+      <p:pic>
+        <p:nvPicPr>
+          <p:cNvPr id="5" name="图片 4"/>
+          <p:cNvPicPr>
+            <a:picLocks noChangeAspect="1"/>
+          </p:cNvPicPr>
+          <p:nvPr/>
+        </p:nvPicPr>
+        <p:blipFill>
+          <a:blip r:embed="rId2"/>
+          <a:stretch>
+            <a:fillRect/>
+          </a:stretch>
+        </p:blipFill>
         <p:spPr>
           <a:xfrm>
-            <a:off x="812589" y="5301208"/>
-            <a:ext cx="7008574" cy="1074192"/>
+            <a:off x="1629916" y="48196"/>
+            <a:ext cx="9666369" cy="6837188"/>
           </a:xfrm>
+          <a:prstGeom prst="rect">
+            <a:avLst/>
+          </a:prstGeom>
         </p:spPr>
-        <p:txBody>
-          <a:bodyPr>
-            <a:normAutofit/>
-          </a:bodyPr>
-          <a:lstStyle/>
-          <a:p>
-            <a:pPr algn="ctr"/>
-            <a:r>
-              <a:rPr lang="zh-CN" altLang="en-US" sz="2800" dirty="0" smtClean="0"/>
-              <a:t>答辩人：刘松林</a:t>
-            </a:r>
-            <a:r>
-              <a:rPr lang="en-US" altLang="zh-CN" sz="2800" dirty="0" smtClean="0"/>
-              <a:t/>
-            </a:r>
-            <a:br>
-              <a:rPr lang="en-US" altLang="zh-CN" sz="2800" dirty="0" smtClean="0"/>
-            </a:br>
-            <a:r>
-              <a:rPr lang="zh-CN" altLang="en-US" sz="2800" dirty="0" smtClean="0"/>
-              <a:t>指导老师：柯旋 教授</a:t>
-            </a:r>
-            <a:endParaRPr lang="zh-CN" sz="2800" dirty="0"/>
-          </a:p>
-        </p:txBody>
-      </p:sp>
-      <p:sp>
-        <p:nvSpPr>
-          <p:cNvPr id="3" name="文本占位符 2"/>
-          <p:cNvSpPr>
-            <a:spLocks noGrp="1"/>
-          </p:cNvSpPr>
-          <p:nvPr>
-            <p:ph type="body" idx="1"/>
-          </p:nvPr>
-        </p:nvSpPr>
-        <p:spPr>
+      </p:pic>
+      <p:grpSp>
+        <p:nvGrpSpPr>
+          <p:cNvPr id="6" name="组合 5"/>
+          <p:cNvGrpSpPr/>
+          <p:nvPr/>
+        </p:nvGrpSpPr>
+        <p:grpSpPr>
           <a:xfrm>
-            <a:off x="812589" y="2564904"/>
-            <a:ext cx="7008574" cy="1856283"/>
+            <a:off x="909836" y="1628800"/>
+            <a:ext cx="648072" cy="3384376"/>
+            <a:chOff x="335360" y="1541026"/>
+            <a:chExt cx="12778331" cy="2324927"/>
           </a:xfrm>
-        </p:spPr>
-        <p:txBody>
-          <a:bodyPr>
-            <a:noAutofit/>
-          </a:bodyPr>
-          <a:lstStyle/>
-          <a:p>
-            <a:pPr algn="ctr"/>
-            <a:r>
-              <a:rPr lang="zh-CN" altLang="en-US" sz="5400" dirty="0" smtClean="0"/>
-              <a:t>谢谢观看，</a:t>
-            </a:r>
-            <a:endParaRPr lang="en-US" altLang="zh-CN" sz="5400" dirty="0" smtClean="0"/>
-          </a:p>
-          <a:p>
-            <a:pPr algn="ctr"/>
-            <a:r>
-              <a:rPr lang="zh-CN" altLang="en-US" sz="5400" dirty="0" smtClean="0"/>
-              <a:t>恳请各位老师指正</a:t>
-            </a:r>
-            <a:endParaRPr lang="zh-CN" sz="5400" dirty="0"/>
-          </a:p>
-        </p:txBody>
-      </p:sp>
+        </p:grpSpPr>
+        <p:sp>
+          <p:nvSpPr>
+            <p:cNvPr id="7" name="矩形 6"/>
+            <p:cNvSpPr/>
+            <p:nvPr/>
+          </p:nvSpPr>
+          <p:spPr>
+            <a:xfrm>
+              <a:off x="1755175" y="1590493"/>
+              <a:ext cx="11358516" cy="2275460"/>
+            </a:xfrm>
+            <a:prstGeom prst="rect">
+              <a:avLst/>
+            </a:prstGeom>
+            <a:solidFill>
+              <a:schemeClr val="bg1">
+                <a:lumMod val="85000"/>
+              </a:schemeClr>
+            </a:solidFill>
+            <a:ln>
+              <a:noFill/>
+            </a:ln>
+          </p:spPr>
+          <p:style>
+            <a:lnRef idx="2">
+              <a:schemeClr val="accent1">
+                <a:shade val="50000"/>
+              </a:schemeClr>
+            </a:lnRef>
+            <a:fillRef idx="1">
+              <a:schemeClr val="accent1"/>
+            </a:fillRef>
+            <a:effectRef idx="0">
+              <a:schemeClr val="accent1"/>
+            </a:effectRef>
+            <a:fontRef idx="minor">
+              <a:schemeClr val="lt1"/>
+            </a:fontRef>
+          </p:style>
+          <p:txBody>
+            <a:bodyPr rtlCol="0" anchor="ctr"/>
+            <a:lstStyle/>
+            <a:p>
+              <a:pPr algn="ctr"/>
+              <a:endParaRPr lang="zh-CN" altLang="en-US"/>
+            </a:p>
+          </p:txBody>
+        </p:sp>
+        <p:sp>
+          <p:nvSpPr>
+            <p:cNvPr id="8" name="矩形 7"/>
+            <p:cNvSpPr/>
+            <p:nvPr/>
+          </p:nvSpPr>
+          <p:spPr>
+            <a:xfrm>
+              <a:off x="335360" y="1541026"/>
+              <a:ext cx="11233251" cy="2275460"/>
+            </a:xfrm>
+            <a:prstGeom prst="rect">
+              <a:avLst/>
+            </a:prstGeom>
+            <a:solidFill>
+              <a:srgbClr val="16A287"/>
+            </a:solidFill>
+            <a:ln>
+              <a:noFill/>
+            </a:ln>
+          </p:spPr>
+          <p:style>
+            <a:lnRef idx="2">
+              <a:schemeClr val="accent1">
+                <a:shade val="50000"/>
+              </a:schemeClr>
+            </a:lnRef>
+            <a:fillRef idx="1">
+              <a:schemeClr val="accent1"/>
+            </a:fillRef>
+            <a:effectRef idx="0">
+              <a:schemeClr val="accent1"/>
+            </a:effectRef>
+            <a:fontRef idx="minor">
+              <a:schemeClr val="lt1"/>
+            </a:fontRef>
+          </p:style>
+          <p:txBody>
+            <a:bodyPr rtlCol="0" anchor="ctr"/>
+            <a:lstStyle/>
+            <a:p>
+              <a:r>
+                <a:rPr lang="zh-CN" altLang="en-US" b="1" dirty="0" smtClean="0">
+                  <a:solidFill>
+                    <a:schemeClr val="bg1"/>
+                  </a:solidFill>
+                  <a:latin typeface="微软雅黑" panose="020B0503020204020204" pitchFamily="34" charset="-122"/>
+                  <a:ea typeface="微软雅黑" panose="020B0503020204020204" pitchFamily="34" charset="-122"/>
+                </a:rPr>
+                <a:t>学生上传论文列表</a:t>
+              </a:r>
+              <a:endParaRPr lang="zh-CN" altLang="en-US" b="1" dirty="0">
+                <a:solidFill>
+                  <a:schemeClr val="bg1"/>
+                </a:solidFill>
+                <a:latin typeface="微软雅黑" panose="020B0503020204020204" pitchFamily="34" charset="-122"/>
+                <a:ea typeface="微软雅黑" panose="020B0503020204020204" pitchFamily="34" charset="-122"/>
+              </a:endParaRPr>
+            </a:p>
+          </p:txBody>
+        </p:sp>
+      </p:grpSp>
     </p:spTree>
     <p:extLst>
       <p:ext uri="{BB962C8B-B14F-4D97-AF65-F5344CB8AC3E}">
-        <p14:creationId xmlns:p14="http://schemas.microsoft.com/office/powerpoint/2010/main" val="1997697987"/>
+        <p14:creationId xmlns:p14="http://schemas.microsoft.com/office/powerpoint/2010/main" val="2336794779"/>
       </p:ext>
     </p:extLst>
   </p:cSld>
   <p:clrMapOvr>
     <a:masterClrMapping/>
   </p:clrMapOvr>
-  <mc:AlternateContent xmlns:mc="http://schemas.openxmlformats.org/markup-compatibility/2006" xmlns:p14="http://schemas.microsoft.com/office/powerpoint/2010/main">
-    <mc:Choice Requires="p14">
+  <mc:AlternateContent xmlns:mc="http://schemas.openxmlformats.org/markup-compatibility/2006">
+    <mc:Choice xmlns:p14="http://schemas.microsoft.com/office/powerpoint/2010/main" Requires="p14">
       <p:transition spd="med" p14:dur="700">
         <p:fade/>
       </p:transition>
     </mc:Choice>
-    <mc:Fallback xmlns="">
+    <mc:Fallback>
       <p:transition spd="med">
         <p:fade/>
       </p:transition>

--- a/doc/my/物理学论文网站的设计与实现.pptx
+++ b/doc/my/物理学论文网站的设计与实现.pptx
@@ -5,27 +5,28 @@
     <p:sldMasterId id="2147483660" r:id="rId2"/>
   </p:sldMasterIdLst>
   <p:notesMasterIdLst>
-    <p:notesMasterId r:id="rId18"/>
+    <p:notesMasterId r:id="rId19"/>
   </p:notesMasterIdLst>
   <p:handoutMasterIdLst>
-    <p:handoutMasterId r:id="rId19"/>
+    <p:handoutMasterId r:id="rId20"/>
   </p:handoutMasterIdLst>
   <p:sldIdLst>
     <p:sldId id="264" r:id="rId3"/>
-    <p:sldId id="276" r:id="rId4"/>
-    <p:sldId id="281" r:id="rId5"/>
-    <p:sldId id="277" r:id="rId6"/>
-    <p:sldId id="278" r:id="rId7"/>
-    <p:sldId id="284" r:id="rId8"/>
-    <p:sldId id="287" r:id="rId9"/>
-    <p:sldId id="282" r:id="rId10"/>
-    <p:sldId id="285" r:id="rId11"/>
-    <p:sldId id="286" r:id="rId12"/>
-    <p:sldId id="289" r:id="rId13"/>
-    <p:sldId id="288" r:id="rId14"/>
-    <p:sldId id="283" r:id="rId15"/>
-    <p:sldId id="279" r:id="rId16"/>
-    <p:sldId id="266" r:id="rId17"/>
+    <p:sldId id="290" r:id="rId4"/>
+    <p:sldId id="276" r:id="rId5"/>
+    <p:sldId id="281" r:id="rId6"/>
+    <p:sldId id="277" r:id="rId7"/>
+    <p:sldId id="278" r:id="rId8"/>
+    <p:sldId id="284" r:id="rId9"/>
+    <p:sldId id="287" r:id="rId10"/>
+    <p:sldId id="282" r:id="rId11"/>
+    <p:sldId id="285" r:id="rId12"/>
+    <p:sldId id="286" r:id="rId13"/>
+    <p:sldId id="289" r:id="rId14"/>
+    <p:sldId id="288" r:id="rId15"/>
+    <p:sldId id="283" r:id="rId16"/>
+    <p:sldId id="279" r:id="rId17"/>
+    <p:sldId id="266" r:id="rId18"/>
   </p:sldIdLst>
   <p:sldSz cx="12188825" cy="6858000"/>
   <p:notesSz cx="6858000" cy="9144000"/>
@@ -10453,7 +10454,7 @@
                   <a:schemeClr val="tx2"/>
                 </a:solidFill>
               </a:rPr>
-              <a:t>5/24/2016</a:t>
+              <a:t>5/25/2016</a:t>
             </a:fld>
             <a:endParaRPr lang="zh-CN">
               <a:solidFill>
@@ -10642,7 +10643,7 @@
           <a:p>
             <a:fld id="{F95CF31C-F757-429C-A789-86504F04C3BE}" type="datetimeFigureOut">
               <a:pPr/>
-              <a:t>2016/5/24</a:t>
+              <a:t>2016/5/25</a:t>
             </a:fld>
             <a:endParaRPr lang="zh-CN"/>
           </a:p>
@@ -11247,7 +11248,7 @@
           <a:lstStyle/>
           <a:p>
             <a:fld id="{7AECB6C2-1084-4AED-A74A-DF028B0094EA}" type="datetimeFigureOut">
-              <a:t>2016/5/24</a:t>
+              <a:t>2016/5/25</a:t>
             </a:fld>
             <a:endParaRPr lang="zh-CN"/>
           </a:p>
@@ -11444,7 +11445,7 @@
           <a:lstStyle/>
           <a:p>
             <a:fld id="{7AECB6C2-1084-4AED-A74A-DF028B0094EA}" type="datetimeFigureOut">
-              <a:t>2016/5/24</a:t>
+              <a:t>2016/5/25</a:t>
             </a:fld>
             <a:endParaRPr lang="zh-CN"/>
           </a:p>
@@ -11647,7 +11648,7 @@
           <a:lstStyle/>
           <a:p>
             <a:fld id="{8B5A30F4-0B4E-4E4B-BC36-C30CD13F4E17}" type="datetimeFigureOut">
-              <a:t>2016/5/24</a:t>
+              <a:t>2016/5/25</a:t>
             </a:fld>
             <a:endParaRPr lang="zh-CN"/>
           </a:p>
@@ -12175,7 +12176,7 @@
           <a:lstStyle/>
           <a:p>
             <a:fld id="{2DD204D1-F9BD-4643-8480-6EA41EB484F1}" type="datetimeFigureOut">
-              <a:t>2016/5/24</a:t>
+              <a:t>2016/5/25</a:t>
             </a:fld>
             <a:endParaRPr lang="zh-CN"/>
           </a:p>
@@ -12628,7 +12629,7 @@
           <a:lstStyle/>
           <a:p>
             <a:fld id="{2DD204D1-F9BD-4643-8480-6EA41EB484F1}" type="datetimeFigureOut">
-              <a:t>2016/5/24</a:t>
+              <a:t>2016/5/25</a:t>
             </a:fld>
             <a:endParaRPr lang="zh-CN"/>
           </a:p>
@@ -12763,7 +12764,7 @@
           <a:lstStyle/>
           <a:p>
             <a:fld id="{2DD204D1-F9BD-4643-8480-6EA41EB484F1}" type="datetimeFigureOut">
-              <a:t>2016/5/24</a:t>
+              <a:t>2016/5/25</a:t>
             </a:fld>
             <a:endParaRPr lang="zh-CN"/>
           </a:p>
@@ -12875,7 +12876,7 @@
           <a:lstStyle/>
           <a:p>
             <a:fld id="{2DD204D1-F9BD-4643-8480-6EA41EB484F1}" type="datetimeFigureOut">
-              <a:t>2016/5/24</a:t>
+              <a:t>2016/5/25</a:t>
             </a:fld>
             <a:endParaRPr lang="zh-CN"/>
           </a:p>
@@ -13237,7 +13238,7 @@
           <a:lstStyle/>
           <a:p>
             <a:fld id="{126BF754-515F-40B9-8D24-D54D5825B3D0}" type="datetimeFigureOut">
-              <a:t>2016/5/24</a:t>
+              <a:t>2016/5/25</a:t>
             </a:fld>
             <a:endParaRPr lang="zh-CN"/>
           </a:p>
@@ -13579,7 +13580,7 @@
           <a:lstStyle/>
           <a:p>
             <a:fld id="{126BF754-515F-40B9-8D24-D54D5825B3D0}" type="datetimeFigureOut">
-              <a:t>2016/5/24</a:t>
+              <a:t>2016/5/25</a:t>
             </a:fld>
             <a:endParaRPr lang="zh-CN"/>
           </a:p>
@@ -13883,7 +13884,7 @@
             <a:fld id="{2DD204D1-F9BD-4643-8480-6EA41EB484F1}" type="datetimeFigureOut">
               <a:rPr lang="en-US" altLang="zh-CN" smtClean="0"/>
               <a:pPr/>
-              <a:t>5/24/2016</a:t>
+              <a:t>5/25/2016</a:t>
             </a:fld>
             <a:endParaRPr lang="zh-CN" altLang="en-US"/>
           </a:p>
@@ -14506,6 +14507,203 @@
       </p:grpSpPr>
       <p:pic>
         <p:nvPicPr>
+          <p:cNvPr id="5" name="图片 4"/>
+          <p:cNvPicPr>
+            <a:picLocks noChangeAspect="1"/>
+          </p:cNvPicPr>
+          <p:nvPr/>
+        </p:nvPicPr>
+        <p:blipFill>
+          <a:blip r:embed="rId2"/>
+          <a:stretch>
+            <a:fillRect/>
+          </a:stretch>
+        </p:blipFill>
+        <p:spPr>
+          <a:xfrm>
+            <a:off x="1629916" y="48196"/>
+            <a:ext cx="9666369" cy="6837188"/>
+          </a:xfrm>
+          <a:prstGeom prst="rect">
+            <a:avLst/>
+          </a:prstGeom>
+        </p:spPr>
+      </p:pic>
+      <p:grpSp>
+        <p:nvGrpSpPr>
+          <p:cNvPr id="6" name="组合 5"/>
+          <p:cNvGrpSpPr/>
+          <p:nvPr/>
+        </p:nvGrpSpPr>
+        <p:grpSpPr>
+          <a:xfrm>
+            <a:off x="909836" y="1628800"/>
+            <a:ext cx="648072" cy="3384376"/>
+            <a:chOff x="335360" y="1541026"/>
+            <a:chExt cx="12778331" cy="2324927"/>
+          </a:xfrm>
+        </p:grpSpPr>
+        <p:sp>
+          <p:nvSpPr>
+            <p:cNvPr id="7" name="矩形 6"/>
+            <p:cNvSpPr/>
+            <p:nvPr/>
+          </p:nvSpPr>
+          <p:spPr>
+            <a:xfrm>
+              <a:off x="1755175" y="1590493"/>
+              <a:ext cx="11358516" cy="2275460"/>
+            </a:xfrm>
+            <a:prstGeom prst="rect">
+              <a:avLst/>
+            </a:prstGeom>
+            <a:solidFill>
+              <a:schemeClr val="bg1">
+                <a:lumMod val="85000"/>
+              </a:schemeClr>
+            </a:solidFill>
+            <a:ln>
+              <a:noFill/>
+            </a:ln>
+          </p:spPr>
+          <p:style>
+            <a:lnRef idx="2">
+              <a:schemeClr val="accent1">
+                <a:shade val="50000"/>
+              </a:schemeClr>
+            </a:lnRef>
+            <a:fillRef idx="1">
+              <a:schemeClr val="accent1"/>
+            </a:fillRef>
+            <a:effectRef idx="0">
+              <a:schemeClr val="accent1"/>
+            </a:effectRef>
+            <a:fontRef idx="minor">
+              <a:schemeClr val="lt1"/>
+            </a:fontRef>
+          </p:style>
+          <p:txBody>
+            <a:bodyPr rtlCol="0" anchor="ctr"/>
+            <a:lstStyle/>
+            <a:p>
+              <a:pPr algn="ctr"/>
+              <a:endParaRPr lang="zh-CN" altLang="en-US"/>
+            </a:p>
+          </p:txBody>
+        </p:sp>
+        <p:sp>
+          <p:nvSpPr>
+            <p:cNvPr id="8" name="矩形 7"/>
+            <p:cNvSpPr/>
+            <p:nvPr/>
+          </p:nvSpPr>
+          <p:spPr>
+            <a:xfrm>
+              <a:off x="335360" y="1541026"/>
+              <a:ext cx="11233251" cy="2275460"/>
+            </a:xfrm>
+            <a:prstGeom prst="rect">
+              <a:avLst/>
+            </a:prstGeom>
+            <a:solidFill>
+              <a:srgbClr val="16A287"/>
+            </a:solidFill>
+            <a:ln>
+              <a:noFill/>
+            </a:ln>
+          </p:spPr>
+          <p:style>
+            <a:lnRef idx="2">
+              <a:schemeClr val="accent1">
+                <a:shade val="50000"/>
+              </a:schemeClr>
+            </a:lnRef>
+            <a:fillRef idx="1">
+              <a:schemeClr val="accent1"/>
+            </a:fillRef>
+            <a:effectRef idx="0">
+              <a:schemeClr val="accent1"/>
+            </a:effectRef>
+            <a:fontRef idx="minor">
+              <a:schemeClr val="lt1"/>
+            </a:fontRef>
+          </p:style>
+          <p:txBody>
+            <a:bodyPr rtlCol="0" anchor="ctr"/>
+            <a:lstStyle/>
+            <a:p>
+              <a:r>
+                <a:rPr lang="zh-CN" altLang="en-US" b="1" dirty="0" smtClean="0">
+                  <a:solidFill>
+                    <a:schemeClr val="bg1"/>
+                  </a:solidFill>
+                  <a:latin typeface="微软雅黑" panose="020B0503020204020204" pitchFamily="34" charset="-122"/>
+                  <a:ea typeface="微软雅黑" panose="020B0503020204020204" pitchFamily="34" charset="-122"/>
+                </a:rPr>
+                <a:t>学生上传论文列表</a:t>
+              </a:r>
+              <a:endParaRPr lang="zh-CN" altLang="en-US" b="1" dirty="0">
+                <a:solidFill>
+                  <a:schemeClr val="bg1"/>
+                </a:solidFill>
+                <a:latin typeface="微软雅黑" panose="020B0503020204020204" pitchFamily="34" charset="-122"/>
+                <a:ea typeface="微软雅黑" panose="020B0503020204020204" pitchFamily="34" charset="-122"/>
+              </a:endParaRPr>
+            </a:p>
+          </p:txBody>
+        </p:sp>
+      </p:grpSp>
+    </p:spTree>
+    <p:extLst>
+      <p:ext uri="{BB962C8B-B14F-4D97-AF65-F5344CB8AC3E}">
+        <p14:creationId xmlns:p14="http://schemas.microsoft.com/office/powerpoint/2010/main" val="2336794779"/>
+      </p:ext>
+    </p:extLst>
+  </p:cSld>
+  <p:clrMapOvr>
+    <a:masterClrMapping/>
+  </p:clrMapOvr>
+  <mc:AlternateContent xmlns:mc="http://schemas.openxmlformats.org/markup-compatibility/2006" xmlns:p14="http://schemas.microsoft.com/office/powerpoint/2010/main">
+    <mc:Choice Requires="p14">
+      <p:transition spd="med" p14:dur="700">
+        <p:fade/>
+      </p:transition>
+    </mc:Choice>
+    <mc:Fallback xmlns="">
+      <p:transition spd="med">
+        <p:fade/>
+      </p:transition>
+    </mc:Fallback>
+  </mc:AlternateContent>
+  <p:timing>
+    <p:tnLst>
+      <p:par>
+        <p:cTn id="1" dur="indefinite" restart="never" nodeType="tmRoot"/>
+      </p:par>
+    </p:tnLst>
+  </p:timing>
+</p:sld>
+</file>
+
+<file path=ppt/slides/slide11.xml><?xml version="1.0" encoding="utf-8"?>
+<p:sld xmlns:a="http://schemas.openxmlformats.org/drawingml/2006/main" xmlns:r="http://schemas.openxmlformats.org/officeDocument/2006/relationships" xmlns:p="http://schemas.openxmlformats.org/presentationml/2006/main">
+  <p:cSld>
+    <p:spTree>
+      <p:nvGrpSpPr>
+        <p:cNvPr id="1" name=""/>
+        <p:cNvGrpSpPr/>
+        <p:nvPr/>
+      </p:nvGrpSpPr>
+      <p:grpSpPr>
+        <a:xfrm>
+          <a:off x="0" y="0"/>
+          <a:ext cx="0" cy="0"/>
+          <a:chOff x="0" y="0"/>
+          <a:chExt cx="0" cy="0"/>
+        </a:xfrm>
+      </p:grpSpPr>
+      <p:pic>
+        <p:nvPicPr>
           <p:cNvPr id="6" name="图片 5"/>
           <p:cNvPicPr>
             <a:picLocks noChangeAspect="1"/>
@@ -14647,13 +14845,13 @@
   <p:clrMapOvr>
     <a:masterClrMapping/>
   </p:clrMapOvr>
-  <mc:AlternateContent xmlns:mc="http://schemas.openxmlformats.org/markup-compatibility/2006">
-    <mc:Choice xmlns:p14="http://schemas.microsoft.com/office/powerpoint/2010/main" Requires="p14">
+  <mc:AlternateContent xmlns:mc="http://schemas.openxmlformats.org/markup-compatibility/2006" xmlns:p14="http://schemas.microsoft.com/office/powerpoint/2010/main">
+    <mc:Choice Requires="p14">
       <p:transition spd="med" p14:dur="700">
         <p:fade/>
       </p:transition>
     </mc:Choice>
-    <mc:Fallback>
+    <mc:Fallback xmlns="">
       <p:transition spd="med">
         <p:fade/>
       </p:transition>
@@ -14669,7 +14867,7 @@
 </p:sld>
 </file>
 
-<file path=ppt/slides/slide11.xml><?xml version="1.0" encoding="utf-8"?>
+<file path=ppt/slides/slide12.xml><?xml version="1.0" encoding="utf-8"?>
 <p:sld xmlns:a="http://schemas.openxmlformats.org/drawingml/2006/main" xmlns:r="http://schemas.openxmlformats.org/officeDocument/2006/relationships" xmlns:p="http://schemas.openxmlformats.org/presentationml/2006/main">
   <p:cSld>
     <p:spTree>
@@ -14703,7 +14901,7 @@
         <p:spPr>
           <a:xfrm>
             <a:off x="1413892" y="1445968"/>
-            <a:ext cx="9582150" cy="3581400"/>
+            <a:ext cx="9582150" cy="3639216"/>
           </a:xfrm>
           <a:prstGeom prst="rect">
             <a:avLst/>
@@ -14844,13 +15042,13 @@
   <p:clrMapOvr>
     <a:masterClrMapping/>
   </p:clrMapOvr>
-  <mc:AlternateContent xmlns:mc="http://schemas.openxmlformats.org/markup-compatibility/2006">
-    <mc:Choice xmlns:p14="http://schemas.microsoft.com/office/powerpoint/2010/main" Requires="p14">
+  <mc:AlternateContent xmlns:mc="http://schemas.openxmlformats.org/markup-compatibility/2006" xmlns:p14="http://schemas.microsoft.com/office/powerpoint/2010/main">
+    <mc:Choice Requires="p14">
       <p:transition spd="med" p14:dur="700">
         <p:fade/>
       </p:transition>
     </mc:Choice>
-    <mc:Fallback>
+    <mc:Fallback xmlns="">
       <p:transition spd="med">
         <p:fade/>
       </p:transition>
@@ -14866,7 +15064,7 @@
 </p:sld>
 </file>
 
-<file path=ppt/slides/slide12.xml><?xml version="1.0" encoding="utf-8"?>
+<file path=ppt/slides/slide13.xml><?xml version="1.0" encoding="utf-8"?>
 <p:sld xmlns:a="http://schemas.openxmlformats.org/drawingml/2006/main" xmlns:r="http://schemas.openxmlformats.org/officeDocument/2006/relationships" xmlns:p="http://schemas.openxmlformats.org/presentationml/2006/main">
   <p:cSld>
     <p:spTree>
@@ -15041,13 +15239,13 @@
   <p:clrMapOvr>
     <a:masterClrMapping/>
   </p:clrMapOvr>
-  <mc:AlternateContent xmlns:mc="http://schemas.openxmlformats.org/markup-compatibility/2006">
-    <mc:Choice xmlns:p14="http://schemas.microsoft.com/office/powerpoint/2010/main" Requires="p14">
+  <mc:AlternateContent xmlns:mc="http://schemas.openxmlformats.org/markup-compatibility/2006" xmlns:p14="http://schemas.microsoft.com/office/powerpoint/2010/main">
+    <mc:Choice Requires="p14">
       <p:transition spd="med" p14:dur="700">
         <p:fade/>
       </p:transition>
     </mc:Choice>
-    <mc:Fallback>
+    <mc:Fallback xmlns="">
       <p:transition spd="med">
         <p:fade/>
       </p:transition>
@@ -15063,7 +15261,7 @@
 </p:sld>
 </file>
 
-<file path=ppt/slides/slide13.xml><?xml version="1.0" encoding="utf-8"?>
+<file path=ppt/slides/slide14.xml><?xml version="1.0" encoding="utf-8"?>
 <p:sld xmlns:a="http://schemas.openxmlformats.org/drawingml/2006/main" xmlns:r="http://schemas.openxmlformats.org/officeDocument/2006/relationships" xmlns:p="http://schemas.openxmlformats.org/presentationml/2006/main">
   <p:cSld>
     <p:spTree>
@@ -15872,7 +16070,7 @@
 </p:sld>
 </file>
 
-<file path=ppt/slides/slide14.xml><?xml version="1.0" encoding="utf-8"?>
+<file path=ppt/slides/slide15.xml><?xml version="1.0" encoding="utf-8"?>
 <p:sld xmlns:a="http://schemas.openxmlformats.org/drawingml/2006/main" xmlns:r="http://schemas.openxmlformats.org/officeDocument/2006/relationships" xmlns:p="http://schemas.openxmlformats.org/presentationml/2006/main">
   <p:cSld>
     <p:spTree>
@@ -17535,7 +17733,7 @@
 </p:sld>
 </file>
 
-<file path=ppt/slides/slide15.xml><?xml version="1.0" encoding="utf-8"?>
+<file path=ppt/slides/slide16.xml><?xml version="1.0" encoding="utf-8"?>
 <p:sld xmlns:a="http://schemas.openxmlformats.org/drawingml/2006/main" xmlns:r="http://schemas.openxmlformats.org/officeDocument/2006/relationships" xmlns:p="http://schemas.openxmlformats.org/presentationml/2006/main">
   <p:cSld>
     <p:spTree>
@@ -17588,11 +17786,7 @@
             </a:br>
             <a:r>
               <a:rPr lang="zh-CN" altLang="en-US" sz="2800" dirty="0" smtClean="0"/>
-              <a:t>指导老师：</a:t>
-            </a:r>
-            <a:r>
-              <a:rPr lang="zh-CN" altLang="en-US" sz="2800" dirty="0" smtClean="0"/>
-              <a:t>柯璇 副教授</a:t>
+              <a:t>指导老师：柯璇 副教授</a:t>
             </a:r>
             <a:endParaRPr lang="zh-CN" sz="2800" dirty="0"/>
           </a:p>
@@ -17670,6 +17864,202 @@
 </file>
 
 <file path=ppt/slides/slide2.xml><?xml version="1.0" encoding="utf-8"?>
+<p:sld xmlns:a="http://schemas.openxmlformats.org/drawingml/2006/main" xmlns:r="http://schemas.openxmlformats.org/officeDocument/2006/relationships" xmlns:p="http://schemas.openxmlformats.org/presentationml/2006/main">
+  <p:cSld>
+    <p:spTree>
+      <p:nvGrpSpPr>
+        <p:cNvPr id="1" name=""/>
+        <p:cNvGrpSpPr/>
+        <p:nvPr/>
+      </p:nvGrpSpPr>
+      <p:grpSpPr>
+        <a:xfrm>
+          <a:off x="0" y="0"/>
+          <a:ext cx="0" cy="0"/>
+          <a:chOff x="0" y="0"/>
+          <a:chExt cx="0" cy="0"/>
+        </a:xfrm>
+      </p:grpSpPr>
+      <p:pic>
+        <p:nvPicPr>
+          <p:cNvPr id="4" name="图片 3"/>
+          <p:cNvPicPr>
+            <a:picLocks noChangeAspect="1"/>
+          </p:cNvPicPr>
+          <p:nvPr/>
+        </p:nvPicPr>
+        <p:blipFill>
+          <a:blip r:embed="rId2">
+            <a:extLst>
+              <a:ext uri="{28A0092B-C50C-407E-A947-70E740481C1C}">
+                <a14:useLocalDpi xmlns:a14="http://schemas.microsoft.com/office/drawing/2010/main" val="0"/>
+              </a:ext>
+            </a:extLst>
+          </a:blip>
+          <a:stretch>
+            <a:fillRect/>
+          </a:stretch>
+        </p:blipFill>
+        <p:spPr>
+          <a:xfrm>
+            <a:off x="1701924" y="1048087"/>
+            <a:ext cx="9572625" cy="4371975"/>
+          </a:xfrm>
+          <a:prstGeom prst="rect">
+            <a:avLst/>
+          </a:prstGeom>
+        </p:spPr>
+      </p:pic>
+      <p:grpSp>
+        <p:nvGrpSpPr>
+          <p:cNvPr id="5" name="组合 4"/>
+          <p:cNvGrpSpPr/>
+          <p:nvPr/>
+        </p:nvGrpSpPr>
+        <p:grpSpPr>
+          <a:xfrm>
+            <a:off x="693812" y="1484784"/>
+            <a:ext cx="720080" cy="3240361"/>
+            <a:chOff x="335360" y="1541026"/>
+            <a:chExt cx="12193255" cy="2324928"/>
+          </a:xfrm>
+        </p:grpSpPr>
+        <p:sp>
+          <p:nvSpPr>
+            <p:cNvPr id="6" name="矩形 5"/>
+            <p:cNvSpPr/>
+            <p:nvPr/>
+          </p:nvSpPr>
+          <p:spPr>
+            <a:xfrm>
+              <a:off x="460632" y="1592692"/>
+              <a:ext cx="12067983" cy="2273262"/>
+            </a:xfrm>
+            <a:prstGeom prst="rect">
+              <a:avLst/>
+            </a:prstGeom>
+            <a:solidFill>
+              <a:schemeClr val="bg1">
+                <a:lumMod val="85000"/>
+              </a:schemeClr>
+            </a:solidFill>
+            <a:ln>
+              <a:noFill/>
+            </a:ln>
+          </p:spPr>
+          <p:style>
+            <a:lnRef idx="2">
+              <a:schemeClr val="accent1">
+                <a:shade val="50000"/>
+              </a:schemeClr>
+            </a:lnRef>
+            <a:fillRef idx="1">
+              <a:schemeClr val="accent1"/>
+            </a:fillRef>
+            <a:effectRef idx="0">
+              <a:schemeClr val="accent1"/>
+            </a:effectRef>
+            <a:fontRef idx="minor">
+              <a:schemeClr val="lt1"/>
+            </a:fontRef>
+          </p:style>
+          <p:txBody>
+            <a:bodyPr rtlCol="0" anchor="ctr"/>
+            <a:lstStyle/>
+            <a:p>
+              <a:pPr algn="ctr"/>
+              <a:endParaRPr lang="zh-CN" altLang="en-US"/>
+            </a:p>
+          </p:txBody>
+        </p:sp>
+        <p:sp>
+          <p:nvSpPr>
+            <p:cNvPr id="7" name="矩形 6"/>
+            <p:cNvSpPr/>
+            <p:nvPr/>
+          </p:nvSpPr>
+          <p:spPr>
+            <a:xfrm>
+              <a:off x="335360" y="1541026"/>
+              <a:ext cx="11233244" cy="2273262"/>
+            </a:xfrm>
+            <a:prstGeom prst="rect">
+              <a:avLst/>
+            </a:prstGeom>
+            <a:solidFill>
+              <a:srgbClr val="16A287"/>
+            </a:solidFill>
+            <a:ln>
+              <a:noFill/>
+            </a:ln>
+          </p:spPr>
+          <p:style>
+            <a:lnRef idx="2">
+              <a:schemeClr val="accent1">
+                <a:shade val="50000"/>
+              </a:schemeClr>
+            </a:lnRef>
+            <a:fillRef idx="1">
+              <a:schemeClr val="accent1"/>
+            </a:fillRef>
+            <a:effectRef idx="0">
+              <a:schemeClr val="accent1"/>
+            </a:effectRef>
+            <a:fontRef idx="minor">
+              <a:schemeClr val="lt1"/>
+            </a:fontRef>
+          </p:style>
+          <p:txBody>
+            <a:bodyPr rtlCol="0" anchor="ctr"/>
+            <a:lstStyle/>
+            <a:p>
+              <a:r>
+                <a:rPr lang="zh-CN" altLang="en-US" b="1" dirty="0" smtClean="0">
+                  <a:solidFill>
+                    <a:schemeClr val="bg1"/>
+                  </a:solidFill>
+                  <a:latin typeface="微软雅黑" panose="020B0503020204020204" pitchFamily="34" charset="-122"/>
+                  <a:ea typeface="微软雅黑" panose="020B0503020204020204" pitchFamily="34" charset="-122"/>
+                </a:rPr>
+                <a:t>论文检测结果</a:t>
+              </a:r>
+              <a:endParaRPr lang="zh-CN" altLang="en-US" b="1" dirty="0">
+                <a:solidFill>
+                  <a:schemeClr val="bg1"/>
+                </a:solidFill>
+                <a:latin typeface="微软雅黑" panose="020B0503020204020204" pitchFamily="34" charset="-122"/>
+                <a:ea typeface="微软雅黑" panose="020B0503020204020204" pitchFamily="34" charset="-122"/>
+              </a:endParaRPr>
+            </a:p>
+          </p:txBody>
+        </p:sp>
+      </p:grpSp>
+    </p:spTree>
+    <p:extLst>
+      <p:ext uri="{BB962C8B-B14F-4D97-AF65-F5344CB8AC3E}">
+        <p14:creationId xmlns:p14="http://schemas.microsoft.com/office/powerpoint/2010/main" val="1076632092"/>
+      </p:ext>
+    </p:extLst>
+  </p:cSld>
+  <p:clrMapOvr>
+    <a:masterClrMapping/>
+  </p:clrMapOvr>
+  <mc:AlternateContent xmlns:mc="http://schemas.openxmlformats.org/markup-compatibility/2006">
+    <mc:Choice xmlns:p14="http://schemas.microsoft.com/office/powerpoint/2010/main" Requires="p14">
+      <p:transition spd="med" p14:dur="700">
+        <p:fade/>
+      </p:transition>
+    </mc:Choice>
+    <mc:Fallback>
+      <p:transition spd="med">
+        <p:fade/>
+      </p:transition>
+    </mc:Fallback>
+  </mc:AlternateContent>
+</p:sld>
+</file>
+
+<file path=ppt/slides/slide3.xml><?xml version="1.0" encoding="utf-8"?>
 <p:sld xmlns:a="http://schemas.openxmlformats.org/drawingml/2006/main" xmlns:r="http://schemas.openxmlformats.org/officeDocument/2006/relationships" xmlns:p="http://schemas.openxmlformats.org/presentationml/2006/main">
   <p:cSld>
     <p:spTree>
@@ -19515,7 +19905,7 @@
 </p:sld>
 </file>
 
-<file path=ppt/slides/slide3.xml><?xml version="1.0" encoding="utf-8"?>
+<file path=ppt/slides/slide4.xml><?xml version="1.0" encoding="utf-8"?>
 <p:sld xmlns:a="http://schemas.openxmlformats.org/drawingml/2006/main" xmlns:r="http://schemas.openxmlformats.org/officeDocument/2006/relationships" xmlns:p="http://schemas.openxmlformats.org/presentationml/2006/main">
   <p:cSld>
     <p:spTree>
@@ -20614,7 +21004,7 @@
 </p:sld>
 </file>
 
-<file path=ppt/slides/slide4.xml><?xml version="1.0" encoding="utf-8"?>
+<file path=ppt/slides/slide5.xml><?xml version="1.0" encoding="utf-8"?>
 <p:sld xmlns:a="http://schemas.openxmlformats.org/drawingml/2006/main" xmlns:r="http://schemas.openxmlformats.org/officeDocument/2006/relationships" xmlns:p="http://schemas.openxmlformats.org/presentationml/2006/main">
   <p:cSld>
     <p:spTree>
@@ -20879,7 +21269,7 @@
 </p:sld>
 </file>
 
-<file path=ppt/slides/slide5.xml><?xml version="1.0" encoding="utf-8"?>
+<file path=ppt/slides/slide6.xml><?xml version="1.0" encoding="utf-8"?>
 <p:sld xmlns:a="http://schemas.openxmlformats.org/drawingml/2006/main" xmlns:r="http://schemas.openxmlformats.org/officeDocument/2006/relationships" xmlns:p="http://schemas.openxmlformats.org/presentationml/2006/main">
   <p:cSld>
     <p:spTree>
@@ -21102,7 +21492,7 @@
 </p:sld>
 </file>
 
-<file path=ppt/slides/slide6.xml><?xml version="1.0" encoding="utf-8"?>
+<file path=ppt/slides/slide7.xml><?xml version="1.0" encoding="utf-8"?>
 <p:sld xmlns:a="http://schemas.openxmlformats.org/drawingml/2006/main" xmlns:r="http://schemas.openxmlformats.org/officeDocument/2006/relationships" xmlns:p="http://schemas.openxmlformats.org/presentationml/2006/main">
   <p:cSld>
     <p:spTree>
@@ -21277,13 +21667,13 @@
   <p:clrMapOvr>
     <a:masterClrMapping/>
   </p:clrMapOvr>
-  <mc:AlternateContent xmlns:mc="http://schemas.openxmlformats.org/markup-compatibility/2006">
-    <mc:Choice xmlns:p14="http://schemas.microsoft.com/office/powerpoint/2010/main" Requires="p14">
+  <mc:AlternateContent xmlns:mc="http://schemas.openxmlformats.org/markup-compatibility/2006" xmlns:p14="http://schemas.microsoft.com/office/powerpoint/2010/main">
+    <mc:Choice Requires="p14">
       <p:transition spd="med" p14:dur="700">
         <p:fade/>
       </p:transition>
     </mc:Choice>
-    <mc:Fallback>
+    <mc:Fallback xmlns="">
       <p:transition spd="med">
         <p:fade/>
       </p:transition>
@@ -21299,7 +21689,7 @@
 </p:sld>
 </file>
 
-<file path=ppt/slides/slide7.xml><?xml version="1.0" encoding="utf-8"?>
+<file path=ppt/slides/slide8.xml><?xml version="1.0" encoding="utf-8"?>
 <p:sld xmlns:a="http://schemas.openxmlformats.org/drawingml/2006/main" xmlns:r="http://schemas.openxmlformats.org/officeDocument/2006/relationships" xmlns:p="http://schemas.openxmlformats.org/presentationml/2006/main">
   <p:cSld>
     <p:spTree>
@@ -21474,13 +21864,13 @@
   <p:clrMapOvr>
     <a:masterClrMapping/>
   </p:clrMapOvr>
-  <mc:AlternateContent xmlns:mc="http://schemas.openxmlformats.org/markup-compatibility/2006">
-    <mc:Choice xmlns:p14="http://schemas.microsoft.com/office/powerpoint/2010/main" Requires="p14">
+  <mc:AlternateContent xmlns:mc="http://schemas.openxmlformats.org/markup-compatibility/2006" xmlns:p14="http://schemas.microsoft.com/office/powerpoint/2010/main">
+    <mc:Choice Requires="p14">
       <p:transition spd="med" p14:dur="700">
         <p:fade/>
       </p:transition>
     </mc:Choice>
-    <mc:Fallback>
+    <mc:Fallback xmlns="">
       <p:transition spd="med">
         <p:fade/>
       </p:transition>
@@ -21496,7 +21886,7 @@
 </p:sld>
 </file>
 
-<file path=ppt/slides/slide8.xml><?xml version="1.0" encoding="utf-8"?>
+<file path=ppt/slides/slide9.xml><?xml version="1.0" encoding="utf-8"?>
 <p:sld xmlns:a="http://schemas.openxmlformats.org/drawingml/2006/main" xmlns:r="http://schemas.openxmlformats.org/officeDocument/2006/relationships" xmlns:p="http://schemas.openxmlformats.org/presentationml/2006/main">
   <p:cSld>
     <p:spTree>
@@ -21704,203 +22094,6 @@
       </p:transition>
     </mc:Choice>
     <mc:Fallback xmlns="">
-      <p:transition spd="med">
-        <p:fade/>
-      </p:transition>
-    </mc:Fallback>
-  </mc:AlternateContent>
-  <p:timing>
-    <p:tnLst>
-      <p:par>
-        <p:cTn id="1" dur="indefinite" restart="never" nodeType="tmRoot"/>
-      </p:par>
-    </p:tnLst>
-  </p:timing>
-</p:sld>
-</file>
-
-<file path=ppt/slides/slide9.xml><?xml version="1.0" encoding="utf-8"?>
-<p:sld xmlns:a="http://schemas.openxmlformats.org/drawingml/2006/main" xmlns:r="http://schemas.openxmlformats.org/officeDocument/2006/relationships" xmlns:p="http://schemas.openxmlformats.org/presentationml/2006/main">
-  <p:cSld>
-    <p:spTree>
-      <p:nvGrpSpPr>
-        <p:cNvPr id="1" name=""/>
-        <p:cNvGrpSpPr/>
-        <p:nvPr/>
-      </p:nvGrpSpPr>
-      <p:grpSpPr>
-        <a:xfrm>
-          <a:off x="0" y="0"/>
-          <a:ext cx="0" cy="0"/>
-          <a:chOff x="0" y="0"/>
-          <a:chExt cx="0" cy="0"/>
-        </a:xfrm>
-      </p:grpSpPr>
-      <p:pic>
-        <p:nvPicPr>
-          <p:cNvPr id="5" name="图片 4"/>
-          <p:cNvPicPr>
-            <a:picLocks noChangeAspect="1"/>
-          </p:cNvPicPr>
-          <p:nvPr/>
-        </p:nvPicPr>
-        <p:blipFill>
-          <a:blip r:embed="rId2"/>
-          <a:stretch>
-            <a:fillRect/>
-          </a:stretch>
-        </p:blipFill>
-        <p:spPr>
-          <a:xfrm>
-            <a:off x="1629916" y="48196"/>
-            <a:ext cx="9666369" cy="6837188"/>
-          </a:xfrm>
-          <a:prstGeom prst="rect">
-            <a:avLst/>
-          </a:prstGeom>
-        </p:spPr>
-      </p:pic>
-      <p:grpSp>
-        <p:nvGrpSpPr>
-          <p:cNvPr id="6" name="组合 5"/>
-          <p:cNvGrpSpPr/>
-          <p:nvPr/>
-        </p:nvGrpSpPr>
-        <p:grpSpPr>
-          <a:xfrm>
-            <a:off x="909836" y="1628800"/>
-            <a:ext cx="648072" cy="3384376"/>
-            <a:chOff x="335360" y="1541026"/>
-            <a:chExt cx="12778331" cy="2324927"/>
-          </a:xfrm>
-        </p:grpSpPr>
-        <p:sp>
-          <p:nvSpPr>
-            <p:cNvPr id="7" name="矩形 6"/>
-            <p:cNvSpPr/>
-            <p:nvPr/>
-          </p:nvSpPr>
-          <p:spPr>
-            <a:xfrm>
-              <a:off x="1755175" y="1590493"/>
-              <a:ext cx="11358516" cy="2275460"/>
-            </a:xfrm>
-            <a:prstGeom prst="rect">
-              <a:avLst/>
-            </a:prstGeom>
-            <a:solidFill>
-              <a:schemeClr val="bg1">
-                <a:lumMod val="85000"/>
-              </a:schemeClr>
-            </a:solidFill>
-            <a:ln>
-              <a:noFill/>
-            </a:ln>
-          </p:spPr>
-          <p:style>
-            <a:lnRef idx="2">
-              <a:schemeClr val="accent1">
-                <a:shade val="50000"/>
-              </a:schemeClr>
-            </a:lnRef>
-            <a:fillRef idx="1">
-              <a:schemeClr val="accent1"/>
-            </a:fillRef>
-            <a:effectRef idx="0">
-              <a:schemeClr val="accent1"/>
-            </a:effectRef>
-            <a:fontRef idx="minor">
-              <a:schemeClr val="lt1"/>
-            </a:fontRef>
-          </p:style>
-          <p:txBody>
-            <a:bodyPr rtlCol="0" anchor="ctr"/>
-            <a:lstStyle/>
-            <a:p>
-              <a:pPr algn="ctr"/>
-              <a:endParaRPr lang="zh-CN" altLang="en-US"/>
-            </a:p>
-          </p:txBody>
-        </p:sp>
-        <p:sp>
-          <p:nvSpPr>
-            <p:cNvPr id="8" name="矩形 7"/>
-            <p:cNvSpPr/>
-            <p:nvPr/>
-          </p:nvSpPr>
-          <p:spPr>
-            <a:xfrm>
-              <a:off x="335360" y="1541026"/>
-              <a:ext cx="11233251" cy="2275460"/>
-            </a:xfrm>
-            <a:prstGeom prst="rect">
-              <a:avLst/>
-            </a:prstGeom>
-            <a:solidFill>
-              <a:srgbClr val="16A287"/>
-            </a:solidFill>
-            <a:ln>
-              <a:noFill/>
-            </a:ln>
-          </p:spPr>
-          <p:style>
-            <a:lnRef idx="2">
-              <a:schemeClr val="accent1">
-                <a:shade val="50000"/>
-              </a:schemeClr>
-            </a:lnRef>
-            <a:fillRef idx="1">
-              <a:schemeClr val="accent1"/>
-            </a:fillRef>
-            <a:effectRef idx="0">
-              <a:schemeClr val="accent1"/>
-            </a:effectRef>
-            <a:fontRef idx="minor">
-              <a:schemeClr val="lt1"/>
-            </a:fontRef>
-          </p:style>
-          <p:txBody>
-            <a:bodyPr rtlCol="0" anchor="ctr"/>
-            <a:lstStyle/>
-            <a:p>
-              <a:r>
-                <a:rPr lang="zh-CN" altLang="en-US" b="1" dirty="0" smtClean="0">
-                  <a:solidFill>
-                    <a:schemeClr val="bg1"/>
-                  </a:solidFill>
-                  <a:latin typeface="微软雅黑" panose="020B0503020204020204" pitchFamily="34" charset="-122"/>
-                  <a:ea typeface="微软雅黑" panose="020B0503020204020204" pitchFamily="34" charset="-122"/>
-                </a:rPr>
-                <a:t>学生上传论文列表</a:t>
-              </a:r>
-              <a:endParaRPr lang="zh-CN" altLang="en-US" b="1" dirty="0">
-                <a:solidFill>
-                  <a:schemeClr val="bg1"/>
-                </a:solidFill>
-                <a:latin typeface="微软雅黑" panose="020B0503020204020204" pitchFamily="34" charset="-122"/>
-                <a:ea typeface="微软雅黑" panose="020B0503020204020204" pitchFamily="34" charset="-122"/>
-              </a:endParaRPr>
-            </a:p>
-          </p:txBody>
-        </p:sp>
-      </p:grpSp>
-    </p:spTree>
-    <p:extLst>
-      <p:ext uri="{BB962C8B-B14F-4D97-AF65-F5344CB8AC3E}">
-        <p14:creationId xmlns:p14="http://schemas.microsoft.com/office/powerpoint/2010/main" val="2336794779"/>
-      </p:ext>
-    </p:extLst>
-  </p:cSld>
-  <p:clrMapOvr>
-    <a:masterClrMapping/>
-  </p:clrMapOvr>
-  <mc:AlternateContent xmlns:mc="http://schemas.openxmlformats.org/markup-compatibility/2006">
-    <mc:Choice xmlns:p14="http://schemas.microsoft.com/office/powerpoint/2010/main" Requires="p14">
-      <p:transition spd="med" p14:dur="700">
-        <p:fade/>
-      </p:transition>
-    </mc:Choice>
-    <mc:Fallback>
       <p:transition spd="med">
         <p:fade/>
       </p:transition>

--- a/doc/my/物理学论文网站的设计与实现.pptx
+++ b/doc/my/物理学论文网站的设计与实现.pptx
@@ -5,28 +5,30 @@
     <p:sldMasterId id="2147483660" r:id="rId2"/>
   </p:sldMasterIdLst>
   <p:notesMasterIdLst>
-    <p:notesMasterId r:id="rId19"/>
+    <p:notesMasterId r:id="rId21"/>
   </p:notesMasterIdLst>
   <p:handoutMasterIdLst>
-    <p:handoutMasterId r:id="rId20"/>
+    <p:handoutMasterId r:id="rId22"/>
   </p:handoutMasterIdLst>
   <p:sldIdLst>
     <p:sldId id="264" r:id="rId3"/>
     <p:sldId id="290" r:id="rId4"/>
     <p:sldId id="276" r:id="rId5"/>
     <p:sldId id="281" r:id="rId6"/>
-    <p:sldId id="277" r:id="rId7"/>
-    <p:sldId id="278" r:id="rId8"/>
+    <p:sldId id="291" r:id="rId7"/>
+    <p:sldId id="277" r:id="rId8"/>
     <p:sldId id="284" r:id="rId9"/>
-    <p:sldId id="287" r:id="rId10"/>
-    <p:sldId id="282" r:id="rId11"/>
+    <p:sldId id="292" r:id="rId10"/>
+    <p:sldId id="287" r:id="rId11"/>
     <p:sldId id="285" r:id="rId12"/>
-    <p:sldId id="286" r:id="rId13"/>
-    <p:sldId id="289" r:id="rId14"/>
-    <p:sldId id="288" r:id="rId15"/>
-    <p:sldId id="283" r:id="rId16"/>
-    <p:sldId id="279" r:id="rId17"/>
-    <p:sldId id="266" r:id="rId18"/>
+    <p:sldId id="278" r:id="rId13"/>
+    <p:sldId id="282" r:id="rId14"/>
+    <p:sldId id="286" r:id="rId15"/>
+    <p:sldId id="289" r:id="rId16"/>
+    <p:sldId id="288" r:id="rId17"/>
+    <p:sldId id="283" r:id="rId18"/>
+    <p:sldId id="279" r:id="rId19"/>
+    <p:sldId id="266" r:id="rId20"/>
   </p:sldIdLst>
   <p:sldSz cx="12188825" cy="6858000"/>
   <p:notesSz cx="6858000" cy="9144000"/>
@@ -14702,6 +14704,452 @@
           <a:chExt cx="0" cy="0"/>
         </a:xfrm>
       </p:grpSpPr>
+      <p:sp>
+        <p:nvSpPr>
+          <p:cNvPr id="2" name="标题 1"/>
+          <p:cNvSpPr>
+            <a:spLocks noGrp="1"/>
+          </p:cNvSpPr>
+          <p:nvPr>
+            <p:ph type="title"/>
+          </p:nvPr>
+        </p:nvSpPr>
+        <p:spPr>
+          <a:xfrm>
+            <a:off x="1053852" y="7766"/>
+            <a:ext cx="10157354" cy="972961"/>
+          </a:xfrm>
+        </p:spPr>
+        <p:txBody>
+          <a:bodyPr/>
+          <a:lstStyle/>
+          <a:p>
+            <a:r>
+              <a:rPr lang="zh-CN" altLang="en-US" b="1" dirty="0"/>
+              <a:t>论文管理系统介绍</a:t>
+            </a:r>
+            <a:endParaRPr lang="zh-CN" altLang="en-US" b="1" dirty="0"/>
+          </a:p>
+        </p:txBody>
+      </p:sp>
+      <p:graphicFrame>
+        <p:nvGraphicFramePr>
+          <p:cNvPr id="8" name="图示 7"/>
+          <p:cNvGraphicFramePr/>
+          <p:nvPr>
+            <p:extLst>
+              <p:ext uri="{D42A27DB-BD31-4B8C-83A1-F6EECF244321}">
+                <p14:modId xmlns:p14="http://schemas.microsoft.com/office/powerpoint/2010/main" val="1191994248"/>
+              </p:ext>
+            </p:extLst>
+          </p:nvPr>
+        </p:nvGraphicFramePr>
+        <p:xfrm>
+          <a:off x="1767494" y="1755820"/>
+          <a:ext cx="8856984" cy="4340810"/>
+        </p:xfrm>
+        <a:graphic>
+          <a:graphicData uri="http://schemas.openxmlformats.org/drawingml/2006/diagram">
+            <dgm:relIds xmlns:dgm="http://schemas.openxmlformats.org/drawingml/2006/diagram" xmlns:r="http://schemas.openxmlformats.org/officeDocument/2006/relationships" r:dm="rId2" r:lo="rId3" r:qs="rId4" r:cs="rId5"/>
+          </a:graphicData>
+        </a:graphic>
+      </p:graphicFrame>
+      <p:grpSp>
+        <p:nvGrpSpPr>
+          <p:cNvPr id="9" name="组合 8"/>
+          <p:cNvGrpSpPr/>
+          <p:nvPr/>
+        </p:nvGrpSpPr>
+        <p:grpSpPr>
+          <a:xfrm>
+            <a:off x="909836" y="1628800"/>
+            <a:ext cx="2736304" cy="648072"/>
+            <a:chOff x="335360" y="1541026"/>
+            <a:chExt cx="11657424" cy="2131183"/>
+          </a:xfrm>
+        </p:grpSpPr>
+        <p:sp>
+          <p:nvSpPr>
+            <p:cNvPr id="10" name="矩形 9"/>
+            <p:cNvSpPr/>
+            <p:nvPr/>
+          </p:nvSpPr>
+          <p:spPr>
+            <a:xfrm>
+              <a:off x="460630" y="1833961"/>
+              <a:ext cx="11532154" cy="1838248"/>
+            </a:xfrm>
+            <a:prstGeom prst="rect">
+              <a:avLst/>
+            </a:prstGeom>
+            <a:solidFill>
+              <a:schemeClr val="bg1">
+                <a:lumMod val="85000"/>
+              </a:schemeClr>
+            </a:solidFill>
+            <a:ln>
+              <a:noFill/>
+            </a:ln>
+          </p:spPr>
+          <p:style>
+            <a:lnRef idx="2">
+              <a:schemeClr val="accent1">
+                <a:shade val="50000"/>
+              </a:schemeClr>
+            </a:lnRef>
+            <a:fillRef idx="1">
+              <a:schemeClr val="accent1"/>
+            </a:fillRef>
+            <a:effectRef idx="0">
+              <a:schemeClr val="accent1"/>
+            </a:effectRef>
+            <a:fontRef idx="minor">
+              <a:schemeClr val="lt1"/>
+            </a:fontRef>
+          </p:style>
+          <p:txBody>
+            <a:bodyPr rtlCol="0" anchor="ctr"/>
+            <a:lstStyle/>
+            <a:p>
+              <a:pPr algn="ctr"/>
+              <a:endParaRPr lang="zh-CN" altLang="en-US"/>
+            </a:p>
+          </p:txBody>
+        </p:sp>
+        <p:sp>
+          <p:nvSpPr>
+            <p:cNvPr id="11" name="矩形 10"/>
+            <p:cNvSpPr/>
+            <p:nvPr/>
+          </p:nvSpPr>
+          <p:spPr>
+            <a:xfrm>
+              <a:off x="335360" y="1541026"/>
+              <a:ext cx="11358516" cy="1937436"/>
+            </a:xfrm>
+            <a:prstGeom prst="rect">
+              <a:avLst/>
+            </a:prstGeom>
+            <a:solidFill>
+              <a:srgbClr val="16A287"/>
+            </a:solidFill>
+            <a:ln>
+              <a:noFill/>
+            </a:ln>
+          </p:spPr>
+          <p:style>
+            <a:lnRef idx="2">
+              <a:schemeClr val="accent1">
+                <a:shade val="50000"/>
+              </a:schemeClr>
+            </a:lnRef>
+            <a:fillRef idx="1">
+              <a:schemeClr val="accent1"/>
+            </a:fillRef>
+            <a:effectRef idx="0">
+              <a:schemeClr val="accent1"/>
+            </a:effectRef>
+            <a:fontRef idx="minor">
+              <a:schemeClr val="lt1"/>
+            </a:fontRef>
+          </p:style>
+          <p:txBody>
+            <a:bodyPr rtlCol="0" anchor="ctr"/>
+            <a:lstStyle/>
+            <a:p>
+              <a:r>
+                <a:rPr lang="zh-CN" altLang="en-US" b="1" dirty="0" smtClean="0">
+                  <a:solidFill>
+                    <a:schemeClr val="bg1"/>
+                  </a:solidFill>
+                  <a:latin typeface="微软雅黑" panose="020B0503020204020204" pitchFamily="34" charset="-122"/>
+                  <a:ea typeface="微软雅黑" panose="020B0503020204020204" pitchFamily="34" charset="-122"/>
+                </a:rPr>
+                <a:t>论文上传基本步骤</a:t>
+              </a:r>
+              <a:endParaRPr lang="zh-CN" altLang="en-US" b="1" dirty="0">
+                <a:solidFill>
+                  <a:schemeClr val="bg1"/>
+                </a:solidFill>
+                <a:latin typeface="微软雅黑" panose="020B0503020204020204" pitchFamily="34" charset="-122"/>
+                <a:ea typeface="微软雅黑" panose="020B0503020204020204" pitchFamily="34" charset="-122"/>
+              </a:endParaRPr>
+            </a:p>
+          </p:txBody>
+        </p:sp>
+      </p:grpSp>
+    </p:spTree>
+    <p:extLst>
+      <p:ext uri="{BB962C8B-B14F-4D97-AF65-F5344CB8AC3E}">
+        <p14:creationId xmlns:p14="http://schemas.microsoft.com/office/powerpoint/2010/main" val="6860444"/>
+      </p:ext>
+    </p:extLst>
+  </p:cSld>
+  <p:clrMapOvr>
+    <a:masterClrMapping/>
+  </p:clrMapOvr>
+  <mc:AlternateContent xmlns:mc="http://schemas.openxmlformats.org/markup-compatibility/2006" xmlns:p14="http://schemas.microsoft.com/office/powerpoint/2010/main">
+    <mc:Choice Requires="p14">
+      <p:transition spd="med" p14:dur="700">
+        <p:fade/>
+      </p:transition>
+    </mc:Choice>
+    <mc:Fallback xmlns="">
+      <p:transition spd="med">
+        <p:fade/>
+      </p:transition>
+    </mc:Fallback>
+  </mc:AlternateContent>
+  <p:timing>
+    <p:tnLst>
+      <p:par>
+        <p:cTn id="1" dur="indefinite" restart="never" nodeType="tmRoot"/>
+      </p:par>
+    </p:tnLst>
+  </p:timing>
+</p:sld>
+</file>
+
+<file path=ppt/slides/slide12.xml><?xml version="1.0" encoding="utf-8"?>
+<p:sld xmlns:a="http://schemas.openxmlformats.org/drawingml/2006/main" xmlns:r="http://schemas.openxmlformats.org/officeDocument/2006/relationships" xmlns:p="http://schemas.openxmlformats.org/presentationml/2006/main">
+  <p:cSld>
+    <p:spTree>
+      <p:nvGrpSpPr>
+        <p:cNvPr id="1" name=""/>
+        <p:cNvGrpSpPr/>
+        <p:nvPr/>
+      </p:nvGrpSpPr>
+      <p:grpSpPr>
+        <a:xfrm>
+          <a:off x="0" y="0"/>
+          <a:ext cx="0" cy="0"/>
+          <a:chOff x="0" y="0"/>
+          <a:chExt cx="0" cy="0"/>
+        </a:xfrm>
+      </p:grpSpPr>
+      <p:sp>
+        <p:nvSpPr>
+          <p:cNvPr id="2" name="标题 1"/>
+          <p:cNvSpPr>
+            <a:spLocks noGrp="1"/>
+          </p:cNvSpPr>
+          <p:nvPr>
+            <p:ph type="title"/>
+          </p:nvPr>
+        </p:nvSpPr>
+        <p:spPr>
+          <a:xfrm>
+            <a:off x="1117309" y="76200"/>
+            <a:ext cx="10157354" cy="832520"/>
+          </a:xfrm>
+        </p:spPr>
+        <p:txBody>
+          <a:bodyPr/>
+          <a:lstStyle/>
+          <a:p>
+            <a:r>
+              <a:rPr lang="zh-CN" altLang="en-US" b="1" dirty="0"/>
+              <a:t>论文管理系统介绍</a:t>
+            </a:r>
+            <a:endParaRPr lang="zh-CN" altLang="en-US" b="1" dirty="0"/>
+          </a:p>
+        </p:txBody>
+      </p:sp>
+      <p:grpSp>
+        <p:nvGrpSpPr>
+          <p:cNvPr id="5" name="组合 4"/>
+          <p:cNvGrpSpPr/>
+          <p:nvPr/>
+        </p:nvGrpSpPr>
+        <p:grpSpPr>
+          <a:xfrm>
+            <a:off x="909836" y="1628801"/>
+            <a:ext cx="1656184" cy="792087"/>
+            <a:chOff x="335360" y="1541028"/>
+            <a:chExt cx="11874812" cy="2158859"/>
+          </a:xfrm>
+        </p:grpSpPr>
+        <p:sp>
+          <p:nvSpPr>
+            <p:cNvPr id="6" name="矩形 5"/>
+            <p:cNvSpPr/>
+            <p:nvPr/>
+          </p:nvSpPr>
+          <p:spPr>
+            <a:xfrm>
+              <a:off x="460627" y="1833962"/>
+              <a:ext cx="11749545" cy="1865925"/>
+            </a:xfrm>
+            <a:prstGeom prst="rect">
+              <a:avLst/>
+            </a:prstGeom>
+            <a:solidFill>
+              <a:schemeClr val="bg1">
+                <a:lumMod val="85000"/>
+              </a:schemeClr>
+            </a:solidFill>
+            <a:ln>
+              <a:noFill/>
+            </a:ln>
+          </p:spPr>
+          <p:style>
+            <a:lnRef idx="2">
+              <a:schemeClr val="accent1">
+                <a:shade val="50000"/>
+              </a:schemeClr>
+            </a:lnRef>
+            <a:fillRef idx="1">
+              <a:schemeClr val="accent1"/>
+            </a:fillRef>
+            <a:effectRef idx="0">
+              <a:schemeClr val="accent1"/>
+            </a:effectRef>
+            <a:fontRef idx="minor">
+              <a:schemeClr val="lt1"/>
+            </a:fontRef>
+          </p:style>
+          <p:txBody>
+            <a:bodyPr rtlCol="0" anchor="ctr"/>
+            <a:lstStyle/>
+            <a:p>
+              <a:pPr algn="ctr"/>
+              <a:endParaRPr lang="zh-CN" altLang="en-US"/>
+            </a:p>
+          </p:txBody>
+        </p:sp>
+        <p:sp>
+          <p:nvSpPr>
+            <p:cNvPr id="7" name="矩形 6"/>
+            <p:cNvSpPr/>
+            <p:nvPr/>
+          </p:nvSpPr>
+          <p:spPr>
+            <a:xfrm>
+              <a:off x="335360" y="1541028"/>
+              <a:ext cx="11233249" cy="1992795"/>
+            </a:xfrm>
+            <a:prstGeom prst="rect">
+              <a:avLst/>
+            </a:prstGeom>
+            <a:solidFill>
+              <a:srgbClr val="16A287"/>
+            </a:solidFill>
+            <a:ln>
+              <a:noFill/>
+            </a:ln>
+          </p:spPr>
+          <p:style>
+            <a:lnRef idx="2">
+              <a:schemeClr val="accent1">
+                <a:shade val="50000"/>
+              </a:schemeClr>
+            </a:lnRef>
+            <a:fillRef idx="1">
+              <a:schemeClr val="accent1"/>
+            </a:fillRef>
+            <a:effectRef idx="0">
+              <a:schemeClr val="accent1"/>
+            </a:effectRef>
+            <a:fontRef idx="minor">
+              <a:schemeClr val="lt1"/>
+            </a:fontRef>
+          </p:style>
+          <p:txBody>
+            <a:bodyPr rtlCol="0" anchor="ctr"/>
+            <a:lstStyle/>
+            <a:p>
+              <a:r>
+                <a:rPr lang="zh-CN" altLang="en-US" b="1" dirty="0" smtClean="0">
+                  <a:solidFill>
+                    <a:schemeClr val="bg1"/>
+                  </a:solidFill>
+                  <a:latin typeface="微软雅黑" panose="020B0503020204020204" pitchFamily="34" charset="-122"/>
+                  <a:ea typeface="微软雅黑" panose="020B0503020204020204" pitchFamily="34" charset="-122"/>
+                </a:rPr>
+                <a:t>论文预览</a:t>
+              </a:r>
+              <a:endParaRPr lang="zh-CN" altLang="en-US" b="1" dirty="0">
+                <a:solidFill>
+                  <a:schemeClr val="bg1"/>
+                </a:solidFill>
+                <a:latin typeface="微软雅黑" panose="020B0503020204020204" pitchFamily="34" charset="-122"/>
+                <a:ea typeface="微软雅黑" panose="020B0503020204020204" pitchFamily="34" charset="-122"/>
+              </a:endParaRPr>
+            </a:p>
+          </p:txBody>
+        </p:sp>
+      </p:grpSp>
+      <p:graphicFrame>
+        <p:nvGraphicFramePr>
+          <p:cNvPr id="11" name="图示 10"/>
+          <p:cNvGraphicFramePr/>
+          <p:nvPr>
+            <p:extLst>
+              <p:ext uri="{D42A27DB-BD31-4B8C-83A1-F6EECF244321}">
+                <p14:modId xmlns:p14="http://schemas.microsoft.com/office/powerpoint/2010/main" val="73652311"/>
+              </p:ext>
+            </p:extLst>
+          </p:nvPr>
+        </p:nvGraphicFramePr>
+        <p:xfrm>
+          <a:off x="2031471" y="720372"/>
+          <a:ext cx="8125883" cy="5417256"/>
+        </p:xfrm>
+        <a:graphic>
+          <a:graphicData uri="http://schemas.openxmlformats.org/drawingml/2006/diagram">
+            <dgm:relIds xmlns:dgm="http://schemas.openxmlformats.org/drawingml/2006/diagram" xmlns:r="http://schemas.openxmlformats.org/officeDocument/2006/relationships" r:dm="rId2" r:lo="rId3" r:qs="rId4" r:cs="rId5"/>
+          </a:graphicData>
+        </a:graphic>
+      </p:graphicFrame>
+    </p:spTree>
+    <p:extLst>
+      <p:ext uri="{BB962C8B-B14F-4D97-AF65-F5344CB8AC3E}">
+        <p14:creationId xmlns:p14="http://schemas.microsoft.com/office/powerpoint/2010/main" val="190870557"/>
+      </p:ext>
+    </p:extLst>
+  </p:cSld>
+  <p:clrMapOvr>
+    <a:masterClrMapping/>
+  </p:clrMapOvr>
+  <mc:AlternateContent xmlns:mc="http://schemas.openxmlformats.org/markup-compatibility/2006" xmlns:p14="http://schemas.microsoft.com/office/powerpoint/2010/main">
+    <mc:Choice Requires="p14">
+      <p:transition spd="med" p14:dur="700">
+        <p:fade/>
+      </p:transition>
+    </mc:Choice>
+    <mc:Fallback xmlns="">
+      <p:transition spd="med">
+        <p:fade/>
+      </p:transition>
+    </mc:Fallback>
+  </mc:AlternateContent>
+  <p:timing>
+    <p:tnLst>
+      <p:par>
+        <p:cTn id="1" dur="indefinite" restart="never" nodeType="tmRoot"/>
+      </p:par>
+    </p:tnLst>
+  </p:timing>
+</p:sld>
+</file>
+
+<file path=ppt/slides/slide13.xml><?xml version="1.0" encoding="utf-8"?>
+<p:sld xmlns:a="http://schemas.openxmlformats.org/drawingml/2006/main" xmlns:r="http://schemas.openxmlformats.org/officeDocument/2006/relationships" xmlns:p="http://schemas.openxmlformats.org/presentationml/2006/main">
+  <p:cSld>
+    <p:spTree>
+      <p:nvGrpSpPr>
+        <p:cNvPr id="1" name=""/>
+        <p:cNvGrpSpPr/>
+        <p:nvPr/>
+      </p:nvGrpSpPr>
+      <p:grpSpPr>
+        <a:xfrm>
+          <a:off x="0" y="0"/>
+          <a:ext cx="0" cy="0"/>
+          <a:chOff x="0" y="0"/>
+          <a:chExt cx="0" cy="0"/>
+        </a:xfrm>
+      </p:grpSpPr>
       <p:pic>
         <p:nvPicPr>
           <p:cNvPr id="6" name="图片 5"/>
@@ -14867,7 +15315,7 @@
 </p:sld>
 </file>
 
-<file path=ppt/slides/slide12.xml><?xml version="1.0" encoding="utf-8"?>
+<file path=ppt/slides/slide14.xml><?xml version="1.0" encoding="utf-8"?>
 <p:sld xmlns:a="http://schemas.openxmlformats.org/drawingml/2006/main" xmlns:r="http://schemas.openxmlformats.org/officeDocument/2006/relationships" xmlns:p="http://schemas.openxmlformats.org/presentationml/2006/main">
   <p:cSld>
     <p:spTree>
@@ -15032,6 +15480,34 @@
           </p:txBody>
         </p:sp>
       </p:grpSp>
+      <p:sp>
+        <p:nvSpPr>
+          <p:cNvPr id="9" name="标题 1"/>
+          <p:cNvSpPr>
+            <a:spLocks noGrp="1"/>
+          </p:cNvSpPr>
+          <p:nvPr>
+            <p:ph type="title"/>
+          </p:nvPr>
+        </p:nvSpPr>
+        <p:spPr>
+          <a:xfrm>
+            <a:off x="963023" y="116632"/>
+            <a:ext cx="10157354" cy="972961"/>
+          </a:xfrm>
+        </p:spPr>
+        <p:txBody>
+          <a:bodyPr/>
+          <a:lstStyle/>
+          <a:p>
+            <a:r>
+              <a:rPr lang="zh-CN" altLang="en-US" b="1" dirty="0"/>
+              <a:t>论文管理系统介绍</a:t>
+            </a:r>
+            <a:endParaRPr lang="zh-CN" altLang="en-US" b="1" dirty="0"/>
+          </a:p>
+        </p:txBody>
+      </p:sp>
     </p:spTree>
     <p:extLst>
       <p:ext uri="{BB962C8B-B14F-4D97-AF65-F5344CB8AC3E}">
@@ -15064,7 +15540,7 @@
 </p:sld>
 </file>
 
-<file path=ppt/slides/slide13.xml><?xml version="1.0" encoding="utf-8"?>
+<file path=ppt/slides/slide15.xml><?xml version="1.0" encoding="utf-8"?>
 <p:sld xmlns:a="http://schemas.openxmlformats.org/drawingml/2006/main" xmlns:r="http://schemas.openxmlformats.org/officeDocument/2006/relationships" xmlns:p="http://schemas.openxmlformats.org/presentationml/2006/main">
   <p:cSld>
     <p:spTree>
@@ -15097,7 +15573,7 @@
         </p:blipFill>
         <p:spPr>
           <a:xfrm>
-            <a:off x="1701924" y="737790"/>
+            <a:off x="1629916" y="1412776"/>
             <a:ext cx="9563100" cy="5172075"/>
           </a:xfrm>
           <a:prstGeom prst="rect">
@@ -15229,6 +15705,34 @@
           </p:txBody>
         </p:sp>
       </p:grpSp>
+      <p:sp>
+        <p:nvSpPr>
+          <p:cNvPr id="9" name="标题 1"/>
+          <p:cNvSpPr>
+            <a:spLocks noGrp="1"/>
+          </p:cNvSpPr>
+          <p:nvPr>
+            <p:ph type="title"/>
+          </p:nvPr>
+        </p:nvSpPr>
+        <p:spPr>
+          <a:xfrm>
+            <a:off x="765820" y="116632"/>
+            <a:ext cx="10157354" cy="972961"/>
+          </a:xfrm>
+        </p:spPr>
+        <p:txBody>
+          <a:bodyPr/>
+          <a:lstStyle/>
+          <a:p>
+            <a:r>
+              <a:rPr lang="zh-CN" altLang="en-US" b="1" dirty="0"/>
+              <a:t>论文管理系统介绍</a:t>
+            </a:r>
+            <a:endParaRPr lang="zh-CN" altLang="en-US" b="1" dirty="0"/>
+          </a:p>
+        </p:txBody>
+      </p:sp>
     </p:spTree>
     <p:extLst>
       <p:ext uri="{BB962C8B-B14F-4D97-AF65-F5344CB8AC3E}">
@@ -15261,7 +15765,7 @@
 </p:sld>
 </file>
 
-<file path=ppt/slides/slide14.xml><?xml version="1.0" encoding="utf-8"?>
+<file path=ppt/slides/slide16.xml><?xml version="1.0" encoding="utf-8"?>
 <p:sld xmlns:a="http://schemas.openxmlformats.org/drawingml/2006/main" xmlns:r="http://schemas.openxmlformats.org/officeDocument/2006/relationships" xmlns:p="http://schemas.openxmlformats.org/presentationml/2006/main">
   <p:cSld>
     <p:spTree>
@@ -16070,7 +16574,7 @@
 </p:sld>
 </file>
 
-<file path=ppt/slides/slide15.xml><?xml version="1.0" encoding="utf-8"?>
+<file path=ppt/slides/slide17.xml><?xml version="1.0" encoding="utf-8"?>
 <p:sld xmlns:a="http://schemas.openxmlformats.org/drawingml/2006/main" xmlns:r="http://schemas.openxmlformats.org/officeDocument/2006/relationships" xmlns:p="http://schemas.openxmlformats.org/presentationml/2006/main">
   <p:cSld>
     <p:spTree>
@@ -17733,7 +18237,7 @@
 </p:sld>
 </file>
 
-<file path=ppt/slides/slide16.xml><?xml version="1.0" encoding="utf-8"?>
+<file path=ppt/slides/slide18.xml><?xml version="1.0" encoding="utf-8"?>
 <p:sld xmlns:a="http://schemas.openxmlformats.org/drawingml/2006/main" xmlns:r="http://schemas.openxmlformats.org/officeDocument/2006/relationships" xmlns:p="http://schemas.openxmlformats.org/presentationml/2006/main">
   <p:cSld>
     <p:spTree>
@@ -18044,13 +18548,13 @@
   <p:clrMapOvr>
     <a:masterClrMapping/>
   </p:clrMapOvr>
-  <mc:AlternateContent xmlns:mc="http://schemas.openxmlformats.org/markup-compatibility/2006">
-    <mc:Choice xmlns:p14="http://schemas.microsoft.com/office/powerpoint/2010/main" Requires="p14">
+  <mc:AlternateContent xmlns:mc="http://schemas.openxmlformats.org/markup-compatibility/2006" xmlns:p14="http://schemas.microsoft.com/office/powerpoint/2010/main">
+    <mc:Choice Requires="p14">
       <p:transition spd="med" p14:dur="700">
         <p:fade/>
       </p:transition>
     </mc:Choice>
-    <mc:Fallback>
+    <mc:Fallback xmlns="">
       <p:transition spd="med">
         <p:fade/>
       </p:transition>
@@ -18472,7 +18976,7 @@
         <p:spPr>
           <a:xfrm>
             <a:off x="6312024" y="3245503"/>
-            <a:ext cx="2990238" cy="523220"/>
+            <a:ext cx="3382788" cy="523220"/>
           </a:xfrm>
           <a:prstGeom prst="rect">
             <a:avLst/>
@@ -18490,7 +18994,7 @@
                 <a:latin typeface="微软雅黑" panose="020B0503020204020204" pitchFamily="34" charset="-122"/>
                 <a:ea typeface="微软雅黑" panose="020B0503020204020204" pitchFamily="34" charset="-122"/>
               </a:rPr>
-              <a:t>系统简介</a:t>
+              <a:t>论文管理系统介绍</a:t>
             </a:r>
             <a:endParaRPr lang="zh-CN" altLang="en-US" sz="2800" b="1" dirty="0">
               <a:latin typeface="微软雅黑" panose="020B0503020204020204" pitchFamily="34" charset="-122"/>
@@ -18583,7 +19087,21 @@
                 <a:latin typeface="微软雅黑" panose="020B0503020204020204" pitchFamily="34" charset="-122"/>
                 <a:ea typeface="微软雅黑" panose="020B0503020204020204" pitchFamily="34" charset="-122"/>
               </a:rPr>
-              <a:t>研究不足与展望</a:t>
+              <a:t>系统</a:t>
+            </a:r>
+            <a:r>
+              <a:rPr lang="zh-CN" altLang="en-US" sz="2800" b="1" dirty="0" smtClean="0">
+                <a:latin typeface="微软雅黑" panose="020B0503020204020204" pitchFamily="34" charset="-122"/>
+                <a:ea typeface="微软雅黑" panose="020B0503020204020204" pitchFamily="34" charset="-122"/>
+              </a:rPr>
+              <a:t>不足</a:t>
+            </a:r>
+            <a:r>
+              <a:rPr lang="zh-CN" altLang="en-US" sz="2800" b="1" dirty="0">
+                <a:latin typeface="微软雅黑" panose="020B0503020204020204" pitchFamily="34" charset="-122"/>
+                <a:ea typeface="微软雅黑" panose="020B0503020204020204" pitchFamily="34" charset="-122"/>
+              </a:rPr>
+              <a:t>与展望</a:t>
             </a:r>
           </a:p>
         </p:txBody>
@@ -18597,7 +19115,7 @@
         <p:spPr>
           <a:xfrm>
             <a:off x="6312023" y="4008420"/>
-            <a:ext cx="2990239" cy="523220"/>
+            <a:ext cx="3742829" cy="523220"/>
           </a:xfrm>
           <a:prstGeom prst="rect">
             <a:avLst/>
@@ -18611,11 +19129,11 @@
           <a:lstStyle/>
           <a:p>
             <a:r>
-              <a:rPr lang="zh-CN" altLang="en-US" sz="2800" b="1" dirty="0" smtClean="0">
+              <a:rPr lang="zh-CN" altLang="en-US" sz="2800" b="1" dirty="0">
                 <a:latin typeface="微软雅黑" panose="020B0503020204020204" pitchFamily="34" charset="-122"/>
                 <a:ea typeface="微软雅黑" panose="020B0503020204020204" pitchFamily="34" charset="-122"/>
               </a:rPr>
-              <a:t>系统功能</a:t>
+              <a:t>论文管理系统功能</a:t>
             </a:r>
             <a:endParaRPr lang="zh-CN" altLang="en-US" sz="2800" b="1" dirty="0">
               <a:latin typeface="微软雅黑" panose="020B0503020204020204" pitchFamily="34" charset="-122"/>
@@ -21033,6 +21551,157 @@
         </p:nvSpPr>
         <p:spPr>
           <a:xfrm>
+            <a:off x="837828" y="188640"/>
+            <a:ext cx="10157354" cy="792088"/>
+          </a:xfrm>
+        </p:spPr>
+        <p:txBody>
+          <a:bodyPr>
+            <a:normAutofit/>
+          </a:bodyPr>
+          <a:lstStyle/>
+          <a:p>
+            <a:r>
+              <a:rPr lang="zh-CN" altLang="en-US" b="1" dirty="0"/>
+              <a:t>论文管理系统</a:t>
+            </a:r>
+            <a:r>
+              <a:rPr lang="zh-CN" altLang="en-US" b="1" dirty="0" smtClean="0"/>
+              <a:t>介绍</a:t>
+            </a:r>
+            <a:endParaRPr lang="zh-CN" altLang="en-US" dirty="0"/>
+          </a:p>
+        </p:txBody>
+      </p:sp>
+      <p:sp>
+        <p:nvSpPr>
+          <p:cNvPr id="3" name="文本框 2"/>
+          <p:cNvSpPr txBox="1"/>
+          <p:nvPr/>
+        </p:nvSpPr>
+        <p:spPr>
+          <a:xfrm>
+            <a:off x="1091969" y="2204864"/>
+            <a:ext cx="9649072" cy="2548390"/>
+          </a:xfrm>
+          <a:prstGeom prst="rect">
+            <a:avLst/>
+          </a:prstGeom>
+          <a:noFill/>
+        </p:spPr>
+        <p:txBody>
+          <a:bodyPr wrap="square" rtlCol="0">
+            <a:spAutoFit/>
+          </a:bodyPr>
+          <a:lstStyle/>
+          <a:p>
+            <a:pPr>
+              <a:lnSpc>
+                <a:spcPct val="95000"/>
+              </a:lnSpc>
+            </a:pPr>
+            <a:r>
+              <a:rPr lang="zh-CN" altLang="en-US" dirty="0" smtClean="0"/>
+              <a:t>        物理论文管理系统是主要用户为学生，教师和管理员</a:t>
+            </a:r>
+            <a:endParaRPr lang="en-US" altLang="zh-CN" dirty="0" smtClean="0"/>
+          </a:p>
+          <a:p>
+            <a:pPr>
+              <a:lnSpc>
+                <a:spcPct val="95000"/>
+              </a:lnSpc>
+            </a:pPr>
+            <a:r>
+              <a:rPr lang="en-US" altLang="zh-CN" dirty="0" smtClean="0"/>
+              <a:t>        </a:t>
+            </a:r>
+            <a:r>
+              <a:rPr lang="zh-CN" altLang="zh-CN" dirty="0" smtClean="0"/>
+              <a:t>主要</a:t>
+            </a:r>
+            <a:r>
+              <a:rPr lang="zh-CN" altLang="zh-CN" dirty="0"/>
+              <a:t>实现以下功能点：用户登录，用户发布或者查看新闻通知，教师提交或者查看论文选题，学生根据选题提交论文资料（包括各个阶段的文档资料），用户查看自己论文的提交记录及成绩，用户在线预览论文资料，教师评阅学生论文，管理员维护论文</a:t>
+            </a:r>
+            <a:r>
+              <a:rPr lang="zh-CN" altLang="zh-CN" dirty="0" smtClean="0"/>
+              <a:t>资料</a:t>
+            </a:r>
+            <a:endParaRPr lang="en-US" altLang="zh-CN" dirty="0" smtClean="0"/>
+          </a:p>
+          <a:p>
+            <a:pPr>
+              <a:lnSpc>
+                <a:spcPct val="95000"/>
+              </a:lnSpc>
+            </a:pPr>
+            <a:r>
+              <a:rPr lang="en-US" altLang="zh-CN" dirty="0" smtClean="0"/>
+              <a:t>         </a:t>
+            </a:r>
+            <a:r>
+              <a:rPr lang="zh-CN" altLang="en-US" dirty="0" smtClean="0"/>
+              <a:t>主要操作方式为：通过浏览器与系统进行交互，可以随时随地的进行系统操作。</a:t>
+            </a:r>
+            <a:endParaRPr lang="en-US" altLang="zh-CN" dirty="0" smtClean="0"/>
+          </a:p>
+        </p:txBody>
+      </p:sp>
+    </p:spTree>
+    <p:extLst>
+      <p:ext uri="{BB962C8B-B14F-4D97-AF65-F5344CB8AC3E}">
+        <p14:creationId xmlns:p14="http://schemas.microsoft.com/office/powerpoint/2010/main" val="1442333603"/>
+      </p:ext>
+    </p:extLst>
+  </p:cSld>
+  <p:clrMapOvr>
+    <a:masterClrMapping/>
+  </p:clrMapOvr>
+  <mc:AlternateContent xmlns:mc="http://schemas.openxmlformats.org/markup-compatibility/2006">
+    <mc:Choice xmlns:p14="http://schemas.microsoft.com/office/powerpoint/2010/main" Requires="p14">
+      <p:transition spd="med" p14:dur="700">
+        <p:fade/>
+      </p:transition>
+    </mc:Choice>
+    <mc:Fallback>
+      <p:transition spd="med">
+        <p:fade/>
+      </p:transition>
+    </mc:Fallback>
+  </mc:AlternateContent>
+</p:sld>
+</file>
+
+<file path=ppt/slides/slide6.xml><?xml version="1.0" encoding="utf-8"?>
+<p:sld xmlns:a="http://schemas.openxmlformats.org/drawingml/2006/main" xmlns:r="http://schemas.openxmlformats.org/officeDocument/2006/relationships" xmlns:p="http://schemas.openxmlformats.org/presentationml/2006/main">
+  <p:cSld>
+    <p:spTree>
+      <p:nvGrpSpPr>
+        <p:cNvPr id="1" name=""/>
+        <p:cNvGrpSpPr/>
+        <p:nvPr/>
+      </p:nvGrpSpPr>
+      <p:grpSpPr>
+        <a:xfrm>
+          <a:off x="0" y="0"/>
+          <a:ext cx="0" cy="0"/>
+          <a:chOff x="0" y="0"/>
+          <a:chExt cx="0" cy="0"/>
+        </a:xfrm>
+      </p:grpSpPr>
+      <p:sp>
+        <p:nvSpPr>
+          <p:cNvPr id="2" name="标题 1"/>
+          <p:cNvSpPr>
+            <a:spLocks noGrp="1"/>
+          </p:cNvSpPr>
+          <p:nvPr>
+            <p:ph type="title"/>
+          </p:nvPr>
+        </p:nvSpPr>
+        <p:spPr>
+          <a:xfrm>
             <a:off x="1117309" y="76200"/>
             <a:ext cx="10157354" cy="976536"/>
           </a:xfrm>
@@ -21042,10 +21711,10 @@
           <a:lstStyle/>
           <a:p>
             <a:r>
-              <a:rPr lang="zh-CN" altLang="en-US" dirty="0" smtClean="0"/>
-              <a:t>系统简介</a:t>
+              <a:rPr lang="zh-CN" altLang="en-US" b="1" dirty="0"/>
+              <a:t>论文管理系统介绍</a:t>
             </a:r>
-            <a:endParaRPr lang="zh-CN" dirty="0"/>
+            <a:endParaRPr lang="zh-CN" altLang="en-US" b="1" dirty="0"/>
           </a:p>
         </p:txBody>
       </p:sp>
@@ -21241,229 +21910,6 @@
     <p:extLst>
       <p:ext uri="{BB962C8B-B14F-4D97-AF65-F5344CB8AC3E}">
         <p14:creationId xmlns:p14="http://schemas.microsoft.com/office/powerpoint/2010/main" val="2474917317"/>
-      </p:ext>
-    </p:extLst>
-  </p:cSld>
-  <p:clrMapOvr>
-    <a:masterClrMapping/>
-  </p:clrMapOvr>
-  <mc:AlternateContent xmlns:mc="http://schemas.openxmlformats.org/markup-compatibility/2006" xmlns:p14="http://schemas.microsoft.com/office/powerpoint/2010/main">
-    <mc:Choice Requires="p14">
-      <p:transition spd="med" p14:dur="700">
-        <p:fade/>
-      </p:transition>
-    </mc:Choice>
-    <mc:Fallback xmlns="">
-      <p:transition spd="med">
-        <p:fade/>
-      </p:transition>
-    </mc:Fallback>
-  </mc:AlternateContent>
-  <p:timing>
-    <p:tnLst>
-      <p:par>
-        <p:cTn id="1" dur="indefinite" restart="never" nodeType="tmRoot"/>
-      </p:par>
-    </p:tnLst>
-  </p:timing>
-</p:sld>
-</file>
-
-<file path=ppt/slides/slide6.xml><?xml version="1.0" encoding="utf-8"?>
-<p:sld xmlns:a="http://schemas.openxmlformats.org/drawingml/2006/main" xmlns:r="http://schemas.openxmlformats.org/officeDocument/2006/relationships" xmlns:p="http://schemas.openxmlformats.org/presentationml/2006/main">
-  <p:cSld>
-    <p:spTree>
-      <p:nvGrpSpPr>
-        <p:cNvPr id="1" name=""/>
-        <p:cNvGrpSpPr/>
-        <p:nvPr/>
-      </p:nvGrpSpPr>
-      <p:grpSpPr>
-        <a:xfrm>
-          <a:off x="0" y="0"/>
-          <a:ext cx="0" cy="0"/>
-          <a:chOff x="0" y="0"/>
-          <a:chExt cx="0" cy="0"/>
-        </a:xfrm>
-      </p:grpSpPr>
-      <p:sp>
-        <p:nvSpPr>
-          <p:cNvPr id="2" name="标题 1"/>
-          <p:cNvSpPr>
-            <a:spLocks noGrp="1"/>
-          </p:cNvSpPr>
-          <p:nvPr>
-            <p:ph type="title"/>
-          </p:nvPr>
-        </p:nvSpPr>
-        <p:spPr>
-          <a:xfrm>
-            <a:off x="1053852" y="7766"/>
-            <a:ext cx="10157354" cy="972961"/>
-          </a:xfrm>
-        </p:spPr>
-        <p:txBody>
-          <a:bodyPr/>
-          <a:lstStyle/>
-          <a:p>
-            <a:r>
-              <a:rPr lang="zh-CN" altLang="en-US" dirty="0" smtClean="0"/>
-              <a:t>系统功能</a:t>
-            </a:r>
-            <a:endParaRPr lang="zh-CN" dirty="0"/>
-          </a:p>
-        </p:txBody>
-      </p:sp>
-      <p:graphicFrame>
-        <p:nvGraphicFramePr>
-          <p:cNvPr id="8" name="图示 7"/>
-          <p:cNvGraphicFramePr/>
-          <p:nvPr>
-            <p:extLst>
-              <p:ext uri="{D42A27DB-BD31-4B8C-83A1-F6EECF244321}">
-                <p14:modId xmlns:p14="http://schemas.microsoft.com/office/powerpoint/2010/main" val="1191994248"/>
-              </p:ext>
-            </p:extLst>
-          </p:nvPr>
-        </p:nvGraphicFramePr>
-        <p:xfrm>
-          <a:off x="1767494" y="1755820"/>
-          <a:ext cx="8856984" cy="4340810"/>
-        </p:xfrm>
-        <a:graphic>
-          <a:graphicData uri="http://schemas.openxmlformats.org/drawingml/2006/diagram">
-            <dgm:relIds xmlns:dgm="http://schemas.openxmlformats.org/drawingml/2006/diagram" xmlns:r="http://schemas.openxmlformats.org/officeDocument/2006/relationships" r:dm="rId2" r:lo="rId3" r:qs="rId4" r:cs="rId5"/>
-          </a:graphicData>
-        </a:graphic>
-      </p:graphicFrame>
-      <p:grpSp>
-        <p:nvGrpSpPr>
-          <p:cNvPr id="9" name="组合 8"/>
-          <p:cNvGrpSpPr/>
-          <p:nvPr/>
-        </p:nvGrpSpPr>
-        <p:grpSpPr>
-          <a:xfrm>
-            <a:off x="909836" y="1628800"/>
-            <a:ext cx="2736304" cy="648072"/>
-            <a:chOff x="335360" y="1541026"/>
-            <a:chExt cx="11657424" cy="2131183"/>
-          </a:xfrm>
-        </p:grpSpPr>
-        <p:sp>
-          <p:nvSpPr>
-            <p:cNvPr id="10" name="矩形 9"/>
-            <p:cNvSpPr/>
-            <p:nvPr/>
-          </p:nvSpPr>
-          <p:spPr>
-            <a:xfrm>
-              <a:off x="460630" y="1833961"/>
-              <a:ext cx="11532154" cy="1838248"/>
-            </a:xfrm>
-            <a:prstGeom prst="rect">
-              <a:avLst/>
-            </a:prstGeom>
-            <a:solidFill>
-              <a:schemeClr val="bg1">
-                <a:lumMod val="85000"/>
-              </a:schemeClr>
-            </a:solidFill>
-            <a:ln>
-              <a:noFill/>
-            </a:ln>
-          </p:spPr>
-          <p:style>
-            <a:lnRef idx="2">
-              <a:schemeClr val="accent1">
-                <a:shade val="50000"/>
-              </a:schemeClr>
-            </a:lnRef>
-            <a:fillRef idx="1">
-              <a:schemeClr val="accent1"/>
-            </a:fillRef>
-            <a:effectRef idx="0">
-              <a:schemeClr val="accent1"/>
-            </a:effectRef>
-            <a:fontRef idx="minor">
-              <a:schemeClr val="lt1"/>
-            </a:fontRef>
-          </p:style>
-          <p:txBody>
-            <a:bodyPr rtlCol="0" anchor="ctr"/>
-            <a:lstStyle/>
-            <a:p>
-              <a:pPr algn="ctr"/>
-              <a:endParaRPr lang="zh-CN" altLang="en-US"/>
-            </a:p>
-          </p:txBody>
-        </p:sp>
-        <p:sp>
-          <p:nvSpPr>
-            <p:cNvPr id="11" name="矩形 10"/>
-            <p:cNvSpPr/>
-            <p:nvPr/>
-          </p:nvSpPr>
-          <p:spPr>
-            <a:xfrm>
-              <a:off x="335360" y="1541026"/>
-              <a:ext cx="11358516" cy="1937436"/>
-            </a:xfrm>
-            <a:prstGeom prst="rect">
-              <a:avLst/>
-            </a:prstGeom>
-            <a:solidFill>
-              <a:srgbClr val="16A287"/>
-            </a:solidFill>
-            <a:ln>
-              <a:noFill/>
-            </a:ln>
-          </p:spPr>
-          <p:style>
-            <a:lnRef idx="2">
-              <a:schemeClr val="accent1">
-                <a:shade val="50000"/>
-              </a:schemeClr>
-            </a:lnRef>
-            <a:fillRef idx="1">
-              <a:schemeClr val="accent1"/>
-            </a:fillRef>
-            <a:effectRef idx="0">
-              <a:schemeClr val="accent1"/>
-            </a:effectRef>
-            <a:fontRef idx="minor">
-              <a:schemeClr val="lt1"/>
-            </a:fontRef>
-          </p:style>
-          <p:txBody>
-            <a:bodyPr rtlCol="0" anchor="ctr"/>
-            <a:lstStyle/>
-            <a:p>
-              <a:r>
-                <a:rPr lang="zh-CN" altLang="en-US" b="1" dirty="0" smtClean="0">
-                  <a:solidFill>
-                    <a:schemeClr val="bg1"/>
-                  </a:solidFill>
-                  <a:latin typeface="微软雅黑" panose="020B0503020204020204" pitchFamily="34" charset="-122"/>
-                  <a:ea typeface="微软雅黑" panose="020B0503020204020204" pitchFamily="34" charset="-122"/>
-                </a:rPr>
-                <a:t>论文上传基本步骤</a:t>
-              </a:r>
-              <a:endParaRPr lang="zh-CN" altLang="en-US" b="1" dirty="0">
-                <a:solidFill>
-                  <a:schemeClr val="bg1"/>
-                </a:solidFill>
-                <a:latin typeface="微软雅黑" panose="020B0503020204020204" pitchFamily="34" charset="-122"/>
-                <a:ea typeface="微软雅黑" panose="020B0503020204020204" pitchFamily="34" charset="-122"/>
-              </a:endParaRPr>
-            </a:p>
-          </p:txBody>
-        </p:sp>
-      </p:grpSp>
-    </p:spTree>
-    <p:extLst>
-      <p:ext uri="{BB962C8B-B14F-4D97-AF65-F5344CB8AC3E}">
-        <p14:creationId xmlns:p14="http://schemas.microsoft.com/office/powerpoint/2010/main" val="6860444"/>
       </p:ext>
     </p:extLst>
   </p:cSld>
@@ -21706,6 +22152,235 @@
           <a:chExt cx="0" cy="0"/>
         </a:xfrm>
       </p:grpSpPr>
+      <p:sp>
+        <p:nvSpPr>
+          <p:cNvPr id="2" name="标题 1"/>
+          <p:cNvSpPr>
+            <a:spLocks noGrp="1"/>
+          </p:cNvSpPr>
+          <p:nvPr>
+            <p:ph type="title"/>
+          </p:nvPr>
+        </p:nvSpPr>
+        <p:spPr>
+          <a:xfrm>
+            <a:off x="1117309" y="76200"/>
+            <a:ext cx="10157354" cy="832520"/>
+          </a:xfrm>
+        </p:spPr>
+        <p:txBody>
+          <a:bodyPr/>
+          <a:lstStyle/>
+          <a:p>
+            <a:r>
+              <a:rPr lang="zh-CN" altLang="en-US" b="1" dirty="0"/>
+              <a:t>论文管理系统</a:t>
+            </a:r>
+            <a:r>
+              <a:rPr lang="zh-CN" altLang="en-US" b="1" dirty="0" smtClean="0"/>
+              <a:t>介绍</a:t>
+            </a:r>
+            <a:endParaRPr lang="zh-CN" altLang="en-US" dirty="0"/>
+          </a:p>
+        </p:txBody>
+      </p:sp>
+      <p:sp>
+        <p:nvSpPr>
+          <p:cNvPr id="3" name="内容占位符 2"/>
+          <p:cNvSpPr>
+            <a:spLocks noGrp="1"/>
+          </p:cNvSpPr>
+          <p:nvPr>
+            <p:ph idx="1"/>
+          </p:nvPr>
+        </p:nvSpPr>
+        <p:spPr>
+          <a:xfrm>
+            <a:off x="981844" y="2924944"/>
+            <a:ext cx="10157354" cy="1439168"/>
+          </a:xfrm>
+        </p:spPr>
+        <p:txBody>
+          <a:bodyPr/>
+          <a:lstStyle/>
+          <a:p>
+            <a:pPr marL="0" indent="0">
+              <a:buNone/>
+            </a:pPr>
+            <a:r>
+              <a:rPr lang="zh-CN" altLang="en-US" dirty="0" smtClean="0"/>
+              <a:t>论文上传需要学生先选择指导教师，然后系统会自动列举出该指导老师可选的论文列表，选择这两者之后，提交自己的论文，输入关键词，就可以进行上传操作了。</a:t>
+            </a:r>
+            <a:endParaRPr lang="zh-CN" altLang="en-US" dirty="0"/>
+          </a:p>
+        </p:txBody>
+      </p:sp>
+      <p:grpSp>
+        <p:nvGrpSpPr>
+          <p:cNvPr id="4" name="组合 3"/>
+          <p:cNvGrpSpPr/>
+          <p:nvPr/>
+        </p:nvGrpSpPr>
+        <p:grpSpPr>
+          <a:xfrm>
+            <a:off x="837828" y="981224"/>
+            <a:ext cx="2736304" cy="648072"/>
+            <a:chOff x="335360" y="1541026"/>
+            <a:chExt cx="11657424" cy="2131183"/>
+          </a:xfrm>
+        </p:grpSpPr>
+        <p:sp>
+          <p:nvSpPr>
+            <p:cNvPr id="5" name="矩形 4"/>
+            <p:cNvSpPr/>
+            <p:nvPr/>
+          </p:nvSpPr>
+          <p:spPr>
+            <a:xfrm>
+              <a:off x="460630" y="1833961"/>
+              <a:ext cx="11532154" cy="1838248"/>
+            </a:xfrm>
+            <a:prstGeom prst="rect">
+              <a:avLst/>
+            </a:prstGeom>
+            <a:solidFill>
+              <a:schemeClr val="bg1">
+                <a:lumMod val="85000"/>
+              </a:schemeClr>
+            </a:solidFill>
+            <a:ln>
+              <a:noFill/>
+            </a:ln>
+          </p:spPr>
+          <p:style>
+            <a:lnRef idx="2">
+              <a:schemeClr val="accent1">
+                <a:shade val="50000"/>
+              </a:schemeClr>
+            </a:lnRef>
+            <a:fillRef idx="1">
+              <a:schemeClr val="accent1"/>
+            </a:fillRef>
+            <a:effectRef idx="0">
+              <a:schemeClr val="accent1"/>
+            </a:effectRef>
+            <a:fontRef idx="minor">
+              <a:schemeClr val="lt1"/>
+            </a:fontRef>
+          </p:style>
+          <p:txBody>
+            <a:bodyPr rtlCol="0" anchor="ctr"/>
+            <a:lstStyle/>
+            <a:p>
+              <a:pPr algn="ctr"/>
+              <a:endParaRPr lang="zh-CN" altLang="en-US"/>
+            </a:p>
+          </p:txBody>
+        </p:sp>
+        <p:sp>
+          <p:nvSpPr>
+            <p:cNvPr id="6" name="矩形 5"/>
+            <p:cNvSpPr/>
+            <p:nvPr/>
+          </p:nvSpPr>
+          <p:spPr>
+            <a:xfrm>
+              <a:off x="335360" y="1541026"/>
+              <a:ext cx="11358516" cy="1937436"/>
+            </a:xfrm>
+            <a:prstGeom prst="rect">
+              <a:avLst/>
+            </a:prstGeom>
+            <a:solidFill>
+              <a:srgbClr val="16A287"/>
+            </a:solidFill>
+            <a:ln>
+              <a:noFill/>
+            </a:ln>
+          </p:spPr>
+          <p:style>
+            <a:lnRef idx="2">
+              <a:schemeClr val="accent1">
+                <a:shade val="50000"/>
+              </a:schemeClr>
+            </a:lnRef>
+            <a:fillRef idx="1">
+              <a:schemeClr val="accent1"/>
+            </a:fillRef>
+            <a:effectRef idx="0">
+              <a:schemeClr val="accent1"/>
+            </a:effectRef>
+            <a:fontRef idx="minor">
+              <a:schemeClr val="lt1"/>
+            </a:fontRef>
+          </p:style>
+          <p:txBody>
+            <a:bodyPr rtlCol="0" anchor="ctr"/>
+            <a:lstStyle/>
+            <a:p>
+              <a:r>
+                <a:rPr lang="zh-CN" altLang="en-US" b="1" dirty="0" smtClean="0">
+                  <a:solidFill>
+                    <a:schemeClr val="bg1"/>
+                  </a:solidFill>
+                  <a:latin typeface="微软雅黑" panose="020B0503020204020204" pitchFamily="34" charset="-122"/>
+                  <a:ea typeface="微软雅黑" panose="020B0503020204020204" pitchFamily="34" charset="-122"/>
+                </a:rPr>
+                <a:t>论文上传基本步骤</a:t>
+              </a:r>
+              <a:endParaRPr lang="zh-CN" altLang="en-US" b="1" dirty="0">
+                <a:solidFill>
+                  <a:schemeClr val="bg1"/>
+                </a:solidFill>
+                <a:latin typeface="微软雅黑" panose="020B0503020204020204" pitchFamily="34" charset="-122"/>
+                <a:ea typeface="微软雅黑" panose="020B0503020204020204" pitchFamily="34" charset="-122"/>
+              </a:endParaRPr>
+            </a:p>
+          </p:txBody>
+        </p:sp>
+      </p:grpSp>
+    </p:spTree>
+    <p:extLst>
+      <p:ext uri="{BB962C8B-B14F-4D97-AF65-F5344CB8AC3E}">
+        <p14:creationId xmlns:p14="http://schemas.microsoft.com/office/powerpoint/2010/main" val="1173018427"/>
+      </p:ext>
+    </p:extLst>
+  </p:cSld>
+  <p:clrMapOvr>
+    <a:masterClrMapping/>
+  </p:clrMapOvr>
+  <mc:AlternateContent xmlns:mc="http://schemas.openxmlformats.org/markup-compatibility/2006">
+    <mc:Choice xmlns:p14="http://schemas.microsoft.com/office/powerpoint/2010/main" Requires="p14">
+      <p:transition spd="med" p14:dur="700">
+        <p:fade/>
+      </p:transition>
+    </mc:Choice>
+    <mc:Fallback>
+      <p:transition spd="med">
+        <p:fade/>
+      </p:transition>
+    </mc:Fallback>
+  </mc:AlternateContent>
+</p:sld>
+</file>
+
+<file path=ppt/slides/slide9.xml><?xml version="1.0" encoding="utf-8"?>
+<p:sld xmlns:a="http://schemas.openxmlformats.org/drawingml/2006/main" xmlns:r="http://schemas.openxmlformats.org/officeDocument/2006/relationships" xmlns:p="http://schemas.openxmlformats.org/presentationml/2006/main">
+  <p:cSld>
+    <p:spTree>
+      <p:nvGrpSpPr>
+        <p:cNvPr id="1" name=""/>
+        <p:cNvGrpSpPr/>
+        <p:nvPr/>
+      </p:nvGrpSpPr>
+      <p:grpSpPr>
+        <a:xfrm>
+          <a:off x="0" y="0"/>
+          <a:ext cx="0" cy="0"/>
+          <a:chOff x="0" y="0"/>
+          <a:chExt cx="0" cy="0"/>
+        </a:xfrm>
+      </p:grpSpPr>
       <p:pic>
         <p:nvPicPr>
           <p:cNvPr id="6" name="图片 5"/>
@@ -21854,58 +22529,9 @@
           </p:txBody>
         </p:sp>
       </p:grpSp>
-    </p:spTree>
-    <p:extLst>
-      <p:ext uri="{BB962C8B-B14F-4D97-AF65-F5344CB8AC3E}">
-        <p14:creationId xmlns:p14="http://schemas.microsoft.com/office/powerpoint/2010/main" val="529428396"/>
-      </p:ext>
-    </p:extLst>
-  </p:cSld>
-  <p:clrMapOvr>
-    <a:masterClrMapping/>
-  </p:clrMapOvr>
-  <mc:AlternateContent xmlns:mc="http://schemas.openxmlformats.org/markup-compatibility/2006" xmlns:p14="http://schemas.microsoft.com/office/powerpoint/2010/main">
-    <mc:Choice Requires="p14">
-      <p:transition spd="med" p14:dur="700">
-        <p:fade/>
-      </p:transition>
-    </mc:Choice>
-    <mc:Fallback xmlns="">
-      <p:transition spd="med">
-        <p:fade/>
-      </p:transition>
-    </mc:Fallback>
-  </mc:AlternateContent>
-  <p:timing>
-    <p:tnLst>
-      <p:par>
-        <p:cTn id="1" dur="indefinite" restart="never" nodeType="tmRoot"/>
-      </p:par>
-    </p:tnLst>
-  </p:timing>
-</p:sld>
-</file>
-
-<file path=ppt/slides/slide9.xml><?xml version="1.0" encoding="utf-8"?>
-<p:sld xmlns:a="http://schemas.openxmlformats.org/drawingml/2006/main" xmlns:r="http://schemas.openxmlformats.org/officeDocument/2006/relationships" xmlns:p="http://schemas.openxmlformats.org/presentationml/2006/main">
-  <p:cSld>
-    <p:spTree>
-      <p:nvGrpSpPr>
-        <p:cNvPr id="1" name=""/>
-        <p:cNvGrpSpPr/>
-        <p:nvPr/>
-      </p:nvGrpSpPr>
-      <p:grpSpPr>
-        <a:xfrm>
-          <a:off x="0" y="0"/>
-          <a:ext cx="0" cy="0"/>
-          <a:chOff x="0" y="0"/>
-          <a:chExt cx="0" cy="0"/>
-        </a:xfrm>
-      </p:grpSpPr>
       <p:sp>
         <p:nvSpPr>
-          <p:cNvPr id="2" name="标题 1"/>
+          <p:cNvPr id="7" name="标题 1"/>
           <p:cNvSpPr>
             <a:spLocks noGrp="1"/>
           </p:cNvSpPr>
@@ -21915,8 +22541,8 @@
         </p:nvSpPr>
         <p:spPr>
           <a:xfrm>
-            <a:off x="1117309" y="76200"/>
-            <a:ext cx="10157354" cy="832520"/>
+            <a:off x="765820" y="224665"/>
+            <a:ext cx="10157354" cy="972961"/>
           </a:xfrm>
         </p:spPr>
         <p:txBody>
@@ -21924,163 +22550,17 @@
           <a:lstStyle/>
           <a:p>
             <a:r>
-              <a:rPr lang="zh-CN" altLang="en-US" dirty="0" smtClean="0"/>
-              <a:t>系统功能</a:t>
+              <a:rPr lang="zh-CN" altLang="en-US" b="1" dirty="0"/>
+              <a:t>论文管理系统介绍</a:t>
             </a:r>
-            <a:endParaRPr lang="zh-CN" altLang="en-US" dirty="0"/>
+            <a:endParaRPr lang="zh-CN" altLang="en-US" b="1" dirty="0"/>
           </a:p>
         </p:txBody>
       </p:sp>
-      <p:grpSp>
-        <p:nvGrpSpPr>
-          <p:cNvPr id="5" name="组合 4"/>
-          <p:cNvGrpSpPr/>
-          <p:nvPr/>
-        </p:nvGrpSpPr>
-        <p:grpSpPr>
-          <a:xfrm>
-            <a:off x="909836" y="1628801"/>
-            <a:ext cx="1656184" cy="792087"/>
-            <a:chOff x="335360" y="1541028"/>
-            <a:chExt cx="11874812" cy="2158859"/>
-          </a:xfrm>
-        </p:grpSpPr>
-        <p:sp>
-          <p:nvSpPr>
-            <p:cNvPr id="6" name="矩形 5"/>
-            <p:cNvSpPr/>
-            <p:nvPr/>
-          </p:nvSpPr>
-          <p:spPr>
-            <a:xfrm>
-              <a:off x="460627" y="1833962"/>
-              <a:ext cx="11749545" cy="1865925"/>
-            </a:xfrm>
-            <a:prstGeom prst="rect">
-              <a:avLst/>
-            </a:prstGeom>
-            <a:solidFill>
-              <a:schemeClr val="bg1">
-                <a:lumMod val="85000"/>
-              </a:schemeClr>
-            </a:solidFill>
-            <a:ln>
-              <a:noFill/>
-            </a:ln>
-          </p:spPr>
-          <p:style>
-            <a:lnRef idx="2">
-              <a:schemeClr val="accent1">
-                <a:shade val="50000"/>
-              </a:schemeClr>
-            </a:lnRef>
-            <a:fillRef idx="1">
-              <a:schemeClr val="accent1"/>
-            </a:fillRef>
-            <a:effectRef idx="0">
-              <a:schemeClr val="accent1"/>
-            </a:effectRef>
-            <a:fontRef idx="minor">
-              <a:schemeClr val="lt1"/>
-            </a:fontRef>
-          </p:style>
-          <p:txBody>
-            <a:bodyPr rtlCol="0" anchor="ctr"/>
-            <a:lstStyle/>
-            <a:p>
-              <a:pPr algn="ctr"/>
-              <a:endParaRPr lang="zh-CN" altLang="en-US"/>
-            </a:p>
-          </p:txBody>
-        </p:sp>
-        <p:sp>
-          <p:nvSpPr>
-            <p:cNvPr id="7" name="矩形 6"/>
-            <p:cNvSpPr/>
-            <p:nvPr/>
-          </p:nvSpPr>
-          <p:spPr>
-            <a:xfrm>
-              <a:off x="335360" y="1541028"/>
-              <a:ext cx="11233249" cy="1992795"/>
-            </a:xfrm>
-            <a:prstGeom prst="rect">
-              <a:avLst/>
-            </a:prstGeom>
-            <a:solidFill>
-              <a:srgbClr val="16A287"/>
-            </a:solidFill>
-            <a:ln>
-              <a:noFill/>
-            </a:ln>
-          </p:spPr>
-          <p:style>
-            <a:lnRef idx="2">
-              <a:schemeClr val="accent1">
-                <a:shade val="50000"/>
-              </a:schemeClr>
-            </a:lnRef>
-            <a:fillRef idx="1">
-              <a:schemeClr val="accent1"/>
-            </a:fillRef>
-            <a:effectRef idx="0">
-              <a:schemeClr val="accent1"/>
-            </a:effectRef>
-            <a:fontRef idx="minor">
-              <a:schemeClr val="lt1"/>
-            </a:fontRef>
-          </p:style>
-          <p:txBody>
-            <a:bodyPr rtlCol="0" anchor="ctr"/>
-            <a:lstStyle/>
-            <a:p>
-              <a:r>
-                <a:rPr lang="zh-CN" altLang="en-US" b="1" dirty="0" smtClean="0">
-                  <a:solidFill>
-                    <a:schemeClr val="bg1"/>
-                  </a:solidFill>
-                  <a:latin typeface="微软雅黑" panose="020B0503020204020204" pitchFamily="34" charset="-122"/>
-                  <a:ea typeface="微软雅黑" panose="020B0503020204020204" pitchFamily="34" charset="-122"/>
-                </a:rPr>
-                <a:t>论文预览</a:t>
-              </a:r>
-              <a:endParaRPr lang="zh-CN" altLang="en-US" b="1" dirty="0">
-                <a:solidFill>
-                  <a:schemeClr val="bg1"/>
-                </a:solidFill>
-                <a:latin typeface="微软雅黑" panose="020B0503020204020204" pitchFamily="34" charset="-122"/>
-                <a:ea typeface="微软雅黑" panose="020B0503020204020204" pitchFamily="34" charset="-122"/>
-              </a:endParaRPr>
-            </a:p>
-          </p:txBody>
-        </p:sp>
-      </p:grpSp>
-      <p:graphicFrame>
-        <p:nvGraphicFramePr>
-          <p:cNvPr id="11" name="图示 10"/>
-          <p:cNvGraphicFramePr/>
-          <p:nvPr>
-            <p:extLst>
-              <p:ext uri="{D42A27DB-BD31-4B8C-83A1-F6EECF244321}">
-                <p14:modId xmlns:p14="http://schemas.microsoft.com/office/powerpoint/2010/main" val="73652311"/>
-              </p:ext>
-            </p:extLst>
-          </p:nvPr>
-        </p:nvGraphicFramePr>
-        <p:xfrm>
-          <a:off x="2031471" y="720372"/>
-          <a:ext cx="8125883" cy="5417256"/>
-        </p:xfrm>
-        <a:graphic>
-          <a:graphicData uri="http://schemas.openxmlformats.org/drawingml/2006/diagram">
-            <dgm:relIds xmlns:dgm="http://schemas.openxmlformats.org/drawingml/2006/diagram" xmlns:r="http://schemas.openxmlformats.org/officeDocument/2006/relationships" r:dm="rId2" r:lo="rId3" r:qs="rId4" r:cs="rId5"/>
-          </a:graphicData>
-        </a:graphic>
-      </p:graphicFrame>
     </p:spTree>
     <p:extLst>
       <p:ext uri="{BB962C8B-B14F-4D97-AF65-F5344CB8AC3E}">
-        <p14:creationId xmlns:p14="http://schemas.microsoft.com/office/powerpoint/2010/main" val="190870557"/>
+        <p14:creationId xmlns:p14="http://schemas.microsoft.com/office/powerpoint/2010/main" val="529428396"/>
       </p:ext>
     </p:extLst>
   </p:cSld>

--- a/doc/my/物理学论文网站的设计与实现.pptx
+++ b/doc/my/物理学论文网站的设计与实现.pptx
@@ -14726,7 +14726,15 @@
           <a:p>
             <a:r>
               <a:rPr lang="zh-CN" altLang="en-US" b="1" dirty="0"/>
-              <a:t>论文管理系统介绍</a:t>
+              <a:t>论文</a:t>
+            </a:r>
+            <a:r>
+              <a:rPr lang="zh-CN" altLang="en-US" b="1" dirty="0" smtClean="0"/>
+              <a:t>管理系统</a:t>
+            </a:r>
+            <a:r>
+              <a:rPr lang="zh-CN" altLang="en-US" b="1" dirty="0"/>
+              <a:t>功能</a:t>
             </a:r>
             <a:endParaRPr lang="zh-CN" altLang="en-US" b="1" dirty="0"/>
           </a:p>
@@ -14951,7 +14959,6 @@
               <a:rPr lang="zh-CN" altLang="en-US" b="1" dirty="0"/>
               <a:t>论文管理系统介绍</a:t>
             </a:r>
-            <a:endParaRPr lang="zh-CN" altLang="en-US" b="1" dirty="0"/>
           </a:p>
         </p:txBody>
       </p:sp>
@@ -15502,7 +15509,15 @@
           <a:p>
             <a:r>
               <a:rPr lang="zh-CN" altLang="en-US" b="1" dirty="0"/>
-              <a:t>论文管理系统介绍</a:t>
+              <a:t>论文</a:t>
+            </a:r>
+            <a:r>
+              <a:rPr lang="zh-CN" altLang="en-US" b="1" dirty="0" smtClean="0"/>
+              <a:t>管理系统</a:t>
+            </a:r>
+            <a:r>
+              <a:rPr lang="zh-CN" altLang="en-US" b="1" dirty="0"/>
+              <a:t>功能</a:t>
             </a:r>
             <a:endParaRPr lang="zh-CN" altLang="en-US" b="1" dirty="0"/>
           </a:p>
@@ -15727,7 +15742,15 @@
           <a:p>
             <a:r>
               <a:rPr lang="zh-CN" altLang="en-US" b="1" dirty="0"/>
-              <a:t>论文管理系统介绍</a:t>
+              <a:t>论文</a:t>
+            </a:r>
+            <a:r>
+              <a:rPr lang="zh-CN" altLang="en-US" b="1" dirty="0" smtClean="0"/>
+              <a:t>管理系统</a:t>
+            </a:r>
+            <a:r>
+              <a:rPr lang="zh-CN" altLang="en-US" b="1" dirty="0"/>
+              <a:t>功能</a:t>
             </a:r>
             <a:endParaRPr lang="zh-CN" altLang="en-US" b="1" dirty="0"/>
           </a:p>
@@ -18560,6 +18583,13 @@
       </p:transition>
     </mc:Fallback>
   </mc:AlternateContent>
+  <p:timing>
+    <p:tnLst>
+      <p:par>
+        <p:cTn id="1" dur="indefinite" restart="never" nodeType="tmRoot"/>
+      </p:par>
+    </p:tnLst>
+  </p:timing>
 </p:sld>
 </file>
 
@@ -18994,7 +19024,14 @@
                 <a:latin typeface="微软雅黑" panose="020B0503020204020204" pitchFamily="34" charset="-122"/>
                 <a:ea typeface="微软雅黑" panose="020B0503020204020204" pitchFamily="34" charset="-122"/>
               </a:rPr>
-              <a:t>论文管理系统介绍</a:t>
+              <a:t>论文</a:t>
+            </a:r>
+            <a:r>
+              <a:rPr lang="zh-CN" altLang="en-US" sz="2800" b="1" dirty="0" smtClean="0">
+                <a:latin typeface="微软雅黑" panose="020B0503020204020204" pitchFamily="34" charset="-122"/>
+                <a:ea typeface="微软雅黑" panose="020B0503020204020204" pitchFamily="34" charset="-122"/>
+              </a:rPr>
+              <a:t>管理系统简介</a:t>
             </a:r>
             <a:endParaRPr lang="zh-CN" altLang="en-US" sz="2800" b="1" dirty="0">
               <a:latin typeface="微软雅黑" panose="020B0503020204020204" pitchFamily="34" charset="-122"/>
@@ -19135,10 +19172,6 @@
               </a:rPr>
               <a:t>论文管理系统功能</a:t>
             </a:r>
-            <a:endParaRPr lang="zh-CN" altLang="en-US" sz="2800" b="1" dirty="0">
-              <a:latin typeface="微软雅黑" panose="020B0503020204020204" pitchFamily="34" charset="-122"/>
-              <a:ea typeface="微软雅黑" panose="020B0503020204020204" pitchFamily="34" charset="-122"/>
-            </a:endParaRPr>
           </a:p>
         </p:txBody>
       </p:sp>
@@ -21563,11 +21596,15 @@
           <a:p>
             <a:r>
               <a:rPr lang="zh-CN" altLang="en-US" b="1" dirty="0"/>
-              <a:t>论文管理系统</a:t>
+              <a:t>论文</a:t>
             </a:r>
             <a:r>
               <a:rPr lang="zh-CN" altLang="en-US" b="1" dirty="0" smtClean="0"/>
-              <a:t>介绍</a:t>
+              <a:t>管理系统</a:t>
+            </a:r>
+            <a:r>
+              <a:rPr lang="zh-CN" altLang="en-US" b="1" dirty="0" smtClean="0"/>
+              <a:t>简介</a:t>
             </a:r>
             <a:endParaRPr lang="zh-CN" altLang="en-US" dirty="0"/>
           </a:p>
@@ -21658,18 +21695,25 @@
   <p:clrMapOvr>
     <a:masterClrMapping/>
   </p:clrMapOvr>
-  <mc:AlternateContent xmlns:mc="http://schemas.openxmlformats.org/markup-compatibility/2006">
-    <mc:Choice xmlns:p14="http://schemas.microsoft.com/office/powerpoint/2010/main" Requires="p14">
+  <mc:AlternateContent xmlns:mc="http://schemas.openxmlformats.org/markup-compatibility/2006" xmlns:p14="http://schemas.microsoft.com/office/powerpoint/2010/main">
+    <mc:Choice Requires="p14">
       <p:transition spd="med" p14:dur="700">
         <p:fade/>
       </p:transition>
     </mc:Choice>
-    <mc:Fallback>
+    <mc:Fallback xmlns="">
       <p:transition spd="med">
         <p:fade/>
       </p:transition>
     </mc:Fallback>
   </mc:AlternateContent>
+  <p:timing>
+    <p:tnLst>
+      <p:par>
+        <p:cTn id="1" dur="indefinite" restart="never" nodeType="tmRoot"/>
+      </p:par>
+    </p:tnLst>
+  </p:timing>
 </p:sld>
 </file>
 
@@ -21712,7 +21756,15 @@
           <a:p>
             <a:r>
               <a:rPr lang="zh-CN" altLang="en-US" b="1" dirty="0"/>
-              <a:t>论文管理系统介绍</a:t>
+              <a:t>论文</a:t>
+            </a:r>
+            <a:r>
+              <a:rPr lang="zh-CN" altLang="en-US" b="1" dirty="0" smtClean="0"/>
+              <a:t>管理系统</a:t>
+            </a:r>
+            <a:r>
+              <a:rPr lang="zh-CN" altLang="en-US" b="1" dirty="0"/>
+              <a:t>简介</a:t>
             </a:r>
             <a:endParaRPr lang="zh-CN" altLang="en-US" b="1" dirty="0"/>
           </a:p>
@@ -22174,13 +22226,17 @@
           <a:p>
             <a:r>
               <a:rPr lang="zh-CN" altLang="en-US" b="1" dirty="0"/>
-              <a:t>论文管理系统</a:t>
+              <a:t>论文</a:t>
             </a:r>
             <a:r>
               <a:rPr lang="zh-CN" altLang="en-US" b="1" dirty="0" smtClean="0"/>
-              <a:t>介绍</a:t>
+              <a:t>管理系统</a:t>
             </a:r>
-            <a:endParaRPr lang="zh-CN" altLang="en-US" dirty="0"/>
+            <a:r>
+              <a:rPr lang="zh-CN" altLang="en-US" b="1" dirty="0"/>
+              <a:t>功能</a:t>
+            </a:r>
+            <a:endParaRPr lang="zh-CN" altLang="en-US" b="1" dirty="0"/>
           </a:p>
         </p:txBody>
       </p:sp>
@@ -22349,13 +22405,13 @@
   <p:clrMapOvr>
     <a:masterClrMapping/>
   </p:clrMapOvr>
-  <mc:AlternateContent xmlns:mc="http://schemas.openxmlformats.org/markup-compatibility/2006">
-    <mc:Choice xmlns:p14="http://schemas.microsoft.com/office/powerpoint/2010/main" Requires="p14">
+  <mc:AlternateContent xmlns:mc="http://schemas.openxmlformats.org/markup-compatibility/2006" xmlns:p14="http://schemas.microsoft.com/office/powerpoint/2010/main">
+    <mc:Choice Requires="p14">
       <p:transition spd="med" p14:dur="700">
         <p:fade/>
       </p:transition>
     </mc:Choice>
-    <mc:Fallback>
+    <mc:Fallback xmlns="">
       <p:transition spd="med">
         <p:fade/>
       </p:transition>
@@ -22551,7 +22607,15 @@
           <a:p>
             <a:r>
               <a:rPr lang="zh-CN" altLang="en-US" b="1" dirty="0"/>
-              <a:t>论文管理系统介绍</a:t>
+              <a:t>论文</a:t>
+            </a:r>
+            <a:r>
+              <a:rPr lang="zh-CN" altLang="en-US" b="1" dirty="0" smtClean="0"/>
+              <a:t>管理系统</a:t>
+            </a:r>
+            <a:r>
+              <a:rPr lang="zh-CN" altLang="en-US" b="1" dirty="0"/>
+              <a:t>功能</a:t>
             </a:r>
             <a:endParaRPr lang="zh-CN" altLang="en-US" b="1" dirty="0"/>
           </a:p>
